--- a/Presentation.pptx
+++ b/Presentation.pptx
@@ -113,6 +113,21 @@
     </a:lvl9pPr>
   </p:defaultTextStyle>
   <p:extLst>
+    <p:ext uri="{521415D9-36F7-43E2-AB2F-B90AF26B5E84}">
+      <p14:sectionLst xmlns:p14="http://schemas.microsoft.com/office/powerpoint/2010/main">
+        <p14:section name="Sezione predefinita" id="{2397E1BF-4255-46E9-B0A8-33B69D10BBDD}">
+          <p14:sldIdLst>
+            <p14:sldId id="256"/>
+          </p14:sldIdLst>
+        </p14:section>
+        <p14:section name="Sezione senza titolo" id="{6AAD66DC-B780-4A12-9575-01D522EF7867}">
+          <p14:sldIdLst>
+            <p14:sldId id="258"/>
+            <p14:sldId id="259"/>
+          </p14:sldIdLst>
+        </p14:section>
+      </p14:sectionLst>
+    </p:ext>
     <p:ext uri="{EFAFB233-063F-42B5-8137-9DF3F51BA10A}">
       <p15:sldGuideLst xmlns:p15="http://schemas.microsoft.com/office/powerpoint/2012/main">
         <p15:guide id="1" orient="horz" pos="2160">
@@ -133,7 +148,7 @@
 
 <file path=ppt/commentAuthors.xml><?xml version="1.0" encoding="utf-8"?>
 <p:cmAuthorLst xmlns:a="http://schemas.openxmlformats.org/drawingml/2006/main" xmlns:r="http://schemas.openxmlformats.org/officeDocument/2006/relationships" xmlns:p="http://schemas.openxmlformats.org/presentationml/2006/main">
-  <p:cmAuthor id="1" name="CIRO ARENA" initials="CA" lastIdx="2" clrIdx="0">
+  <p:cmAuthor id="1" name="CIRO ARENA" initials="CA" lastIdx="5" clrIdx="0">
     <p:extLst>
       <p:ext uri="{19B8F6BF-5375-455C-9EA6-DF929625EA0E}">
         <p15:presenceInfo xmlns:p15="http://schemas.microsoft.com/office/powerpoint/2012/main" userId="CIRO ARENA" providerId="None"/>
@@ -225,7 +240,7 @@
           <a:p>
             <a:fld id="{0914F915-DDDE-4CAA-895D-614564BB8837}" type="datetimeFigureOut">
               <a:rPr lang="en-GB" smtClean="0"/>
-              <a:t>25/01/2023</a:t>
+              <a:t>17/02/2023</a:t>
             </a:fld>
             <a:endParaRPr lang="en-GB"/>
           </a:p>
@@ -390,7 +405,7 @@
           <a:p>
             <a:fld id="{A9D4C5A5-33D0-4441-96FE-163C8B7C9D3F}" type="datetimeFigureOut">
               <a:rPr lang="en-GB" smtClean="0"/>
-              <a:t>25/01/2023</a:t>
+              <a:t>17/02/2023</a:t>
             </a:fld>
             <a:endParaRPr lang="en-GB"/>
           </a:p>
@@ -1005,7 +1020,7 @@
           <a:p>
             <a:fld id="{2C790A91-0F3D-9944-94EF-F5C93CDE0643}" type="datetimeFigureOut">
               <a:rPr lang="it-IT" smtClean="0"/>
-              <a:t>25/01/2023</a:t>
+              <a:t>17/02/2023</a:t>
             </a:fld>
             <a:endParaRPr lang="it-IT"/>
           </a:p>
@@ -1173,7 +1188,7 @@
           <a:p>
             <a:fld id="{2C790A91-0F3D-9944-94EF-F5C93CDE0643}" type="datetimeFigureOut">
               <a:rPr lang="it-IT" smtClean="0"/>
-              <a:t>25/01/2023</a:t>
+              <a:t>17/02/2023</a:t>
             </a:fld>
             <a:endParaRPr lang="it-IT"/>
           </a:p>
@@ -1351,7 +1366,7 @@
           <a:p>
             <a:fld id="{2C790A91-0F3D-9944-94EF-F5C93CDE0643}" type="datetimeFigureOut">
               <a:rPr lang="it-IT" smtClean="0"/>
-              <a:t>25/01/2023</a:t>
+              <a:t>17/02/2023</a:t>
             </a:fld>
             <a:endParaRPr lang="it-IT"/>
           </a:p>
@@ -1519,7 +1534,7 @@
           <a:p>
             <a:fld id="{2C790A91-0F3D-9944-94EF-F5C93CDE0643}" type="datetimeFigureOut">
               <a:rPr lang="it-IT" smtClean="0"/>
-              <a:t>25/01/2023</a:t>
+              <a:t>17/02/2023</a:t>
             </a:fld>
             <a:endParaRPr lang="it-IT"/>
           </a:p>
@@ -1764,7 +1779,7 @@
           <a:p>
             <a:fld id="{2C790A91-0F3D-9944-94EF-F5C93CDE0643}" type="datetimeFigureOut">
               <a:rPr lang="it-IT" smtClean="0"/>
-              <a:t>25/01/2023</a:t>
+              <a:t>17/02/2023</a:t>
             </a:fld>
             <a:endParaRPr lang="it-IT"/>
           </a:p>
@@ -2049,7 +2064,7 @@
           <a:p>
             <a:fld id="{2C790A91-0F3D-9944-94EF-F5C93CDE0643}" type="datetimeFigureOut">
               <a:rPr lang="it-IT" smtClean="0"/>
-              <a:t>25/01/2023</a:t>
+              <a:t>17/02/2023</a:t>
             </a:fld>
             <a:endParaRPr lang="it-IT"/>
           </a:p>
@@ -2468,7 +2483,7 @@
           <a:p>
             <a:fld id="{2C790A91-0F3D-9944-94EF-F5C93CDE0643}" type="datetimeFigureOut">
               <a:rPr lang="it-IT" smtClean="0"/>
-              <a:t>25/01/2023</a:t>
+              <a:t>17/02/2023</a:t>
             </a:fld>
             <a:endParaRPr lang="it-IT"/>
           </a:p>
@@ -2585,7 +2600,7 @@
           <a:p>
             <a:fld id="{2C790A91-0F3D-9944-94EF-F5C93CDE0643}" type="datetimeFigureOut">
               <a:rPr lang="it-IT" smtClean="0"/>
-              <a:t>25/01/2023</a:t>
+              <a:t>17/02/2023</a:t>
             </a:fld>
             <a:endParaRPr lang="it-IT"/>
           </a:p>
@@ -2680,7 +2695,7 @@
           <a:p>
             <a:fld id="{2C790A91-0F3D-9944-94EF-F5C93CDE0643}" type="datetimeFigureOut">
               <a:rPr lang="it-IT" smtClean="0"/>
-              <a:t>25/01/2023</a:t>
+              <a:t>17/02/2023</a:t>
             </a:fld>
             <a:endParaRPr lang="it-IT"/>
           </a:p>
@@ -2955,7 +2970,7 @@
           <a:p>
             <a:fld id="{2C790A91-0F3D-9944-94EF-F5C93CDE0643}" type="datetimeFigureOut">
               <a:rPr lang="it-IT" smtClean="0"/>
-              <a:t>25/01/2023</a:t>
+              <a:t>17/02/2023</a:t>
             </a:fld>
             <a:endParaRPr lang="it-IT"/>
           </a:p>
@@ -3207,7 +3222,7 @@
           <a:p>
             <a:fld id="{2C790A91-0F3D-9944-94EF-F5C93CDE0643}" type="datetimeFigureOut">
               <a:rPr lang="it-IT" smtClean="0"/>
-              <a:t>25/01/2023</a:t>
+              <a:t>17/02/2023</a:t>
             </a:fld>
             <a:endParaRPr lang="it-IT"/>
           </a:p>
@@ -3418,7 +3433,7 @@
           <a:p>
             <a:fld id="{2C790A91-0F3D-9944-94EF-F5C93CDE0643}" type="datetimeFigureOut">
               <a:rPr lang="it-IT" smtClean="0"/>
-              <a:t>25/01/2023</a:t>
+              <a:t>17/02/2023</a:t>
             </a:fld>
             <a:endParaRPr lang="it-IT"/>
           </a:p>
@@ -4212,7 +4227,7 @@
         </p:nvSpPr>
         <p:spPr>
           <a:xfrm>
-            <a:off x="1811706" y="4928731"/>
+            <a:off x="1811706" y="4892468"/>
             <a:ext cx="5400854" cy="461665"/>
           </a:xfrm>
           <a:prstGeom prst="rect">
@@ -4500,6 +4515,171 @@
               </a:rPr>
               <a:t>OUTLINE</a:t>
             </a:r>
+          </a:p>
+        </p:txBody>
+      </p:sp>
+      <p:sp>
+        <p:nvSpPr>
+          <p:cNvPr id="7" name="Rectangle 3">
+            <a:extLst>
+              <a:ext uri="{FF2B5EF4-FFF2-40B4-BE49-F238E27FC236}">
+                <a16:creationId xmlns:a16="http://schemas.microsoft.com/office/drawing/2014/main" id="{2D8581D4-7E28-475F-B34E-6F1928436556}"/>
+              </a:ext>
+            </a:extLst>
+          </p:cNvPr>
+          <p:cNvSpPr/>
+          <p:nvPr/>
+        </p:nvSpPr>
+        <p:spPr>
+          <a:xfrm>
+            <a:off x="224949" y="843396"/>
+            <a:ext cx="6475796" cy="2338782"/>
+          </a:xfrm>
+          <a:prstGeom prst="rect">
+            <a:avLst/>
+          </a:prstGeom>
+        </p:spPr>
+        <p:txBody>
+          <a:bodyPr wrap="square">
+            <a:spAutoFit/>
+          </a:bodyPr>
+          <a:lstStyle/>
+          <a:p>
+            <a:pPr marL="342900" lvl="0" indent="-342900">
+              <a:lnSpc>
+                <a:spcPct val="150000"/>
+              </a:lnSpc>
+              <a:spcBef>
+                <a:spcPct val="20000"/>
+              </a:spcBef>
+              <a:buClr>
+                <a:srgbClr val="FFDC00"/>
+              </a:buClr>
+              <a:buSzPct val="70000"/>
+              <a:buFont typeface="Wingdings" pitchFamily="2" charset="2"/>
+              <a:buChar char="u"/>
+            </a:pPr>
+            <a:r>
+              <a:rPr lang="it-IT" dirty="0">
+                <a:solidFill>
+                  <a:srgbClr val="162230"/>
+                </a:solidFill>
+                <a:latin typeface="Century Gothic" pitchFamily="34" charset="0"/>
+              </a:rPr>
+              <a:t>Simulink model</a:t>
+            </a:r>
+          </a:p>
+          <a:p>
+            <a:pPr marL="800100" lvl="1" indent="-342900">
+              <a:lnSpc>
+                <a:spcPct val="150000"/>
+              </a:lnSpc>
+              <a:spcBef>
+                <a:spcPct val="20000"/>
+              </a:spcBef>
+              <a:buClr>
+                <a:srgbClr val="971720"/>
+              </a:buClr>
+              <a:buSzPct val="70000"/>
+              <a:buFont typeface="Wingdings" pitchFamily="2" charset="2"/>
+              <a:buChar char="u"/>
+            </a:pPr>
+            <a:r>
+              <a:rPr lang="it-IT" dirty="0">
+                <a:solidFill>
+                  <a:srgbClr val="162230"/>
+                </a:solidFill>
+                <a:latin typeface="Century Gothic" pitchFamily="34" charset="0"/>
+              </a:rPr>
+              <a:t>Open loop analysis</a:t>
+            </a:r>
+          </a:p>
+          <a:p>
+            <a:pPr marL="342900" lvl="0" indent="-342900">
+              <a:lnSpc>
+                <a:spcPct val="150000"/>
+              </a:lnSpc>
+              <a:spcBef>
+                <a:spcPct val="20000"/>
+              </a:spcBef>
+              <a:buClr>
+                <a:srgbClr val="FFDC00"/>
+              </a:buClr>
+              <a:buSzPct val="70000"/>
+              <a:buFont typeface="Wingdings" pitchFamily="2" charset="2"/>
+              <a:buChar char="u"/>
+            </a:pPr>
+            <a:r>
+              <a:rPr lang="it-IT" dirty="0">
+                <a:solidFill>
+                  <a:srgbClr val="162230"/>
+                </a:solidFill>
+                <a:latin typeface="Century Gothic" pitchFamily="34" charset="0"/>
+              </a:rPr>
+              <a:t>Sintesi</a:t>
+            </a:r>
+          </a:p>
+          <a:p>
+            <a:pPr marL="800100" lvl="1" indent="-342900">
+              <a:lnSpc>
+                <a:spcPct val="150000"/>
+              </a:lnSpc>
+              <a:spcBef>
+                <a:spcPct val="20000"/>
+              </a:spcBef>
+              <a:buClr>
+                <a:srgbClr val="971720"/>
+              </a:buClr>
+              <a:buSzPct val="70000"/>
+              <a:buFont typeface="Wingdings" pitchFamily="2" charset="2"/>
+              <a:buChar char="u"/>
+            </a:pPr>
+            <a:r>
+              <a:rPr lang="it-IT" dirty="0">
+                <a:solidFill>
+                  <a:srgbClr val="162230"/>
+                </a:solidFill>
+                <a:latin typeface="Century Gothic" pitchFamily="34" charset="0"/>
+              </a:rPr>
+              <a:t>Controllo Lineare</a:t>
+            </a:r>
+            <a:endParaRPr lang="it-IT" dirty="0">
+              <a:solidFill>
+                <a:srgbClr val="4A7EBB"/>
+              </a:solidFill>
+              <a:latin typeface="Century Gothic" pitchFamily="34" charset="0"/>
+            </a:endParaRPr>
+          </a:p>
+          <a:p>
+            <a:pPr marL="800100" lvl="1" indent="-342900">
+              <a:lnSpc>
+                <a:spcPct val="150000"/>
+              </a:lnSpc>
+              <a:spcBef>
+                <a:spcPct val="20000"/>
+              </a:spcBef>
+              <a:buClr>
+                <a:srgbClr val="971720"/>
+              </a:buClr>
+              <a:buSzPct val="70000"/>
+              <a:buFont typeface="Wingdings" pitchFamily="2" charset="2"/>
+              <a:buChar char="u"/>
+            </a:pPr>
+            <a:r>
+              <a:rPr lang="it-IT" dirty="0">
+                <a:solidFill>
+                  <a:srgbClr val="162230"/>
+                </a:solidFill>
+                <a:latin typeface="Century Gothic" pitchFamily="34" charset="0"/>
+              </a:rPr>
+              <a:t>I/O Feedback Linearization</a:t>
+            </a:r>
+            <a:endParaRPr lang="it-IT" dirty="0">
+              <a:solidFill>
+                <a:srgbClr val="4A7EBB"/>
+              </a:solidFill>
+              <a:latin typeface="Century Gothic" pitchFamily="34" charset="0"/>
+            </a:endParaRPr>
           </a:p>
         </p:txBody>
       </p:sp>

--- a/Presentation.pptx
+++ b/Presentation.pptx
@@ -5,15 +5,19 @@
     <p:sldMasterId id="2147483648" r:id="rId1"/>
   </p:sldMasterIdLst>
   <p:notesMasterIdLst>
-    <p:notesMasterId r:id="rId5"/>
+    <p:notesMasterId r:id="rId9"/>
   </p:notesMasterIdLst>
   <p:handoutMasterIdLst>
-    <p:handoutMasterId r:id="rId6"/>
+    <p:handoutMasterId r:id="rId10"/>
   </p:handoutMasterIdLst>
   <p:sldIdLst>
     <p:sldId id="256" r:id="rId2"/>
     <p:sldId id="258" r:id="rId3"/>
     <p:sldId id="259" r:id="rId4"/>
+    <p:sldId id="260" r:id="rId5"/>
+    <p:sldId id="262" r:id="rId6"/>
+    <p:sldId id="263" r:id="rId7"/>
+    <p:sldId id="264" r:id="rId8"/>
   </p:sldIdLst>
   <p:sldSz cx="9144000" cy="6858000" type="screen4x3"/>
   <p:notesSz cx="6858000" cy="9144000"/>
@@ -124,6 +128,10 @@
           <p14:sldIdLst>
             <p14:sldId id="258"/>
             <p14:sldId id="259"/>
+            <p14:sldId id="260"/>
+            <p14:sldId id="262"/>
+            <p14:sldId id="263"/>
+            <p14:sldId id="264"/>
           </p14:sldIdLst>
         </p14:section>
       </p14:sectionLst>
@@ -240,7 +248,7 @@
           <a:p>
             <a:fld id="{0914F915-DDDE-4CAA-895D-614564BB8837}" type="datetimeFigureOut">
               <a:rPr lang="en-GB" smtClean="0"/>
-              <a:t>17/02/2023</a:t>
+              <a:t>27/02/2023</a:t>
             </a:fld>
             <a:endParaRPr lang="en-GB"/>
           </a:p>
@@ -405,7 +413,7 @@
           <a:p>
             <a:fld id="{A9D4C5A5-33D0-4441-96FE-163C8B7C9D3F}" type="datetimeFigureOut">
               <a:rPr lang="en-GB" smtClean="0"/>
-              <a:t>17/02/2023</a:t>
+              <a:t>27/02/2023</a:t>
             </a:fld>
             <a:endParaRPr lang="en-GB"/>
           </a:p>
@@ -841,6 +849,90 @@
 </p:notes>
 </file>
 
+<file path=ppt/notesSlides/notesSlide3.xml><?xml version="1.0" encoding="utf-8"?>
+<p:notes xmlns:a="http://schemas.openxmlformats.org/drawingml/2006/main" xmlns:r="http://schemas.openxmlformats.org/officeDocument/2006/relationships" xmlns:p="http://schemas.openxmlformats.org/presentationml/2006/main">
+  <p:cSld>
+    <p:spTree>
+      <p:nvGrpSpPr>
+        <p:cNvPr id="1" name=""/>
+        <p:cNvGrpSpPr/>
+        <p:nvPr/>
+      </p:nvGrpSpPr>
+      <p:grpSpPr>
+        <a:xfrm>
+          <a:off x="0" y="0"/>
+          <a:ext cx="0" cy="0"/>
+          <a:chOff x="0" y="0"/>
+          <a:chExt cx="0" cy="0"/>
+        </a:xfrm>
+      </p:grpSpPr>
+      <p:sp>
+        <p:nvSpPr>
+          <p:cNvPr id="2" name="Segnaposto immagine diapositiva 1"/>
+          <p:cNvSpPr>
+            <a:spLocks noGrp="1" noRot="1" noChangeAspect="1"/>
+          </p:cNvSpPr>
+          <p:nvPr>
+            <p:ph type="sldImg"/>
+          </p:nvPr>
+        </p:nvSpPr>
+        <p:spPr/>
+      </p:sp>
+      <p:sp>
+        <p:nvSpPr>
+          <p:cNvPr id="3" name="Segnaposto note 2"/>
+          <p:cNvSpPr>
+            <a:spLocks noGrp="1"/>
+          </p:cNvSpPr>
+          <p:nvPr>
+            <p:ph type="body" idx="1"/>
+          </p:nvPr>
+        </p:nvSpPr>
+        <p:spPr/>
+        <p:txBody>
+          <a:bodyPr/>
+          <a:lstStyle/>
+          <a:p>
+            <a:endParaRPr lang="it-IT" dirty="0"/>
+          </a:p>
+        </p:txBody>
+      </p:sp>
+      <p:sp>
+        <p:nvSpPr>
+          <p:cNvPr id="4" name="Segnaposto numero diapositiva 3"/>
+          <p:cNvSpPr>
+            <a:spLocks noGrp="1"/>
+          </p:cNvSpPr>
+          <p:nvPr>
+            <p:ph type="sldNum" sz="quarter" idx="5"/>
+          </p:nvPr>
+        </p:nvSpPr>
+        <p:spPr/>
+        <p:txBody>
+          <a:bodyPr/>
+          <a:lstStyle/>
+          <a:p>
+            <a:fld id="{EE04E1B5-63BC-4334-9D81-D58D41015F1C}" type="slidenum">
+              <a:rPr lang="en-GB" smtClean="0"/>
+              <a:t>6</a:t>
+            </a:fld>
+            <a:endParaRPr lang="en-GB"/>
+          </a:p>
+        </p:txBody>
+      </p:sp>
+    </p:spTree>
+    <p:extLst>
+      <p:ext uri="{BB962C8B-B14F-4D97-AF65-F5344CB8AC3E}">
+        <p14:creationId xmlns:p14="http://schemas.microsoft.com/office/powerpoint/2010/main" val="1155236122"/>
+      </p:ext>
+    </p:extLst>
+  </p:cSld>
+  <p:clrMapOvr>
+    <a:masterClrMapping/>
+  </p:clrMapOvr>
+</p:notes>
+</file>
+
 <file path=ppt/slideLayouts/slideLayout1.xml><?xml version="1.0" encoding="utf-8"?>
 <p:sldLayout xmlns:a="http://schemas.openxmlformats.org/drawingml/2006/main" xmlns:r="http://schemas.openxmlformats.org/officeDocument/2006/relationships" xmlns:p="http://schemas.openxmlformats.org/presentationml/2006/main" type="title" preserve="1">
   <p:cSld name="Diapositiva titolo">
@@ -1020,7 +1112,7 @@
           <a:p>
             <a:fld id="{2C790A91-0F3D-9944-94EF-F5C93CDE0643}" type="datetimeFigureOut">
               <a:rPr lang="it-IT" smtClean="0"/>
-              <a:t>17/02/2023</a:t>
+              <a:t>27/02/2023</a:t>
             </a:fld>
             <a:endParaRPr lang="it-IT"/>
           </a:p>
@@ -1188,7 +1280,7 @@
           <a:p>
             <a:fld id="{2C790A91-0F3D-9944-94EF-F5C93CDE0643}" type="datetimeFigureOut">
               <a:rPr lang="it-IT" smtClean="0"/>
-              <a:t>17/02/2023</a:t>
+              <a:t>27/02/2023</a:t>
             </a:fld>
             <a:endParaRPr lang="it-IT"/>
           </a:p>
@@ -1366,7 +1458,7 @@
           <a:p>
             <a:fld id="{2C790A91-0F3D-9944-94EF-F5C93CDE0643}" type="datetimeFigureOut">
               <a:rPr lang="it-IT" smtClean="0"/>
-              <a:t>17/02/2023</a:t>
+              <a:t>27/02/2023</a:t>
             </a:fld>
             <a:endParaRPr lang="it-IT"/>
           </a:p>
@@ -1534,7 +1626,7 @@
           <a:p>
             <a:fld id="{2C790A91-0F3D-9944-94EF-F5C93CDE0643}" type="datetimeFigureOut">
               <a:rPr lang="it-IT" smtClean="0"/>
-              <a:t>17/02/2023</a:t>
+              <a:t>27/02/2023</a:t>
             </a:fld>
             <a:endParaRPr lang="it-IT"/>
           </a:p>
@@ -1779,7 +1871,7 @@
           <a:p>
             <a:fld id="{2C790A91-0F3D-9944-94EF-F5C93CDE0643}" type="datetimeFigureOut">
               <a:rPr lang="it-IT" smtClean="0"/>
-              <a:t>17/02/2023</a:t>
+              <a:t>27/02/2023</a:t>
             </a:fld>
             <a:endParaRPr lang="it-IT"/>
           </a:p>
@@ -2064,7 +2156,7 @@
           <a:p>
             <a:fld id="{2C790A91-0F3D-9944-94EF-F5C93CDE0643}" type="datetimeFigureOut">
               <a:rPr lang="it-IT" smtClean="0"/>
-              <a:t>17/02/2023</a:t>
+              <a:t>27/02/2023</a:t>
             </a:fld>
             <a:endParaRPr lang="it-IT"/>
           </a:p>
@@ -2483,7 +2575,7 @@
           <a:p>
             <a:fld id="{2C790A91-0F3D-9944-94EF-F5C93CDE0643}" type="datetimeFigureOut">
               <a:rPr lang="it-IT" smtClean="0"/>
-              <a:t>17/02/2023</a:t>
+              <a:t>27/02/2023</a:t>
             </a:fld>
             <a:endParaRPr lang="it-IT"/>
           </a:p>
@@ -2600,7 +2692,7 @@
           <a:p>
             <a:fld id="{2C790A91-0F3D-9944-94EF-F5C93CDE0643}" type="datetimeFigureOut">
               <a:rPr lang="it-IT" smtClean="0"/>
-              <a:t>17/02/2023</a:t>
+              <a:t>27/02/2023</a:t>
             </a:fld>
             <a:endParaRPr lang="it-IT"/>
           </a:p>
@@ -2695,7 +2787,7 @@
           <a:p>
             <a:fld id="{2C790A91-0F3D-9944-94EF-F5C93CDE0643}" type="datetimeFigureOut">
               <a:rPr lang="it-IT" smtClean="0"/>
-              <a:t>17/02/2023</a:t>
+              <a:t>27/02/2023</a:t>
             </a:fld>
             <a:endParaRPr lang="it-IT"/>
           </a:p>
@@ -2970,7 +3062,7 @@
           <a:p>
             <a:fld id="{2C790A91-0F3D-9944-94EF-F5C93CDE0643}" type="datetimeFigureOut">
               <a:rPr lang="it-IT" smtClean="0"/>
-              <a:t>17/02/2023</a:t>
+              <a:t>27/02/2023</a:t>
             </a:fld>
             <a:endParaRPr lang="it-IT"/>
           </a:p>
@@ -3222,7 +3314,7 @@
           <a:p>
             <a:fld id="{2C790A91-0F3D-9944-94EF-F5C93CDE0643}" type="datetimeFigureOut">
               <a:rPr lang="it-IT" smtClean="0"/>
-              <a:t>17/02/2023</a:t>
+              <a:t>27/02/2023</a:t>
             </a:fld>
             <a:endParaRPr lang="it-IT"/>
           </a:p>
@@ -3433,7 +3525,7 @@
           <a:p>
             <a:fld id="{2C790A91-0F3D-9944-94EF-F5C93CDE0643}" type="datetimeFigureOut">
               <a:rPr lang="it-IT" smtClean="0"/>
-              <a:t>17/02/2023</a:t>
+              <a:t>27/02/2023</a:t>
             </a:fld>
             <a:endParaRPr lang="it-IT"/>
           </a:p>
@@ -4817,7 +4909,7 @@
           <p:nvPr/>
         </p:nvPicPr>
         <p:blipFill>
-          <a:blip r:embed="rId2" cstate="print">
+          <a:blip r:embed="rId8" cstate="print">
             <a:extLst>
               <a:ext uri="{28A0092B-C50C-407E-A947-70E740481C1C}">
                 <a14:useLocalDpi xmlns:a14="http://schemas.microsoft.com/office/drawing/2010/main" val="0"/>
@@ -4847,6 +4939,958 @@
               </a14:hiddenFill>
             </a:ext>
           </a:extLst>
+        </p:spPr>
+      </p:pic>
+      <p:sp>
+        <p:nvSpPr>
+          <p:cNvPr id="5" name="CasellaDiTesto 4">
+            <a:extLst>
+              <a:ext uri="{FF2B5EF4-FFF2-40B4-BE49-F238E27FC236}">
+                <a16:creationId xmlns:a16="http://schemas.microsoft.com/office/drawing/2014/main" id="{6FDBA827-8FA3-46E0-8A1D-D1878E75AA55}"/>
+              </a:ext>
+            </a:extLst>
+          </p:cNvPr>
+          <p:cNvSpPr txBox="1"/>
+          <p:nvPr/>
+        </p:nvSpPr>
+        <p:spPr>
+          <a:xfrm>
+            <a:off x="30673" y="75946"/>
+            <a:ext cx="4595326" cy="584775"/>
+          </a:xfrm>
+          <a:prstGeom prst="rect">
+            <a:avLst/>
+          </a:prstGeom>
+          <a:noFill/>
+        </p:spPr>
+        <p:txBody>
+          <a:bodyPr wrap="square">
+            <a:spAutoFit/>
+          </a:bodyPr>
+          <a:lstStyle/>
+          <a:p>
+            <a:r>
+              <a:rPr kumimoji="0" lang="it-IT" sz="3200" b="0" i="0" u="none" strike="noStrike" kern="1200" cap="none" spc="0" normalizeH="0" baseline="0" noProof="0" dirty="0">
+                <a:ln>
+                  <a:noFill/>
+                </a:ln>
+                <a:solidFill>
+                  <a:srgbClr val="971720"/>
+                </a:solidFill>
+                <a:effectLst/>
+                <a:uLnTx/>
+                <a:uFillTx/>
+                <a:latin typeface="Century Gothic"/>
+                <a:ea typeface="+mn-ea"/>
+                <a:cs typeface="Century Gothic"/>
+              </a:rPr>
+              <a:t>Simulink model</a:t>
+            </a:r>
+            <a:endParaRPr lang="it-IT" dirty="0"/>
+          </a:p>
+        </p:txBody>
+      </p:sp>
+      <p:sp>
+        <p:nvSpPr>
+          <p:cNvPr id="8" name="Rettangolo 7">
+            <a:extLst>
+              <a:ext uri="{FF2B5EF4-FFF2-40B4-BE49-F238E27FC236}">
+                <a16:creationId xmlns:a16="http://schemas.microsoft.com/office/drawing/2014/main" id="{569ED4E3-E8D8-466E-9AB6-40FB4F0CB9F1}"/>
+              </a:ext>
+            </a:extLst>
+          </p:cNvPr>
+          <p:cNvSpPr/>
+          <p:nvPr/>
+        </p:nvSpPr>
+        <p:spPr>
+          <a:xfrm>
+            <a:off x="4222101" y="1007519"/>
+            <a:ext cx="1838131" cy="631495"/>
+          </a:xfrm>
+          <a:prstGeom prst="rect">
+            <a:avLst/>
+          </a:prstGeom>
+          <a:noFill/>
+          <a:ln>
+            <a:noFill/>
+          </a:ln>
+        </p:spPr>
+        <p:style>
+          <a:lnRef idx="0">
+            <a:scrgbClr r="0" g="0" b="0"/>
+          </a:lnRef>
+          <a:fillRef idx="0">
+            <a:scrgbClr r="0" g="0" b="0"/>
+          </a:fillRef>
+          <a:effectRef idx="0">
+            <a:scrgbClr r="0" g="0" b="0"/>
+          </a:effectRef>
+          <a:fontRef idx="minor">
+            <a:schemeClr val="accent2"/>
+          </a:fontRef>
+        </p:style>
+        <p:txBody>
+          <a:bodyPr rtlCol="0" anchor="ctr"/>
+          <a:lstStyle/>
+          <a:p>
+            <a:pPr algn="ctr"/>
+            <a:endParaRPr lang="it-IT"/>
+          </a:p>
+        </p:txBody>
+      </p:sp>
+      <p:cxnSp>
+        <p:nvCxnSpPr>
+          <p:cNvPr id="10" name="Connettore 2 9">
+            <a:extLst>
+              <a:ext uri="{FF2B5EF4-FFF2-40B4-BE49-F238E27FC236}">
+                <a16:creationId xmlns:a16="http://schemas.microsoft.com/office/drawing/2014/main" id="{EA38A580-1519-4805-AE7B-30EE4984F35E}"/>
+              </a:ext>
+            </a:extLst>
+          </p:cNvPr>
+          <p:cNvCxnSpPr/>
+          <p:nvPr/>
+        </p:nvCxnSpPr>
+        <p:spPr>
+          <a:xfrm flipV="1">
+            <a:off x="1138335" y="1299729"/>
+            <a:ext cx="429208" cy="241542"/>
+          </a:xfrm>
+          <a:prstGeom prst="straightConnector1">
+            <a:avLst/>
+          </a:prstGeom>
+          <a:ln>
+            <a:tailEnd type="triangle"/>
+          </a:ln>
+        </p:spPr>
+        <p:style>
+          <a:lnRef idx="2">
+            <a:schemeClr val="accent1"/>
+          </a:lnRef>
+          <a:fillRef idx="0">
+            <a:schemeClr val="accent1"/>
+          </a:fillRef>
+          <a:effectRef idx="1">
+            <a:schemeClr val="accent1"/>
+          </a:effectRef>
+          <a:fontRef idx="minor">
+            <a:schemeClr val="tx1"/>
+          </a:fontRef>
+        </p:style>
+      </p:cxnSp>
+      <p:pic>
+        <p:nvPicPr>
+          <p:cNvPr id="12" name="Immagine 11" descr="\documentclass{article}&#10;\usepackage{amsmath}&#10;\pagestyle{empty}&#10;\begin{document}&#10;&#10;$\dot{p} = v$&#10;&#10;&#10;\end{document}" title="IguanaTex Bitmap Display">
+            <a:extLst>
+              <a:ext uri="{FF2B5EF4-FFF2-40B4-BE49-F238E27FC236}">
+                <a16:creationId xmlns:a16="http://schemas.microsoft.com/office/drawing/2014/main" id="{F2806B8C-0CE1-48A0-A27D-9B1E213DEAC9}"/>
+              </a:ext>
+            </a:extLst>
+          </p:cNvPr>
+          <p:cNvPicPr>
+            <a:picLocks noChangeAspect="1"/>
+          </p:cNvPicPr>
+          <p:nvPr>
+            <p:custDataLst>
+              <p:tags r:id="rId1"/>
+            </p:custDataLst>
+          </p:nvPr>
+        </p:nvPicPr>
+        <p:blipFill>
+          <a:blip r:embed="rId9"/>
+          <a:stretch>
+            <a:fillRect/>
+          </a:stretch>
+        </p:blipFill>
+        <p:spPr>
+          <a:xfrm>
+            <a:off x="1659033" y="1116693"/>
+            <a:ext cx="591543" cy="218514"/>
+          </a:xfrm>
+          <a:prstGeom prst="rect">
+            <a:avLst/>
+          </a:prstGeom>
+        </p:spPr>
+      </p:pic>
+      <p:pic>
+        <p:nvPicPr>
+          <p:cNvPr id="22" name="Immagine 21" descr="\documentclass{article}&#10;\usepackage{amsmath}&#10;\pagestyle{empty}&#10;\begin{document}&#10;&#10;&#10;$\frac{\eta}{RM}u(t)$&#10;&#10;\end{document}" title="IguanaTex Bitmap Display">
+            <a:extLst>
+              <a:ext uri="{FF2B5EF4-FFF2-40B4-BE49-F238E27FC236}">
+                <a16:creationId xmlns:a16="http://schemas.microsoft.com/office/drawing/2014/main" id="{8252BB0E-327C-49F4-8174-BB2189E9E87C}"/>
+              </a:ext>
+            </a:extLst>
+          </p:cNvPr>
+          <p:cNvPicPr>
+            <a:picLocks noChangeAspect="1"/>
+          </p:cNvPicPr>
+          <p:nvPr>
+            <p:custDataLst>
+              <p:tags r:id="rId2"/>
+            </p:custDataLst>
+          </p:nvPr>
+        </p:nvPicPr>
+        <p:blipFill>
+          <a:blip r:embed="rId10"/>
+          <a:stretch>
+            <a:fillRect/>
+          </a:stretch>
+        </p:blipFill>
+        <p:spPr>
+          <a:xfrm>
+            <a:off x="4949589" y="808677"/>
+            <a:ext cx="803657" cy="281600"/>
+          </a:xfrm>
+          <a:prstGeom prst="rect">
+            <a:avLst/>
+          </a:prstGeom>
+        </p:spPr>
+      </p:pic>
+      <p:pic>
+        <p:nvPicPr>
+          <p:cNvPr id="31" name="Immagine 30">
+            <a:extLst>
+              <a:ext uri="{FF2B5EF4-FFF2-40B4-BE49-F238E27FC236}">
+                <a16:creationId xmlns:a16="http://schemas.microsoft.com/office/drawing/2014/main" id="{67D49B63-46BF-4142-9743-006582540C68}"/>
+              </a:ext>
+            </a:extLst>
+          </p:cNvPr>
+          <p:cNvPicPr>
+            <a:picLocks noChangeAspect="1"/>
+          </p:cNvPicPr>
+          <p:nvPr/>
+        </p:nvPicPr>
+        <p:blipFill rotWithShape="1">
+          <a:blip r:embed="rId11"/>
+          <a:srcRect b="30965"/>
+          <a:stretch/>
+        </p:blipFill>
+        <p:spPr>
+          <a:xfrm>
+            <a:off x="-2" y="1541271"/>
+            <a:ext cx="9144000" cy="3332405"/>
+          </a:xfrm>
+          <a:prstGeom prst="rect">
+            <a:avLst/>
+          </a:prstGeom>
+        </p:spPr>
+      </p:pic>
+      <p:sp>
+        <p:nvSpPr>
+          <p:cNvPr id="32" name="Elaborazione 31">
+            <a:extLst>
+              <a:ext uri="{FF2B5EF4-FFF2-40B4-BE49-F238E27FC236}">
+                <a16:creationId xmlns:a16="http://schemas.microsoft.com/office/drawing/2014/main" id="{81678A5E-F6FA-4001-B2CF-60BF6775B76C}"/>
+              </a:ext>
+            </a:extLst>
+          </p:cNvPr>
+          <p:cNvSpPr/>
+          <p:nvPr/>
+        </p:nvSpPr>
+        <p:spPr>
+          <a:xfrm>
+            <a:off x="60371" y="1541271"/>
+            <a:ext cx="2544576" cy="443054"/>
+          </a:xfrm>
+          <a:prstGeom prst="flowChartProcess">
+            <a:avLst/>
+          </a:prstGeom>
+          <a:noFill/>
+          <a:ln w="28575" cap="flat" cmpd="sng" algn="ctr">
+            <a:solidFill>
+              <a:schemeClr val="accent1"/>
+            </a:solidFill>
+            <a:prstDash val="solid"/>
+            <a:round/>
+            <a:headEnd type="none" w="med" len="med"/>
+            <a:tailEnd type="none" w="med" len="med"/>
+          </a:ln>
+        </p:spPr>
+        <p:style>
+          <a:lnRef idx="0">
+            <a:scrgbClr r="0" g="0" b="0"/>
+          </a:lnRef>
+          <a:fillRef idx="0">
+            <a:scrgbClr r="0" g="0" b="0"/>
+          </a:fillRef>
+          <a:effectRef idx="0">
+            <a:scrgbClr r="0" g="0" b="0"/>
+          </a:effectRef>
+          <a:fontRef idx="minor">
+            <a:schemeClr val="accent1"/>
+          </a:fontRef>
+        </p:style>
+        <p:txBody>
+          <a:bodyPr rtlCol="0" anchor="ctr"/>
+          <a:lstStyle/>
+          <a:p>
+            <a:pPr algn="ctr"/>
+            <a:endParaRPr lang="it-IT"/>
+          </a:p>
+        </p:txBody>
+      </p:sp>
+      <p:sp>
+        <p:nvSpPr>
+          <p:cNvPr id="33" name="Rettangolo 32">
+            <a:extLst>
+              <a:ext uri="{FF2B5EF4-FFF2-40B4-BE49-F238E27FC236}">
+                <a16:creationId xmlns:a16="http://schemas.microsoft.com/office/drawing/2014/main" id="{BE8D0E86-24DA-4CB2-9491-47ECDE757567}"/>
+              </a:ext>
+            </a:extLst>
+          </p:cNvPr>
+          <p:cNvSpPr/>
+          <p:nvPr/>
+        </p:nvSpPr>
+        <p:spPr>
+          <a:xfrm>
+            <a:off x="4571998" y="1646386"/>
+            <a:ext cx="1838131" cy="599075"/>
+          </a:xfrm>
+          <a:prstGeom prst="rect">
+            <a:avLst/>
+          </a:prstGeom>
+          <a:noFill/>
+          <a:ln w="28575" cap="flat" cmpd="sng" algn="ctr">
+            <a:solidFill>
+              <a:schemeClr val="accent2"/>
+            </a:solidFill>
+            <a:prstDash val="solid"/>
+            <a:round/>
+            <a:headEnd type="none" w="med" len="med"/>
+            <a:tailEnd type="none" w="med" len="med"/>
+          </a:ln>
+        </p:spPr>
+        <p:style>
+          <a:lnRef idx="0">
+            <a:scrgbClr r="0" g="0" b="0"/>
+          </a:lnRef>
+          <a:fillRef idx="0">
+            <a:scrgbClr r="0" g="0" b="0"/>
+          </a:fillRef>
+          <a:effectRef idx="0">
+            <a:scrgbClr r="0" g="0" b="0"/>
+          </a:effectRef>
+          <a:fontRef idx="minor">
+            <a:schemeClr val="accent2"/>
+          </a:fontRef>
+        </p:style>
+        <p:txBody>
+          <a:bodyPr rtlCol="0" anchor="ctr"/>
+          <a:lstStyle/>
+          <a:p>
+            <a:pPr algn="ctr"/>
+            <a:endParaRPr lang="it-IT"/>
+          </a:p>
+        </p:txBody>
+      </p:sp>
+      <p:cxnSp>
+        <p:nvCxnSpPr>
+          <p:cNvPr id="34" name="Connettore 2 33">
+            <a:extLst>
+              <a:ext uri="{FF2B5EF4-FFF2-40B4-BE49-F238E27FC236}">
+                <a16:creationId xmlns:a16="http://schemas.microsoft.com/office/drawing/2014/main" id="{988657BC-57AF-4DB8-A7B4-A46DCC0DF99E}"/>
+              </a:ext>
+            </a:extLst>
+          </p:cNvPr>
+          <p:cNvCxnSpPr>
+            <a:cxnSpLocks/>
+          </p:cNvCxnSpPr>
+          <p:nvPr/>
+        </p:nvCxnSpPr>
+        <p:spPr>
+          <a:xfrm flipV="1">
+            <a:off x="4731242" y="1074393"/>
+            <a:ext cx="188946" cy="556662"/>
+          </a:xfrm>
+          <a:prstGeom prst="straightConnector1">
+            <a:avLst/>
+          </a:prstGeom>
+          <a:ln>
+            <a:tailEnd type="triangle"/>
+          </a:ln>
+        </p:spPr>
+        <p:style>
+          <a:lnRef idx="2">
+            <a:schemeClr val="accent2"/>
+          </a:lnRef>
+          <a:fillRef idx="0">
+            <a:schemeClr val="accent2"/>
+          </a:fillRef>
+          <a:effectRef idx="1">
+            <a:schemeClr val="accent2"/>
+          </a:effectRef>
+          <a:fontRef idx="minor">
+            <a:schemeClr val="tx1"/>
+          </a:fontRef>
+        </p:style>
+      </p:cxnSp>
+      <p:sp>
+        <p:nvSpPr>
+          <p:cNvPr id="35" name="Rettangolo 34">
+            <a:extLst>
+              <a:ext uri="{FF2B5EF4-FFF2-40B4-BE49-F238E27FC236}">
+                <a16:creationId xmlns:a16="http://schemas.microsoft.com/office/drawing/2014/main" id="{24D26A89-16C2-4719-8EE3-0DDC82115FC1}"/>
+              </a:ext>
+            </a:extLst>
+          </p:cNvPr>
+          <p:cNvSpPr/>
+          <p:nvPr/>
+        </p:nvSpPr>
+        <p:spPr>
+          <a:xfrm>
+            <a:off x="3396343" y="2407298"/>
+            <a:ext cx="3013786" cy="631495"/>
+          </a:xfrm>
+          <a:prstGeom prst="rect">
+            <a:avLst/>
+          </a:prstGeom>
+          <a:noFill/>
+          <a:ln w="28575" cap="flat" cmpd="sng" algn="ctr">
+            <a:solidFill>
+              <a:schemeClr val="accent3"/>
+            </a:solidFill>
+            <a:prstDash val="solid"/>
+            <a:round/>
+            <a:headEnd type="none" w="med" len="med"/>
+            <a:tailEnd type="none" w="med" len="med"/>
+          </a:ln>
+        </p:spPr>
+        <p:style>
+          <a:lnRef idx="0">
+            <a:scrgbClr r="0" g="0" b="0"/>
+          </a:lnRef>
+          <a:fillRef idx="0">
+            <a:scrgbClr r="0" g="0" b="0"/>
+          </a:fillRef>
+          <a:effectRef idx="0">
+            <a:scrgbClr r="0" g="0" b="0"/>
+          </a:effectRef>
+          <a:fontRef idx="minor">
+            <a:schemeClr val="accent3"/>
+          </a:fontRef>
+        </p:style>
+        <p:txBody>
+          <a:bodyPr rtlCol="0" anchor="ctr"/>
+          <a:lstStyle/>
+          <a:p>
+            <a:pPr algn="ctr"/>
+            <a:endParaRPr lang="it-IT"/>
+          </a:p>
+        </p:txBody>
+      </p:sp>
+      <p:cxnSp>
+        <p:nvCxnSpPr>
+          <p:cNvPr id="37" name="Connettore 2 36">
+            <a:extLst>
+              <a:ext uri="{FF2B5EF4-FFF2-40B4-BE49-F238E27FC236}">
+                <a16:creationId xmlns:a16="http://schemas.microsoft.com/office/drawing/2014/main" id="{C11001E8-7803-45D9-9C0C-9EB755436F95}"/>
+              </a:ext>
+            </a:extLst>
+          </p:cNvPr>
+          <p:cNvCxnSpPr/>
+          <p:nvPr/>
+        </p:nvCxnSpPr>
+        <p:spPr>
+          <a:xfrm flipH="1" flipV="1">
+            <a:off x="3601616" y="1956304"/>
+            <a:ext cx="74645" cy="443035"/>
+          </a:xfrm>
+          <a:prstGeom prst="straightConnector1">
+            <a:avLst/>
+          </a:prstGeom>
+          <a:ln>
+            <a:tailEnd type="triangle"/>
+          </a:ln>
+        </p:spPr>
+        <p:style>
+          <a:lnRef idx="2">
+            <a:schemeClr val="accent3"/>
+          </a:lnRef>
+          <a:fillRef idx="0">
+            <a:schemeClr val="accent3"/>
+          </a:fillRef>
+          <a:effectRef idx="1">
+            <a:schemeClr val="accent3"/>
+          </a:effectRef>
+          <a:fontRef idx="minor">
+            <a:schemeClr val="tx1"/>
+          </a:fontRef>
+        </p:style>
+      </p:cxnSp>
+      <p:pic>
+        <p:nvPicPr>
+          <p:cNvPr id="39" name="Immagine 38" descr="\documentclass{article}&#10;\usepackage{amsmath}&#10;\pagestyle{empty}&#10;\begin{document}&#10;&#10;&#10;$gf_r \cos(\theta)$&#10;&#10;\end{document}" title="IguanaTex Bitmap Display">
+            <a:extLst>
+              <a:ext uri="{FF2B5EF4-FFF2-40B4-BE49-F238E27FC236}">
+                <a16:creationId xmlns:a16="http://schemas.microsoft.com/office/drawing/2014/main" id="{204D00A3-DC49-4FD1-ABE7-DC7AD1FA0355}"/>
+              </a:ext>
+            </a:extLst>
+          </p:cNvPr>
+          <p:cNvPicPr>
+            <a:picLocks noChangeAspect="1"/>
+          </p:cNvPicPr>
+          <p:nvPr>
+            <p:custDataLst>
+              <p:tags r:id="rId3"/>
+            </p:custDataLst>
+          </p:nvPr>
+        </p:nvPicPr>
+        <p:blipFill>
+          <a:blip r:embed="rId12"/>
+          <a:stretch>
+            <a:fillRect/>
+          </a:stretch>
+        </p:blipFill>
+        <p:spPr>
+          <a:xfrm>
+            <a:off x="3181644" y="1689840"/>
+            <a:ext cx="1040457" cy="253257"/>
+          </a:xfrm>
+          <a:prstGeom prst="rect">
+            <a:avLst/>
+          </a:prstGeom>
+        </p:spPr>
+      </p:pic>
+      <p:pic>
+        <p:nvPicPr>
+          <p:cNvPr id="41" name="Immagine 40" descr="\documentclass{article}&#10;\usepackage{amsmath}&#10;\pagestyle{empty}&#10;\begin{document}&#10;&#10;$g\sin(\theta)$&#10;&#10;\end{document}" title="IguanaTex Bitmap Display">
+            <a:extLst>
+              <a:ext uri="{FF2B5EF4-FFF2-40B4-BE49-F238E27FC236}">
+                <a16:creationId xmlns:a16="http://schemas.microsoft.com/office/drawing/2014/main" id="{7D1C4C5F-D4BA-4F33-9D00-9ECE5659A1DA}"/>
+              </a:ext>
+            </a:extLst>
+          </p:cNvPr>
+          <p:cNvPicPr>
+            <a:picLocks noChangeAspect="1"/>
+          </p:cNvPicPr>
+          <p:nvPr>
+            <p:custDataLst>
+              <p:tags r:id="rId4"/>
+            </p:custDataLst>
+          </p:nvPr>
+        </p:nvPicPr>
+        <p:blipFill>
+          <a:blip r:embed="rId13"/>
+          <a:stretch>
+            <a:fillRect/>
+          </a:stretch>
+        </p:blipFill>
+        <p:spPr>
+          <a:xfrm>
+            <a:off x="2943457" y="3302371"/>
+            <a:ext cx="776229" cy="253257"/>
+          </a:xfrm>
+          <a:prstGeom prst="rect">
+            <a:avLst/>
+          </a:prstGeom>
+        </p:spPr>
+      </p:pic>
+      <p:sp>
+        <p:nvSpPr>
+          <p:cNvPr id="42" name="Rettangolo 41">
+            <a:extLst>
+              <a:ext uri="{FF2B5EF4-FFF2-40B4-BE49-F238E27FC236}">
+                <a16:creationId xmlns:a16="http://schemas.microsoft.com/office/drawing/2014/main" id="{DB471E1F-2867-4168-99A1-7645184C0734}"/>
+              </a:ext>
+            </a:extLst>
+          </p:cNvPr>
+          <p:cNvSpPr/>
+          <p:nvPr/>
+        </p:nvSpPr>
+        <p:spPr>
+          <a:xfrm>
+            <a:off x="4399381" y="3244857"/>
+            <a:ext cx="2034072" cy="516837"/>
+          </a:xfrm>
+          <a:prstGeom prst="rect">
+            <a:avLst/>
+          </a:prstGeom>
+          <a:noFill/>
+          <a:ln w="28575" cap="flat" cmpd="sng" algn="ctr">
+            <a:solidFill>
+              <a:schemeClr val="accent4"/>
+            </a:solidFill>
+            <a:prstDash val="solid"/>
+            <a:round/>
+            <a:headEnd type="none" w="med" len="med"/>
+            <a:tailEnd type="none" w="med" len="med"/>
+          </a:ln>
+        </p:spPr>
+        <p:style>
+          <a:lnRef idx="0">
+            <a:scrgbClr r="0" g="0" b="0"/>
+          </a:lnRef>
+          <a:fillRef idx="0">
+            <a:scrgbClr r="0" g="0" b="0"/>
+          </a:fillRef>
+          <a:effectRef idx="0">
+            <a:scrgbClr r="0" g="0" b="0"/>
+          </a:effectRef>
+          <a:fontRef idx="minor">
+            <a:schemeClr val="accent4"/>
+          </a:fontRef>
+        </p:style>
+        <p:txBody>
+          <a:bodyPr rtlCol="0" anchor="ctr"/>
+          <a:lstStyle/>
+          <a:p>
+            <a:pPr algn="ctr"/>
+            <a:endParaRPr lang="it-IT"/>
+          </a:p>
+        </p:txBody>
+      </p:sp>
+      <p:cxnSp>
+        <p:nvCxnSpPr>
+          <p:cNvPr id="44" name="Connettore 2 43">
+            <a:extLst>
+              <a:ext uri="{FF2B5EF4-FFF2-40B4-BE49-F238E27FC236}">
+                <a16:creationId xmlns:a16="http://schemas.microsoft.com/office/drawing/2014/main" id="{4BE9041C-13AE-4E57-ADD8-29372BAA6412}"/>
+              </a:ext>
+            </a:extLst>
+          </p:cNvPr>
+          <p:cNvCxnSpPr/>
+          <p:nvPr/>
+        </p:nvCxnSpPr>
+        <p:spPr>
+          <a:xfrm flipH="1">
+            <a:off x="3816220" y="3428999"/>
+            <a:ext cx="583161" cy="0"/>
+          </a:xfrm>
+          <a:prstGeom prst="straightConnector1">
+            <a:avLst/>
+          </a:prstGeom>
+          <a:ln>
+            <a:tailEnd type="triangle"/>
+          </a:ln>
+        </p:spPr>
+        <p:style>
+          <a:lnRef idx="2">
+            <a:schemeClr val="accent4"/>
+          </a:lnRef>
+          <a:fillRef idx="0">
+            <a:schemeClr val="accent4"/>
+          </a:fillRef>
+          <a:effectRef idx="1">
+            <a:schemeClr val="accent4"/>
+          </a:effectRef>
+          <a:fontRef idx="minor">
+            <a:schemeClr val="tx1"/>
+          </a:fontRef>
+        </p:style>
+      </p:cxnSp>
+      <p:sp>
+        <p:nvSpPr>
+          <p:cNvPr id="45" name="Rettangolo 44">
+            <a:extLst>
+              <a:ext uri="{FF2B5EF4-FFF2-40B4-BE49-F238E27FC236}">
+                <a16:creationId xmlns:a16="http://schemas.microsoft.com/office/drawing/2014/main" id="{5B111012-69BB-4FBA-A20F-F44D88C50487}"/>
+              </a:ext>
+            </a:extLst>
+          </p:cNvPr>
+          <p:cNvSpPr/>
+          <p:nvPr/>
+        </p:nvSpPr>
+        <p:spPr>
+          <a:xfrm>
+            <a:off x="1847461" y="3807076"/>
+            <a:ext cx="4585991" cy="867559"/>
+          </a:xfrm>
+          <a:prstGeom prst="rect">
+            <a:avLst/>
+          </a:prstGeom>
+          <a:noFill/>
+          <a:ln w="28575" cap="flat" cmpd="sng" algn="ctr">
+            <a:solidFill>
+              <a:schemeClr val="accent6"/>
+            </a:solidFill>
+            <a:prstDash val="solid"/>
+            <a:round/>
+            <a:headEnd type="none" w="med" len="med"/>
+            <a:tailEnd type="none" w="med" len="med"/>
+          </a:ln>
+        </p:spPr>
+        <p:style>
+          <a:lnRef idx="0">
+            <a:scrgbClr r="0" g="0" b="0"/>
+          </a:lnRef>
+          <a:fillRef idx="0">
+            <a:scrgbClr r="0" g="0" b="0"/>
+          </a:fillRef>
+          <a:effectRef idx="0">
+            <a:scrgbClr r="0" g="0" b="0"/>
+          </a:effectRef>
+          <a:fontRef idx="minor">
+            <a:schemeClr val="accent6"/>
+          </a:fontRef>
+        </p:style>
+        <p:txBody>
+          <a:bodyPr rtlCol="0" anchor="ctr"/>
+          <a:lstStyle/>
+          <a:p>
+            <a:pPr algn="ctr"/>
+            <a:endParaRPr lang="it-IT"/>
+          </a:p>
+        </p:txBody>
+      </p:sp>
+      <p:cxnSp>
+        <p:nvCxnSpPr>
+          <p:cNvPr id="47" name="Connettore 2 46">
+            <a:extLst>
+              <a:ext uri="{FF2B5EF4-FFF2-40B4-BE49-F238E27FC236}">
+                <a16:creationId xmlns:a16="http://schemas.microsoft.com/office/drawing/2014/main" id="{A3FCB93C-D7B4-44C8-AF98-CBC1DE75D1B9}"/>
+              </a:ext>
+            </a:extLst>
+          </p:cNvPr>
+          <p:cNvCxnSpPr>
+            <a:cxnSpLocks/>
+          </p:cNvCxnSpPr>
+          <p:nvPr/>
+        </p:nvCxnSpPr>
+        <p:spPr>
+          <a:xfrm flipH="1">
+            <a:off x="1332659" y="4438571"/>
+            <a:ext cx="514802" cy="356565"/>
+          </a:xfrm>
+          <a:prstGeom prst="straightConnector1">
+            <a:avLst/>
+          </a:prstGeom>
+          <a:ln>
+            <a:tailEnd type="triangle"/>
+          </a:ln>
+        </p:spPr>
+        <p:style>
+          <a:lnRef idx="2">
+            <a:schemeClr val="accent6"/>
+          </a:lnRef>
+          <a:fillRef idx="0">
+            <a:schemeClr val="accent6"/>
+          </a:fillRef>
+          <a:effectRef idx="1">
+            <a:schemeClr val="accent6"/>
+          </a:effectRef>
+          <a:fontRef idx="minor">
+            <a:schemeClr val="tx1"/>
+          </a:fontRef>
+        </p:style>
+      </p:cxnSp>
+      <p:pic>
+        <p:nvPicPr>
+          <p:cNvPr id="49" name="Immagine 48" descr="\documentclass{article}&#10;\usepackage{amsmath}&#10;\pagestyle{empty}&#10;\begin{document}&#10;&#10;$\frac{0.5}{m}\rho C_D C_h A_f v^2(t)$&#10;&#10;&#10;\end{document}" title="IguanaTex Bitmap Display">
+            <a:extLst>
+              <a:ext uri="{FF2B5EF4-FFF2-40B4-BE49-F238E27FC236}">
+                <a16:creationId xmlns:a16="http://schemas.microsoft.com/office/drawing/2014/main" id="{B1044510-CF2D-4D2C-86CF-30146300AF00}"/>
+              </a:ext>
+            </a:extLst>
+          </p:cNvPr>
+          <p:cNvPicPr>
+            <a:picLocks noChangeAspect="1"/>
+          </p:cNvPicPr>
+          <p:nvPr>
+            <p:custDataLst>
+              <p:tags r:id="rId5"/>
+            </p:custDataLst>
+          </p:nvPr>
+        </p:nvPicPr>
+        <p:blipFill>
+          <a:blip r:embed="rId14"/>
+          <a:stretch>
+            <a:fillRect/>
+          </a:stretch>
+        </p:blipFill>
+        <p:spPr>
+          <a:xfrm>
+            <a:off x="321433" y="4873676"/>
+            <a:ext cx="1929143" cy="306286"/>
+          </a:xfrm>
+          <a:prstGeom prst="rect">
+            <a:avLst/>
+          </a:prstGeom>
+        </p:spPr>
+      </p:pic>
+      <p:pic>
+        <p:nvPicPr>
+          <p:cNvPr id="52" name="Immagine 51">
+            <a:extLst>
+              <a:ext uri="{FF2B5EF4-FFF2-40B4-BE49-F238E27FC236}">
+                <a16:creationId xmlns:a16="http://schemas.microsoft.com/office/drawing/2014/main" id="{CD502A60-8C22-4DB9-817E-40642927339F}"/>
+              </a:ext>
+            </a:extLst>
+          </p:cNvPr>
+          <p:cNvPicPr>
+            <a:picLocks noChangeAspect="1"/>
+          </p:cNvPicPr>
+          <p:nvPr/>
+        </p:nvPicPr>
+        <p:blipFill>
+          <a:blip r:embed="rId15"/>
+          <a:stretch>
+            <a:fillRect/>
+          </a:stretch>
+        </p:blipFill>
+        <p:spPr>
+          <a:xfrm>
+            <a:off x="2572011" y="4956256"/>
+            <a:ext cx="3931713" cy="1194114"/>
+          </a:xfrm>
+          <a:prstGeom prst="rect">
+            <a:avLst/>
+          </a:prstGeom>
+        </p:spPr>
+      </p:pic>
+      <p:sp>
+        <p:nvSpPr>
+          <p:cNvPr id="53" name="Rettangolo 52">
+            <a:extLst>
+              <a:ext uri="{FF2B5EF4-FFF2-40B4-BE49-F238E27FC236}">
+                <a16:creationId xmlns:a16="http://schemas.microsoft.com/office/drawing/2014/main" id="{833E16D3-2941-41DB-A10E-46F8BBBDB25B}"/>
+              </a:ext>
+            </a:extLst>
+          </p:cNvPr>
+          <p:cNvSpPr/>
+          <p:nvPr/>
+        </p:nvSpPr>
+        <p:spPr>
+          <a:xfrm>
+            <a:off x="2654558" y="5022245"/>
+            <a:ext cx="3849166" cy="1160379"/>
+          </a:xfrm>
+          <a:prstGeom prst="rect">
+            <a:avLst/>
+          </a:prstGeom>
+          <a:noFill/>
+          <a:ln w="28575" cap="flat" cmpd="sng" algn="ctr">
+            <a:solidFill>
+              <a:schemeClr val="accent5"/>
+            </a:solidFill>
+            <a:prstDash val="solid"/>
+            <a:round/>
+            <a:headEnd type="none" w="med" len="med"/>
+            <a:tailEnd type="none" w="med" len="med"/>
+          </a:ln>
+        </p:spPr>
+        <p:style>
+          <a:lnRef idx="0">
+            <a:scrgbClr r="0" g="0" b="0"/>
+          </a:lnRef>
+          <a:fillRef idx="0">
+            <a:scrgbClr r="0" g="0" b="0"/>
+          </a:fillRef>
+          <a:effectRef idx="0">
+            <a:scrgbClr r="0" g="0" b="0"/>
+          </a:effectRef>
+          <a:fontRef idx="minor">
+            <a:schemeClr val="accent5"/>
+          </a:fontRef>
+        </p:style>
+        <p:txBody>
+          <a:bodyPr rtlCol="0" anchor="ctr"/>
+          <a:lstStyle/>
+          <a:p>
+            <a:pPr algn="ctr"/>
+            <a:endParaRPr lang="it-IT"/>
+          </a:p>
+        </p:txBody>
+      </p:sp>
+      <p:cxnSp>
+        <p:nvCxnSpPr>
+          <p:cNvPr id="59" name="Connettore 2 58">
+            <a:extLst>
+              <a:ext uri="{FF2B5EF4-FFF2-40B4-BE49-F238E27FC236}">
+                <a16:creationId xmlns:a16="http://schemas.microsoft.com/office/drawing/2014/main" id="{01284B76-E640-496C-BAC6-3C9442C42659}"/>
+              </a:ext>
+            </a:extLst>
+          </p:cNvPr>
+          <p:cNvCxnSpPr/>
+          <p:nvPr/>
+        </p:nvCxnSpPr>
+        <p:spPr>
+          <a:xfrm>
+            <a:off x="6503724" y="5416274"/>
+            <a:ext cx="747590" cy="176679"/>
+          </a:xfrm>
+          <a:prstGeom prst="straightConnector1">
+            <a:avLst/>
+          </a:prstGeom>
+          <a:ln>
+            <a:tailEnd type="triangle"/>
+          </a:ln>
+        </p:spPr>
+        <p:style>
+          <a:lnRef idx="2">
+            <a:schemeClr val="accent5"/>
+          </a:lnRef>
+          <a:fillRef idx="0">
+            <a:schemeClr val="accent5"/>
+          </a:fillRef>
+          <a:effectRef idx="1">
+            <a:schemeClr val="accent5"/>
+          </a:effectRef>
+          <a:fontRef idx="minor">
+            <a:schemeClr val="tx1"/>
+          </a:fontRef>
+        </p:style>
+      </p:cxnSp>
+      <p:pic>
+        <p:nvPicPr>
+          <p:cNvPr id="61" name="Immagine 60" descr="\documentclass{article}&#10;\usepackage{amsmath}&#10;\pagestyle{empty}&#10;\begin{document}&#10;&#10;$1-0.000085H$&#10;&#10;\end{document}" title="IguanaTex Bitmap Display">
+            <a:extLst>
+              <a:ext uri="{FF2B5EF4-FFF2-40B4-BE49-F238E27FC236}">
+                <a16:creationId xmlns:a16="http://schemas.microsoft.com/office/drawing/2014/main" id="{A55B47DD-9A43-4FE3-A907-711476D42355}"/>
+              </a:ext>
+            </a:extLst>
+          </p:cNvPr>
+          <p:cNvPicPr>
+            <a:picLocks noChangeAspect="1"/>
+          </p:cNvPicPr>
+          <p:nvPr>
+            <p:custDataLst>
+              <p:tags r:id="rId6"/>
+            </p:custDataLst>
+          </p:nvPr>
+        </p:nvPicPr>
+        <p:blipFill>
+          <a:blip r:embed="rId16"/>
+          <a:stretch>
+            <a:fillRect/>
+          </a:stretch>
+        </p:blipFill>
+        <p:spPr>
+          <a:xfrm>
+            <a:off x="7065348" y="5744863"/>
+            <a:ext cx="1591771" cy="178286"/>
+          </a:xfrm>
+          <a:prstGeom prst="rect">
+            <a:avLst/>
+          </a:prstGeom>
+        </p:spPr>
+      </p:pic>
+      <p:pic>
+        <p:nvPicPr>
+          <p:cNvPr id="3" name="Immagine 2">
+            <a:extLst>
+              <a:ext uri="{FF2B5EF4-FFF2-40B4-BE49-F238E27FC236}">
+                <a16:creationId xmlns:a16="http://schemas.microsoft.com/office/drawing/2014/main" id="{3869CC58-4F49-438A-8677-3E0A2DC26E51}"/>
+              </a:ext>
+            </a:extLst>
+          </p:cNvPr>
+          <p:cNvPicPr>
+            <a:picLocks noChangeAspect="1"/>
+          </p:cNvPicPr>
+          <p:nvPr/>
+        </p:nvPicPr>
+        <p:blipFill>
+          <a:blip r:embed="rId17"/>
+          <a:stretch>
+            <a:fillRect/>
+          </a:stretch>
+        </p:blipFill>
+        <p:spPr>
+          <a:xfrm>
+            <a:off x="47862" y="2362402"/>
+            <a:ext cx="2514818" cy="867560"/>
+          </a:xfrm>
+          <a:prstGeom prst="rect">
+            <a:avLst/>
+          </a:prstGeom>
         </p:spPr>
       </p:pic>
     </p:spTree>
@@ -4872,6 +5916,1398 @@
     </mc:Fallback>
   </mc:AlternateContent>
 </p:sld>
+</file>
+
+<file path=ppt/slides/slide4.xml><?xml version="1.0" encoding="utf-8"?>
+<p:sld xmlns:a="http://schemas.openxmlformats.org/drawingml/2006/main" xmlns:r="http://schemas.openxmlformats.org/officeDocument/2006/relationships" xmlns:p="http://schemas.openxmlformats.org/presentationml/2006/main">
+  <p:cSld>
+    <p:spTree>
+      <p:nvGrpSpPr>
+        <p:cNvPr id="1" name=""/>
+        <p:cNvGrpSpPr/>
+        <p:nvPr/>
+      </p:nvGrpSpPr>
+      <p:grpSpPr>
+        <a:xfrm>
+          <a:off x="0" y="0"/>
+          <a:ext cx="0" cy="0"/>
+          <a:chOff x="0" y="0"/>
+          <a:chExt cx="0" cy="0"/>
+        </a:xfrm>
+      </p:grpSpPr>
+      <p:sp>
+        <p:nvSpPr>
+          <p:cNvPr id="5" name="CasellaDiTesto 4">
+            <a:extLst>
+              <a:ext uri="{FF2B5EF4-FFF2-40B4-BE49-F238E27FC236}">
+                <a16:creationId xmlns:a16="http://schemas.microsoft.com/office/drawing/2014/main" id="{B1CD517B-1337-438A-B541-0D8C92FFE18F}"/>
+              </a:ext>
+            </a:extLst>
+          </p:cNvPr>
+          <p:cNvSpPr txBox="1"/>
+          <p:nvPr/>
+        </p:nvSpPr>
+        <p:spPr>
+          <a:xfrm>
+            <a:off x="93305" y="165232"/>
+            <a:ext cx="4739952" cy="584775"/>
+          </a:xfrm>
+          <a:prstGeom prst="rect">
+            <a:avLst/>
+          </a:prstGeom>
+          <a:noFill/>
+        </p:spPr>
+        <p:txBody>
+          <a:bodyPr wrap="square">
+            <a:spAutoFit/>
+          </a:bodyPr>
+          <a:lstStyle/>
+          <a:p>
+            <a:r>
+              <a:rPr lang="it-IT" sz="3200" dirty="0">
+                <a:solidFill>
+                  <a:srgbClr val="971720"/>
+                </a:solidFill>
+                <a:latin typeface="Century Gothic"/>
+              </a:rPr>
+              <a:t>Open loop analysis (1)</a:t>
+            </a:r>
+            <a:endParaRPr lang="it-IT" sz="3200" dirty="0"/>
+          </a:p>
+        </p:txBody>
+      </p:sp>
+      <p:sp>
+        <p:nvSpPr>
+          <p:cNvPr id="6" name="CasellaDiTesto 5">
+            <a:extLst>
+              <a:ext uri="{FF2B5EF4-FFF2-40B4-BE49-F238E27FC236}">
+                <a16:creationId xmlns:a16="http://schemas.microsoft.com/office/drawing/2014/main" id="{C6D1F081-20D2-4640-AF91-6DB1572ED0BA}"/>
+              </a:ext>
+            </a:extLst>
+          </p:cNvPr>
+          <p:cNvSpPr txBox="1"/>
+          <p:nvPr/>
+        </p:nvSpPr>
+        <p:spPr>
+          <a:xfrm>
+            <a:off x="93305" y="1073020"/>
+            <a:ext cx="4320074" cy="369332"/>
+          </a:xfrm>
+          <a:prstGeom prst="rect">
+            <a:avLst/>
+          </a:prstGeom>
+          <a:noFill/>
+        </p:spPr>
+        <p:txBody>
+          <a:bodyPr wrap="square" rtlCol="0">
+            <a:spAutoFit/>
+          </a:bodyPr>
+          <a:lstStyle/>
+          <a:p>
+            <a:pPr marL="285750" indent="-285750">
+              <a:buFont typeface="Wingdings" panose="05000000000000000000" pitchFamily="2" charset="2"/>
+              <a:buChar char="§"/>
+            </a:pPr>
+            <a:r>
+              <a:rPr lang="it-IT" b="1" dirty="0"/>
+              <a:t>Zero input and zero </a:t>
+            </a:r>
+            <a:r>
+              <a:rPr lang="it-IT" b="1" dirty="0" err="1"/>
+              <a:t>initial</a:t>
+            </a:r>
+            <a:r>
+              <a:rPr lang="it-IT" b="1" dirty="0"/>
+              <a:t> </a:t>
+            </a:r>
+            <a:r>
+              <a:rPr lang="it-IT" b="1" dirty="0" err="1"/>
+              <a:t>condition</a:t>
+            </a:r>
+            <a:endParaRPr lang="it-IT" b="1" dirty="0"/>
+          </a:p>
+        </p:txBody>
+      </p:sp>
+      <p:pic>
+        <p:nvPicPr>
+          <p:cNvPr id="8" name="Immagine 7">
+            <a:extLst>
+              <a:ext uri="{FF2B5EF4-FFF2-40B4-BE49-F238E27FC236}">
+                <a16:creationId xmlns:a16="http://schemas.microsoft.com/office/drawing/2014/main" id="{E84CC40F-7F8C-42DA-A547-159BE184EF91}"/>
+              </a:ext>
+            </a:extLst>
+          </p:cNvPr>
+          <p:cNvPicPr>
+            <a:picLocks noChangeAspect="1"/>
+          </p:cNvPicPr>
+          <p:nvPr/>
+        </p:nvPicPr>
+        <p:blipFill>
+          <a:blip r:embed="rId2"/>
+          <a:stretch>
+            <a:fillRect/>
+          </a:stretch>
+        </p:blipFill>
+        <p:spPr>
+          <a:xfrm>
+            <a:off x="466408" y="1861289"/>
+            <a:ext cx="3573867" cy="1990406"/>
+          </a:xfrm>
+          <a:prstGeom prst="rect">
+            <a:avLst/>
+          </a:prstGeom>
+        </p:spPr>
+      </p:pic>
+      <p:pic>
+        <p:nvPicPr>
+          <p:cNvPr id="10" name="Immagine 9">
+            <a:extLst>
+              <a:ext uri="{FF2B5EF4-FFF2-40B4-BE49-F238E27FC236}">
+                <a16:creationId xmlns:a16="http://schemas.microsoft.com/office/drawing/2014/main" id="{8836C6B9-B360-4579-97A5-8CB56A882D51}"/>
+              </a:ext>
+            </a:extLst>
+          </p:cNvPr>
+          <p:cNvPicPr>
+            <a:picLocks noChangeAspect="1"/>
+          </p:cNvPicPr>
+          <p:nvPr/>
+        </p:nvPicPr>
+        <p:blipFill>
+          <a:blip r:embed="rId3"/>
+          <a:stretch>
+            <a:fillRect/>
+          </a:stretch>
+        </p:blipFill>
+        <p:spPr>
+          <a:xfrm>
+            <a:off x="466408" y="4391931"/>
+            <a:ext cx="3534897" cy="1990406"/>
+          </a:xfrm>
+          <a:prstGeom prst="rect">
+            <a:avLst/>
+          </a:prstGeom>
+        </p:spPr>
+      </p:pic>
+      <p:pic>
+        <p:nvPicPr>
+          <p:cNvPr id="12" name="Immagine 11">
+            <a:extLst>
+              <a:ext uri="{FF2B5EF4-FFF2-40B4-BE49-F238E27FC236}">
+                <a16:creationId xmlns:a16="http://schemas.microsoft.com/office/drawing/2014/main" id="{AD31DEDE-1E9B-4641-B622-16AD9F007F34}"/>
+              </a:ext>
+            </a:extLst>
+          </p:cNvPr>
+          <p:cNvPicPr>
+            <a:picLocks noChangeAspect="1"/>
+          </p:cNvPicPr>
+          <p:nvPr/>
+        </p:nvPicPr>
+        <p:blipFill>
+          <a:blip r:embed="rId4"/>
+          <a:stretch>
+            <a:fillRect/>
+          </a:stretch>
+        </p:blipFill>
+        <p:spPr>
+          <a:xfrm>
+            <a:off x="4571999" y="750007"/>
+            <a:ext cx="4069227" cy="3051920"/>
+          </a:xfrm>
+          <a:prstGeom prst="rect">
+            <a:avLst/>
+          </a:prstGeom>
+        </p:spPr>
+      </p:pic>
+      <p:pic>
+        <p:nvPicPr>
+          <p:cNvPr id="14" name="Immagine 13">
+            <a:extLst>
+              <a:ext uri="{FF2B5EF4-FFF2-40B4-BE49-F238E27FC236}">
+                <a16:creationId xmlns:a16="http://schemas.microsoft.com/office/drawing/2014/main" id="{1C501BFF-F135-40E8-88F7-7F420111E165}"/>
+              </a:ext>
+            </a:extLst>
+          </p:cNvPr>
+          <p:cNvPicPr>
+            <a:picLocks noChangeAspect="1"/>
+          </p:cNvPicPr>
+          <p:nvPr/>
+        </p:nvPicPr>
+        <p:blipFill>
+          <a:blip r:embed="rId5"/>
+          <a:stretch>
+            <a:fillRect/>
+          </a:stretch>
+        </p:blipFill>
+        <p:spPr>
+          <a:xfrm>
+            <a:off x="4571999" y="3801927"/>
+            <a:ext cx="3975921" cy="2981940"/>
+          </a:xfrm>
+          <a:prstGeom prst="rect">
+            <a:avLst/>
+          </a:prstGeom>
+        </p:spPr>
+      </p:pic>
+    </p:spTree>
+    <p:extLst>
+      <p:ext uri="{BB962C8B-B14F-4D97-AF65-F5344CB8AC3E}">
+        <p14:creationId xmlns:p14="http://schemas.microsoft.com/office/powerpoint/2010/main" val="3107706385"/>
+      </p:ext>
+    </p:extLst>
+  </p:cSld>
+  <p:clrMapOvr>
+    <a:masterClrMapping/>
+  </p:clrMapOvr>
+</p:sld>
+</file>
+
+<file path=ppt/slides/slide5.xml><?xml version="1.0" encoding="utf-8"?>
+<p:sld xmlns:a="http://schemas.openxmlformats.org/drawingml/2006/main" xmlns:r="http://schemas.openxmlformats.org/officeDocument/2006/relationships" xmlns:p="http://schemas.openxmlformats.org/presentationml/2006/main">
+  <p:cSld>
+    <p:spTree>
+      <p:nvGrpSpPr>
+        <p:cNvPr id="1" name=""/>
+        <p:cNvGrpSpPr/>
+        <p:nvPr/>
+      </p:nvGrpSpPr>
+      <p:grpSpPr>
+        <a:xfrm>
+          <a:off x="0" y="0"/>
+          <a:ext cx="0" cy="0"/>
+          <a:chOff x="0" y="0"/>
+          <a:chExt cx="0" cy="0"/>
+        </a:xfrm>
+      </p:grpSpPr>
+      <p:sp>
+        <p:nvSpPr>
+          <p:cNvPr id="5" name="CasellaDiTesto 4">
+            <a:extLst>
+              <a:ext uri="{FF2B5EF4-FFF2-40B4-BE49-F238E27FC236}">
+                <a16:creationId xmlns:a16="http://schemas.microsoft.com/office/drawing/2014/main" id="{B1CD517B-1337-438A-B541-0D8C92FFE18F}"/>
+              </a:ext>
+            </a:extLst>
+          </p:cNvPr>
+          <p:cNvSpPr txBox="1"/>
+          <p:nvPr/>
+        </p:nvSpPr>
+        <p:spPr>
+          <a:xfrm>
+            <a:off x="93305" y="165232"/>
+            <a:ext cx="4767944" cy="584775"/>
+          </a:xfrm>
+          <a:prstGeom prst="rect">
+            <a:avLst/>
+          </a:prstGeom>
+          <a:noFill/>
+        </p:spPr>
+        <p:txBody>
+          <a:bodyPr wrap="square">
+            <a:spAutoFit/>
+          </a:bodyPr>
+          <a:lstStyle/>
+          <a:p>
+            <a:r>
+              <a:rPr lang="it-IT" sz="3200" dirty="0">
+                <a:solidFill>
+                  <a:srgbClr val="971720"/>
+                </a:solidFill>
+                <a:latin typeface="Century Gothic"/>
+              </a:rPr>
+              <a:t>Open loop analysis (2)</a:t>
+            </a:r>
+            <a:endParaRPr lang="it-IT" sz="3200" dirty="0"/>
+          </a:p>
+        </p:txBody>
+      </p:sp>
+      <p:sp>
+        <p:nvSpPr>
+          <p:cNvPr id="6" name="CasellaDiTesto 5">
+            <a:extLst>
+              <a:ext uri="{FF2B5EF4-FFF2-40B4-BE49-F238E27FC236}">
+                <a16:creationId xmlns:a16="http://schemas.microsoft.com/office/drawing/2014/main" id="{C6D1F081-20D2-4640-AF91-6DB1572ED0BA}"/>
+              </a:ext>
+            </a:extLst>
+          </p:cNvPr>
+          <p:cNvSpPr txBox="1"/>
+          <p:nvPr/>
+        </p:nvSpPr>
+        <p:spPr>
+          <a:xfrm>
+            <a:off x="93304" y="1073020"/>
+            <a:ext cx="3536304" cy="369332"/>
+          </a:xfrm>
+          <a:prstGeom prst="rect">
+            <a:avLst/>
+          </a:prstGeom>
+          <a:noFill/>
+        </p:spPr>
+        <p:txBody>
+          <a:bodyPr wrap="square" rtlCol="0">
+            <a:spAutoFit/>
+          </a:bodyPr>
+          <a:lstStyle/>
+          <a:p>
+            <a:pPr marL="285750" indent="-285750">
+              <a:buFont typeface="Wingdings" panose="05000000000000000000" pitchFamily="2" charset="2"/>
+              <a:buChar char="§"/>
+            </a:pPr>
+            <a:r>
+              <a:rPr lang="it-IT" b="1" dirty="0"/>
+              <a:t>Zero input and </a:t>
+            </a:r>
+            <a:r>
+              <a:rPr lang="it-IT" b="1" dirty="0" err="1"/>
+              <a:t>initial</a:t>
+            </a:r>
+            <a:r>
+              <a:rPr lang="it-IT" b="1" dirty="0"/>
+              <a:t> </a:t>
+            </a:r>
+            <a:r>
+              <a:rPr lang="it-IT" b="1" dirty="0" err="1"/>
+              <a:t>condition</a:t>
+            </a:r>
+            <a:r>
+              <a:rPr lang="it-IT" b="1" dirty="0"/>
+              <a:t> </a:t>
+            </a:r>
+          </a:p>
+        </p:txBody>
+      </p:sp>
+      <p:pic>
+        <p:nvPicPr>
+          <p:cNvPr id="3" name="Immagine 2">
+            <a:extLst>
+              <a:ext uri="{FF2B5EF4-FFF2-40B4-BE49-F238E27FC236}">
+                <a16:creationId xmlns:a16="http://schemas.microsoft.com/office/drawing/2014/main" id="{79054F80-0087-460C-957A-42C31BD4A4A5}"/>
+              </a:ext>
+            </a:extLst>
+          </p:cNvPr>
+          <p:cNvPicPr>
+            <a:picLocks noChangeAspect="1"/>
+          </p:cNvPicPr>
+          <p:nvPr/>
+        </p:nvPicPr>
+        <p:blipFill>
+          <a:blip r:embed="rId3"/>
+          <a:stretch>
+            <a:fillRect/>
+          </a:stretch>
+        </p:blipFill>
+        <p:spPr>
+          <a:xfrm>
+            <a:off x="479080" y="1765365"/>
+            <a:ext cx="3707141" cy="2072629"/>
+          </a:xfrm>
+          <a:prstGeom prst="rect">
+            <a:avLst/>
+          </a:prstGeom>
+        </p:spPr>
+      </p:pic>
+      <p:pic>
+        <p:nvPicPr>
+          <p:cNvPr id="7" name="Immagine 6">
+            <a:extLst>
+              <a:ext uri="{FF2B5EF4-FFF2-40B4-BE49-F238E27FC236}">
+                <a16:creationId xmlns:a16="http://schemas.microsoft.com/office/drawing/2014/main" id="{4FD4BF67-2A29-4CDA-BDBD-B88E82756B00}"/>
+              </a:ext>
+            </a:extLst>
+          </p:cNvPr>
+          <p:cNvPicPr>
+            <a:picLocks noChangeAspect="1"/>
+          </p:cNvPicPr>
+          <p:nvPr/>
+        </p:nvPicPr>
+        <p:blipFill>
+          <a:blip r:embed="rId4"/>
+          <a:stretch>
+            <a:fillRect/>
+          </a:stretch>
+        </p:blipFill>
+        <p:spPr>
+          <a:xfrm>
+            <a:off x="481632" y="4466516"/>
+            <a:ext cx="3712245" cy="1970698"/>
+          </a:xfrm>
+          <a:prstGeom prst="rect">
+            <a:avLst/>
+          </a:prstGeom>
+        </p:spPr>
+      </p:pic>
+      <p:pic>
+        <p:nvPicPr>
+          <p:cNvPr id="11" name="Immagine 10">
+            <a:extLst>
+              <a:ext uri="{FF2B5EF4-FFF2-40B4-BE49-F238E27FC236}">
+                <a16:creationId xmlns:a16="http://schemas.microsoft.com/office/drawing/2014/main" id="{E7E73047-B08E-43C6-B4EC-108E415032A2}"/>
+              </a:ext>
+            </a:extLst>
+          </p:cNvPr>
+          <p:cNvPicPr>
+            <a:picLocks noChangeAspect="1"/>
+          </p:cNvPicPr>
+          <p:nvPr/>
+        </p:nvPicPr>
+        <p:blipFill>
+          <a:blip r:embed="rId5"/>
+          <a:stretch>
+            <a:fillRect/>
+          </a:stretch>
+        </p:blipFill>
+        <p:spPr>
+          <a:xfrm>
+            <a:off x="4665305" y="886716"/>
+            <a:ext cx="3934613" cy="2950960"/>
+          </a:xfrm>
+          <a:prstGeom prst="rect">
+            <a:avLst/>
+          </a:prstGeom>
+        </p:spPr>
+      </p:pic>
+      <p:pic>
+        <p:nvPicPr>
+          <p:cNvPr id="15" name="Immagine 14">
+            <a:extLst>
+              <a:ext uri="{FF2B5EF4-FFF2-40B4-BE49-F238E27FC236}">
+                <a16:creationId xmlns:a16="http://schemas.microsoft.com/office/drawing/2014/main" id="{9EF700B9-3DE7-449B-A07C-27800C13F4EC}"/>
+              </a:ext>
+            </a:extLst>
+          </p:cNvPr>
+          <p:cNvPicPr>
+            <a:picLocks noChangeAspect="1"/>
+          </p:cNvPicPr>
+          <p:nvPr/>
+        </p:nvPicPr>
+        <p:blipFill>
+          <a:blip r:embed="rId6"/>
+          <a:stretch>
+            <a:fillRect/>
+          </a:stretch>
+        </p:blipFill>
+        <p:spPr>
+          <a:xfrm>
+            <a:off x="4634079" y="3694970"/>
+            <a:ext cx="3997063" cy="2997798"/>
+          </a:xfrm>
+          <a:prstGeom prst="rect">
+            <a:avLst/>
+          </a:prstGeom>
+        </p:spPr>
+      </p:pic>
+      <p:pic>
+        <p:nvPicPr>
+          <p:cNvPr id="9" name="Immagine 8" descr="\documentclass{article}&#10;\usepackage{amsmath}&#10;\pagestyle{empty}&#10;\begin{document}&#10;&#10;$\begin{bmatrix}&#10;0 &amp; 40&#10;\end{bmatrix}$&#10;&#10;&#10;\end{document}" title="IguanaTex Bitmap Display">
+            <a:extLst>
+              <a:ext uri="{FF2B5EF4-FFF2-40B4-BE49-F238E27FC236}">
+                <a16:creationId xmlns:a16="http://schemas.microsoft.com/office/drawing/2014/main" id="{BF944451-5A8A-469E-967A-AC4FD69DB31C}"/>
+              </a:ext>
+            </a:extLst>
+          </p:cNvPr>
+          <p:cNvPicPr>
+            <a:picLocks noChangeAspect="1"/>
+          </p:cNvPicPr>
+          <p:nvPr>
+            <p:custDataLst>
+              <p:tags r:id="rId1"/>
+            </p:custDataLst>
+          </p:nvPr>
+        </p:nvPicPr>
+        <p:blipFill>
+          <a:blip r:embed="rId7"/>
+          <a:stretch>
+            <a:fillRect/>
+          </a:stretch>
+        </p:blipFill>
+        <p:spPr>
+          <a:xfrm>
+            <a:off x="3536092" y="1123212"/>
+            <a:ext cx="658784" cy="269998"/>
+          </a:xfrm>
+          <a:prstGeom prst="rect">
+            <a:avLst/>
+          </a:prstGeom>
+        </p:spPr>
+      </p:pic>
+    </p:spTree>
+    <p:extLst>
+      <p:ext uri="{BB962C8B-B14F-4D97-AF65-F5344CB8AC3E}">
+        <p14:creationId xmlns:p14="http://schemas.microsoft.com/office/powerpoint/2010/main" val="992148223"/>
+      </p:ext>
+    </p:extLst>
+  </p:cSld>
+  <p:clrMapOvr>
+    <a:masterClrMapping/>
+  </p:clrMapOvr>
+</p:sld>
+</file>
+
+<file path=ppt/slides/slide6.xml><?xml version="1.0" encoding="utf-8"?>
+<p:sld xmlns:a="http://schemas.openxmlformats.org/drawingml/2006/main" xmlns:r="http://schemas.openxmlformats.org/officeDocument/2006/relationships" xmlns:p="http://schemas.openxmlformats.org/presentationml/2006/main">
+  <p:cSld>
+    <p:spTree>
+      <p:nvGrpSpPr>
+        <p:cNvPr id="1" name=""/>
+        <p:cNvGrpSpPr/>
+        <p:nvPr/>
+      </p:nvGrpSpPr>
+      <p:grpSpPr>
+        <a:xfrm>
+          <a:off x="0" y="0"/>
+          <a:ext cx="0" cy="0"/>
+          <a:chOff x="0" y="0"/>
+          <a:chExt cx="0" cy="0"/>
+        </a:xfrm>
+      </p:grpSpPr>
+      <p:sp>
+        <p:nvSpPr>
+          <p:cNvPr id="4" name="CasellaDiTesto 3">
+            <a:extLst>
+              <a:ext uri="{FF2B5EF4-FFF2-40B4-BE49-F238E27FC236}">
+                <a16:creationId xmlns:a16="http://schemas.microsoft.com/office/drawing/2014/main" id="{AFB718DA-4B15-4939-BC81-E7FC0095C06E}"/>
+              </a:ext>
+            </a:extLst>
+          </p:cNvPr>
+          <p:cNvSpPr txBox="1"/>
+          <p:nvPr/>
+        </p:nvSpPr>
+        <p:spPr>
+          <a:xfrm>
+            <a:off x="-37324" y="38241"/>
+            <a:ext cx="4767944" cy="584775"/>
+          </a:xfrm>
+          <a:prstGeom prst="rect">
+            <a:avLst/>
+          </a:prstGeom>
+          <a:noFill/>
+        </p:spPr>
+        <p:txBody>
+          <a:bodyPr wrap="square">
+            <a:spAutoFit/>
+          </a:bodyPr>
+          <a:lstStyle/>
+          <a:p>
+            <a:r>
+              <a:rPr lang="it-IT" sz="3200" dirty="0">
+                <a:solidFill>
+                  <a:srgbClr val="971720"/>
+                </a:solidFill>
+                <a:latin typeface="Century Gothic"/>
+              </a:rPr>
+              <a:t>Open loop analysis (3)</a:t>
+            </a:r>
+            <a:endParaRPr lang="it-IT" sz="3200" dirty="0"/>
+          </a:p>
+        </p:txBody>
+      </p:sp>
+      <p:pic>
+        <p:nvPicPr>
+          <p:cNvPr id="6" name="Immagine 5">
+            <a:extLst>
+              <a:ext uri="{FF2B5EF4-FFF2-40B4-BE49-F238E27FC236}">
+                <a16:creationId xmlns:a16="http://schemas.microsoft.com/office/drawing/2014/main" id="{CF231BC6-F4A3-4634-9251-675F2FC9D012}"/>
+              </a:ext>
+            </a:extLst>
+          </p:cNvPr>
+          <p:cNvPicPr>
+            <a:picLocks noChangeAspect="1"/>
+          </p:cNvPicPr>
+          <p:nvPr/>
+        </p:nvPicPr>
+        <p:blipFill>
+          <a:blip r:embed="rId3"/>
+          <a:stretch>
+            <a:fillRect/>
+          </a:stretch>
+        </p:blipFill>
+        <p:spPr>
+          <a:xfrm>
+            <a:off x="46652" y="1169314"/>
+            <a:ext cx="3452327" cy="1787918"/>
+          </a:xfrm>
+          <a:prstGeom prst="rect">
+            <a:avLst/>
+          </a:prstGeom>
+        </p:spPr>
+      </p:pic>
+      <p:pic>
+        <p:nvPicPr>
+          <p:cNvPr id="8" name="Immagine 7">
+            <a:extLst>
+              <a:ext uri="{FF2B5EF4-FFF2-40B4-BE49-F238E27FC236}">
+                <a16:creationId xmlns:a16="http://schemas.microsoft.com/office/drawing/2014/main" id="{6E9D3DBD-EE35-4F8B-976E-88E3AE824C5B}"/>
+              </a:ext>
+            </a:extLst>
+          </p:cNvPr>
+          <p:cNvPicPr>
+            <a:picLocks noChangeAspect="1"/>
+          </p:cNvPicPr>
+          <p:nvPr/>
+        </p:nvPicPr>
+        <p:blipFill>
+          <a:blip r:embed="rId4"/>
+          <a:stretch>
+            <a:fillRect/>
+          </a:stretch>
+        </p:blipFill>
+        <p:spPr>
+          <a:xfrm>
+            <a:off x="5073543" y="1040102"/>
+            <a:ext cx="3545633" cy="943536"/>
+          </a:xfrm>
+          <a:prstGeom prst="rect">
+            <a:avLst/>
+          </a:prstGeom>
+        </p:spPr>
+      </p:pic>
+      <p:pic>
+        <p:nvPicPr>
+          <p:cNvPr id="10" name="Immagine 9">
+            <a:extLst>
+              <a:ext uri="{FF2B5EF4-FFF2-40B4-BE49-F238E27FC236}">
+                <a16:creationId xmlns:a16="http://schemas.microsoft.com/office/drawing/2014/main" id="{C6EC2DE1-67A4-47E6-9C79-90BC2E08B0CF}"/>
+              </a:ext>
+            </a:extLst>
+          </p:cNvPr>
+          <p:cNvPicPr>
+            <a:picLocks noChangeAspect="1"/>
+          </p:cNvPicPr>
+          <p:nvPr/>
+        </p:nvPicPr>
+        <p:blipFill>
+          <a:blip r:embed="rId5"/>
+          <a:stretch>
+            <a:fillRect/>
+          </a:stretch>
+        </p:blipFill>
+        <p:spPr>
+          <a:xfrm>
+            <a:off x="-37324" y="661493"/>
+            <a:ext cx="3620278" cy="560281"/>
+          </a:xfrm>
+          <a:prstGeom prst="rect">
+            <a:avLst/>
+          </a:prstGeom>
+        </p:spPr>
+      </p:pic>
+      <p:sp>
+        <p:nvSpPr>
+          <p:cNvPr id="9" name="CasellaDiTesto 8">
+            <a:extLst>
+              <a:ext uri="{FF2B5EF4-FFF2-40B4-BE49-F238E27FC236}">
+                <a16:creationId xmlns:a16="http://schemas.microsoft.com/office/drawing/2014/main" id="{3715CD77-B814-487D-BA40-05863C2D8C4E}"/>
+              </a:ext>
+            </a:extLst>
+          </p:cNvPr>
+          <p:cNvSpPr txBox="1"/>
+          <p:nvPr/>
+        </p:nvSpPr>
+        <p:spPr>
+          <a:xfrm>
+            <a:off x="46652" y="2972133"/>
+            <a:ext cx="3620278" cy="307777"/>
+          </a:xfrm>
+          <a:prstGeom prst="rect">
+            <a:avLst/>
+          </a:prstGeom>
+          <a:noFill/>
+        </p:spPr>
+        <p:txBody>
+          <a:bodyPr wrap="square">
+            <a:spAutoFit/>
+          </a:bodyPr>
+          <a:lstStyle/>
+          <a:p>
+            <a:r>
+              <a:rPr lang="it-IT" sz="1400" dirty="0">
+                <a:hlinkClick r:id="rId6"/>
+              </a:rPr>
+              <a:t>https://www.plotaroute.com/route/2157148</a:t>
+            </a:r>
+            <a:endParaRPr lang="it-IT" sz="1400" dirty="0"/>
+          </a:p>
+        </p:txBody>
+      </p:sp>
+      <p:sp>
+        <p:nvSpPr>
+          <p:cNvPr id="5" name="Freccia in giù 4">
+            <a:extLst>
+              <a:ext uri="{FF2B5EF4-FFF2-40B4-BE49-F238E27FC236}">
+                <a16:creationId xmlns:a16="http://schemas.microsoft.com/office/drawing/2014/main" id="{34C301A4-A032-40AC-A36C-98DD118B95A8}"/>
+              </a:ext>
+            </a:extLst>
+          </p:cNvPr>
+          <p:cNvSpPr/>
+          <p:nvPr/>
+        </p:nvSpPr>
+        <p:spPr>
+          <a:xfrm rot="16200000">
+            <a:off x="4112486" y="1783132"/>
+            <a:ext cx="401216" cy="560281"/>
+          </a:xfrm>
+          <a:prstGeom prst="downArrow">
+            <a:avLst/>
+          </a:prstGeom>
+        </p:spPr>
+        <p:style>
+          <a:lnRef idx="1">
+            <a:schemeClr val="accent1"/>
+          </a:lnRef>
+          <a:fillRef idx="3">
+            <a:schemeClr val="accent1"/>
+          </a:fillRef>
+          <a:effectRef idx="2">
+            <a:schemeClr val="accent1"/>
+          </a:effectRef>
+          <a:fontRef idx="minor">
+            <a:schemeClr val="lt1"/>
+          </a:fontRef>
+        </p:style>
+        <p:txBody>
+          <a:bodyPr rtlCol="0" anchor="ctr"/>
+          <a:lstStyle/>
+          <a:p>
+            <a:pPr algn="ctr"/>
+            <a:endParaRPr lang="it-IT"/>
+          </a:p>
+        </p:txBody>
+      </p:sp>
+      <p:sp>
+        <p:nvSpPr>
+          <p:cNvPr id="11" name="Freccia in giù 10">
+            <a:extLst>
+              <a:ext uri="{FF2B5EF4-FFF2-40B4-BE49-F238E27FC236}">
+                <a16:creationId xmlns:a16="http://schemas.microsoft.com/office/drawing/2014/main" id="{83FE6F72-3184-44A4-A259-340384B33D7C}"/>
+              </a:ext>
+            </a:extLst>
+          </p:cNvPr>
+          <p:cNvSpPr/>
+          <p:nvPr/>
+        </p:nvSpPr>
+        <p:spPr>
+          <a:xfrm>
+            <a:off x="7495237" y="3279910"/>
+            <a:ext cx="401216" cy="560281"/>
+          </a:xfrm>
+          <a:prstGeom prst="downArrow">
+            <a:avLst/>
+          </a:prstGeom>
+        </p:spPr>
+        <p:style>
+          <a:lnRef idx="1">
+            <a:schemeClr val="accent1"/>
+          </a:lnRef>
+          <a:fillRef idx="3">
+            <a:schemeClr val="accent1"/>
+          </a:fillRef>
+          <a:effectRef idx="2">
+            <a:schemeClr val="accent1"/>
+          </a:effectRef>
+          <a:fontRef idx="minor">
+            <a:schemeClr val="lt1"/>
+          </a:fontRef>
+        </p:style>
+        <p:txBody>
+          <a:bodyPr rtlCol="0" anchor="ctr"/>
+          <a:lstStyle/>
+          <a:p>
+            <a:pPr algn="ctr"/>
+            <a:endParaRPr lang="it-IT"/>
+          </a:p>
+        </p:txBody>
+      </p:sp>
+      <p:pic>
+        <p:nvPicPr>
+          <p:cNvPr id="13" name="Immagine 12">
+            <a:extLst>
+              <a:ext uri="{FF2B5EF4-FFF2-40B4-BE49-F238E27FC236}">
+                <a16:creationId xmlns:a16="http://schemas.microsoft.com/office/drawing/2014/main" id="{77A26896-B322-452C-B21A-279DECBC6571}"/>
+              </a:ext>
+            </a:extLst>
+          </p:cNvPr>
+          <p:cNvPicPr>
+            <a:picLocks noChangeAspect="1"/>
+          </p:cNvPicPr>
+          <p:nvPr/>
+        </p:nvPicPr>
+        <p:blipFill>
+          <a:blip r:embed="rId7"/>
+          <a:stretch>
+            <a:fillRect/>
+          </a:stretch>
+        </p:blipFill>
+        <p:spPr>
+          <a:xfrm>
+            <a:off x="5122520" y="2109756"/>
+            <a:ext cx="3456993" cy="862377"/>
+          </a:xfrm>
+          <a:prstGeom prst="rect">
+            <a:avLst/>
+          </a:prstGeom>
+        </p:spPr>
+      </p:pic>
+      <p:pic>
+        <p:nvPicPr>
+          <p:cNvPr id="15" name="Immagine 14">
+            <a:extLst>
+              <a:ext uri="{FF2B5EF4-FFF2-40B4-BE49-F238E27FC236}">
+                <a16:creationId xmlns:a16="http://schemas.microsoft.com/office/drawing/2014/main" id="{F48C4276-1C5C-457F-ABF9-08794BB867A1}"/>
+              </a:ext>
+            </a:extLst>
+          </p:cNvPr>
+          <p:cNvPicPr>
+            <a:picLocks noChangeAspect="1"/>
+          </p:cNvPicPr>
+          <p:nvPr/>
+        </p:nvPicPr>
+        <p:blipFill>
+          <a:blip r:embed="rId8"/>
+          <a:stretch>
+            <a:fillRect/>
+          </a:stretch>
+        </p:blipFill>
+        <p:spPr>
+          <a:xfrm>
+            <a:off x="6772514" y="3840191"/>
+            <a:ext cx="1846662" cy="1846662"/>
+          </a:xfrm>
+          <a:prstGeom prst="rect">
+            <a:avLst/>
+          </a:prstGeom>
+        </p:spPr>
+      </p:pic>
+      <p:pic>
+        <p:nvPicPr>
+          <p:cNvPr id="16" name="Immagine 15">
+            <a:extLst>
+              <a:ext uri="{FF2B5EF4-FFF2-40B4-BE49-F238E27FC236}">
+                <a16:creationId xmlns:a16="http://schemas.microsoft.com/office/drawing/2014/main" id="{CFA6ED78-5BCF-4BEE-951A-E1CAC6242E29}"/>
+              </a:ext>
+            </a:extLst>
+          </p:cNvPr>
+          <p:cNvPicPr>
+            <a:picLocks noChangeAspect="1"/>
+          </p:cNvPicPr>
+          <p:nvPr/>
+        </p:nvPicPr>
+        <p:blipFill>
+          <a:blip r:embed="rId9"/>
+          <a:stretch>
+            <a:fillRect/>
+          </a:stretch>
+        </p:blipFill>
+        <p:spPr>
+          <a:xfrm rot="10800000">
+            <a:off x="5708901" y="4692888"/>
+            <a:ext cx="658425" cy="512108"/>
+          </a:xfrm>
+          <a:prstGeom prst="rect">
+            <a:avLst/>
+          </a:prstGeom>
+        </p:spPr>
+      </p:pic>
+      <p:sp>
+        <p:nvSpPr>
+          <p:cNvPr id="17" name="CasellaDiTesto 16">
+            <a:extLst>
+              <a:ext uri="{FF2B5EF4-FFF2-40B4-BE49-F238E27FC236}">
+                <a16:creationId xmlns:a16="http://schemas.microsoft.com/office/drawing/2014/main" id="{AFB3E8CE-2D39-408E-B68A-C47DEE0266DE}"/>
+              </a:ext>
+            </a:extLst>
+          </p:cNvPr>
+          <p:cNvSpPr txBox="1"/>
+          <p:nvPr/>
+        </p:nvSpPr>
+        <p:spPr>
+          <a:xfrm>
+            <a:off x="5385832" y="4298335"/>
+            <a:ext cx="1431941" cy="376942"/>
+          </a:xfrm>
+          <a:prstGeom prst="rect">
+            <a:avLst/>
+          </a:prstGeom>
+          <a:noFill/>
+        </p:spPr>
+        <p:txBody>
+          <a:bodyPr wrap="square" rtlCol="0">
+            <a:spAutoFit/>
+          </a:bodyPr>
+          <a:lstStyle/>
+          <a:p>
+            <a:r>
+              <a:rPr lang="it-IT" dirty="0"/>
+              <a:t>readmatrix()</a:t>
+            </a:r>
+          </a:p>
+        </p:txBody>
+      </p:sp>
+      <p:pic>
+        <p:nvPicPr>
+          <p:cNvPr id="19" name="Immagine 18">
+            <a:extLst>
+              <a:ext uri="{FF2B5EF4-FFF2-40B4-BE49-F238E27FC236}">
+                <a16:creationId xmlns:a16="http://schemas.microsoft.com/office/drawing/2014/main" id="{0824C1C8-368F-4D7F-8A1F-016AB9577817}"/>
+              </a:ext>
+            </a:extLst>
+          </p:cNvPr>
+          <p:cNvPicPr>
+            <a:picLocks noChangeAspect="1"/>
+          </p:cNvPicPr>
+          <p:nvPr/>
+        </p:nvPicPr>
+        <p:blipFill>
+          <a:blip r:embed="rId10"/>
+          <a:stretch>
+            <a:fillRect/>
+          </a:stretch>
+        </p:blipFill>
+        <p:spPr>
+          <a:xfrm>
+            <a:off x="3582954" y="3989281"/>
+            <a:ext cx="1528333" cy="1373589"/>
+          </a:xfrm>
+          <a:prstGeom prst="rect">
+            <a:avLst/>
+          </a:prstGeom>
+        </p:spPr>
+      </p:pic>
+      <p:pic>
+        <p:nvPicPr>
+          <p:cNvPr id="21" name="Immagine 20">
+            <a:extLst>
+              <a:ext uri="{FF2B5EF4-FFF2-40B4-BE49-F238E27FC236}">
+                <a16:creationId xmlns:a16="http://schemas.microsoft.com/office/drawing/2014/main" id="{97AA38BC-63A3-4BFE-8156-61C00DC859A9}"/>
+              </a:ext>
+            </a:extLst>
+          </p:cNvPr>
+          <p:cNvPicPr>
+            <a:picLocks noChangeAspect="1"/>
+          </p:cNvPicPr>
+          <p:nvPr/>
+        </p:nvPicPr>
+        <p:blipFill>
+          <a:blip r:embed="rId9"/>
+          <a:stretch>
+            <a:fillRect/>
+          </a:stretch>
+        </p:blipFill>
+        <p:spPr>
+          <a:xfrm rot="10800000">
+            <a:off x="2343997" y="4544456"/>
+            <a:ext cx="658425" cy="512108"/>
+          </a:xfrm>
+          <a:prstGeom prst="rect">
+            <a:avLst/>
+          </a:prstGeom>
+        </p:spPr>
+      </p:pic>
+      <p:pic>
+        <p:nvPicPr>
+          <p:cNvPr id="23" name="Immagine 22">
+            <a:extLst>
+              <a:ext uri="{FF2B5EF4-FFF2-40B4-BE49-F238E27FC236}">
+                <a16:creationId xmlns:a16="http://schemas.microsoft.com/office/drawing/2014/main" id="{AEE0ED51-385E-474C-B50D-3DE418C1CE6B}"/>
+              </a:ext>
+            </a:extLst>
+          </p:cNvPr>
+          <p:cNvPicPr>
+            <a:picLocks noChangeAspect="1"/>
+          </p:cNvPicPr>
+          <p:nvPr/>
+        </p:nvPicPr>
+        <p:blipFill rotWithShape="1">
+          <a:blip r:embed="rId11"/>
+          <a:srcRect b="15333"/>
+          <a:stretch/>
+        </p:blipFill>
+        <p:spPr>
+          <a:xfrm>
+            <a:off x="524824" y="4322882"/>
+            <a:ext cx="1486029" cy="1090422"/>
+          </a:xfrm>
+          <a:prstGeom prst="rect">
+            <a:avLst/>
+          </a:prstGeom>
+        </p:spPr>
+      </p:pic>
+    </p:spTree>
+    <p:extLst>
+      <p:ext uri="{BB962C8B-B14F-4D97-AF65-F5344CB8AC3E}">
+        <p14:creationId xmlns:p14="http://schemas.microsoft.com/office/powerpoint/2010/main" val="4120760776"/>
+      </p:ext>
+    </p:extLst>
+  </p:cSld>
+  <p:clrMapOvr>
+    <a:masterClrMapping/>
+  </p:clrMapOvr>
+</p:sld>
+</file>
+
+<file path=ppt/slides/slide7.xml><?xml version="1.0" encoding="utf-8"?>
+<p:sld xmlns:a="http://schemas.openxmlformats.org/drawingml/2006/main" xmlns:r="http://schemas.openxmlformats.org/officeDocument/2006/relationships" xmlns:p="http://schemas.openxmlformats.org/presentationml/2006/main">
+  <p:cSld>
+    <p:spTree>
+      <p:nvGrpSpPr>
+        <p:cNvPr id="1" name=""/>
+        <p:cNvGrpSpPr/>
+        <p:nvPr/>
+      </p:nvGrpSpPr>
+      <p:grpSpPr>
+        <a:xfrm>
+          <a:off x="0" y="0"/>
+          <a:ext cx="0" cy="0"/>
+          <a:chOff x="0" y="0"/>
+          <a:chExt cx="0" cy="0"/>
+        </a:xfrm>
+      </p:grpSpPr>
+      <p:sp>
+        <p:nvSpPr>
+          <p:cNvPr id="5" name="CasellaDiTesto 4">
+            <a:extLst>
+              <a:ext uri="{FF2B5EF4-FFF2-40B4-BE49-F238E27FC236}">
+                <a16:creationId xmlns:a16="http://schemas.microsoft.com/office/drawing/2014/main" id="{D59F9A9B-9108-4682-867C-FFA4FE02E0C1}"/>
+              </a:ext>
+            </a:extLst>
+          </p:cNvPr>
+          <p:cNvSpPr txBox="1"/>
+          <p:nvPr/>
+        </p:nvSpPr>
+        <p:spPr>
+          <a:xfrm>
+            <a:off x="242594" y="214604"/>
+            <a:ext cx="5467739" cy="584775"/>
+          </a:xfrm>
+          <a:prstGeom prst="rect">
+            <a:avLst/>
+          </a:prstGeom>
+          <a:noFill/>
+        </p:spPr>
+        <p:txBody>
+          <a:bodyPr wrap="square">
+            <a:spAutoFit/>
+          </a:bodyPr>
+          <a:lstStyle/>
+          <a:p>
+            <a:r>
+              <a:rPr lang="it-IT" sz="3200" dirty="0">
+                <a:solidFill>
+                  <a:srgbClr val="971720"/>
+                </a:solidFill>
+                <a:latin typeface="Century Gothic"/>
+              </a:rPr>
+              <a:t>Open loop analysis (4)</a:t>
+            </a:r>
+            <a:endParaRPr lang="it-IT" sz="3200" dirty="0"/>
+          </a:p>
+        </p:txBody>
+      </p:sp>
+      <p:pic>
+        <p:nvPicPr>
+          <p:cNvPr id="7" name="Immagine 6">
+            <a:extLst>
+              <a:ext uri="{FF2B5EF4-FFF2-40B4-BE49-F238E27FC236}">
+                <a16:creationId xmlns:a16="http://schemas.microsoft.com/office/drawing/2014/main" id="{59A19C45-3EC1-427D-8AB3-DC3B36F89E49}"/>
+              </a:ext>
+            </a:extLst>
+          </p:cNvPr>
+          <p:cNvPicPr>
+            <a:picLocks noChangeAspect="1"/>
+          </p:cNvPicPr>
+          <p:nvPr/>
+        </p:nvPicPr>
+        <p:blipFill>
+          <a:blip r:embed="rId2"/>
+          <a:stretch>
+            <a:fillRect/>
+          </a:stretch>
+        </p:blipFill>
+        <p:spPr>
+          <a:xfrm>
+            <a:off x="3164633" y="1024555"/>
+            <a:ext cx="3153746" cy="2365310"/>
+          </a:xfrm>
+          <a:prstGeom prst="rect">
+            <a:avLst/>
+          </a:prstGeom>
+        </p:spPr>
+      </p:pic>
+      <p:pic>
+        <p:nvPicPr>
+          <p:cNvPr id="9" name="Immagine 8">
+            <a:extLst>
+              <a:ext uri="{FF2B5EF4-FFF2-40B4-BE49-F238E27FC236}">
+                <a16:creationId xmlns:a16="http://schemas.microsoft.com/office/drawing/2014/main" id="{1DEC2E63-5DAD-4A74-802E-53384E197850}"/>
+              </a:ext>
+            </a:extLst>
+          </p:cNvPr>
+          <p:cNvPicPr>
+            <a:picLocks noChangeAspect="1"/>
+          </p:cNvPicPr>
+          <p:nvPr/>
+        </p:nvPicPr>
+        <p:blipFill>
+          <a:blip r:embed="rId3"/>
+          <a:stretch>
+            <a:fillRect/>
+          </a:stretch>
+        </p:blipFill>
+        <p:spPr>
+          <a:xfrm>
+            <a:off x="6071117" y="1024555"/>
+            <a:ext cx="3057331" cy="2292998"/>
+          </a:xfrm>
+          <a:prstGeom prst="rect">
+            <a:avLst/>
+          </a:prstGeom>
+        </p:spPr>
+      </p:pic>
+      <p:pic>
+        <p:nvPicPr>
+          <p:cNvPr id="11" name="Immagine 10">
+            <a:extLst>
+              <a:ext uri="{FF2B5EF4-FFF2-40B4-BE49-F238E27FC236}">
+                <a16:creationId xmlns:a16="http://schemas.microsoft.com/office/drawing/2014/main" id="{09FEEE06-EA93-4CFF-9C7E-8528A1944EE2}"/>
+              </a:ext>
+            </a:extLst>
+          </p:cNvPr>
+          <p:cNvPicPr>
+            <a:picLocks noChangeAspect="1"/>
+          </p:cNvPicPr>
+          <p:nvPr/>
+        </p:nvPicPr>
+        <p:blipFill>
+          <a:blip r:embed="rId4"/>
+          <a:stretch>
+            <a:fillRect/>
+          </a:stretch>
+        </p:blipFill>
+        <p:spPr>
+          <a:xfrm>
+            <a:off x="41240" y="3409756"/>
+            <a:ext cx="4555643" cy="3416732"/>
+          </a:xfrm>
+          <a:prstGeom prst="rect">
+            <a:avLst/>
+          </a:prstGeom>
+        </p:spPr>
+      </p:pic>
+      <p:pic>
+        <p:nvPicPr>
+          <p:cNvPr id="13" name="Immagine 12">
+            <a:extLst>
+              <a:ext uri="{FF2B5EF4-FFF2-40B4-BE49-F238E27FC236}">
+                <a16:creationId xmlns:a16="http://schemas.microsoft.com/office/drawing/2014/main" id="{CF389401-6F25-4C01-AF8F-EBAA249974A3}"/>
+              </a:ext>
+            </a:extLst>
+          </p:cNvPr>
+          <p:cNvPicPr>
+            <a:picLocks noChangeAspect="1"/>
+          </p:cNvPicPr>
+          <p:nvPr/>
+        </p:nvPicPr>
+        <p:blipFill>
+          <a:blip r:embed="rId5"/>
+          <a:stretch>
+            <a:fillRect/>
+          </a:stretch>
+        </p:blipFill>
+        <p:spPr>
+          <a:xfrm>
+            <a:off x="4355091" y="3356688"/>
+            <a:ext cx="4658280" cy="3493710"/>
+          </a:xfrm>
+          <a:prstGeom prst="rect">
+            <a:avLst/>
+          </a:prstGeom>
+        </p:spPr>
+      </p:pic>
+      <p:pic>
+        <p:nvPicPr>
+          <p:cNvPr id="15" name="Immagine 14">
+            <a:extLst>
+              <a:ext uri="{FF2B5EF4-FFF2-40B4-BE49-F238E27FC236}">
+                <a16:creationId xmlns:a16="http://schemas.microsoft.com/office/drawing/2014/main" id="{B8632892-B1B3-46A2-9917-EE8077519527}"/>
+              </a:ext>
+            </a:extLst>
+          </p:cNvPr>
+          <p:cNvPicPr>
+            <a:picLocks noChangeAspect="1"/>
+          </p:cNvPicPr>
+          <p:nvPr/>
+        </p:nvPicPr>
+        <p:blipFill>
+          <a:blip r:embed="rId6"/>
+          <a:stretch>
+            <a:fillRect/>
+          </a:stretch>
+        </p:blipFill>
+        <p:spPr>
+          <a:xfrm>
+            <a:off x="15552" y="1006105"/>
+            <a:ext cx="3380791" cy="2371805"/>
+          </a:xfrm>
+          <a:prstGeom prst="rect">
+            <a:avLst/>
+          </a:prstGeom>
+        </p:spPr>
+      </p:pic>
+    </p:spTree>
+    <p:extLst>
+      <p:ext uri="{BB962C8B-B14F-4D97-AF65-F5344CB8AC3E}">
+        <p14:creationId xmlns:p14="http://schemas.microsoft.com/office/powerpoint/2010/main" val="1524423308"/>
+      </p:ext>
+    </p:extLst>
+  </p:cSld>
+  <p:clrMapOvr>
+    <a:masterClrMapping/>
+  </p:clrMapOvr>
+</p:sld>
+</file>
+
+<file path=ppt/tags/tag1.xml><?xml version="1.0" encoding="utf-8"?>
+<p:tagLst xmlns:a="http://schemas.openxmlformats.org/drawingml/2006/main" xmlns:r="http://schemas.openxmlformats.org/officeDocument/2006/relationships" xmlns:p="http://schemas.openxmlformats.org/presentationml/2006/main">
+  <p:tag name="OUTPUTDPI" val="2000"/>
+  <p:tag name="ORIGINALHEIGHT" val="179,2276"/>
+  <p:tag name="ORIGINALWIDTH" val="485,1894"/>
+  <p:tag name="OUTPUTTYPE" val="PNG"/>
+  <p:tag name="IGUANATEXVERSION" val="160"/>
+  <p:tag name="LATEXADDIN" val="\documentclass{article}&#10;\usepackage{amsmath}&#10;\pagestyle{empty}&#10;\begin{document}&#10;&#10;$\dot{p} = v$&#10;&#10;&#10;\end{document}"/>
+  <p:tag name="IGUANATEXSIZE" val="20"/>
+  <p:tag name="IGUANATEXCURSOR" val="93"/>
+  <p:tag name="TRANSPARENCY" val="Vero"/>
+  <p:tag name="FILENAME" val=""/>
+  <p:tag name="LATEXENGINEID" val="0"/>
+  <p:tag name="TEMPFOLDER" val=".\temp\"/>
+  <p:tag name="LATEXFORMHEIGHT" val="320"/>
+  <p:tag name="LATEXFORMWIDTH" val="385"/>
+  <p:tag name="LATEXFORMWRAP" val="Vero"/>
+  <p:tag name="BITMAPVECTOR" val="0"/>
+</p:tagLst>
+</file>
+
+<file path=ppt/tags/tag2.xml><?xml version="1.0" encoding="utf-8"?>
+<p:tagLst xmlns:a="http://schemas.openxmlformats.org/drawingml/2006/main" xmlns:r="http://schemas.openxmlformats.org/officeDocument/2006/relationships" xmlns:p="http://schemas.openxmlformats.org/presentationml/2006/main">
+  <p:tag name="OUTPUTDPI" val="2000"/>
+  <p:tag name="ORIGINALHEIGHT" val="230,9711"/>
+  <p:tag name="ORIGINALWIDTH" val="659,1675"/>
+  <p:tag name="OUTPUTTYPE" val="PNG"/>
+  <p:tag name="IGUANATEXVERSION" val="160"/>
+  <p:tag name="LATEXADDIN" val="\documentclass{article}&#10;\usepackage{amsmath}&#10;\pagestyle{empty}&#10;\begin{document}&#10;&#10;&#10;$\frac{\eta}{RM}u(t)$&#10;&#10;\end{document}"/>
+  <p:tag name="IGUANATEXSIZE" val="20"/>
+  <p:tag name="IGUANATEXCURSOR" val="102"/>
+  <p:tag name="TRANSPARENCY" val="Vero"/>
+  <p:tag name="FILENAME" val=""/>
+  <p:tag name="LATEXENGINEID" val="0"/>
+  <p:tag name="TEMPFOLDER" val=".\temp\"/>
+  <p:tag name="LATEXFORMHEIGHT" val="320"/>
+  <p:tag name="LATEXFORMWIDTH" val="385"/>
+  <p:tag name="LATEXFORMWRAP" val="Vero"/>
+  <p:tag name="BITMAPVECTOR" val="0"/>
+</p:tagLst>
+</file>
+
+<file path=ppt/tags/tag3.xml><?xml version="1.0" encoding="utf-8"?>
+<p:tagLst xmlns:a="http://schemas.openxmlformats.org/drawingml/2006/main" xmlns:r="http://schemas.openxmlformats.org/officeDocument/2006/relationships" xmlns:p="http://schemas.openxmlformats.org/presentationml/2006/main">
+  <p:tag name="OUTPUTDPI" val="2000"/>
+  <p:tag name="ORIGINALHEIGHT" val="207,724"/>
+  <p:tag name="ORIGINALWIDTH" val="853,3933"/>
+  <p:tag name="OUTPUTTYPE" val="PNG"/>
+  <p:tag name="IGUANATEXVERSION" val="160"/>
+  <p:tag name="LATEXADDIN" val="\documentclass{article}&#10;\usepackage{amsmath}&#10;\pagestyle{empty}&#10;\begin{document}&#10;&#10;&#10;$gf_r \cos(\theta)$&#10;&#10;\end{document}"/>
+  <p:tag name="IGUANATEXSIZE" val="20"/>
+  <p:tag name="IGUANATEXCURSOR" val="99"/>
+  <p:tag name="TRANSPARENCY" val="Vero"/>
+  <p:tag name="FILENAME" val=""/>
+  <p:tag name="LATEXENGINEID" val="0"/>
+  <p:tag name="TEMPFOLDER" val=".\temp\"/>
+  <p:tag name="LATEXFORMHEIGHT" val="320"/>
+  <p:tag name="LATEXFORMWIDTH" val="385"/>
+  <p:tag name="LATEXFORMWRAP" val="Vero"/>
+  <p:tag name="BITMAPVECTOR" val="0"/>
+</p:tagLst>
+</file>
+
+<file path=ppt/tags/tag4.xml><?xml version="1.0" encoding="utf-8"?>
+<p:tagLst xmlns:a="http://schemas.openxmlformats.org/drawingml/2006/main" xmlns:r="http://schemas.openxmlformats.org/officeDocument/2006/relationships" xmlns:p="http://schemas.openxmlformats.org/presentationml/2006/main">
+  <p:tag name="OUTPUTDPI" val="2000"/>
+  <p:tag name="ORIGINALHEIGHT" val="207,724"/>
+  <p:tag name="ORIGINALWIDTH" val="636,6704"/>
+  <p:tag name="OUTPUTTYPE" val="PNG"/>
+  <p:tag name="IGUANATEXVERSION" val="160"/>
+  <p:tag name="LATEXADDIN" val="\documentclass{article}&#10;\usepackage{amsmath}&#10;\pagestyle{empty}&#10;\begin{document}&#10;&#10;$g\sin(\theta)$&#10;&#10;\end{document}"/>
+  <p:tag name="IGUANATEXSIZE" val="20"/>
+  <p:tag name="IGUANATEXCURSOR" val="95"/>
+  <p:tag name="TRANSPARENCY" val="Vero"/>
+  <p:tag name="FILENAME" val=""/>
+  <p:tag name="LATEXENGINEID" val="0"/>
+  <p:tag name="TEMPFOLDER" val=".\temp\"/>
+  <p:tag name="LATEXFORMHEIGHT" val="320"/>
+  <p:tag name="LATEXFORMWIDTH" val="385"/>
+  <p:tag name="LATEXFORMWRAP" val="Vero"/>
+  <p:tag name="BITMAPVECTOR" val="0"/>
+</p:tagLst>
+</file>
+
+<file path=ppt/tags/tag5.xml><?xml version="1.0" encoding="utf-8"?>
+<p:tagLst xmlns:a="http://schemas.openxmlformats.org/drawingml/2006/main" xmlns:r="http://schemas.openxmlformats.org/officeDocument/2006/relationships" xmlns:p="http://schemas.openxmlformats.org/presentationml/2006/main">
+  <p:tag name="OUTPUTDPI" val="2000"/>
+  <p:tag name="ORIGINALHEIGHT" val="251,2186"/>
+  <p:tag name="ORIGINALWIDTH" val="1582,302"/>
+  <p:tag name="OUTPUTTYPE" val="PNG"/>
+  <p:tag name="IGUANATEXVERSION" val="160"/>
+  <p:tag name="LATEXADDIN" val="\documentclass{article}&#10;\usepackage{amsmath}&#10;\pagestyle{empty}&#10;\begin{document}&#10;&#10;$\frac{0.5}{m}\rho C_D C_h A_f v^2(t)$&#10;&#10;&#10;\end{document}"/>
+  <p:tag name="IGUANATEXSIZE" val="20"/>
+  <p:tag name="IGUANATEXCURSOR" val="118"/>
+  <p:tag name="TRANSPARENCY" val="Vero"/>
+  <p:tag name="FILENAME" val=""/>
+  <p:tag name="LATEXENGINEID" val="0"/>
+  <p:tag name="TEMPFOLDER" val=".\temp\"/>
+  <p:tag name="LATEXFORMHEIGHT" val="320"/>
+  <p:tag name="LATEXFORMWIDTH" val="385"/>
+  <p:tag name="LATEXFORMWRAP" val="Vero"/>
+  <p:tag name="BITMAPVECTOR" val="0"/>
+</p:tagLst>
+</file>
+
+<file path=ppt/tags/tag6.xml><?xml version="1.0" encoding="utf-8"?>
+<p:tagLst xmlns:a="http://schemas.openxmlformats.org/drawingml/2006/main" xmlns:r="http://schemas.openxmlformats.org/officeDocument/2006/relationships" xmlns:p="http://schemas.openxmlformats.org/presentationml/2006/main">
+  <p:tag name="OUTPUTDPI" val="2000"/>
+  <p:tag name="ORIGINALHEIGHT" val="146,2317"/>
+  <p:tag name="ORIGINALWIDTH" val="1305,587"/>
+  <p:tag name="OUTPUTTYPE" val="PNG"/>
+  <p:tag name="IGUANATEXVERSION" val="160"/>
+  <p:tag name="LATEXADDIN" val="\documentclass{article}&#10;\usepackage{amsmath}&#10;\pagestyle{empty}&#10;\begin{document}&#10;&#10;$1-0.000085H$&#10;&#10;\end{document}"/>
+  <p:tag name="IGUANATEXSIZE" val="20"/>
+  <p:tag name="IGUANATEXCURSOR" val="93"/>
+  <p:tag name="TRANSPARENCY" val="Vero"/>
+  <p:tag name="FILENAME" val=""/>
+  <p:tag name="LATEXENGINEID" val="0"/>
+  <p:tag name="TEMPFOLDER" val=".\temp\"/>
+  <p:tag name="LATEXFORMHEIGHT" val="320"/>
+  <p:tag name="LATEXFORMWIDTH" val="385"/>
+  <p:tag name="LATEXFORMWRAP" val="Vero"/>
+  <p:tag name="BITMAPVECTOR" val="0"/>
+</p:tagLst>
+</file>
+
+<file path=ppt/tags/tag7.xml><?xml version="1.0" encoding="utf-8"?>
+<p:tagLst xmlns:a="http://schemas.openxmlformats.org/drawingml/2006/main" xmlns:r="http://schemas.openxmlformats.org/officeDocument/2006/relationships" xmlns:p="http://schemas.openxmlformats.org/presentationml/2006/main">
+  <p:tag name="OUTPUTDPI" val="2000"/>
+  <p:tag name="ORIGINALHEIGHT" val="248,9689"/>
+  <p:tag name="ORIGINALWIDTH" val="608,9238"/>
+  <p:tag name="OUTPUTTYPE" val="PNG"/>
+  <p:tag name="IGUANATEXVERSION" val="160"/>
+  <p:tag name="LATEXADDIN" val="\documentclass{article}&#10;\usepackage{amsmath}&#10;\pagestyle{empty}&#10;\begin{document}&#10;&#10;$\begin{bmatrix}&#10;0 &amp; 40&#10;\end{bmatrix}$&#10;&#10;&#10;\end{document}"/>
+  <p:tag name="IGUANATEXSIZE" val="20"/>
+  <p:tag name="IGUANATEXCURSOR" val="103"/>
+  <p:tag name="TRANSPARENCY" val="Vero"/>
+  <p:tag name="FILENAME" val=""/>
+  <p:tag name="LATEXENGINEID" val="0"/>
+  <p:tag name="TEMPFOLDER" val=".\temp\"/>
+  <p:tag name="LATEXFORMHEIGHT" val="320"/>
+  <p:tag name="LATEXFORMWIDTH" val="385"/>
+  <p:tag name="LATEXFORMWRAP" val="Vero"/>
+  <p:tag name="BITMAPVECTOR" val="0"/>
+</p:tagLst>
 </file>
 
 <file path=ppt/theme/theme1.xml><?xml version="1.0" encoding="utf-8"?>

--- a/Presentation.pptx
+++ b/Presentation.pptx
@@ -5,10 +5,10 @@
     <p:sldMasterId id="2147483648" r:id="rId1"/>
   </p:sldMasterIdLst>
   <p:notesMasterIdLst>
-    <p:notesMasterId r:id="rId9"/>
+    <p:notesMasterId r:id="rId13"/>
   </p:notesMasterIdLst>
   <p:handoutMasterIdLst>
-    <p:handoutMasterId r:id="rId10"/>
+    <p:handoutMasterId r:id="rId14"/>
   </p:handoutMasterIdLst>
   <p:sldIdLst>
     <p:sldId id="256" r:id="rId2"/>
@@ -18,6 +18,10 @@
     <p:sldId id="262" r:id="rId6"/>
     <p:sldId id="263" r:id="rId7"/>
     <p:sldId id="264" r:id="rId8"/>
+    <p:sldId id="266" r:id="rId9"/>
+    <p:sldId id="265" r:id="rId10"/>
+    <p:sldId id="267" r:id="rId11"/>
+    <p:sldId id="268" r:id="rId12"/>
   </p:sldIdLst>
   <p:sldSz cx="9144000" cy="6858000" type="screen4x3"/>
   <p:notesSz cx="6858000" cy="9144000"/>
@@ -132,6 +136,10 @@
             <p14:sldId id="262"/>
             <p14:sldId id="263"/>
             <p14:sldId id="264"/>
+            <p14:sldId id="266"/>
+            <p14:sldId id="265"/>
+            <p14:sldId id="267"/>
+            <p14:sldId id="268"/>
           </p14:sldIdLst>
         </p14:section>
       </p14:sectionLst>
@@ -248,7 +256,7 @@
           <a:p>
             <a:fld id="{0914F915-DDDE-4CAA-895D-614564BB8837}" type="datetimeFigureOut">
               <a:rPr lang="en-GB" smtClean="0"/>
-              <a:t>27/02/2023</a:t>
+              <a:t>03/03/2023</a:t>
             </a:fld>
             <a:endParaRPr lang="en-GB"/>
           </a:p>
@@ -413,7 +421,7 @@
           <a:p>
             <a:fld id="{A9D4C5A5-33D0-4441-96FE-163C8B7C9D3F}" type="datetimeFigureOut">
               <a:rPr lang="en-GB" smtClean="0"/>
-              <a:t>27/02/2023</a:t>
+              <a:t>03/03/2023</a:t>
             </a:fld>
             <a:endParaRPr lang="en-GB"/>
           </a:p>
@@ -1112,7 +1120,7 @@
           <a:p>
             <a:fld id="{2C790A91-0F3D-9944-94EF-F5C93CDE0643}" type="datetimeFigureOut">
               <a:rPr lang="it-IT" smtClean="0"/>
-              <a:t>27/02/2023</a:t>
+              <a:t>03/03/2023</a:t>
             </a:fld>
             <a:endParaRPr lang="it-IT"/>
           </a:p>
@@ -1280,7 +1288,7 @@
           <a:p>
             <a:fld id="{2C790A91-0F3D-9944-94EF-F5C93CDE0643}" type="datetimeFigureOut">
               <a:rPr lang="it-IT" smtClean="0"/>
-              <a:t>27/02/2023</a:t>
+              <a:t>03/03/2023</a:t>
             </a:fld>
             <a:endParaRPr lang="it-IT"/>
           </a:p>
@@ -1458,7 +1466,7 @@
           <a:p>
             <a:fld id="{2C790A91-0F3D-9944-94EF-F5C93CDE0643}" type="datetimeFigureOut">
               <a:rPr lang="it-IT" smtClean="0"/>
-              <a:t>27/02/2023</a:t>
+              <a:t>03/03/2023</a:t>
             </a:fld>
             <a:endParaRPr lang="it-IT"/>
           </a:p>
@@ -1626,7 +1634,7 @@
           <a:p>
             <a:fld id="{2C790A91-0F3D-9944-94EF-F5C93CDE0643}" type="datetimeFigureOut">
               <a:rPr lang="it-IT" smtClean="0"/>
-              <a:t>27/02/2023</a:t>
+              <a:t>03/03/2023</a:t>
             </a:fld>
             <a:endParaRPr lang="it-IT"/>
           </a:p>
@@ -1871,7 +1879,7 @@
           <a:p>
             <a:fld id="{2C790A91-0F3D-9944-94EF-F5C93CDE0643}" type="datetimeFigureOut">
               <a:rPr lang="it-IT" smtClean="0"/>
-              <a:t>27/02/2023</a:t>
+              <a:t>03/03/2023</a:t>
             </a:fld>
             <a:endParaRPr lang="it-IT"/>
           </a:p>
@@ -2156,7 +2164,7 @@
           <a:p>
             <a:fld id="{2C790A91-0F3D-9944-94EF-F5C93CDE0643}" type="datetimeFigureOut">
               <a:rPr lang="it-IT" smtClean="0"/>
-              <a:t>27/02/2023</a:t>
+              <a:t>03/03/2023</a:t>
             </a:fld>
             <a:endParaRPr lang="it-IT"/>
           </a:p>
@@ -2575,7 +2583,7 @@
           <a:p>
             <a:fld id="{2C790A91-0F3D-9944-94EF-F5C93CDE0643}" type="datetimeFigureOut">
               <a:rPr lang="it-IT" smtClean="0"/>
-              <a:t>27/02/2023</a:t>
+              <a:t>03/03/2023</a:t>
             </a:fld>
             <a:endParaRPr lang="it-IT"/>
           </a:p>
@@ -2692,7 +2700,7 @@
           <a:p>
             <a:fld id="{2C790A91-0F3D-9944-94EF-F5C93CDE0643}" type="datetimeFigureOut">
               <a:rPr lang="it-IT" smtClean="0"/>
-              <a:t>27/02/2023</a:t>
+              <a:t>03/03/2023</a:t>
             </a:fld>
             <a:endParaRPr lang="it-IT"/>
           </a:p>
@@ -2787,7 +2795,7 @@
           <a:p>
             <a:fld id="{2C790A91-0F3D-9944-94EF-F5C93CDE0643}" type="datetimeFigureOut">
               <a:rPr lang="it-IT" smtClean="0"/>
-              <a:t>27/02/2023</a:t>
+              <a:t>03/03/2023</a:t>
             </a:fld>
             <a:endParaRPr lang="it-IT"/>
           </a:p>
@@ -3062,7 +3070,7 @@
           <a:p>
             <a:fld id="{2C790A91-0F3D-9944-94EF-F5C93CDE0643}" type="datetimeFigureOut">
               <a:rPr lang="it-IT" smtClean="0"/>
-              <a:t>27/02/2023</a:t>
+              <a:t>03/03/2023</a:t>
             </a:fld>
             <a:endParaRPr lang="it-IT"/>
           </a:p>
@@ -3314,7 +3322,7 @@
           <a:p>
             <a:fld id="{2C790A91-0F3D-9944-94EF-F5C93CDE0643}" type="datetimeFigureOut">
               <a:rPr lang="it-IT" smtClean="0"/>
-              <a:t>27/02/2023</a:t>
+              <a:t>03/03/2023</a:t>
             </a:fld>
             <a:endParaRPr lang="it-IT"/>
           </a:p>
@@ -3525,7 +3533,7 @@
           <a:p>
             <a:fld id="{2C790A91-0F3D-9944-94EF-F5C93CDE0643}" type="datetimeFigureOut">
               <a:rPr lang="it-IT" smtClean="0"/>
-              <a:t>27/02/2023</a:t>
+              <a:t>03/03/2023</a:t>
             </a:fld>
             <a:endParaRPr lang="it-IT"/>
           </a:p>
@@ -4442,6 +4450,218 @@
 </p:sld>
 </file>
 
+<file path=ppt/slides/slide10.xml><?xml version="1.0" encoding="utf-8"?>
+<p:sld xmlns:a="http://schemas.openxmlformats.org/drawingml/2006/main" xmlns:r="http://schemas.openxmlformats.org/officeDocument/2006/relationships" xmlns:p="http://schemas.openxmlformats.org/presentationml/2006/main">
+  <p:cSld>
+    <p:spTree>
+      <p:nvGrpSpPr>
+        <p:cNvPr id="1" name=""/>
+        <p:cNvGrpSpPr/>
+        <p:nvPr/>
+      </p:nvGrpSpPr>
+      <p:grpSpPr>
+        <a:xfrm>
+          <a:off x="0" y="0"/>
+          <a:ext cx="0" cy="0"/>
+          <a:chOff x="0" y="0"/>
+          <a:chExt cx="0" cy="0"/>
+        </a:xfrm>
+      </p:grpSpPr>
+      <p:sp>
+        <p:nvSpPr>
+          <p:cNvPr id="4" name="CasellaDiTesto 3">
+            <a:extLst>
+              <a:ext uri="{FF2B5EF4-FFF2-40B4-BE49-F238E27FC236}">
+                <a16:creationId xmlns:a16="http://schemas.microsoft.com/office/drawing/2014/main" id="{B53AB620-CE3E-41FC-A91B-479BABFB5EA3}"/>
+              </a:ext>
+            </a:extLst>
+          </p:cNvPr>
+          <p:cNvSpPr txBox="1"/>
+          <p:nvPr/>
+        </p:nvSpPr>
+        <p:spPr>
+          <a:xfrm>
+            <a:off x="242594" y="214604"/>
+            <a:ext cx="8341569" cy="584775"/>
+          </a:xfrm>
+          <a:prstGeom prst="rect">
+            <a:avLst/>
+          </a:prstGeom>
+          <a:noFill/>
+        </p:spPr>
+        <p:txBody>
+          <a:bodyPr wrap="square">
+            <a:spAutoFit/>
+          </a:bodyPr>
+          <a:lstStyle/>
+          <a:p>
+            <a:r>
+              <a:rPr lang="it-IT" sz="3200" dirty="0">
+                <a:solidFill>
+                  <a:srgbClr val="971720"/>
+                </a:solidFill>
+                <a:latin typeface="Century Gothic"/>
+              </a:rPr>
+              <a:t>ADAS </a:t>
+            </a:r>
+            <a:r>
+              <a:rPr lang="it-IT" sz="3200" dirty="0" err="1">
+                <a:solidFill>
+                  <a:srgbClr val="971720"/>
+                </a:solidFill>
+                <a:latin typeface="Century Gothic"/>
+              </a:rPr>
+              <a:t>Designing</a:t>
+            </a:r>
+            <a:r>
+              <a:rPr lang="it-IT" sz="3200" dirty="0">
+                <a:solidFill>
+                  <a:srgbClr val="971720"/>
+                </a:solidFill>
+                <a:latin typeface="Century Gothic"/>
+              </a:rPr>
+              <a:t>: ACC with PID</a:t>
+            </a:r>
+            <a:endParaRPr lang="it-IT" sz="3200" dirty="0"/>
+          </a:p>
+        </p:txBody>
+      </p:sp>
+      <p:pic>
+        <p:nvPicPr>
+          <p:cNvPr id="10" name="Immagine 9">
+            <a:extLst>
+              <a:ext uri="{FF2B5EF4-FFF2-40B4-BE49-F238E27FC236}">
+                <a16:creationId xmlns:a16="http://schemas.microsoft.com/office/drawing/2014/main" id="{02988E24-894E-4813-915A-09731F1C6052}"/>
+              </a:ext>
+            </a:extLst>
+          </p:cNvPr>
+          <p:cNvPicPr>
+            <a:picLocks noChangeAspect="1"/>
+          </p:cNvPicPr>
+          <p:nvPr/>
+        </p:nvPicPr>
+        <p:blipFill>
+          <a:blip r:embed="rId3"/>
+          <a:stretch>
+            <a:fillRect/>
+          </a:stretch>
+        </p:blipFill>
+        <p:spPr>
+          <a:xfrm>
+            <a:off x="177279" y="674942"/>
+            <a:ext cx="4198778" cy="3230282"/>
+          </a:xfrm>
+          <a:prstGeom prst="rect">
+            <a:avLst/>
+          </a:prstGeom>
+        </p:spPr>
+      </p:pic>
+      <p:pic>
+        <p:nvPicPr>
+          <p:cNvPr id="12" name="Immagine 11">
+            <a:extLst>
+              <a:ext uri="{FF2B5EF4-FFF2-40B4-BE49-F238E27FC236}">
+                <a16:creationId xmlns:a16="http://schemas.microsoft.com/office/drawing/2014/main" id="{F430C727-697C-4FE8-B6D4-63C4558A0DE8}"/>
+              </a:ext>
+            </a:extLst>
+          </p:cNvPr>
+          <p:cNvPicPr>
+            <a:picLocks noChangeAspect="1"/>
+          </p:cNvPicPr>
+          <p:nvPr/>
+        </p:nvPicPr>
+        <p:blipFill rotWithShape="1">
+          <a:blip r:embed="rId4"/>
+          <a:srcRect t="5733"/>
+          <a:stretch/>
+        </p:blipFill>
+        <p:spPr>
+          <a:xfrm>
+            <a:off x="3774424" y="3905224"/>
+            <a:ext cx="5369576" cy="2831478"/>
+          </a:xfrm>
+          <a:prstGeom prst="rect">
+            <a:avLst/>
+          </a:prstGeom>
+        </p:spPr>
+      </p:pic>
+      <p:pic>
+        <p:nvPicPr>
+          <p:cNvPr id="18" name="Immagine 17" descr="\documentclass{article}&#10;\usepackage{amsmath}&#10;\pagestyle{empty}&#10;\begin{document}&#10;&#10;$\tilde{p} = d_{safe}-d_{rel}$&#10;&#10;$d_{rel} = p_{lead}-p_{ego}$&#10;&#10;$d_{safe} = d_{default} + T_{gap}v_{ego}$&#10;&#10;$v_{rel} = \dot{\tilde{p}} = v_{ego}-v_{lead}$&#10;&#10;\end{document}" title="IguanaTex Bitmap Display">
+            <a:extLst>
+              <a:ext uri="{FF2B5EF4-FFF2-40B4-BE49-F238E27FC236}">
+                <a16:creationId xmlns:a16="http://schemas.microsoft.com/office/drawing/2014/main" id="{D130489F-E3C2-4382-95D1-E2A71983FA1D}"/>
+              </a:ext>
+            </a:extLst>
+          </p:cNvPr>
+          <p:cNvPicPr>
+            <a:picLocks noChangeAspect="1"/>
+          </p:cNvPicPr>
+          <p:nvPr>
+            <p:custDataLst>
+              <p:tags r:id="rId1"/>
+            </p:custDataLst>
+          </p:nvPr>
+        </p:nvPicPr>
+        <p:blipFill>
+          <a:blip r:embed="rId5"/>
+          <a:stretch>
+            <a:fillRect/>
+          </a:stretch>
+        </p:blipFill>
+        <p:spPr>
+          <a:xfrm>
+            <a:off x="4572000" y="1248325"/>
+            <a:ext cx="4314211" cy="1704451"/>
+          </a:xfrm>
+          <a:prstGeom prst="rect">
+            <a:avLst/>
+          </a:prstGeom>
+        </p:spPr>
+      </p:pic>
+    </p:spTree>
+    <p:extLst>
+      <p:ext uri="{BB962C8B-B14F-4D97-AF65-F5344CB8AC3E}">
+        <p14:creationId xmlns:p14="http://schemas.microsoft.com/office/powerpoint/2010/main" val="3779554333"/>
+      </p:ext>
+    </p:extLst>
+  </p:cSld>
+  <p:clrMapOvr>
+    <a:masterClrMapping/>
+  </p:clrMapOvr>
+</p:sld>
+</file>
+
+<file path=ppt/slides/slide11.xml><?xml version="1.0" encoding="utf-8"?>
+<p:sld xmlns:a="http://schemas.openxmlformats.org/drawingml/2006/main" xmlns:r="http://schemas.openxmlformats.org/officeDocument/2006/relationships" xmlns:p="http://schemas.openxmlformats.org/presentationml/2006/main">
+  <p:cSld>
+    <p:spTree>
+      <p:nvGrpSpPr>
+        <p:cNvPr id="1" name=""/>
+        <p:cNvGrpSpPr/>
+        <p:nvPr/>
+      </p:nvGrpSpPr>
+      <p:grpSpPr>
+        <a:xfrm>
+          <a:off x="0" y="0"/>
+          <a:ext cx="0" cy="0"/>
+          <a:chOff x="0" y="0"/>
+          <a:chExt cx="0" cy="0"/>
+        </a:xfrm>
+      </p:grpSpPr>
+    </p:spTree>
+    <p:extLst>
+      <p:ext uri="{BB962C8B-B14F-4D97-AF65-F5344CB8AC3E}">
+        <p14:creationId xmlns:p14="http://schemas.microsoft.com/office/powerpoint/2010/main" val="1049519730"/>
+      </p:ext>
+    </p:extLst>
+  </p:cSld>
+  <p:clrMapOvr>
+    <a:masterClrMapping/>
+  </p:clrMapOvr>
+</p:sld>
+</file>
+
 <file path=ppt/slides/slide2.xml><?xml version="1.0" encoding="utf-8"?>
 <p:sld xmlns:a="http://schemas.openxmlformats.org/drawingml/2006/main" xmlns:r="http://schemas.openxmlformats.org/officeDocument/2006/relationships" xmlns:p="http://schemas.openxmlformats.org/presentationml/2006/main">
   <p:cSld>
@@ -4625,7 +4845,7 @@
         <p:spPr>
           <a:xfrm>
             <a:off x="224949" y="843396"/>
-            <a:ext cx="6475796" cy="2338782"/>
+            <a:ext cx="6475796" cy="3809954"/>
           </a:xfrm>
           <a:prstGeom prst="rect">
             <a:avLst/>
@@ -4652,7 +4872,7 @@
               <a:buChar char="u"/>
             </a:pPr>
             <a:r>
-              <a:rPr lang="it-IT" dirty="0">
+              <a:rPr lang="it-IT" sz="1600" dirty="0">
                 <a:solidFill>
                   <a:srgbClr val="162230"/>
                 </a:solidFill>
@@ -4677,7 +4897,7 @@
               <a:buChar char="u"/>
             </a:pPr>
             <a:r>
-              <a:rPr lang="it-IT" dirty="0">
+              <a:rPr lang="it-IT" sz="1600" dirty="0">
                 <a:solidFill>
                   <a:srgbClr val="162230"/>
                 </a:solidFill>
@@ -4702,14 +4922,29 @@
               <a:buChar char="u"/>
             </a:pPr>
             <a:r>
-              <a:rPr lang="it-IT" dirty="0">
+              <a:rPr lang="it-IT" sz="1600" dirty="0">
                 <a:solidFill>
                   <a:srgbClr val="162230"/>
                 </a:solidFill>
                 <a:latin typeface="Century Gothic" pitchFamily="34" charset="0"/>
               </a:rPr>
-              <a:t>Sintesi</a:t>
-            </a:r>
+              <a:t>ADAS </a:t>
+            </a:r>
+            <a:r>
+              <a:rPr lang="it-IT" sz="1600" dirty="0" err="1">
+                <a:solidFill>
+                  <a:srgbClr val="162230"/>
+                </a:solidFill>
+                <a:latin typeface="Century Gothic" pitchFamily="34" charset="0"/>
+              </a:rPr>
+              <a:t>designing</a:t>
+            </a:r>
+            <a:endParaRPr lang="it-IT" sz="1600" dirty="0">
+              <a:solidFill>
+                <a:srgbClr val="162230"/>
+              </a:solidFill>
+              <a:latin typeface="Century Gothic" pitchFamily="34" charset="0"/>
+            </a:endParaRPr>
           </a:p>
           <a:p>
             <a:pPr marL="800100" lvl="1" indent="-342900">
@@ -4727,20 +4962,14 @@
               <a:buChar char="u"/>
             </a:pPr>
             <a:r>
-              <a:rPr lang="it-IT" dirty="0">
+              <a:rPr lang="it-IT" sz="1600" dirty="0">
                 <a:solidFill>
                   <a:srgbClr val="162230"/>
                 </a:solidFill>
                 <a:latin typeface="Century Gothic" pitchFamily="34" charset="0"/>
               </a:rPr>
-              <a:t>Controllo Lineare</a:t>
-            </a:r>
-            <a:endParaRPr lang="it-IT" dirty="0">
-              <a:solidFill>
-                <a:srgbClr val="4A7EBB"/>
-              </a:solidFill>
-              <a:latin typeface="Century Gothic" pitchFamily="34" charset="0"/>
-            </a:endParaRPr>
+              <a:t>Feedback Linearization control law</a:t>
+            </a:r>
           </a:p>
           <a:p>
             <a:pPr marL="800100" lvl="1" indent="-342900">
@@ -4758,14 +4987,117 @@
               <a:buChar char="u"/>
             </a:pPr>
             <a:r>
-              <a:rPr lang="it-IT" dirty="0">
+              <a:rPr lang="it-IT" sz="1600" dirty="0">
                 <a:solidFill>
                   <a:srgbClr val="162230"/>
                 </a:solidFill>
                 <a:latin typeface="Century Gothic" pitchFamily="34" charset="0"/>
               </a:rPr>
-              <a:t>I/O Feedback Linearization</a:t>
-            </a:r>
+              <a:t>ACC with PID</a:t>
+            </a:r>
+          </a:p>
+          <a:p>
+            <a:pPr marL="1257300" lvl="2" indent="-342900">
+              <a:lnSpc>
+                <a:spcPct val="150000"/>
+              </a:lnSpc>
+              <a:spcBef>
+                <a:spcPct val="20000"/>
+              </a:spcBef>
+              <a:buClr>
+                <a:srgbClr val="4A7EBB"/>
+              </a:buClr>
+              <a:buSzPct val="70000"/>
+              <a:buFont typeface="Wingdings" pitchFamily="2" charset="2"/>
+              <a:buChar char="u"/>
+            </a:pPr>
+            <a:r>
+              <a:rPr lang="it-IT" sz="1600" dirty="0" err="1">
+                <a:solidFill>
+                  <a:srgbClr val="162230"/>
+                </a:solidFill>
+                <a:latin typeface="Century Gothic" pitchFamily="34" charset="0"/>
+              </a:rPr>
+              <a:t>Results</a:t>
+            </a:r>
+            <a:endParaRPr lang="it-IT" sz="1600" dirty="0">
+              <a:solidFill>
+                <a:srgbClr val="162230"/>
+              </a:solidFill>
+              <a:latin typeface="Century Gothic" pitchFamily="34" charset="0"/>
+            </a:endParaRPr>
+          </a:p>
+          <a:p>
+            <a:pPr marL="800100" lvl="1" indent="-342900">
+              <a:lnSpc>
+                <a:spcPct val="150000"/>
+              </a:lnSpc>
+              <a:spcBef>
+                <a:spcPct val="20000"/>
+              </a:spcBef>
+              <a:buClr>
+                <a:srgbClr val="971720"/>
+              </a:buClr>
+              <a:buSzPct val="70000"/>
+              <a:buFont typeface="Wingdings" pitchFamily="2" charset="2"/>
+              <a:buChar char="u"/>
+            </a:pPr>
+            <a:r>
+              <a:rPr lang="it-IT" sz="1600" dirty="0">
+                <a:solidFill>
+                  <a:srgbClr val="162230"/>
+                </a:solidFill>
+                <a:latin typeface="Century Gothic" pitchFamily="34" charset="0"/>
+              </a:rPr>
+              <a:t>ACC with MPC</a:t>
+            </a:r>
+          </a:p>
+          <a:p>
+            <a:pPr marL="1257300" lvl="2" indent="-342900">
+              <a:lnSpc>
+                <a:spcPct val="150000"/>
+              </a:lnSpc>
+              <a:spcBef>
+                <a:spcPct val="20000"/>
+              </a:spcBef>
+              <a:buClr>
+                <a:srgbClr val="4A7EBB"/>
+              </a:buClr>
+              <a:buSzPct val="70000"/>
+              <a:buFont typeface="Wingdings" pitchFamily="2" charset="2"/>
+              <a:buChar char="u"/>
+            </a:pPr>
+            <a:r>
+              <a:rPr lang="it-IT" sz="1600" dirty="0" err="1">
+                <a:solidFill>
+                  <a:srgbClr val="162230"/>
+                </a:solidFill>
+                <a:latin typeface="Century Gothic" pitchFamily="34" charset="0"/>
+              </a:rPr>
+              <a:t>Results</a:t>
+            </a:r>
+            <a:endParaRPr lang="it-IT" sz="1600" dirty="0">
+              <a:solidFill>
+                <a:srgbClr val="162230"/>
+              </a:solidFill>
+              <a:latin typeface="Century Gothic" pitchFamily="34" charset="0"/>
+            </a:endParaRPr>
+          </a:p>
+          <a:p>
+            <a:pPr marL="1257300" lvl="2" indent="-342900">
+              <a:lnSpc>
+                <a:spcPct val="150000"/>
+              </a:lnSpc>
+              <a:spcBef>
+                <a:spcPct val="20000"/>
+              </a:spcBef>
+              <a:buClr>
+                <a:srgbClr val="971720"/>
+              </a:buClr>
+              <a:buSzPct val="70000"/>
+              <a:buFont typeface="Wingdings" pitchFamily="2" charset="2"/>
+              <a:buChar char="u"/>
+            </a:pPr>
             <a:endParaRPr lang="it-IT" dirty="0">
               <a:solidFill>
                 <a:srgbClr val="4A7EBB"/>
@@ -7163,6 +7495,1114 @@
 </p:sld>
 </file>
 
+<file path=ppt/slides/slide8.xml><?xml version="1.0" encoding="utf-8"?>
+<p:sld xmlns:a="http://schemas.openxmlformats.org/drawingml/2006/main" xmlns:r="http://schemas.openxmlformats.org/officeDocument/2006/relationships" xmlns:p="http://schemas.openxmlformats.org/presentationml/2006/main">
+  <p:cSld>
+    <p:spTree>
+      <p:nvGrpSpPr>
+        <p:cNvPr id="1" name=""/>
+        <p:cNvGrpSpPr/>
+        <p:nvPr/>
+      </p:nvGrpSpPr>
+      <p:grpSpPr>
+        <a:xfrm>
+          <a:off x="0" y="0"/>
+          <a:ext cx="0" cy="0"/>
+          <a:chOff x="0" y="0"/>
+          <a:chExt cx="0" cy="0"/>
+        </a:xfrm>
+      </p:grpSpPr>
+      <p:sp>
+        <p:nvSpPr>
+          <p:cNvPr id="6" name="CasellaDiTesto 5">
+            <a:extLst>
+              <a:ext uri="{FF2B5EF4-FFF2-40B4-BE49-F238E27FC236}">
+                <a16:creationId xmlns:a16="http://schemas.microsoft.com/office/drawing/2014/main" id="{17FE024C-1FC6-46C4-BFD7-D9AADD0868B5}"/>
+              </a:ext>
+            </a:extLst>
+          </p:cNvPr>
+          <p:cNvSpPr txBox="1"/>
+          <p:nvPr/>
+        </p:nvSpPr>
+        <p:spPr>
+          <a:xfrm>
+            <a:off x="242594" y="214604"/>
+            <a:ext cx="3806891" cy="584775"/>
+          </a:xfrm>
+          <a:prstGeom prst="rect">
+            <a:avLst/>
+          </a:prstGeom>
+          <a:noFill/>
+        </p:spPr>
+        <p:txBody>
+          <a:bodyPr wrap="square">
+            <a:spAutoFit/>
+          </a:bodyPr>
+          <a:lstStyle/>
+          <a:p>
+            <a:r>
+              <a:rPr lang="it-IT" sz="3200" dirty="0">
+                <a:solidFill>
+                  <a:srgbClr val="971720"/>
+                </a:solidFill>
+                <a:latin typeface="Century Gothic"/>
+              </a:rPr>
+              <a:t>ADAS </a:t>
+            </a:r>
+            <a:r>
+              <a:rPr lang="it-IT" sz="3200" dirty="0" err="1">
+                <a:solidFill>
+                  <a:srgbClr val="971720"/>
+                </a:solidFill>
+                <a:latin typeface="Century Gothic"/>
+              </a:rPr>
+              <a:t>Designing</a:t>
+            </a:r>
+            <a:endParaRPr lang="it-IT" sz="3200" dirty="0"/>
+          </a:p>
+        </p:txBody>
+      </p:sp>
+      <p:sp>
+        <p:nvSpPr>
+          <p:cNvPr id="7" name="CasellaDiTesto 6">
+            <a:extLst>
+              <a:ext uri="{FF2B5EF4-FFF2-40B4-BE49-F238E27FC236}">
+                <a16:creationId xmlns:a16="http://schemas.microsoft.com/office/drawing/2014/main" id="{9EBDAAB4-CC0E-4A91-8D0E-363169E58708}"/>
+              </a:ext>
+            </a:extLst>
+          </p:cNvPr>
+          <p:cNvSpPr txBox="1"/>
+          <p:nvPr/>
+        </p:nvSpPr>
+        <p:spPr>
+          <a:xfrm>
+            <a:off x="0" y="4480130"/>
+            <a:ext cx="2323324" cy="523220"/>
+          </a:xfrm>
+          <a:prstGeom prst="rect">
+            <a:avLst/>
+          </a:prstGeom>
+          <a:noFill/>
+        </p:spPr>
+        <p:txBody>
+          <a:bodyPr wrap="square" rtlCol="0">
+            <a:spAutoFit/>
+          </a:bodyPr>
+          <a:lstStyle/>
+          <a:p>
+            <a:r>
+              <a:rPr lang="it-IT" sz="2800" b="1" dirty="0"/>
+              <a:t>Limit </a:t>
+            </a:r>
+            <a:r>
+              <a:rPr lang="it-IT" sz="2800" b="1" dirty="0" err="1"/>
+              <a:t>velocity</a:t>
+            </a:r>
+            <a:r>
+              <a:rPr lang="it-IT" sz="2800" b="1" dirty="0"/>
+              <a:t>:</a:t>
+            </a:r>
+          </a:p>
+        </p:txBody>
+      </p:sp>
+      <p:pic>
+        <p:nvPicPr>
+          <p:cNvPr id="9" name="Immagine 8">
+            <a:extLst>
+              <a:ext uri="{FF2B5EF4-FFF2-40B4-BE49-F238E27FC236}">
+                <a16:creationId xmlns:a16="http://schemas.microsoft.com/office/drawing/2014/main" id="{CB490F9B-B6F4-44EC-B67A-BF85168F3DFE}"/>
+              </a:ext>
+            </a:extLst>
+          </p:cNvPr>
+          <p:cNvPicPr>
+            <a:picLocks noChangeAspect="1"/>
+          </p:cNvPicPr>
+          <p:nvPr/>
+        </p:nvPicPr>
+        <p:blipFill>
+          <a:blip r:embed="rId6"/>
+          <a:stretch>
+            <a:fillRect/>
+          </a:stretch>
+        </p:blipFill>
+        <p:spPr>
+          <a:xfrm>
+            <a:off x="2444662" y="4189328"/>
+            <a:ext cx="1068354" cy="1068354"/>
+          </a:xfrm>
+          <a:prstGeom prst="rect">
+            <a:avLst/>
+          </a:prstGeom>
+        </p:spPr>
+      </p:pic>
+      <p:pic>
+        <p:nvPicPr>
+          <p:cNvPr id="33" name="Immagine 32" descr="\documentclass{article}&#10;\usepackage{amsmath}&#10;\pagestyle{empty}&#10;\begin{document}&#10;&#10;\[&#10;\begin{cases}&#10;-2\leq a(t) \leq 2.5 \\&#10;1\leq j(t) \leq 6&#10;\end{cases}&#10;\]&#10;&#10;\end{document}" title="IguanaTex Bitmap Display">
+            <a:extLst>
+              <a:ext uri="{FF2B5EF4-FFF2-40B4-BE49-F238E27FC236}">
+                <a16:creationId xmlns:a16="http://schemas.microsoft.com/office/drawing/2014/main" id="{D1177A81-CE28-4CA1-AED9-5B81F0D05BEE}"/>
+              </a:ext>
+            </a:extLst>
+          </p:cNvPr>
+          <p:cNvPicPr>
+            <a:picLocks noChangeAspect="1"/>
+          </p:cNvPicPr>
+          <p:nvPr>
+            <p:custDataLst>
+              <p:tags r:id="rId1"/>
+            </p:custDataLst>
+          </p:nvPr>
+        </p:nvPicPr>
+        <p:blipFill>
+          <a:blip r:embed="rId7"/>
+          <a:stretch>
+            <a:fillRect/>
+          </a:stretch>
+        </p:blipFill>
+        <p:spPr>
+          <a:xfrm>
+            <a:off x="6075519" y="5500843"/>
+            <a:ext cx="2413740" cy="969780"/>
+          </a:xfrm>
+          <a:prstGeom prst="rect">
+            <a:avLst/>
+          </a:prstGeom>
+        </p:spPr>
+      </p:pic>
+      <p:sp>
+        <p:nvSpPr>
+          <p:cNvPr id="12" name="CasellaDiTesto 11">
+            <a:extLst>
+              <a:ext uri="{FF2B5EF4-FFF2-40B4-BE49-F238E27FC236}">
+                <a16:creationId xmlns:a16="http://schemas.microsoft.com/office/drawing/2014/main" id="{E56AB6D2-5172-4377-A311-186EC472FBD3}"/>
+              </a:ext>
+            </a:extLst>
+          </p:cNvPr>
+          <p:cNvSpPr txBox="1"/>
+          <p:nvPr/>
+        </p:nvSpPr>
+        <p:spPr>
+          <a:xfrm>
+            <a:off x="27992" y="5724123"/>
+            <a:ext cx="4590664" cy="523220"/>
+          </a:xfrm>
+          <a:prstGeom prst="rect">
+            <a:avLst/>
+          </a:prstGeom>
+          <a:noFill/>
+        </p:spPr>
+        <p:txBody>
+          <a:bodyPr wrap="square" rtlCol="0">
+            <a:spAutoFit/>
+          </a:bodyPr>
+          <a:lstStyle/>
+          <a:p>
+            <a:r>
+              <a:rPr lang="it-IT" sz="2800" b="1" dirty="0" err="1"/>
+              <a:t>Constraints</a:t>
+            </a:r>
+            <a:r>
+              <a:rPr lang="it-IT" sz="2800" b="1" dirty="0"/>
+              <a:t>:  </a:t>
+            </a:r>
+            <a:r>
+              <a:rPr lang="it-IT" sz="2800" b="1" dirty="0" err="1"/>
+              <a:t>Driving</a:t>
+            </a:r>
+            <a:r>
+              <a:rPr lang="it-IT" sz="2800" b="1" dirty="0"/>
+              <a:t> Comfort</a:t>
+            </a:r>
+          </a:p>
+        </p:txBody>
+      </p:sp>
+      <p:pic>
+        <p:nvPicPr>
+          <p:cNvPr id="29" name="Immagine 28" descr="\documentclass{article}&#10;\usepackage{amsmath}&#10;\pagestyle{empty}&#10;\begin{document}&#10;&#10;$\cong$ $20 \frac{m}{s}$&#10;&#10;&#10;\end{document}" title="IguanaTex Bitmap Display">
+            <a:extLst>
+              <a:ext uri="{FF2B5EF4-FFF2-40B4-BE49-F238E27FC236}">
+                <a16:creationId xmlns:a16="http://schemas.microsoft.com/office/drawing/2014/main" id="{3F04C729-EAD7-47CE-9112-EAF7ECE2E778}"/>
+              </a:ext>
+            </a:extLst>
+          </p:cNvPr>
+          <p:cNvPicPr>
+            <a:picLocks noChangeAspect="1"/>
+          </p:cNvPicPr>
+          <p:nvPr>
+            <p:custDataLst>
+              <p:tags r:id="rId2"/>
+            </p:custDataLst>
+          </p:nvPr>
+        </p:nvPicPr>
+        <p:blipFill>
+          <a:blip r:embed="rId8"/>
+          <a:stretch>
+            <a:fillRect/>
+          </a:stretch>
+        </p:blipFill>
+        <p:spPr>
+          <a:xfrm>
+            <a:off x="3679495" y="4503399"/>
+            <a:ext cx="1576649" cy="574160"/>
+          </a:xfrm>
+          <a:prstGeom prst="rect">
+            <a:avLst/>
+          </a:prstGeom>
+        </p:spPr>
+      </p:pic>
+      <p:pic>
+        <p:nvPicPr>
+          <p:cNvPr id="35" name="Immagine 34" descr="\documentclass{article}&#10;\usepackage{amsmath}&#10;\pagestyle{empty}&#10;\begin{document}&#10;&#10;$\Rightarrow$&#10;&#10;&#10;\end{document}" title="IguanaTex Bitmap Display">
+            <a:extLst>
+              <a:ext uri="{FF2B5EF4-FFF2-40B4-BE49-F238E27FC236}">
+                <a16:creationId xmlns:a16="http://schemas.microsoft.com/office/drawing/2014/main" id="{BC62A8AD-E522-444C-A609-A3859DC60545}"/>
+              </a:ext>
+            </a:extLst>
+          </p:cNvPr>
+          <p:cNvPicPr>
+            <a:picLocks noChangeAspect="1"/>
+          </p:cNvPicPr>
+          <p:nvPr>
+            <p:custDataLst>
+              <p:tags r:id="rId3"/>
+            </p:custDataLst>
+          </p:nvPr>
+        </p:nvPicPr>
+        <p:blipFill>
+          <a:blip r:embed="rId9"/>
+          <a:stretch>
+            <a:fillRect/>
+          </a:stretch>
+        </p:blipFill>
+        <p:spPr>
+          <a:xfrm>
+            <a:off x="4944164" y="5781086"/>
+            <a:ext cx="694395" cy="429056"/>
+          </a:xfrm>
+          <a:prstGeom prst="rect">
+            <a:avLst/>
+          </a:prstGeom>
+        </p:spPr>
+      </p:pic>
+      <p:sp>
+        <p:nvSpPr>
+          <p:cNvPr id="36" name="CasellaDiTesto 35">
+            <a:extLst>
+              <a:ext uri="{FF2B5EF4-FFF2-40B4-BE49-F238E27FC236}">
+                <a16:creationId xmlns:a16="http://schemas.microsoft.com/office/drawing/2014/main" id="{94828148-17B0-488D-A035-C95AC0B8F64C}"/>
+              </a:ext>
+            </a:extLst>
+          </p:cNvPr>
+          <p:cNvSpPr txBox="1"/>
+          <p:nvPr/>
+        </p:nvSpPr>
+        <p:spPr>
+          <a:xfrm>
+            <a:off x="0" y="728483"/>
+            <a:ext cx="7529803" cy="589072"/>
+          </a:xfrm>
+          <a:prstGeom prst="rect">
+            <a:avLst/>
+          </a:prstGeom>
+          <a:noFill/>
+        </p:spPr>
+        <p:txBody>
+          <a:bodyPr wrap="square" rtlCol="0">
+            <a:spAutoFit/>
+          </a:bodyPr>
+          <a:lstStyle/>
+          <a:p>
+            <a:pPr algn="just">
+              <a:lnSpc>
+                <a:spcPct val="150000"/>
+              </a:lnSpc>
+            </a:pPr>
+            <a:r>
+              <a:rPr lang="en-GB" sz="2400" dirty="0"/>
+              <a:t>The aim is to design an ADAS system in a such a way that</a:t>
+            </a:r>
+          </a:p>
+        </p:txBody>
+      </p:sp>
+      <p:pic>
+        <p:nvPicPr>
+          <p:cNvPr id="40" name="Immagine 39" descr="\documentclass{article}&#10;\usepackage{amsmath}&#10;\pagestyle{empty}&#10;\begin{document}&#10;&#10;\begin{enumerate}&#10;\item $v_{rel}\rightarrow 0$&#10;\item $v(t)\leq v_{lim}$&#10;\item $d{rel}\rightarrow d_{safe}$&#10;&#10;\end{enumerate}&#10;&#10;&#10;\end{document}" title="IguanaTex Bitmap Display">
+            <a:extLst>
+              <a:ext uri="{FF2B5EF4-FFF2-40B4-BE49-F238E27FC236}">
+                <a16:creationId xmlns:a16="http://schemas.microsoft.com/office/drawing/2014/main" id="{4D0E12E1-185B-475A-A2F2-DEC5E8DFB96B}"/>
+              </a:ext>
+            </a:extLst>
+          </p:cNvPr>
+          <p:cNvPicPr>
+            <a:picLocks noChangeAspect="1"/>
+          </p:cNvPicPr>
+          <p:nvPr>
+            <p:custDataLst>
+              <p:tags r:id="rId4"/>
+            </p:custDataLst>
+          </p:nvPr>
+        </p:nvPicPr>
+        <p:blipFill>
+          <a:blip r:embed="rId10"/>
+          <a:stretch>
+            <a:fillRect/>
+          </a:stretch>
+        </p:blipFill>
+        <p:spPr>
+          <a:xfrm>
+            <a:off x="151362" y="1582321"/>
+            <a:ext cx="2451877" cy="1807589"/>
+          </a:xfrm>
+          <a:prstGeom prst="rect">
+            <a:avLst/>
+          </a:prstGeom>
+        </p:spPr>
+      </p:pic>
+      <p:sp>
+        <p:nvSpPr>
+          <p:cNvPr id="41" name="Freccia a destra 40">
+            <a:extLst>
+              <a:ext uri="{FF2B5EF4-FFF2-40B4-BE49-F238E27FC236}">
+                <a16:creationId xmlns:a16="http://schemas.microsoft.com/office/drawing/2014/main" id="{E9AAECFC-7BAF-4AAB-8C28-7A3B5A3F58E3}"/>
+              </a:ext>
+            </a:extLst>
+          </p:cNvPr>
+          <p:cNvSpPr/>
+          <p:nvPr/>
+        </p:nvSpPr>
+        <p:spPr>
+          <a:xfrm>
+            <a:off x="2978839" y="2276669"/>
+            <a:ext cx="895739" cy="523220"/>
+          </a:xfrm>
+          <a:prstGeom prst="rightArrow">
+            <a:avLst/>
+          </a:prstGeom>
+        </p:spPr>
+        <p:style>
+          <a:lnRef idx="1">
+            <a:schemeClr val="accent1"/>
+          </a:lnRef>
+          <a:fillRef idx="3">
+            <a:schemeClr val="accent1"/>
+          </a:fillRef>
+          <a:effectRef idx="2">
+            <a:schemeClr val="accent1"/>
+          </a:effectRef>
+          <a:fontRef idx="minor">
+            <a:schemeClr val="lt1"/>
+          </a:fontRef>
+        </p:style>
+        <p:txBody>
+          <a:bodyPr rtlCol="0" anchor="ctr"/>
+          <a:lstStyle/>
+          <a:p>
+            <a:pPr algn="ctr"/>
+            <a:endParaRPr lang="it-IT"/>
+          </a:p>
+        </p:txBody>
+      </p:sp>
+      <p:sp>
+        <p:nvSpPr>
+          <p:cNvPr id="42" name="Rettangolo 41">
+            <a:extLst>
+              <a:ext uri="{FF2B5EF4-FFF2-40B4-BE49-F238E27FC236}">
+                <a16:creationId xmlns:a16="http://schemas.microsoft.com/office/drawing/2014/main" id="{310A6C7D-D47F-46A1-9F31-5FD553546342}"/>
+              </a:ext>
+            </a:extLst>
+          </p:cNvPr>
+          <p:cNvSpPr/>
+          <p:nvPr/>
+        </p:nvSpPr>
+        <p:spPr>
+          <a:xfrm>
+            <a:off x="4167915" y="2044005"/>
+            <a:ext cx="1330685" cy="923330"/>
+          </a:xfrm>
+          <a:prstGeom prst="rect">
+            <a:avLst/>
+          </a:prstGeom>
+          <a:noFill/>
+        </p:spPr>
+        <p:txBody>
+          <a:bodyPr wrap="none" lIns="91440" tIns="45720" rIns="91440" bIns="45720">
+            <a:spAutoFit/>
+          </a:bodyPr>
+          <a:lstStyle/>
+          <a:p>
+            <a:pPr algn="ctr"/>
+            <a:r>
+              <a:rPr lang="it-IT" sz="5400" b="1" dirty="0">
+                <a:ln w="22225">
+                  <a:solidFill>
+                    <a:schemeClr val="accent2"/>
+                  </a:solidFill>
+                  <a:prstDash val="solid"/>
+                </a:ln>
+                <a:solidFill>
+                  <a:schemeClr val="accent2">
+                    <a:lumMod val="40000"/>
+                    <a:lumOff val="60000"/>
+                  </a:schemeClr>
+                </a:solidFill>
+              </a:rPr>
+              <a:t>ACC</a:t>
+            </a:r>
+          </a:p>
+        </p:txBody>
+      </p:sp>
+      <p:cxnSp>
+        <p:nvCxnSpPr>
+          <p:cNvPr id="44" name="Connettore 2 43">
+            <a:extLst>
+              <a:ext uri="{FF2B5EF4-FFF2-40B4-BE49-F238E27FC236}">
+                <a16:creationId xmlns:a16="http://schemas.microsoft.com/office/drawing/2014/main" id="{D51BAA63-344A-44A3-81D5-D7A42A0948F7}"/>
+              </a:ext>
+            </a:extLst>
+          </p:cNvPr>
+          <p:cNvCxnSpPr>
+            <a:cxnSpLocks/>
+          </p:cNvCxnSpPr>
+          <p:nvPr/>
+        </p:nvCxnSpPr>
+        <p:spPr>
+          <a:xfrm flipV="1">
+            <a:off x="5598367" y="1809785"/>
+            <a:ext cx="707837" cy="454929"/>
+          </a:xfrm>
+          <a:prstGeom prst="straightConnector1">
+            <a:avLst/>
+          </a:prstGeom>
+          <a:ln>
+            <a:tailEnd type="triangle"/>
+          </a:ln>
+        </p:spPr>
+        <p:style>
+          <a:lnRef idx="3">
+            <a:schemeClr val="accent3"/>
+          </a:lnRef>
+          <a:fillRef idx="0">
+            <a:schemeClr val="accent3"/>
+          </a:fillRef>
+          <a:effectRef idx="2">
+            <a:schemeClr val="accent3"/>
+          </a:effectRef>
+          <a:fontRef idx="minor">
+            <a:schemeClr val="tx1"/>
+          </a:fontRef>
+        </p:style>
+      </p:cxnSp>
+      <p:cxnSp>
+        <p:nvCxnSpPr>
+          <p:cNvPr id="46" name="Connettore 2 45">
+            <a:extLst>
+              <a:ext uri="{FF2B5EF4-FFF2-40B4-BE49-F238E27FC236}">
+                <a16:creationId xmlns:a16="http://schemas.microsoft.com/office/drawing/2014/main" id="{2F8B5315-4830-485C-9867-3A710DEE1DF0}"/>
+              </a:ext>
+            </a:extLst>
+          </p:cNvPr>
+          <p:cNvCxnSpPr>
+            <a:cxnSpLocks/>
+          </p:cNvCxnSpPr>
+          <p:nvPr/>
+        </p:nvCxnSpPr>
+        <p:spPr>
+          <a:xfrm>
+            <a:off x="5598367" y="2756946"/>
+            <a:ext cx="691756" cy="332825"/>
+          </a:xfrm>
+          <a:prstGeom prst="straightConnector1">
+            <a:avLst/>
+          </a:prstGeom>
+          <a:ln>
+            <a:tailEnd type="triangle"/>
+          </a:ln>
+        </p:spPr>
+        <p:style>
+          <a:lnRef idx="3">
+            <a:schemeClr val="accent3"/>
+          </a:lnRef>
+          <a:fillRef idx="0">
+            <a:schemeClr val="accent3"/>
+          </a:fillRef>
+          <a:effectRef idx="2">
+            <a:schemeClr val="accent3"/>
+          </a:effectRef>
+          <a:fontRef idx="minor">
+            <a:schemeClr val="tx1"/>
+          </a:fontRef>
+        </p:style>
+      </p:cxnSp>
+      <p:sp>
+        <p:nvSpPr>
+          <p:cNvPr id="51" name="Rettangolo 50">
+            <a:extLst>
+              <a:ext uri="{FF2B5EF4-FFF2-40B4-BE49-F238E27FC236}">
+                <a16:creationId xmlns:a16="http://schemas.microsoft.com/office/drawing/2014/main" id="{90A7BEAA-6B0D-4137-A069-562B8AD86E89}"/>
+              </a:ext>
+            </a:extLst>
+          </p:cNvPr>
+          <p:cNvSpPr/>
+          <p:nvPr/>
+        </p:nvSpPr>
+        <p:spPr>
+          <a:xfrm>
+            <a:off x="6370908" y="1296060"/>
+            <a:ext cx="1202679" cy="769441"/>
+          </a:xfrm>
+          <a:prstGeom prst="rect">
+            <a:avLst/>
+          </a:prstGeom>
+          <a:noFill/>
+        </p:spPr>
+        <p:txBody>
+          <a:bodyPr wrap="square" lIns="91440" tIns="45720" rIns="91440" bIns="45720">
+            <a:spAutoFit/>
+          </a:bodyPr>
+          <a:lstStyle/>
+          <a:p>
+            <a:pPr algn="ctr"/>
+            <a:r>
+              <a:rPr lang="it-IT" sz="4400" b="1" cap="none" spc="0" dirty="0">
+                <a:ln w="13462">
+                  <a:solidFill>
+                    <a:schemeClr val="bg1"/>
+                  </a:solidFill>
+                  <a:prstDash val="solid"/>
+                </a:ln>
+                <a:solidFill>
+                  <a:schemeClr val="tx1">
+                    <a:lumMod val="85000"/>
+                    <a:lumOff val="15000"/>
+                  </a:schemeClr>
+                </a:solidFill>
+                <a:effectLst>
+                  <a:outerShdw dist="38100" dir="2700000" algn="bl" rotWithShape="0">
+                    <a:schemeClr val="accent5"/>
+                  </a:outerShdw>
+                </a:effectLst>
+              </a:rPr>
+              <a:t>PID</a:t>
+            </a:r>
+          </a:p>
+        </p:txBody>
+      </p:sp>
+      <p:sp>
+        <p:nvSpPr>
+          <p:cNvPr id="53" name="CasellaDiTesto 52">
+            <a:extLst>
+              <a:ext uri="{FF2B5EF4-FFF2-40B4-BE49-F238E27FC236}">
+                <a16:creationId xmlns:a16="http://schemas.microsoft.com/office/drawing/2014/main" id="{6897291C-592D-4D9F-90BB-F91243299462}"/>
+              </a:ext>
+            </a:extLst>
+          </p:cNvPr>
+          <p:cNvSpPr txBox="1"/>
+          <p:nvPr/>
+        </p:nvSpPr>
+        <p:spPr>
+          <a:xfrm>
+            <a:off x="6433048" y="2633078"/>
+            <a:ext cx="1460650" cy="769441"/>
+          </a:xfrm>
+          <a:prstGeom prst="rect">
+            <a:avLst/>
+          </a:prstGeom>
+          <a:noFill/>
+        </p:spPr>
+        <p:txBody>
+          <a:bodyPr wrap="square">
+            <a:spAutoFit/>
+          </a:bodyPr>
+          <a:lstStyle/>
+          <a:p>
+            <a:r>
+              <a:rPr lang="it-IT" sz="4400" b="1" cap="none" spc="0" dirty="0">
+                <a:ln w="13462">
+                  <a:solidFill>
+                    <a:schemeClr val="bg1"/>
+                  </a:solidFill>
+                  <a:prstDash val="solid"/>
+                </a:ln>
+                <a:solidFill>
+                  <a:schemeClr val="tx1">
+                    <a:lumMod val="85000"/>
+                    <a:lumOff val="15000"/>
+                  </a:schemeClr>
+                </a:solidFill>
+                <a:effectLst>
+                  <a:outerShdw dist="38100" dir="2700000" algn="bl" rotWithShape="0">
+                    <a:schemeClr val="accent5"/>
+                  </a:outerShdw>
+                </a:effectLst>
+              </a:rPr>
+              <a:t>MPC</a:t>
+            </a:r>
+            <a:endParaRPr lang="it-IT" sz="4400" dirty="0"/>
+          </a:p>
+        </p:txBody>
+      </p:sp>
+    </p:spTree>
+    <p:extLst>
+      <p:ext uri="{BB962C8B-B14F-4D97-AF65-F5344CB8AC3E}">
+        <p14:creationId xmlns:p14="http://schemas.microsoft.com/office/powerpoint/2010/main" val="3528997951"/>
+      </p:ext>
+    </p:extLst>
+  </p:cSld>
+  <p:clrMapOvr>
+    <a:masterClrMapping/>
+  </p:clrMapOvr>
+</p:sld>
+</file>
+
+<file path=ppt/slides/slide9.xml><?xml version="1.0" encoding="utf-8"?>
+<p:sld xmlns:a="http://schemas.openxmlformats.org/drawingml/2006/main" xmlns:r="http://schemas.openxmlformats.org/officeDocument/2006/relationships" xmlns:p="http://schemas.openxmlformats.org/presentationml/2006/main">
+  <p:cSld>
+    <p:spTree>
+      <p:nvGrpSpPr>
+        <p:cNvPr id="1" name=""/>
+        <p:cNvGrpSpPr/>
+        <p:nvPr/>
+      </p:nvGrpSpPr>
+      <p:grpSpPr>
+        <a:xfrm>
+          <a:off x="0" y="0"/>
+          <a:ext cx="0" cy="0"/>
+          <a:chOff x="0" y="0"/>
+          <a:chExt cx="0" cy="0"/>
+        </a:xfrm>
+      </p:grpSpPr>
+      <p:sp>
+        <p:nvSpPr>
+          <p:cNvPr id="4" name="CasellaDiTesto 3">
+            <a:extLst>
+              <a:ext uri="{FF2B5EF4-FFF2-40B4-BE49-F238E27FC236}">
+                <a16:creationId xmlns:a16="http://schemas.microsoft.com/office/drawing/2014/main" id="{7AD0889C-90E4-4BE3-9B25-40DF6EEE7AEB}"/>
+              </a:ext>
+            </a:extLst>
+          </p:cNvPr>
+          <p:cNvSpPr txBox="1"/>
+          <p:nvPr/>
+        </p:nvSpPr>
+        <p:spPr>
+          <a:xfrm>
+            <a:off x="242594" y="214604"/>
+            <a:ext cx="8341569" cy="584775"/>
+          </a:xfrm>
+          <a:prstGeom prst="rect">
+            <a:avLst/>
+          </a:prstGeom>
+          <a:noFill/>
+        </p:spPr>
+        <p:txBody>
+          <a:bodyPr wrap="square">
+            <a:spAutoFit/>
+          </a:bodyPr>
+          <a:lstStyle/>
+          <a:p>
+            <a:r>
+              <a:rPr lang="it-IT" sz="3200" dirty="0">
+                <a:solidFill>
+                  <a:srgbClr val="971720"/>
+                </a:solidFill>
+                <a:latin typeface="Century Gothic"/>
+              </a:rPr>
+              <a:t>ADAS </a:t>
+            </a:r>
+            <a:r>
+              <a:rPr lang="it-IT" sz="3200" dirty="0" err="1">
+                <a:solidFill>
+                  <a:srgbClr val="971720"/>
+                </a:solidFill>
+                <a:latin typeface="Century Gothic"/>
+              </a:rPr>
+              <a:t>Designing</a:t>
+            </a:r>
+            <a:r>
+              <a:rPr lang="it-IT" sz="3200" dirty="0">
+                <a:solidFill>
+                  <a:srgbClr val="971720"/>
+                </a:solidFill>
+                <a:latin typeface="Century Gothic"/>
+              </a:rPr>
+              <a:t>: Feedback Linearization </a:t>
+            </a:r>
+            <a:endParaRPr lang="it-IT" sz="3200" dirty="0"/>
+          </a:p>
+        </p:txBody>
+      </p:sp>
+      <p:pic>
+        <p:nvPicPr>
+          <p:cNvPr id="7" name="Picture 2 2">
+            <a:extLst>
+              <a:ext uri="{FF2B5EF4-FFF2-40B4-BE49-F238E27FC236}">
+                <a16:creationId xmlns:a16="http://schemas.microsoft.com/office/drawing/2014/main" id="{7C618F50-AD86-4B0F-A7F3-BAE288334158}"/>
+              </a:ext>
+            </a:extLst>
+          </p:cNvPr>
+          <p:cNvPicPr>
+            <a:picLocks noChangeAspect="1"/>
+          </p:cNvPicPr>
+          <p:nvPr/>
+        </p:nvPicPr>
+        <p:blipFill>
+          <a:blip r:embed="rId5"/>
+          <a:stretch>
+            <a:fillRect/>
+          </a:stretch>
+        </p:blipFill>
+        <p:spPr>
+          <a:xfrm>
+            <a:off x="1040722" y="1466879"/>
+            <a:ext cx="6745312" cy="935640"/>
+          </a:xfrm>
+          <a:prstGeom prst="rect">
+            <a:avLst/>
+          </a:prstGeom>
+        </p:spPr>
+      </p:pic>
+      <p:sp>
+        <p:nvSpPr>
+          <p:cNvPr id="10" name="CasellaDiTesto 9">
+            <a:extLst>
+              <a:ext uri="{FF2B5EF4-FFF2-40B4-BE49-F238E27FC236}">
+                <a16:creationId xmlns:a16="http://schemas.microsoft.com/office/drawing/2014/main" id="{3E43F189-B5D8-4EDF-9010-6C8A43B78CB2}"/>
+              </a:ext>
+            </a:extLst>
+          </p:cNvPr>
+          <p:cNvSpPr txBox="1"/>
+          <p:nvPr/>
+        </p:nvSpPr>
+        <p:spPr>
+          <a:xfrm>
+            <a:off x="1861457" y="1005214"/>
+            <a:ext cx="5421086" cy="461665"/>
+          </a:xfrm>
+          <a:prstGeom prst="rect">
+            <a:avLst/>
+          </a:prstGeom>
+          <a:noFill/>
+        </p:spPr>
+        <p:txBody>
+          <a:bodyPr wrap="square" rtlCol="0">
+            <a:spAutoFit/>
+          </a:bodyPr>
+          <a:lstStyle/>
+          <a:p>
+            <a:pPr algn="ctr"/>
+            <a:r>
+              <a:rPr lang="it-IT" sz="2400" u="sng" spc="300" dirty="0">
+                <a:solidFill>
+                  <a:srgbClr val="99FF66"/>
+                </a:solidFill>
+                <a:highlight>
+                  <a:srgbClr val="000080"/>
+                </a:highlight>
+              </a:rPr>
+              <a:t>NONLINEAR</a:t>
+            </a:r>
+            <a:r>
+              <a:rPr lang="it-IT" sz="2400" spc="300" dirty="0">
+                <a:solidFill>
+                  <a:srgbClr val="99FF66"/>
+                </a:solidFill>
+                <a:highlight>
+                  <a:srgbClr val="000080"/>
+                </a:highlight>
+              </a:rPr>
+              <a:t> MODEL</a:t>
+            </a:r>
+          </a:p>
+        </p:txBody>
+      </p:sp>
+      <p:sp>
+        <p:nvSpPr>
+          <p:cNvPr id="11" name="Freccia in giù 10">
+            <a:extLst>
+              <a:ext uri="{FF2B5EF4-FFF2-40B4-BE49-F238E27FC236}">
+                <a16:creationId xmlns:a16="http://schemas.microsoft.com/office/drawing/2014/main" id="{3F708001-D4AB-4A2C-AAA2-2C37E3A3AED1}"/>
+              </a:ext>
+            </a:extLst>
+          </p:cNvPr>
+          <p:cNvSpPr/>
+          <p:nvPr/>
+        </p:nvSpPr>
+        <p:spPr>
+          <a:xfrm>
+            <a:off x="3795487" y="2585478"/>
+            <a:ext cx="335902" cy="504101"/>
+          </a:xfrm>
+          <a:prstGeom prst="downArrow">
+            <a:avLst/>
+          </a:prstGeom>
+        </p:spPr>
+        <p:style>
+          <a:lnRef idx="1">
+            <a:schemeClr val="accent6"/>
+          </a:lnRef>
+          <a:fillRef idx="2">
+            <a:schemeClr val="accent6"/>
+          </a:fillRef>
+          <a:effectRef idx="1">
+            <a:schemeClr val="accent6"/>
+          </a:effectRef>
+          <a:fontRef idx="minor">
+            <a:schemeClr val="dk1"/>
+          </a:fontRef>
+        </p:style>
+        <p:txBody>
+          <a:bodyPr rtlCol="0" anchor="ctr"/>
+          <a:lstStyle/>
+          <a:p>
+            <a:pPr algn="ctr"/>
+            <a:endParaRPr lang="it-IT"/>
+          </a:p>
+        </p:txBody>
+      </p:sp>
+      <p:pic>
+        <p:nvPicPr>
+          <p:cNvPr id="17" name="Immagine 16" descr="\documentclass{article}&#10;\usepackage{amsmath}&#10;\pagestyle{empty}&#10;\begin{document}&#10;&#10;$u(t) = \frac{Rm}{\eta}(g\sin(\theta) + gf_r\cos(\theta) + \frac{0.5}{m}\rho C_DC_hA_fv^2(t) + w(t))$&#10;&#10;\end{document}" title="IguanaTex Bitmap Display">
+            <a:extLst>
+              <a:ext uri="{FF2B5EF4-FFF2-40B4-BE49-F238E27FC236}">
+                <a16:creationId xmlns:a16="http://schemas.microsoft.com/office/drawing/2014/main" id="{AB0DBCF5-B34B-4E67-9894-461CCF993251}"/>
+              </a:ext>
+            </a:extLst>
+          </p:cNvPr>
+          <p:cNvPicPr>
+            <a:picLocks noChangeAspect="1"/>
+          </p:cNvPicPr>
+          <p:nvPr>
+            <p:custDataLst>
+              <p:tags r:id="rId1"/>
+            </p:custDataLst>
+          </p:nvPr>
+        </p:nvPicPr>
+        <p:blipFill>
+          <a:blip r:embed="rId6"/>
+          <a:stretch>
+            <a:fillRect/>
+          </a:stretch>
+        </p:blipFill>
+        <p:spPr>
+          <a:xfrm>
+            <a:off x="1022917" y="3787981"/>
+            <a:ext cx="7098166" cy="373297"/>
+          </a:xfrm>
+          <a:prstGeom prst="rect">
+            <a:avLst/>
+          </a:prstGeom>
+        </p:spPr>
+      </p:pic>
+      <p:sp>
+        <p:nvSpPr>
+          <p:cNvPr id="18" name="Freccia in giù 17">
+            <a:extLst>
+              <a:ext uri="{FF2B5EF4-FFF2-40B4-BE49-F238E27FC236}">
+                <a16:creationId xmlns:a16="http://schemas.microsoft.com/office/drawing/2014/main" id="{E301AA58-F83F-4494-9464-7BD9CF8BBAB0}"/>
+              </a:ext>
+            </a:extLst>
+          </p:cNvPr>
+          <p:cNvSpPr/>
+          <p:nvPr/>
+        </p:nvSpPr>
+        <p:spPr>
+          <a:xfrm>
+            <a:off x="4329404" y="4268833"/>
+            <a:ext cx="335902" cy="504101"/>
+          </a:xfrm>
+          <a:prstGeom prst="downArrow">
+            <a:avLst/>
+          </a:prstGeom>
+        </p:spPr>
+        <p:style>
+          <a:lnRef idx="1">
+            <a:schemeClr val="accent6"/>
+          </a:lnRef>
+          <a:fillRef idx="2">
+            <a:schemeClr val="accent6"/>
+          </a:fillRef>
+          <a:effectRef idx="1">
+            <a:schemeClr val="accent6"/>
+          </a:effectRef>
+          <a:fontRef idx="minor">
+            <a:schemeClr val="dk1"/>
+          </a:fontRef>
+        </p:style>
+        <p:txBody>
+          <a:bodyPr rtlCol="0" anchor="ctr"/>
+          <a:lstStyle/>
+          <a:p>
+            <a:pPr algn="ctr"/>
+            <a:endParaRPr lang="it-IT"/>
+          </a:p>
+        </p:txBody>
+      </p:sp>
+      <p:sp>
+        <p:nvSpPr>
+          <p:cNvPr id="19" name="CasellaDiTesto 18">
+            <a:extLst>
+              <a:ext uri="{FF2B5EF4-FFF2-40B4-BE49-F238E27FC236}">
+                <a16:creationId xmlns:a16="http://schemas.microsoft.com/office/drawing/2014/main" id="{DED9ED8B-1F41-4E31-ACAA-3E3BE90A8A92}"/>
+              </a:ext>
+            </a:extLst>
+          </p:cNvPr>
+          <p:cNvSpPr txBox="1"/>
+          <p:nvPr/>
+        </p:nvSpPr>
+        <p:spPr>
+          <a:xfrm>
+            <a:off x="2593910" y="3272538"/>
+            <a:ext cx="3806890" cy="461665"/>
+          </a:xfrm>
+          <a:prstGeom prst="rect">
+            <a:avLst/>
+          </a:prstGeom>
+          <a:noFill/>
+        </p:spPr>
+        <p:txBody>
+          <a:bodyPr wrap="square" rtlCol="0">
+            <a:spAutoFit/>
+          </a:bodyPr>
+          <a:lstStyle/>
+          <a:p>
+            <a:pPr algn="ctr"/>
+            <a:r>
+              <a:rPr lang="it-IT" sz="2400" spc="300" dirty="0">
+                <a:solidFill>
+                  <a:srgbClr val="FFC000"/>
+                </a:solidFill>
+                <a:highlight>
+                  <a:srgbClr val="008080"/>
+                </a:highlight>
+              </a:rPr>
+              <a:t>CONTROL LAW</a:t>
+            </a:r>
+          </a:p>
+        </p:txBody>
+      </p:sp>
+      <p:pic>
+        <p:nvPicPr>
+          <p:cNvPr id="21" name="Immagine 20" descr="\documentclass{article}&#10;\usepackage{amsmath}&#10;\pagestyle{empty}&#10;\begin{document}&#10;&#10;$r=n=2$&#10;&#10;\end{document}" title="IguanaTex Bitmap Display">
+            <a:extLst>
+              <a:ext uri="{FF2B5EF4-FFF2-40B4-BE49-F238E27FC236}">
+                <a16:creationId xmlns:a16="http://schemas.microsoft.com/office/drawing/2014/main" id="{55F8541A-954D-4B9D-B132-9373B9655DE2}"/>
+              </a:ext>
+            </a:extLst>
+          </p:cNvPr>
+          <p:cNvPicPr>
+            <a:picLocks noChangeAspect="1"/>
+          </p:cNvPicPr>
+          <p:nvPr>
+            <p:custDataLst>
+              <p:tags r:id="rId2"/>
+            </p:custDataLst>
+          </p:nvPr>
+        </p:nvPicPr>
+        <p:blipFill>
+          <a:blip r:embed="rId7"/>
+          <a:stretch>
+            <a:fillRect/>
+          </a:stretch>
+        </p:blipFill>
+        <p:spPr>
+          <a:xfrm>
+            <a:off x="4572000" y="2730080"/>
+            <a:ext cx="1055086" cy="170971"/>
+          </a:xfrm>
+          <a:prstGeom prst="rect">
+            <a:avLst/>
+          </a:prstGeom>
+        </p:spPr>
+      </p:pic>
+      <p:pic>
+        <p:nvPicPr>
+          <p:cNvPr id="23" name="Immagine 22" descr="\documentclass{article}&#10;\usepackage{amsmath}&#10;\pagestyle{empty}&#10;\begin{document}&#10;&#10;\[&#10;\begin{cases}&#10;\dot{p}(t) = v(t)\\&#10;\dot{v}(t) = w(t)&#10;\end{cases}&#10;\]&#10;&#10;&#10;\end{document}" title="IguanaTex Bitmap Display">
+            <a:extLst>
+              <a:ext uri="{FF2B5EF4-FFF2-40B4-BE49-F238E27FC236}">
+                <a16:creationId xmlns:a16="http://schemas.microsoft.com/office/drawing/2014/main" id="{98368DE1-0676-4D73-BE1D-402E256D8E0E}"/>
+              </a:ext>
+            </a:extLst>
+          </p:cNvPr>
+          <p:cNvPicPr>
+            <a:picLocks noChangeAspect="1"/>
+          </p:cNvPicPr>
+          <p:nvPr>
+            <p:custDataLst>
+              <p:tags r:id="rId3"/>
+            </p:custDataLst>
+          </p:nvPr>
+        </p:nvPicPr>
+        <p:blipFill>
+          <a:blip r:embed="rId8"/>
+          <a:stretch>
+            <a:fillRect/>
+          </a:stretch>
+        </p:blipFill>
+        <p:spPr>
+          <a:xfrm>
+            <a:off x="3544540" y="5560652"/>
+            <a:ext cx="1905627" cy="1048981"/>
+          </a:xfrm>
+          <a:prstGeom prst="rect">
+            <a:avLst/>
+          </a:prstGeom>
+        </p:spPr>
+      </p:pic>
+      <p:sp>
+        <p:nvSpPr>
+          <p:cNvPr id="24" name="CasellaDiTesto 23">
+            <a:extLst>
+              <a:ext uri="{FF2B5EF4-FFF2-40B4-BE49-F238E27FC236}">
+                <a16:creationId xmlns:a16="http://schemas.microsoft.com/office/drawing/2014/main" id="{7DC03EDF-69B2-4815-816A-94CD305736D6}"/>
+              </a:ext>
+            </a:extLst>
+          </p:cNvPr>
+          <p:cNvSpPr txBox="1"/>
+          <p:nvPr/>
+        </p:nvSpPr>
+        <p:spPr>
+          <a:xfrm>
+            <a:off x="2836505" y="4944045"/>
+            <a:ext cx="3321698" cy="461665"/>
+          </a:xfrm>
+          <a:prstGeom prst="rect">
+            <a:avLst/>
+          </a:prstGeom>
+          <a:noFill/>
+        </p:spPr>
+        <p:txBody>
+          <a:bodyPr wrap="square" rtlCol="0">
+            <a:spAutoFit/>
+          </a:bodyPr>
+          <a:lstStyle/>
+          <a:p>
+            <a:pPr algn="ctr"/>
+            <a:r>
+              <a:rPr lang="it-IT" sz="2400" spc="300" dirty="0">
+                <a:solidFill>
+                  <a:srgbClr val="00B0F0"/>
+                </a:solidFill>
+                <a:highlight>
+                  <a:srgbClr val="FF0000"/>
+                </a:highlight>
+              </a:rPr>
+              <a:t>LINEARIZED MODEL</a:t>
+            </a:r>
+          </a:p>
+        </p:txBody>
+      </p:sp>
+    </p:spTree>
+    <p:extLst>
+      <p:ext uri="{BB962C8B-B14F-4D97-AF65-F5344CB8AC3E}">
+        <p14:creationId xmlns:p14="http://schemas.microsoft.com/office/powerpoint/2010/main" val="1900063596"/>
+      </p:ext>
+    </p:extLst>
+  </p:cSld>
+  <p:clrMapOvr>
+    <a:masterClrMapping/>
+  </p:clrMapOvr>
+</p:sld>
+</file>
+
 <file path=ppt/tags/tag1.xml><?xml version="1.0" encoding="utf-8"?>
 <p:tagLst xmlns:a="http://schemas.openxmlformats.org/drawingml/2006/main" xmlns:r="http://schemas.openxmlformats.org/officeDocument/2006/relationships" xmlns:p="http://schemas.openxmlformats.org/presentationml/2006/main">
   <p:tag name="OUTPUTDPI" val="2000"/>
@@ -7173,6 +8613,132 @@
   <p:tag name="LATEXADDIN" val="\documentclass{article}&#10;\usepackage{amsmath}&#10;\pagestyle{empty}&#10;\begin{document}&#10;&#10;$\dot{p} = v$&#10;&#10;&#10;\end{document}"/>
   <p:tag name="IGUANATEXSIZE" val="20"/>
   <p:tag name="IGUANATEXCURSOR" val="93"/>
+  <p:tag name="TRANSPARENCY" val="Vero"/>
+  <p:tag name="FILENAME" val=""/>
+  <p:tag name="LATEXENGINEID" val="0"/>
+  <p:tag name="TEMPFOLDER" val=".\temp\"/>
+  <p:tag name="LATEXFORMHEIGHT" val="320"/>
+  <p:tag name="LATEXFORMWIDTH" val="385"/>
+  <p:tag name="LATEXFORMWRAP" val="Vero"/>
+  <p:tag name="BITMAPVECTOR" val="0"/>
+</p:tagLst>
+</file>
+
+<file path=ppt/tags/tag10.xml><?xml version="1.0" encoding="utf-8"?>
+<p:tagLst xmlns:a="http://schemas.openxmlformats.org/drawingml/2006/main" xmlns:r="http://schemas.openxmlformats.org/officeDocument/2006/relationships" xmlns:p="http://schemas.openxmlformats.org/presentationml/2006/main">
+  <p:tag name="OUTPUTDPI" val="2000"/>
+  <p:tag name="ORIGINALHEIGHT" val="113,9857"/>
+  <p:tag name="ORIGINALWIDTH" val="184,4769"/>
+  <p:tag name="OUTPUTTYPE" val="PNG"/>
+  <p:tag name="IGUANATEXVERSION" val="160"/>
+  <p:tag name="LATEXADDIN" val="\documentclass{article}&#10;\usepackage{amsmath}&#10;\pagestyle{empty}&#10;\begin{document}&#10;&#10;$\Rightarrow$&#10;&#10;&#10;\end{document}"/>
+  <p:tag name="IGUANATEXSIZE" val="20"/>
+  <p:tag name="IGUANATEXCURSOR" val="94"/>
+  <p:tag name="TRANSPARENCY" val="Vero"/>
+  <p:tag name="FILENAME" val=""/>
+  <p:tag name="LATEXENGINEID" val="0"/>
+  <p:tag name="TEMPFOLDER" val=".\temp\"/>
+  <p:tag name="LATEXFORMHEIGHT" val="320"/>
+  <p:tag name="LATEXFORMWIDTH" val="385"/>
+  <p:tag name="LATEXFORMWRAP" val="Vero"/>
+  <p:tag name="BITMAPVECTOR" val="0"/>
+</p:tagLst>
+</file>
+
+<file path=ppt/tags/tag11.xml><?xml version="1.0" encoding="utf-8"?>
+<p:tagLst xmlns:a="http://schemas.openxmlformats.org/drawingml/2006/main" xmlns:r="http://schemas.openxmlformats.org/officeDocument/2006/relationships" xmlns:p="http://schemas.openxmlformats.org/presentationml/2006/main">
+  <p:tag name="OUTPUTDPI" val="2000"/>
+  <p:tag name="ORIGINALHEIGHT" val="1028,121"/>
+  <p:tag name="ORIGINALWIDTH" val="1395,575"/>
+  <p:tag name="OUTPUTTYPE" val="PNG"/>
+  <p:tag name="IGUANATEXVERSION" val="160"/>
+  <p:tag name="LATEXADDIN" val="\documentclass{article}&#10;\usepackage{amsmath}&#10;\pagestyle{empty}&#10;\begin{document}&#10;&#10;\begin{enumerate}&#10;\item $v_{rel}\rightarrow 0$&#10;\item $v(t)\leq v_{lim}$&#10;\item $d{rel}\rightarrow d_{safe}$&#10;&#10;\end{enumerate}&#10;&#10;&#10;\end{document}"/>
+  <p:tag name="IGUANATEXSIZE" val="20"/>
+  <p:tag name="IGUANATEXCURSOR" val="187"/>
+  <p:tag name="TRANSPARENCY" val="Vero"/>
+  <p:tag name="FILENAME" val=""/>
+  <p:tag name="LATEXENGINEID" val="0"/>
+  <p:tag name="TEMPFOLDER" val=".\temp\"/>
+  <p:tag name="LATEXFORMHEIGHT" val="320"/>
+  <p:tag name="LATEXFORMWIDTH" val="385"/>
+  <p:tag name="LATEXFORMWRAP" val="Vero"/>
+  <p:tag name="BITMAPVECTOR" val="0"/>
+</p:tagLst>
+</file>
+
+<file path=ppt/tags/tag12.xml><?xml version="1.0" encoding="utf-8"?>
+<p:tagLst xmlns:a="http://schemas.openxmlformats.org/drawingml/2006/main" xmlns:r="http://schemas.openxmlformats.org/officeDocument/2006/relationships" xmlns:p="http://schemas.openxmlformats.org/presentationml/2006/main">
+  <p:tag name="OUTPUTDPI" val="2000"/>
+  <p:tag name="ORIGINALHEIGHT" val="283,4646"/>
+  <p:tag name="ORIGINALWIDTH" val="5406,824"/>
+  <p:tag name="OUTPUTTYPE" val="PNG"/>
+  <p:tag name="IGUANATEXVERSION" val="160"/>
+  <p:tag name="LATEXADDIN" val="\documentclass{article}&#10;\usepackage{amsmath}&#10;\pagestyle{empty}&#10;\begin{document}&#10;&#10;$u(t) = \frac{Rm}{\eta}(g\sin(\theta) + gf_r\cos(\theta) + \frac{0.5}{m}\rho C_DC_hA_fv^2(t) + w(t))$&#10;&#10;\end{document}"/>
+  <p:tag name="IGUANATEXSIZE" val="20"/>
+  <p:tag name="IGUANATEXCURSOR" val="180"/>
+  <p:tag name="TRANSPARENCY" val="Vero"/>
+  <p:tag name="FILENAME" val=""/>
+  <p:tag name="LATEXENGINEID" val="0"/>
+  <p:tag name="TEMPFOLDER" val=".\temp\"/>
+  <p:tag name="LATEXFORMHEIGHT" val="320"/>
+  <p:tag name="LATEXFORMWIDTH" val="385"/>
+  <p:tag name="LATEXFORMWRAP" val="Vero"/>
+  <p:tag name="BITMAPVECTOR" val="0"/>
+</p:tagLst>
+</file>
+
+<file path=ppt/tags/tag13.xml><?xml version="1.0" encoding="utf-8"?>
+<p:tagLst xmlns:a="http://schemas.openxmlformats.org/drawingml/2006/main" xmlns:r="http://schemas.openxmlformats.org/officeDocument/2006/relationships" xmlns:p="http://schemas.openxmlformats.org/presentationml/2006/main">
+  <p:tag name="OUTPUTDPI" val="2000"/>
+  <p:tag name="ORIGINALHEIGHT" val="140,2324"/>
+  <p:tag name="ORIGINALWIDTH" val="865,3918"/>
+  <p:tag name="OUTPUTTYPE" val="PNG"/>
+  <p:tag name="IGUANATEXVERSION" val="160"/>
+  <p:tag name="LATEXADDIN" val="\documentclass{article}&#10;\usepackage{amsmath}&#10;\pagestyle{empty}&#10;\begin{document}&#10;&#10;$r=n=2$&#10;&#10;\end{document}"/>
+  <p:tag name="IGUANATEXSIZE" val="20"/>
+  <p:tag name="IGUANATEXCURSOR" val="87"/>
+  <p:tag name="TRANSPARENCY" val="Vero"/>
+  <p:tag name="FILENAME" val=""/>
+  <p:tag name="LATEXENGINEID" val="0"/>
+  <p:tag name="TEMPFOLDER" val=".\temp\"/>
+  <p:tag name="LATEXFORMHEIGHT" val="320"/>
+  <p:tag name="LATEXFORMWIDTH" val="385"/>
+  <p:tag name="LATEXFORMWRAP" val="Vero"/>
+  <p:tag name="BITMAPVECTOR" val="0"/>
+</p:tagLst>
+</file>
+
+<file path=ppt/tags/tag14.xml><?xml version="1.0" encoding="utf-8"?>
+<p:tagLst xmlns:a="http://schemas.openxmlformats.org/drawingml/2006/main" xmlns:r="http://schemas.openxmlformats.org/officeDocument/2006/relationships" xmlns:p="http://schemas.openxmlformats.org/presentationml/2006/main">
+  <p:tag name="OUTPUTDPI" val="2000"/>
+  <p:tag name="ORIGINALHEIGHT" val="621,6723"/>
+  <p:tag name="ORIGINALWIDTH" val="1129,359"/>
+  <p:tag name="OUTPUTTYPE" val="PNG"/>
+  <p:tag name="IGUANATEXVERSION" val="160"/>
+  <p:tag name="LATEXADDIN" val="\documentclass{article}&#10;\usepackage{amsmath}&#10;\pagestyle{empty}&#10;\begin{document}&#10;&#10;\[&#10;\begin{cases}&#10;\dot{p}(t) = v(t)\\&#10;\dot{v}(t) = w(t)&#10;\end{cases}&#10;\]&#10;&#10;&#10;\end{document}"/>
+  <p:tag name="IGUANATEXSIZE" val="20"/>
+  <p:tag name="IGUANATEXCURSOR" val="135"/>
+  <p:tag name="TRANSPARENCY" val="Vero"/>
+  <p:tag name="FILENAME" val=""/>
+  <p:tag name="LATEXENGINEID" val="0"/>
+  <p:tag name="TEMPFOLDER" val=".\temp\"/>
+  <p:tag name="LATEXFORMHEIGHT" val="320"/>
+  <p:tag name="LATEXFORMWIDTH" val="385"/>
+  <p:tag name="LATEXFORMWRAP" val="Vero"/>
+  <p:tag name="BITMAPVECTOR" val="0"/>
+</p:tagLst>
+</file>
+
+<file path=ppt/tags/tag15.xml><?xml version="1.0" encoding="utf-8"?>
+<p:tagLst xmlns:a="http://schemas.openxmlformats.org/drawingml/2006/main" xmlns:r="http://schemas.openxmlformats.org/officeDocument/2006/relationships" xmlns:p="http://schemas.openxmlformats.org/presentationml/2006/main">
+  <p:tag name="OUTPUTDPI" val="2000"/>
+  <p:tag name="ORIGINALHEIGHT" val="950,8811"/>
+  <p:tag name="ORIGINALWIDTH" val="2420,697"/>
+  <p:tag name="OUTPUTTYPE" val="PNG"/>
+  <p:tag name="IGUANATEXVERSION" val="160"/>
+  <p:tag name="LATEXADDIN" val="\documentclass{article}&#10;\usepackage{amsmath}&#10;\pagestyle{empty}&#10;\begin{document}&#10;&#10;$\tilde{p} = d_{safe}-d_{rel}$&#10;&#10;$d_{rel} = p_{lead}-p_{ego}$&#10;&#10;$d_{safe} = d_{default} + T_{gap}v_{ego}$&#10;&#10;$v_{rel} = \dot{\tilde{p}} = v_{ego}-v_{lead}$&#10;&#10;\end{document}"/>
+  <p:tag name="IGUANATEXSIZE" val="20"/>
+  <p:tag name="IGUANATEXCURSOR" val="231"/>
   <p:tag name="TRANSPARENCY" val="Vero"/>
   <p:tag name="FILENAME" val=""/>
   <p:tag name="LATEXENGINEID" val="0"/>
@@ -7297,6 +8863,48 @@
   <p:tag name="OUTPUTTYPE" val="PNG"/>
   <p:tag name="IGUANATEXVERSION" val="160"/>
   <p:tag name="LATEXADDIN" val="\documentclass{article}&#10;\usepackage{amsmath}&#10;\pagestyle{empty}&#10;\begin{document}&#10;&#10;$\begin{bmatrix}&#10;0 &amp; 40&#10;\end{bmatrix}$&#10;&#10;&#10;\end{document}"/>
+  <p:tag name="IGUANATEXSIZE" val="20"/>
+  <p:tag name="IGUANATEXCURSOR" val="103"/>
+  <p:tag name="TRANSPARENCY" val="Vero"/>
+  <p:tag name="FILENAME" val=""/>
+  <p:tag name="LATEXENGINEID" val="0"/>
+  <p:tag name="TEMPFOLDER" val=".\temp\"/>
+  <p:tag name="LATEXFORMHEIGHT" val="320"/>
+  <p:tag name="LATEXFORMWIDTH" val="385"/>
+  <p:tag name="LATEXFORMWRAP" val="Vero"/>
+  <p:tag name="BITMAPVECTOR" val="0"/>
+</p:tagLst>
+</file>
+
+<file path=ppt/tags/tag8.xml><?xml version="1.0" encoding="utf-8"?>
+<p:tagLst xmlns:a="http://schemas.openxmlformats.org/drawingml/2006/main" xmlns:r="http://schemas.openxmlformats.org/officeDocument/2006/relationships" xmlns:p="http://schemas.openxmlformats.org/presentationml/2006/main">
+  <p:tag name="OUTPUTDPI" val="2000"/>
+  <p:tag name="ORIGINALHEIGHT" val="621,6723"/>
+  <p:tag name="ORIGINALWIDTH" val="1557,555"/>
+  <p:tag name="OUTPUTTYPE" val="PNG"/>
+  <p:tag name="IGUANATEXVERSION" val="160"/>
+  <p:tag name="LATEXADDIN" val="\documentclass{article}&#10;\usepackage{amsmath}&#10;\pagestyle{empty}&#10;\begin{document}&#10;&#10;\[&#10;\begin{cases}&#10;-2\leq a(t) \leq 2.5 \\&#10;1\leq j(t) \leq 6&#10;\end{cases}&#10;\]&#10;&#10;\end{document}"/>
+  <p:tag name="IGUANATEXSIZE" val="20"/>
+  <p:tag name="IGUANATEXCURSOR" val="80"/>
+  <p:tag name="TRANSPARENCY" val="Vero"/>
+  <p:tag name="FILENAME" val=""/>
+  <p:tag name="LATEXENGINEID" val="0"/>
+  <p:tag name="TEMPFOLDER" val=".\temp\"/>
+  <p:tag name="LATEXFORMHEIGHT" val="320"/>
+  <p:tag name="LATEXFORMWIDTH" val="385"/>
+  <p:tag name="LATEXFORMWRAP" val="Vero"/>
+  <p:tag name="BITMAPVECTOR" val="0"/>
+</p:tagLst>
+</file>
+
+<file path=ppt/tags/tag9.xml><?xml version="1.0" encoding="utf-8"?>
+<p:tagLst xmlns:a="http://schemas.openxmlformats.org/drawingml/2006/main" xmlns:r="http://schemas.openxmlformats.org/officeDocument/2006/relationships" xmlns:p="http://schemas.openxmlformats.org/presentationml/2006/main">
+  <p:tag name="OUTPUTDPI" val="2000"/>
+  <p:tag name="ORIGINALHEIGHT" val="218,2228"/>
+  <p:tag name="ORIGINALWIDTH" val="599,925"/>
+  <p:tag name="OUTPUTTYPE" val="PNG"/>
+  <p:tag name="IGUANATEXVERSION" val="160"/>
+  <p:tag name="LATEXADDIN" val="\documentclass{article}&#10;\usepackage{amsmath}&#10;\pagestyle{empty}&#10;\begin{document}&#10;&#10;$\cong$ $20 \frac{m}{s}$&#10;&#10;&#10;\end{document}"/>
   <p:tag name="IGUANATEXSIZE" val="20"/>
   <p:tag name="IGUANATEXCURSOR" val="103"/>
   <p:tag name="TRANSPARENCY" val="Vero"/>

--- a/Presentation.pptx
+++ b/Presentation.pptx
@@ -5,10 +5,10 @@
     <p:sldMasterId id="2147483648" r:id="rId1"/>
   </p:sldMasterIdLst>
   <p:notesMasterIdLst>
-    <p:notesMasterId r:id="rId13"/>
+    <p:notesMasterId r:id="rId14"/>
   </p:notesMasterIdLst>
   <p:handoutMasterIdLst>
-    <p:handoutMasterId r:id="rId14"/>
+    <p:handoutMasterId r:id="rId15"/>
   </p:handoutMasterIdLst>
   <p:sldIdLst>
     <p:sldId id="256" r:id="rId2"/>
@@ -22,6 +22,7 @@
     <p:sldId id="265" r:id="rId10"/>
     <p:sldId id="267" r:id="rId11"/>
     <p:sldId id="268" r:id="rId12"/>
+    <p:sldId id="269" r:id="rId13"/>
   </p:sldIdLst>
   <p:sldSz cx="9144000" cy="6858000" type="screen4x3"/>
   <p:notesSz cx="6858000" cy="9144000"/>
@@ -140,6 +141,7 @@
             <p14:sldId id="265"/>
             <p14:sldId id="267"/>
             <p14:sldId id="268"/>
+            <p14:sldId id="269"/>
           </p14:sldIdLst>
         </p14:section>
       </p14:sectionLst>
@@ -256,7 +258,7 @@
           <a:p>
             <a:fld id="{0914F915-DDDE-4CAA-895D-614564BB8837}" type="datetimeFigureOut">
               <a:rPr lang="en-GB" smtClean="0"/>
-              <a:t>03/03/2023</a:t>
+              <a:t>04/03/2023</a:t>
             </a:fld>
             <a:endParaRPr lang="en-GB"/>
           </a:p>
@@ -421,7 +423,7 @@
           <a:p>
             <a:fld id="{A9D4C5A5-33D0-4441-96FE-163C8B7C9D3F}" type="datetimeFigureOut">
               <a:rPr lang="en-GB" smtClean="0"/>
-              <a:t>03/03/2023</a:t>
+              <a:t>04/03/2023</a:t>
             </a:fld>
             <a:endParaRPr lang="en-GB"/>
           </a:p>
@@ -1120,7 +1122,7 @@
           <a:p>
             <a:fld id="{2C790A91-0F3D-9944-94EF-F5C93CDE0643}" type="datetimeFigureOut">
               <a:rPr lang="it-IT" smtClean="0"/>
-              <a:t>03/03/2023</a:t>
+              <a:t>04/03/2023</a:t>
             </a:fld>
             <a:endParaRPr lang="it-IT"/>
           </a:p>
@@ -1288,7 +1290,7 @@
           <a:p>
             <a:fld id="{2C790A91-0F3D-9944-94EF-F5C93CDE0643}" type="datetimeFigureOut">
               <a:rPr lang="it-IT" smtClean="0"/>
-              <a:t>03/03/2023</a:t>
+              <a:t>04/03/2023</a:t>
             </a:fld>
             <a:endParaRPr lang="it-IT"/>
           </a:p>
@@ -1466,7 +1468,7 @@
           <a:p>
             <a:fld id="{2C790A91-0F3D-9944-94EF-F5C93CDE0643}" type="datetimeFigureOut">
               <a:rPr lang="it-IT" smtClean="0"/>
-              <a:t>03/03/2023</a:t>
+              <a:t>04/03/2023</a:t>
             </a:fld>
             <a:endParaRPr lang="it-IT"/>
           </a:p>
@@ -1634,7 +1636,7 @@
           <a:p>
             <a:fld id="{2C790A91-0F3D-9944-94EF-F5C93CDE0643}" type="datetimeFigureOut">
               <a:rPr lang="it-IT" smtClean="0"/>
-              <a:t>03/03/2023</a:t>
+              <a:t>04/03/2023</a:t>
             </a:fld>
             <a:endParaRPr lang="it-IT"/>
           </a:p>
@@ -1879,7 +1881,7 @@
           <a:p>
             <a:fld id="{2C790A91-0F3D-9944-94EF-F5C93CDE0643}" type="datetimeFigureOut">
               <a:rPr lang="it-IT" smtClean="0"/>
-              <a:t>03/03/2023</a:t>
+              <a:t>04/03/2023</a:t>
             </a:fld>
             <a:endParaRPr lang="it-IT"/>
           </a:p>
@@ -2164,7 +2166,7 @@
           <a:p>
             <a:fld id="{2C790A91-0F3D-9944-94EF-F5C93CDE0643}" type="datetimeFigureOut">
               <a:rPr lang="it-IT" smtClean="0"/>
-              <a:t>03/03/2023</a:t>
+              <a:t>04/03/2023</a:t>
             </a:fld>
             <a:endParaRPr lang="it-IT"/>
           </a:p>
@@ -2583,7 +2585,7 @@
           <a:p>
             <a:fld id="{2C790A91-0F3D-9944-94EF-F5C93CDE0643}" type="datetimeFigureOut">
               <a:rPr lang="it-IT" smtClean="0"/>
-              <a:t>03/03/2023</a:t>
+              <a:t>04/03/2023</a:t>
             </a:fld>
             <a:endParaRPr lang="it-IT"/>
           </a:p>
@@ -2700,7 +2702,7 @@
           <a:p>
             <a:fld id="{2C790A91-0F3D-9944-94EF-F5C93CDE0643}" type="datetimeFigureOut">
               <a:rPr lang="it-IT" smtClean="0"/>
-              <a:t>03/03/2023</a:t>
+              <a:t>04/03/2023</a:t>
             </a:fld>
             <a:endParaRPr lang="it-IT"/>
           </a:p>
@@ -2795,7 +2797,7 @@
           <a:p>
             <a:fld id="{2C790A91-0F3D-9944-94EF-F5C93CDE0643}" type="datetimeFigureOut">
               <a:rPr lang="it-IT" smtClean="0"/>
-              <a:t>03/03/2023</a:t>
+              <a:t>04/03/2023</a:t>
             </a:fld>
             <a:endParaRPr lang="it-IT"/>
           </a:p>
@@ -3070,7 +3072,7 @@
           <a:p>
             <a:fld id="{2C790A91-0F3D-9944-94EF-F5C93CDE0643}" type="datetimeFigureOut">
               <a:rPr lang="it-IT" smtClean="0"/>
-              <a:t>03/03/2023</a:t>
+              <a:t>04/03/2023</a:t>
             </a:fld>
             <a:endParaRPr lang="it-IT"/>
           </a:p>
@@ -3322,7 +3324,7 @@
           <a:p>
             <a:fld id="{2C790A91-0F3D-9944-94EF-F5C93CDE0643}" type="datetimeFigureOut">
               <a:rPr lang="it-IT" smtClean="0"/>
-              <a:t>03/03/2023</a:t>
+              <a:t>04/03/2023</a:t>
             </a:fld>
             <a:endParaRPr lang="it-IT"/>
           </a:p>
@@ -3533,7 +3535,7 @@
           <a:p>
             <a:fld id="{2C790A91-0F3D-9944-94EF-F5C93CDE0643}" type="datetimeFigureOut">
               <a:rPr lang="it-IT" smtClean="0"/>
-              <a:t>03/03/2023</a:t>
+              <a:t>04/03/2023</a:t>
             </a:fld>
             <a:endParaRPr lang="it-IT"/>
           </a:p>
@@ -4482,7 +4484,7 @@
         <p:spPr>
           <a:xfrm>
             <a:off x="242594" y="214604"/>
-            <a:ext cx="8341569" cy="584775"/>
+            <a:ext cx="6326157" cy="584775"/>
           </a:xfrm>
           <a:prstGeom prst="rect">
             <a:avLst/>
@@ -4526,65 +4528,6 @@
           </a:p>
         </p:txBody>
       </p:sp>
-      <p:pic>
-        <p:nvPicPr>
-          <p:cNvPr id="10" name="Immagine 9">
-            <a:extLst>
-              <a:ext uri="{FF2B5EF4-FFF2-40B4-BE49-F238E27FC236}">
-                <a16:creationId xmlns:a16="http://schemas.microsoft.com/office/drawing/2014/main" id="{02988E24-894E-4813-915A-09731F1C6052}"/>
-              </a:ext>
-            </a:extLst>
-          </p:cNvPr>
-          <p:cNvPicPr>
-            <a:picLocks noChangeAspect="1"/>
-          </p:cNvPicPr>
-          <p:nvPr/>
-        </p:nvPicPr>
-        <p:blipFill>
-          <a:blip r:embed="rId3"/>
-          <a:stretch>
-            <a:fillRect/>
-          </a:stretch>
-        </p:blipFill>
-        <p:spPr>
-          <a:xfrm>
-            <a:off x="177279" y="674942"/>
-            <a:ext cx="4198778" cy="3230282"/>
-          </a:xfrm>
-          <a:prstGeom prst="rect">
-            <a:avLst/>
-          </a:prstGeom>
-        </p:spPr>
-      </p:pic>
-      <p:pic>
-        <p:nvPicPr>
-          <p:cNvPr id="12" name="Immagine 11">
-            <a:extLst>
-              <a:ext uri="{FF2B5EF4-FFF2-40B4-BE49-F238E27FC236}">
-                <a16:creationId xmlns:a16="http://schemas.microsoft.com/office/drawing/2014/main" id="{F430C727-697C-4FE8-B6D4-63C4558A0DE8}"/>
-              </a:ext>
-            </a:extLst>
-          </p:cNvPr>
-          <p:cNvPicPr>
-            <a:picLocks noChangeAspect="1"/>
-          </p:cNvPicPr>
-          <p:nvPr/>
-        </p:nvPicPr>
-        <p:blipFill rotWithShape="1">
-          <a:blip r:embed="rId4"/>
-          <a:srcRect t="5733"/>
-          <a:stretch/>
-        </p:blipFill>
-        <p:spPr>
-          <a:xfrm>
-            <a:off x="3774424" y="3905224"/>
-            <a:ext cx="5369576" cy="2831478"/>
-          </a:xfrm>
-          <a:prstGeom prst="rect">
-            <a:avLst/>
-          </a:prstGeom>
-        </p:spPr>
-      </p:pic>
       <p:pic>
         <p:nvPicPr>
           <p:cNvPr id="18" name="Immagine 17" descr="\documentclass{article}&#10;\usepackage{amsmath}&#10;\pagestyle{empty}&#10;\begin{document}&#10;&#10;$\tilde{p} = d_{safe}-d_{rel}$&#10;&#10;$d_{rel} = p_{lead}-p_{ego}$&#10;&#10;$d_{safe} = d_{default} + T_{gap}v_{ego}$&#10;&#10;$v_{rel} = \dot{\tilde{p}} = v_{ego}-v_{lead}$&#10;&#10;\end{document}" title="IguanaTex Bitmap Display">
@@ -4604,15 +4547,147 @@
           </p:nvPr>
         </p:nvPicPr>
         <p:blipFill>
-          <a:blip r:embed="rId5"/>
+          <a:blip r:embed="rId6"/>
           <a:stretch>
             <a:fillRect/>
           </a:stretch>
         </p:blipFill>
         <p:spPr>
           <a:xfrm>
-            <a:off x="4572000" y="1248325"/>
-            <a:ext cx="4314211" cy="1704451"/>
+            <a:off x="312886" y="5030156"/>
+            <a:ext cx="2833187" cy="1417298"/>
+          </a:xfrm>
+          <a:prstGeom prst="rect">
+            <a:avLst/>
+          </a:prstGeom>
+        </p:spPr>
+      </p:pic>
+      <p:pic>
+        <p:nvPicPr>
+          <p:cNvPr id="8" name="Immagine 7">
+            <a:extLst>
+              <a:ext uri="{FF2B5EF4-FFF2-40B4-BE49-F238E27FC236}">
+                <a16:creationId xmlns:a16="http://schemas.microsoft.com/office/drawing/2014/main" id="{06B420EE-1E8A-4771-B6C1-5EBA81CF8F7D}"/>
+              </a:ext>
+            </a:extLst>
+          </p:cNvPr>
+          <p:cNvPicPr>
+            <a:picLocks noChangeAspect="1"/>
+          </p:cNvPicPr>
+          <p:nvPr/>
+        </p:nvPicPr>
+        <p:blipFill>
+          <a:blip r:embed="rId7"/>
+          <a:stretch>
+            <a:fillRect/>
+          </a:stretch>
+        </p:blipFill>
+        <p:spPr>
+          <a:xfrm>
+            <a:off x="83975" y="749003"/>
+            <a:ext cx="8976049" cy="4039769"/>
+          </a:xfrm>
+          <a:prstGeom prst="rect">
+            <a:avLst/>
+          </a:prstGeom>
+        </p:spPr>
+      </p:pic>
+      <p:pic>
+        <p:nvPicPr>
+          <p:cNvPr id="11" name="Immagine 10" descr="\documentclass{article}&#10;\usepackage{amsmath}&#10;\pagestyle{empty}&#10;\begin{document}&#10;&#10;\[&#10;\begin{cases}&#10;\tilde{p} = v_{rel}\\&#10;\dot{v}_{rel} = u(t)&#10;\end{cases}&#10;\]&#10;&#10;&#10;\end{document}" title="IguanaTex Bitmap Display">
+            <a:extLst>
+              <a:ext uri="{FF2B5EF4-FFF2-40B4-BE49-F238E27FC236}">
+                <a16:creationId xmlns:a16="http://schemas.microsoft.com/office/drawing/2014/main" id="{4B7DF3FA-675E-4183-8265-BD4B049E91B5}"/>
+              </a:ext>
+            </a:extLst>
+          </p:cNvPr>
+          <p:cNvPicPr>
+            <a:picLocks noChangeAspect="1"/>
+          </p:cNvPicPr>
+          <p:nvPr>
+            <p:custDataLst>
+              <p:tags r:id="rId2"/>
+            </p:custDataLst>
+          </p:nvPr>
+        </p:nvPicPr>
+        <p:blipFill>
+          <a:blip r:embed="rId8"/>
+          <a:stretch>
+            <a:fillRect/>
+          </a:stretch>
+        </p:blipFill>
+        <p:spPr>
+          <a:xfrm>
+            <a:off x="3799183" y="5052812"/>
+            <a:ext cx="1545632" cy="894783"/>
+          </a:xfrm>
+          <a:prstGeom prst="rect">
+            <a:avLst/>
+          </a:prstGeom>
+        </p:spPr>
+      </p:pic>
+      <p:pic>
+        <p:nvPicPr>
+          <p:cNvPr id="14" name="Immagine 13" descr="\documentclass{article}&#10;\usepackage{amsmath}&#10;\pagestyle{empty}&#10;\begin{document}&#10;&#10;$u(t) = k_p \tilde{p} + k_v v_{rel}$&#10;&#10;\end{document}" title="IguanaTex Bitmap Display">
+            <a:extLst>
+              <a:ext uri="{FF2B5EF4-FFF2-40B4-BE49-F238E27FC236}">
+                <a16:creationId xmlns:a16="http://schemas.microsoft.com/office/drawing/2014/main" id="{2039D78C-7D87-475C-AD76-37C304BF273F}"/>
+              </a:ext>
+            </a:extLst>
+          </p:cNvPr>
+          <p:cNvPicPr>
+            <a:picLocks noChangeAspect="1"/>
+          </p:cNvPicPr>
+          <p:nvPr>
+            <p:custDataLst>
+              <p:tags r:id="rId3"/>
+            </p:custDataLst>
+          </p:nvPr>
+        </p:nvPicPr>
+        <p:blipFill>
+          <a:blip r:embed="rId9"/>
+          <a:stretch>
+            <a:fillRect/>
+          </a:stretch>
+        </p:blipFill>
+        <p:spPr>
+          <a:xfrm>
+            <a:off x="3922176" y="6211635"/>
+            <a:ext cx="2474099" cy="313634"/>
+          </a:xfrm>
+          <a:prstGeom prst="rect">
+            <a:avLst/>
+          </a:prstGeom>
+        </p:spPr>
+      </p:pic>
+      <p:pic>
+        <p:nvPicPr>
+          <p:cNvPr id="19" name="Immagine 18" descr="\documentclass{article}&#10;\usepackage{amsmath}&#10;\pagestyle{empty}&#10;\begin{document}&#10;&#10;$T_{gap} = 5$&#10;&#10;$k_p = -5$&#10;&#10;$k_v = -50$&#10;&#10;$d_{default} = 10$&#10;&#10;\end{document}" title="IguanaTex Bitmap Display">
+            <a:extLst>
+              <a:ext uri="{FF2B5EF4-FFF2-40B4-BE49-F238E27FC236}">
+                <a16:creationId xmlns:a16="http://schemas.microsoft.com/office/drawing/2014/main" id="{6C5CECB1-5632-46C7-87D5-8FA8B5E25E4C}"/>
+              </a:ext>
+            </a:extLst>
+          </p:cNvPr>
+          <p:cNvPicPr>
+            <a:picLocks noChangeAspect="1"/>
+          </p:cNvPicPr>
+          <p:nvPr>
+            <p:custDataLst>
+              <p:tags r:id="rId4"/>
+            </p:custDataLst>
+          </p:nvPr>
+        </p:nvPicPr>
+        <p:blipFill>
+          <a:blip r:embed="rId10"/>
+          <a:stretch>
+            <a:fillRect/>
+          </a:stretch>
+        </p:blipFill>
+        <p:spPr>
+          <a:xfrm>
+            <a:off x="7172378" y="5195811"/>
+            <a:ext cx="1409841" cy="1161206"/>
           </a:xfrm>
           <a:prstGeom prst="rect">
             <a:avLst/>
@@ -4649,10 +4724,256 @@
           <a:chExt cx="0" cy="0"/>
         </a:xfrm>
       </p:grpSpPr>
+      <p:sp>
+        <p:nvSpPr>
+          <p:cNvPr id="2" name="CasellaDiTesto 1">
+            <a:extLst>
+              <a:ext uri="{FF2B5EF4-FFF2-40B4-BE49-F238E27FC236}">
+                <a16:creationId xmlns:a16="http://schemas.microsoft.com/office/drawing/2014/main" id="{B15487DC-D7AD-4852-8037-172DE6811263}"/>
+              </a:ext>
+            </a:extLst>
+          </p:cNvPr>
+          <p:cNvSpPr txBox="1"/>
+          <p:nvPr/>
+        </p:nvSpPr>
+        <p:spPr>
+          <a:xfrm>
+            <a:off x="242595" y="65314"/>
+            <a:ext cx="1670181" cy="584775"/>
+          </a:xfrm>
+          <a:prstGeom prst="rect">
+            <a:avLst/>
+          </a:prstGeom>
+          <a:noFill/>
+        </p:spPr>
+        <p:txBody>
+          <a:bodyPr wrap="square">
+            <a:spAutoFit/>
+          </a:bodyPr>
+          <a:lstStyle/>
+          <a:p>
+            <a:r>
+              <a:rPr lang="it-IT" sz="3200" dirty="0" err="1">
+                <a:solidFill>
+                  <a:srgbClr val="971720"/>
+                </a:solidFill>
+                <a:latin typeface="Century Gothic"/>
+              </a:rPr>
+              <a:t>Results</a:t>
+            </a:r>
+            <a:endParaRPr lang="it-IT" sz="3200" dirty="0"/>
+          </a:p>
+        </p:txBody>
+      </p:sp>
+      <p:pic>
+        <p:nvPicPr>
+          <p:cNvPr id="4" name="Immagine 3">
+            <a:extLst>
+              <a:ext uri="{FF2B5EF4-FFF2-40B4-BE49-F238E27FC236}">
+                <a16:creationId xmlns:a16="http://schemas.microsoft.com/office/drawing/2014/main" id="{19DCF9F0-8B91-492E-BA52-02BDB1D213AE}"/>
+              </a:ext>
+            </a:extLst>
+          </p:cNvPr>
+          <p:cNvPicPr>
+            <a:picLocks noChangeAspect="1"/>
+          </p:cNvPicPr>
+          <p:nvPr/>
+        </p:nvPicPr>
+        <p:blipFill rotWithShape="1">
+          <a:blip r:embed="rId2"/>
+          <a:srcRect l="2936" t="2689" r="6238"/>
+          <a:stretch/>
+        </p:blipFill>
+        <p:spPr>
+          <a:xfrm>
+            <a:off x="613484" y="663603"/>
+            <a:ext cx="3958516" cy="2916643"/>
+          </a:xfrm>
+          <a:prstGeom prst="rect">
+            <a:avLst/>
+          </a:prstGeom>
+        </p:spPr>
+      </p:pic>
+      <p:pic>
+        <p:nvPicPr>
+          <p:cNvPr id="6" name="Immagine 5">
+            <a:extLst>
+              <a:ext uri="{FF2B5EF4-FFF2-40B4-BE49-F238E27FC236}">
+                <a16:creationId xmlns:a16="http://schemas.microsoft.com/office/drawing/2014/main" id="{4FE975C8-4B8A-47D5-989F-062D2676D6FC}"/>
+              </a:ext>
+            </a:extLst>
+          </p:cNvPr>
+          <p:cNvPicPr>
+            <a:picLocks noChangeAspect="1"/>
+          </p:cNvPicPr>
+          <p:nvPr/>
+        </p:nvPicPr>
+        <p:blipFill rotWithShape="1">
+          <a:blip r:embed="rId3"/>
+          <a:srcRect l="4573" t="3097" r="6325"/>
+          <a:stretch/>
+        </p:blipFill>
+        <p:spPr>
+          <a:xfrm>
+            <a:off x="4572000" y="650089"/>
+            <a:ext cx="4133462" cy="2930157"/>
+          </a:xfrm>
+          <a:prstGeom prst="rect">
+            <a:avLst/>
+          </a:prstGeom>
+        </p:spPr>
+      </p:pic>
+      <p:pic>
+        <p:nvPicPr>
+          <p:cNvPr id="8" name="Immagine 7">
+            <a:extLst>
+              <a:ext uri="{FF2B5EF4-FFF2-40B4-BE49-F238E27FC236}">
+                <a16:creationId xmlns:a16="http://schemas.microsoft.com/office/drawing/2014/main" id="{2534454B-75B4-4C59-84FF-3E32999197DF}"/>
+              </a:ext>
+            </a:extLst>
+          </p:cNvPr>
+          <p:cNvPicPr>
+            <a:picLocks noChangeAspect="1"/>
+          </p:cNvPicPr>
+          <p:nvPr/>
+        </p:nvPicPr>
+        <p:blipFill rotWithShape="1">
+          <a:blip r:embed="rId4"/>
+          <a:srcRect l="4793" t="2881" r="6473"/>
+          <a:stretch/>
+        </p:blipFill>
+        <p:spPr>
+          <a:xfrm>
+            <a:off x="613484" y="3672489"/>
+            <a:ext cx="3958516" cy="2916643"/>
+          </a:xfrm>
+          <a:prstGeom prst="rect">
+            <a:avLst/>
+          </a:prstGeom>
+        </p:spPr>
+      </p:pic>
+      <p:pic>
+        <p:nvPicPr>
+          <p:cNvPr id="10" name="Immagine 9">
+            <a:extLst>
+              <a:ext uri="{FF2B5EF4-FFF2-40B4-BE49-F238E27FC236}">
+                <a16:creationId xmlns:a16="http://schemas.microsoft.com/office/drawing/2014/main" id="{17B25775-000F-41E1-B59B-C322CE3A1D5E}"/>
+              </a:ext>
+            </a:extLst>
+          </p:cNvPr>
+          <p:cNvPicPr>
+            <a:picLocks noChangeAspect="1"/>
+          </p:cNvPicPr>
+          <p:nvPr/>
+        </p:nvPicPr>
+        <p:blipFill rotWithShape="1">
+          <a:blip r:embed="rId5"/>
+          <a:srcRect l="5493" t="2508" r="7033" b="2134"/>
+          <a:stretch/>
+        </p:blipFill>
+        <p:spPr>
+          <a:xfrm>
+            <a:off x="4572000" y="3672489"/>
+            <a:ext cx="4133462" cy="2916644"/>
+          </a:xfrm>
+          <a:prstGeom prst="rect">
+            <a:avLst/>
+          </a:prstGeom>
+        </p:spPr>
+      </p:pic>
     </p:spTree>
     <p:extLst>
       <p:ext uri="{BB962C8B-B14F-4D97-AF65-F5344CB8AC3E}">
         <p14:creationId xmlns:p14="http://schemas.microsoft.com/office/powerpoint/2010/main" val="1049519730"/>
+      </p:ext>
+    </p:extLst>
+  </p:cSld>
+  <p:clrMapOvr>
+    <a:masterClrMapping/>
+  </p:clrMapOvr>
+</p:sld>
+</file>
+
+<file path=ppt/slides/slide12.xml><?xml version="1.0" encoding="utf-8"?>
+<p:sld xmlns:a="http://schemas.openxmlformats.org/drawingml/2006/main" xmlns:r="http://schemas.openxmlformats.org/officeDocument/2006/relationships" xmlns:p="http://schemas.openxmlformats.org/presentationml/2006/main">
+  <p:cSld>
+    <p:spTree>
+      <p:nvGrpSpPr>
+        <p:cNvPr id="1" name=""/>
+        <p:cNvGrpSpPr/>
+        <p:nvPr/>
+      </p:nvGrpSpPr>
+      <p:grpSpPr>
+        <a:xfrm>
+          <a:off x="0" y="0"/>
+          <a:ext cx="0" cy="0"/>
+          <a:chOff x="0" y="0"/>
+          <a:chExt cx="0" cy="0"/>
+        </a:xfrm>
+      </p:grpSpPr>
+      <p:sp>
+        <p:nvSpPr>
+          <p:cNvPr id="7" name="CasellaDiTesto 6">
+            <a:extLst>
+              <a:ext uri="{FF2B5EF4-FFF2-40B4-BE49-F238E27FC236}">
+                <a16:creationId xmlns:a16="http://schemas.microsoft.com/office/drawing/2014/main" id="{A267D91B-7F34-4B6A-88E9-75B15A00B729}"/>
+              </a:ext>
+            </a:extLst>
+          </p:cNvPr>
+          <p:cNvSpPr txBox="1"/>
+          <p:nvPr/>
+        </p:nvSpPr>
+        <p:spPr>
+          <a:xfrm>
+            <a:off x="242594" y="214604"/>
+            <a:ext cx="6774026" cy="584775"/>
+          </a:xfrm>
+          <a:prstGeom prst="rect">
+            <a:avLst/>
+          </a:prstGeom>
+          <a:noFill/>
+        </p:spPr>
+        <p:txBody>
+          <a:bodyPr wrap="square">
+            <a:spAutoFit/>
+          </a:bodyPr>
+          <a:lstStyle/>
+          <a:p>
+            <a:r>
+              <a:rPr lang="it-IT" sz="3200" dirty="0">
+                <a:solidFill>
+                  <a:srgbClr val="971720"/>
+                </a:solidFill>
+                <a:latin typeface="Century Gothic"/>
+              </a:rPr>
+              <a:t>ADAS </a:t>
+            </a:r>
+            <a:r>
+              <a:rPr lang="it-IT" sz="3200" dirty="0" err="1">
+                <a:solidFill>
+                  <a:srgbClr val="971720"/>
+                </a:solidFill>
+                <a:latin typeface="Century Gothic"/>
+              </a:rPr>
+              <a:t>Designing</a:t>
+            </a:r>
+            <a:r>
+              <a:rPr lang="it-IT" sz="3200" dirty="0">
+                <a:solidFill>
+                  <a:srgbClr val="971720"/>
+                </a:solidFill>
+                <a:latin typeface="Century Gothic"/>
+              </a:rPr>
+              <a:t>: ACC with MPC</a:t>
+            </a:r>
+            <a:endParaRPr lang="it-IT" sz="3200" dirty="0"/>
+          </a:p>
+        </p:txBody>
+      </p:sp>
+    </p:spTree>
+    <p:extLst>
+      <p:ext uri="{BB962C8B-B14F-4D97-AF65-F5344CB8AC3E}">
+        <p14:creationId xmlns:p14="http://schemas.microsoft.com/office/powerpoint/2010/main" val="1830772695"/>
       </p:ext>
     </p:extLst>
   </p:cSld>
@@ -8739,6 +9060,69 @@
   <p:tag name="LATEXADDIN" val="\documentclass{article}&#10;\usepackage{amsmath}&#10;\pagestyle{empty}&#10;\begin{document}&#10;&#10;$\tilde{p} = d_{safe}-d_{rel}$&#10;&#10;$d_{rel} = p_{lead}-p_{ego}$&#10;&#10;$d_{safe} = d_{default} + T_{gap}v_{ego}$&#10;&#10;$v_{rel} = \dot{\tilde{p}} = v_{ego}-v_{lead}$&#10;&#10;\end{document}"/>
   <p:tag name="IGUANATEXSIZE" val="20"/>
   <p:tag name="IGUANATEXCURSOR" val="231"/>
+  <p:tag name="TRANSPARENCY" val="Vero"/>
+  <p:tag name="FILENAME" val=""/>
+  <p:tag name="LATEXENGINEID" val="0"/>
+  <p:tag name="TEMPFOLDER" val=".\temp\"/>
+  <p:tag name="LATEXFORMHEIGHT" val="320"/>
+  <p:tag name="LATEXFORMWIDTH" val="385"/>
+  <p:tag name="LATEXFORMWRAP" val="Vero"/>
+  <p:tag name="BITMAPVECTOR" val="0"/>
+</p:tagLst>
+</file>
+
+<file path=ppt/tags/tag16.xml><?xml version="1.0" encoding="utf-8"?>
+<p:tagLst xmlns:a="http://schemas.openxmlformats.org/drawingml/2006/main" xmlns:r="http://schemas.openxmlformats.org/officeDocument/2006/relationships" xmlns:p="http://schemas.openxmlformats.org/presentationml/2006/main">
+  <p:tag name="OUTPUTDPI" val="2000"/>
+  <p:tag name="ORIGINALHEIGHT" val="621,6723"/>
+  <p:tag name="ORIGINALWIDTH" val="1073,866"/>
+  <p:tag name="OUTPUTTYPE" val="PNG"/>
+  <p:tag name="IGUANATEXVERSION" val="160"/>
+  <p:tag name="LATEXADDIN" val="\documentclass{article}&#10;\usepackage{amsmath}&#10;\pagestyle{empty}&#10;\begin{document}&#10;&#10;\[&#10;\begin{cases}&#10;\tilde{p} = v_{rel}\\&#10;\dot{v}_{rel} = u(t)&#10;\end{cases}&#10;\]&#10;&#10;&#10;\end{document}"/>
+  <p:tag name="IGUANATEXSIZE" val="20"/>
+  <p:tag name="IGUANATEXCURSOR" val="140"/>
+  <p:tag name="TRANSPARENCY" val="Vero"/>
+  <p:tag name="FILENAME" val=""/>
+  <p:tag name="LATEXENGINEID" val="0"/>
+  <p:tag name="TEMPFOLDER" val=".\temp\"/>
+  <p:tag name="LATEXFORMHEIGHT" val="320"/>
+  <p:tag name="LATEXFORMWIDTH" val="385"/>
+  <p:tag name="LATEXFORMWRAP" val="Vero"/>
+  <p:tag name="BITMAPVECTOR" val="0"/>
+</p:tagLst>
+</file>
+
+<file path=ppt/tags/tag17.xml><?xml version="1.0" encoding="utf-8"?>
+<p:tagLst xmlns:a="http://schemas.openxmlformats.org/drawingml/2006/main" xmlns:r="http://schemas.openxmlformats.org/officeDocument/2006/relationships" xmlns:p="http://schemas.openxmlformats.org/presentationml/2006/main">
+  <p:tag name="OUTPUTDPI" val="2000"/>
+  <p:tag name="ORIGINALHEIGHT" val="215,2231"/>
+  <p:tag name="ORIGINALWIDTH" val="1697,788"/>
+  <p:tag name="OUTPUTTYPE" val="PNG"/>
+  <p:tag name="IGUANATEXVERSION" val="160"/>
+  <p:tag name="LATEXADDIN" val="\documentclass{article}&#10;\usepackage{amsmath}&#10;\pagestyle{empty}&#10;\begin{document}&#10;&#10;$u(t) = k_p \tilde{p} + k_v v_{rel}$&#10;&#10;\end{document}"/>
+  <p:tag name="IGUANATEXSIZE" val="20"/>
+  <p:tag name="IGUANATEXCURSOR" val="115"/>
+  <p:tag name="TRANSPARENCY" val="Vero"/>
+  <p:tag name="FILENAME" val=""/>
+  <p:tag name="LATEXENGINEID" val="0"/>
+  <p:tag name="TEMPFOLDER" val=".\temp\"/>
+  <p:tag name="LATEXFORMHEIGHT" val="320"/>
+  <p:tag name="LATEXFORMWIDTH" val="385"/>
+  <p:tag name="LATEXFORMWRAP" val="Vero"/>
+  <p:tag name="BITMAPVECTOR" val="0"/>
+</p:tagLst>
+</file>
+
+<file path=ppt/tags/tag18.xml><?xml version="1.0" encoding="utf-8"?>
+<p:tagLst xmlns:a="http://schemas.openxmlformats.org/drawingml/2006/main" xmlns:r="http://schemas.openxmlformats.org/officeDocument/2006/relationships" xmlns:p="http://schemas.openxmlformats.org/presentationml/2006/main">
+  <p:tag name="OUTPUTDPI" val="2000"/>
+  <p:tag name="ORIGINALHEIGHT" val="947,8815"/>
+  <p:tag name="ORIGINALWIDTH" val="1156,355"/>
+  <p:tag name="OUTPUTTYPE" val="PNG"/>
+  <p:tag name="IGUANATEXVERSION" val="160"/>
+  <p:tag name="LATEXADDIN" val="\documentclass{article}&#10;\usepackage{amsmath}&#10;\pagestyle{empty}&#10;\begin{document}&#10;&#10;$T_{gap} = 5$&#10;&#10;$k_p = -5$&#10;&#10;$k_v = -50$&#10;&#10;$d_{default} = 10$&#10;&#10;\end{document}"/>
+  <p:tag name="IGUANATEXSIZE" val="20"/>
+  <p:tag name="IGUANATEXCURSOR" val="120"/>
   <p:tag name="TRANSPARENCY" val="Vero"/>
   <p:tag name="FILENAME" val=""/>
   <p:tag name="LATEXENGINEID" val="0"/>

--- a/Presentation.pptx
+++ b/Presentation.pptx
@@ -5,10 +5,10 @@
     <p:sldMasterId id="2147483648" r:id="rId1"/>
   </p:sldMasterIdLst>
   <p:notesMasterIdLst>
-    <p:notesMasterId r:id="rId14"/>
+    <p:notesMasterId r:id="rId16"/>
   </p:notesMasterIdLst>
   <p:handoutMasterIdLst>
-    <p:handoutMasterId r:id="rId15"/>
+    <p:handoutMasterId r:id="rId17"/>
   </p:handoutMasterIdLst>
   <p:sldIdLst>
     <p:sldId id="256" r:id="rId2"/>
@@ -23,6 +23,8 @@
     <p:sldId id="267" r:id="rId11"/>
     <p:sldId id="268" r:id="rId12"/>
     <p:sldId id="269" r:id="rId13"/>
+    <p:sldId id="270" r:id="rId14"/>
+    <p:sldId id="271" r:id="rId15"/>
   </p:sldIdLst>
   <p:sldSz cx="9144000" cy="6858000" type="screen4x3"/>
   <p:notesSz cx="6858000" cy="9144000"/>
@@ -142,6 +144,8 @@
             <p14:sldId id="267"/>
             <p14:sldId id="268"/>
             <p14:sldId id="269"/>
+            <p14:sldId id="270"/>
+            <p14:sldId id="271"/>
           </p14:sldIdLst>
         </p14:section>
       </p14:sectionLst>
@@ -258,7 +262,7 @@
           <a:p>
             <a:fld id="{0914F915-DDDE-4CAA-895D-614564BB8837}" type="datetimeFigureOut">
               <a:rPr lang="en-GB" smtClean="0"/>
-              <a:t>04/03/2023</a:t>
+              <a:t>06/03/2023</a:t>
             </a:fld>
             <a:endParaRPr lang="en-GB"/>
           </a:p>
@@ -423,7 +427,7 @@
           <a:p>
             <a:fld id="{A9D4C5A5-33D0-4441-96FE-163C8B7C9D3F}" type="datetimeFigureOut">
               <a:rPr lang="en-GB" smtClean="0"/>
-              <a:t>04/03/2023</a:t>
+              <a:t>06/03/2023</a:t>
             </a:fld>
             <a:endParaRPr lang="en-GB"/>
           </a:p>
@@ -1122,7 +1126,7 @@
           <a:p>
             <a:fld id="{2C790A91-0F3D-9944-94EF-F5C93CDE0643}" type="datetimeFigureOut">
               <a:rPr lang="it-IT" smtClean="0"/>
-              <a:t>04/03/2023</a:t>
+              <a:t>06/03/2023</a:t>
             </a:fld>
             <a:endParaRPr lang="it-IT"/>
           </a:p>
@@ -1290,7 +1294,7 @@
           <a:p>
             <a:fld id="{2C790A91-0F3D-9944-94EF-F5C93CDE0643}" type="datetimeFigureOut">
               <a:rPr lang="it-IT" smtClean="0"/>
-              <a:t>04/03/2023</a:t>
+              <a:t>06/03/2023</a:t>
             </a:fld>
             <a:endParaRPr lang="it-IT"/>
           </a:p>
@@ -1468,7 +1472,7 @@
           <a:p>
             <a:fld id="{2C790A91-0F3D-9944-94EF-F5C93CDE0643}" type="datetimeFigureOut">
               <a:rPr lang="it-IT" smtClean="0"/>
-              <a:t>04/03/2023</a:t>
+              <a:t>06/03/2023</a:t>
             </a:fld>
             <a:endParaRPr lang="it-IT"/>
           </a:p>
@@ -1636,7 +1640,7 @@
           <a:p>
             <a:fld id="{2C790A91-0F3D-9944-94EF-F5C93CDE0643}" type="datetimeFigureOut">
               <a:rPr lang="it-IT" smtClean="0"/>
-              <a:t>04/03/2023</a:t>
+              <a:t>06/03/2023</a:t>
             </a:fld>
             <a:endParaRPr lang="it-IT"/>
           </a:p>
@@ -1881,7 +1885,7 @@
           <a:p>
             <a:fld id="{2C790A91-0F3D-9944-94EF-F5C93CDE0643}" type="datetimeFigureOut">
               <a:rPr lang="it-IT" smtClean="0"/>
-              <a:t>04/03/2023</a:t>
+              <a:t>06/03/2023</a:t>
             </a:fld>
             <a:endParaRPr lang="it-IT"/>
           </a:p>
@@ -2166,7 +2170,7 @@
           <a:p>
             <a:fld id="{2C790A91-0F3D-9944-94EF-F5C93CDE0643}" type="datetimeFigureOut">
               <a:rPr lang="it-IT" smtClean="0"/>
-              <a:t>04/03/2023</a:t>
+              <a:t>06/03/2023</a:t>
             </a:fld>
             <a:endParaRPr lang="it-IT"/>
           </a:p>
@@ -2585,7 +2589,7 @@
           <a:p>
             <a:fld id="{2C790A91-0F3D-9944-94EF-F5C93CDE0643}" type="datetimeFigureOut">
               <a:rPr lang="it-IT" smtClean="0"/>
-              <a:t>04/03/2023</a:t>
+              <a:t>06/03/2023</a:t>
             </a:fld>
             <a:endParaRPr lang="it-IT"/>
           </a:p>
@@ -2702,7 +2706,7 @@
           <a:p>
             <a:fld id="{2C790A91-0F3D-9944-94EF-F5C93CDE0643}" type="datetimeFigureOut">
               <a:rPr lang="it-IT" smtClean="0"/>
-              <a:t>04/03/2023</a:t>
+              <a:t>06/03/2023</a:t>
             </a:fld>
             <a:endParaRPr lang="it-IT"/>
           </a:p>
@@ -2797,7 +2801,7 @@
           <a:p>
             <a:fld id="{2C790A91-0F3D-9944-94EF-F5C93CDE0643}" type="datetimeFigureOut">
               <a:rPr lang="it-IT" smtClean="0"/>
-              <a:t>04/03/2023</a:t>
+              <a:t>06/03/2023</a:t>
             </a:fld>
             <a:endParaRPr lang="it-IT"/>
           </a:p>
@@ -3072,7 +3076,7 @@
           <a:p>
             <a:fld id="{2C790A91-0F3D-9944-94EF-F5C93CDE0643}" type="datetimeFigureOut">
               <a:rPr lang="it-IT" smtClean="0"/>
-              <a:t>04/03/2023</a:t>
+              <a:t>06/03/2023</a:t>
             </a:fld>
             <a:endParaRPr lang="it-IT"/>
           </a:p>
@@ -3324,7 +3328,7 @@
           <a:p>
             <a:fld id="{2C790A91-0F3D-9944-94EF-F5C93CDE0643}" type="datetimeFigureOut">
               <a:rPr lang="it-IT" smtClean="0"/>
-              <a:t>04/03/2023</a:t>
+              <a:t>06/03/2023</a:t>
             </a:fld>
             <a:endParaRPr lang="it-IT"/>
           </a:p>
@@ -3535,7 +3539,7 @@
           <a:p>
             <a:fld id="{2C790A91-0F3D-9944-94EF-F5C93CDE0643}" type="datetimeFigureOut">
               <a:rPr lang="it-IT" smtClean="0"/>
-              <a:t>04/03/2023</a:t>
+              <a:t>06/03/2023</a:t>
             </a:fld>
             <a:endParaRPr lang="it-IT"/>
           </a:p>
@@ -4780,14 +4784,14 @@
           <p:nvPr/>
         </p:nvPicPr>
         <p:blipFill rotWithShape="1">
-          <a:blip r:embed="rId2"/>
+          <a:blip r:embed="rId4"/>
           <a:srcRect l="2936" t="2689" r="6238"/>
           <a:stretch/>
         </p:blipFill>
         <p:spPr>
           <a:xfrm>
-            <a:off x="613484" y="663603"/>
-            <a:ext cx="3958516" cy="2916643"/>
+            <a:off x="438538" y="1165651"/>
+            <a:ext cx="3862874" cy="2846174"/>
           </a:xfrm>
           <a:prstGeom prst="rect">
             <a:avLst/>
@@ -4800,64 +4804,6 @@
             <a:extLst>
               <a:ext uri="{FF2B5EF4-FFF2-40B4-BE49-F238E27FC236}">
                 <a16:creationId xmlns:a16="http://schemas.microsoft.com/office/drawing/2014/main" id="{4FE975C8-4B8A-47D5-989F-062D2676D6FC}"/>
-              </a:ext>
-            </a:extLst>
-          </p:cNvPr>
-          <p:cNvPicPr>
-            <a:picLocks noChangeAspect="1"/>
-          </p:cNvPicPr>
-          <p:nvPr/>
-        </p:nvPicPr>
-        <p:blipFill rotWithShape="1">
-          <a:blip r:embed="rId3"/>
-          <a:srcRect l="4573" t="3097" r="6325"/>
-          <a:stretch/>
-        </p:blipFill>
-        <p:spPr>
-          <a:xfrm>
-            <a:off x="4572000" y="650089"/>
-            <a:ext cx="4133462" cy="2930157"/>
-          </a:xfrm>
-          <a:prstGeom prst="rect">
-            <a:avLst/>
-          </a:prstGeom>
-        </p:spPr>
-      </p:pic>
-      <p:pic>
-        <p:nvPicPr>
-          <p:cNvPr id="8" name="Immagine 7">
-            <a:extLst>
-              <a:ext uri="{FF2B5EF4-FFF2-40B4-BE49-F238E27FC236}">
-                <a16:creationId xmlns:a16="http://schemas.microsoft.com/office/drawing/2014/main" id="{2534454B-75B4-4C59-84FF-3E32999197DF}"/>
-              </a:ext>
-            </a:extLst>
-          </p:cNvPr>
-          <p:cNvPicPr>
-            <a:picLocks noChangeAspect="1"/>
-          </p:cNvPicPr>
-          <p:nvPr/>
-        </p:nvPicPr>
-        <p:blipFill rotWithShape="1">
-          <a:blip r:embed="rId4"/>
-          <a:srcRect l="4793" t="2881" r="6473"/>
-          <a:stretch/>
-        </p:blipFill>
-        <p:spPr>
-          <a:xfrm>
-            <a:off x="613484" y="3672489"/>
-            <a:ext cx="3958516" cy="2916643"/>
-          </a:xfrm>
-          <a:prstGeom prst="rect">
-            <a:avLst/>
-          </a:prstGeom>
-        </p:spPr>
-      </p:pic>
-      <p:pic>
-        <p:nvPicPr>
-          <p:cNvPr id="10" name="Immagine 9">
-            <a:extLst>
-              <a:ext uri="{FF2B5EF4-FFF2-40B4-BE49-F238E27FC236}">
-                <a16:creationId xmlns:a16="http://schemas.microsoft.com/office/drawing/2014/main" id="{17B25775-000F-41E1-B59B-C322CE3A1D5E}"/>
               </a:ext>
             </a:extLst>
           </p:cNvPr>
@@ -4868,13 +4814,139 @@
         </p:nvPicPr>
         <p:blipFill rotWithShape="1">
           <a:blip r:embed="rId5"/>
+          <a:srcRect l="4573" t="3097" r="6325"/>
+          <a:stretch/>
+        </p:blipFill>
+        <p:spPr>
+          <a:xfrm>
+            <a:off x="4534678" y="1141197"/>
+            <a:ext cx="4049486" cy="2870628"/>
+          </a:xfrm>
+          <a:prstGeom prst="rect">
+            <a:avLst/>
+          </a:prstGeom>
+        </p:spPr>
+      </p:pic>
+      <p:pic>
+        <p:nvPicPr>
+          <p:cNvPr id="8" name="Immagine 7">
+            <a:extLst>
+              <a:ext uri="{FF2B5EF4-FFF2-40B4-BE49-F238E27FC236}">
+                <a16:creationId xmlns:a16="http://schemas.microsoft.com/office/drawing/2014/main" id="{2534454B-75B4-4C59-84FF-3E32999197DF}"/>
+              </a:ext>
+            </a:extLst>
+          </p:cNvPr>
+          <p:cNvPicPr>
+            <a:picLocks noChangeAspect="1"/>
+          </p:cNvPicPr>
+          <p:nvPr/>
+        </p:nvPicPr>
+        <p:blipFill rotWithShape="1">
+          <a:blip r:embed="rId6"/>
+          <a:srcRect l="4793" t="2881" r="6473"/>
+          <a:stretch/>
+        </p:blipFill>
+        <p:spPr>
+          <a:xfrm>
+            <a:off x="438538" y="4011825"/>
+            <a:ext cx="3862875" cy="2846175"/>
+          </a:xfrm>
+          <a:prstGeom prst="rect">
+            <a:avLst/>
+          </a:prstGeom>
+        </p:spPr>
+      </p:pic>
+      <p:pic>
+        <p:nvPicPr>
+          <p:cNvPr id="10" name="Immagine 9">
+            <a:extLst>
+              <a:ext uri="{FF2B5EF4-FFF2-40B4-BE49-F238E27FC236}">
+                <a16:creationId xmlns:a16="http://schemas.microsoft.com/office/drawing/2014/main" id="{17B25775-000F-41E1-B59B-C322CE3A1D5E}"/>
+              </a:ext>
+            </a:extLst>
+          </p:cNvPr>
+          <p:cNvPicPr>
+            <a:picLocks noChangeAspect="1"/>
+          </p:cNvPicPr>
+          <p:nvPr/>
+        </p:nvPicPr>
+        <p:blipFill rotWithShape="1">
+          <a:blip r:embed="rId7"/>
           <a:srcRect l="5493" t="2508" r="7033" b="2134"/>
           <a:stretch/>
         </p:blipFill>
         <p:spPr>
           <a:xfrm>
-            <a:off x="4572000" y="3672489"/>
-            <a:ext cx="4133462" cy="2916644"/>
+            <a:off x="4572000" y="4011825"/>
+            <a:ext cx="4012164" cy="2831054"/>
+          </a:xfrm>
+          <a:prstGeom prst="rect">
+            <a:avLst/>
+          </a:prstGeom>
+        </p:spPr>
+      </p:pic>
+      <p:pic>
+        <p:nvPicPr>
+          <p:cNvPr id="5" name="Immagine 4" descr="\documentclass{article}&#10;\usepackage{amsmath}&#10;\pagestyle{empty}&#10;\begin{document}&#10;&#10;$x_{0L} = &#10;\begin{bmatrix}&#10;30 &amp; 20&#10;\end{bmatrix}$&#10;&#10;&#10;\end{document}" title="IguanaTex Bitmap Display">
+            <a:extLst>
+              <a:ext uri="{FF2B5EF4-FFF2-40B4-BE49-F238E27FC236}">
+                <a16:creationId xmlns:a16="http://schemas.microsoft.com/office/drawing/2014/main" id="{E4610340-DFBC-4D05-B450-8C2A29D47DF0}"/>
+              </a:ext>
+            </a:extLst>
+          </p:cNvPr>
+          <p:cNvPicPr>
+            <a:picLocks noChangeAspect="1"/>
+          </p:cNvPicPr>
+          <p:nvPr>
+            <p:custDataLst>
+              <p:tags r:id="rId1"/>
+            </p:custDataLst>
+          </p:nvPr>
+        </p:nvPicPr>
+        <p:blipFill>
+          <a:blip r:embed="rId8"/>
+          <a:stretch>
+            <a:fillRect/>
+          </a:stretch>
+        </p:blipFill>
+        <p:spPr>
+          <a:xfrm>
+            <a:off x="3534229" y="516214"/>
+            <a:ext cx="1646629" cy="303543"/>
+          </a:xfrm>
+          <a:prstGeom prst="rect">
+            <a:avLst/>
+          </a:prstGeom>
+        </p:spPr>
+      </p:pic>
+      <p:pic>
+        <p:nvPicPr>
+          <p:cNvPr id="9" name="Immagine 8" descr="\documentclass{article}&#10;\usepackage{amsmath}&#10;\pagestyle{empty}&#10;\begin{document}&#10;&#10;$x_{0E} = &#10;\begin{bmatrix}&#10;0 &amp; 0&#10;\end{bmatrix}$&#10;&#10;&#10;&#10;\end{document}" title="IguanaTex Bitmap Display">
+            <a:extLst>
+              <a:ext uri="{FF2B5EF4-FFF2-40B4-BE49-F238E27FC236}">
+                <a16:creationId xmlns:a16="http://schemas.microsoft.com/office/drawing/2014/main" id="{7BFA37F8-A719-4E1D-B2C2-B41DF1DC5152}"/>
+              </a:ext>
+            </a:extLst>
+          </p:cNvPr>
+          <p:cNvPicPr>
+            <a:picLocks noChangeAspect="1"/>
+          </p:cNvPicPr>
+          <p:nvPr>
+            <p:custDataLst>
+              <p:tags r:id="rId2"/>
+            </p:custDataLst>
+          </p:nvPr>
+        </p:nvPicPr>
+        <p:blipFill>
+          <a:blip r:embed="rId9"/>
+          <a:stretch>
+            <a:fillRect/>
+          </a:stretch>
+        </p:blipFill>
+        <p:spPr>
+          <a:xfrm>
+            <a:off x="5740401" y="498316"/>
+            <a:ext cx="1412571" cy="303543"/>
           </a:xfrm>
           <a:prstGeom prst="rect">
             <a:avLst/>
@@ -4970,10 +5042,353 @@
           </a:p>
         </p:txBody>
       </p:sp>
+      <p:pic>
+        <p:nvPicPr>
+          <p:cNvPr id="3" name="Immagine 2">
+            <a:extLst>
+              <a:ext uri="{FF2B5EF4-FFF2-40B4-BE49-F238E27FC236}">
+                <a16:creationId xmlns:a16="http://schemas.microsoft.com/office/drawing/2014/main" id="{78FEF926-D69B-4358-9A08-365E03EDC487}"/>
+              </a:ext>
+            </a:extLst>
+          </p:cNvPr>
+          <p:cNvPicPr>
+            <a:picLocks noChangeAspect="1"/>
+          </p:cNvPicPr>
+          <p:nvPr/>
+        </p:nvPicPr>
+        <p:blipFill>
+          <a:blip r:embed="rId2"/>
+          <a:stretch>
+            <a:fillRect/>
+          </a:stretch>
+        </p:blipFill>
+        <p:spPr>
+          <a:xfrm>
+            <a:off x="0" y="1119673"/>
+            <a:ext cx="9144000" cy="5019869"/>
+          </a:xfrm>
+          <a:prstGeom prst="rect">
+            <a:avLst/>
+          </a:prstGeom>
+        </p:spPr>
+      </p:pic>
     </p:spTree>
     <p:extLst>
       <p:ext uri="{BB962C8B-B14F-4D97-AF65-F5344CB8AC3E}">
         <p14:creationId xmlns:p14="http://schemas.microsoft.com/office/powerpoint/2010/main" val="1830772695"/>
+      </p:ext>
+    </p:extLst>
+  </p:cSld>
+  <p:clrMapOvr>
+    <a:masterClrMapping/>
+  </p:clrMapOvr>
+</p:sld>
+</file>
+
+<file path=ppt/slides/slide13.xml><?xml version="1.0" encoding="utf-8"?>
+<p:sld xmlns:a="http://schemas.openxmlformats.org/drawingml/2006/main" xmlns:r="http://schemas.openxmlformats.org/officeDocument/2006/relationships" xmlns:p="http://schemas.openxmlformats.org/presentationml/2006/main">
+  <p:cSld>
+    <p:spTree>
+      <p:nvGrpSpPr>
+        <p:cNvPr id="1" name=""/>
+        <p:cNvGrpSpPr/>
+        <p:nvPr/>
+      </p:nvGrpSpPr>
+      <p:grpSpPr>
+        <a:xfrm>
+          <a:off x="0" y="0"/>
+          <a:ext cx="0" cy="0"/>
+          <a:chOff x="0" y="0"/>
+          <a:chExt cx="0" cy="0"/>
+        </a:xfrm>
+      </p:grpSpPr>
+      <p:sp>
+        <p:nvSpPr>
+          <p:cNvPr id="4" name="CasellaDiTesto 3">
+            <a:extLst>
+              <a:ext uri="{FF2B5EF4-FFF2-40B4-BE49-F238E27FC236}">
+                <a16:creationId xmlns:a16="http://schemas.microsoft.com/office/drawing/2014/main" id="{7ECDC7C7-8899-43E2-AB42-EA8AB9F86610}"/>
+              </a:ext>
+            </a:extLst>
+          </p:cNvPr>
+          <p:cNvSpPr txBox="1"/>
+          <p:nvPr/>
+        </p:nvSpPr>
+        <p:spPr>
+          <a:xfrm>
+            <a:off x="242595" y="65314"/>
+            <a:ext cx="1670181" cy="584775"/>
+          </a:xfrm>
+          <a:prstGeom prst="rect">
+            <a:avLst/>
+          </a:prstGeom>
+          <a:noFill/>
+        </p:spPr>
+        <p:txBody>
+          <a:bodyPr wrap="square">
+            <a:spAutoFit/>
+          </a:bodyPr>
+          <a:lstStyle/>
+          <a:p>
+            <a:r>
+              <a:rPr lang="it-IT" sz="3200" dirty="0" err="1">
+                <a:solidFill>
+                  <a:srgbClr val="971720"/>
+                </a:solidFill>
+                <a:latin typeface="Century Gothic"/>
+              </a:rPr>
+              <a:t>Results</a:t>
+            </a:r>
+            <a:endParaRPr lang="it-IT" sz="3200" dirty="0"/>
+          </a:p>
+        </p:txBody>
+      </p:sp>
+      <p:pic>
+        <p:nvPicPr>
+          <p:cNvPr id="6" name="Immagine 5">
+            <a:extLst>
+              <a:ext uri="{FF2B5EF4-FFF2-40B4-BE49-F238E27FC236}">
+                <a16:creationId xmlns:a16="http://schemas.microsoft.com/office/drawing/2014/main" id="{F50881CE-3B49-4DA8-8E92-B553B1D3EE92}"/>
+              </a:ext>
+            </a:extLst>
+          </p:cNvPr>
+          <p:cNvPicPr>
+            <a:picLocks noChangeAspect="1"/>
+          </p:cNvPicPr>
+          <p:nvPr/>
+        </p:nvPicPr>
+        <p:blipFill rotWithShape="1">
+          <a:blip r:embed="rId2"/>
+          <a:srcRect l="2423" t="2922" r="6387"/>
+          <a:stretch/>
+        </p:blipFill>
+        <p:spPr>
+          <a:xfrm>
+            <a:off x="185668" y="564304"/>
+            <a:ext cx="4031769" cy="3219109"/>
+          </a:xfrm>
+          <a:prstGeom prst="rect">
+            <a:avLst/>
+          </a:prstGeom>
+        </p:spPr>
+      </p:pic>
+      <p:pic>
+        <p:nvPicPr>
+          <p:cNvPr id="8" name="Immagine 7">
+            <a:extLst>
+              <a:ext uri="{FF2B5EF4-FFF2-40B4-BE49-F238E27FC236}">
+                <a16:creationId xmlns:a16="http://schemas.microsoft.com/office/drawing/2014/main" id="{1540F788-99AF-4ED3-A80C-58DD65229F64}"/>
+              </a:ext>
+            </a:extLst>
+          </p:cNvPr>
+          <p:cNvPicPr>
+            <a:picLocks noChangeAspect="1"/>
+          </p:cNvPicPr>
+          <p:nvPr/>
+        </p:nvPicPr>
+        <p:blipFill rotWithShape="1">
+          <a:blip r:embed="rId3"/>
+          <a:srcRect l="5073" t="3440" r="6053"/>
+          <a:stretch/>
+        </p:blipFill>
+        <p:spPr>
+          <a:xfrm>
+            <a:off x="4749282" y="564304"/>
+            <a:ext cx="3953661" cy="3221674"/>
+          </a:xfrm>
+          <a:prstGeom prst="rect">
+            <a:avLst/>
+          </a:prstGeom>
+        </p:spPr>
+      </p:pic>
+      <p:pic>
+        <p:nvPicPr>
+          <p:cNvPr id="10" name="Immagine 9">
+            <a:extLst>
+              <a:ext uri="{FF2B5EF4-FFF2-40B4-BE49-F238E27FC236}">
+                <a16:creationId xmlns:a16="http://schemas.microsoft.com/office/drawing/2014/main" id="{67E7CC6C-F896-4BC2-8188-447521BE3063}"/>
+              </a:ext>
+            </a:extLst>
+          </p:cNvPr>
+          <p:cNvPicPr>
+            <a:picLocks noChangeAspect="1"/>
+          </p:cNvPicPr>
+          <p:nvPr/>
+        </p:nvPicPr>
+        <p:blipFill rotWithShape="1">
+          <a:blip r:embed="rId4"/>
+          <a:srcRect l="4374" t="2881" r="6752"/>
+          <a:stretch/>
+        </p:blipFill>
+        <p:spPr>
+          <a:xfrm>
+            <a:off x="313362" y="3636326"/>
+            <a:ext cx="3904075" cy="3199715"/>
+          </a:xfrm>
+          <a:prstGeom prst="rect">
+            <a:avLst/>
+          </a:prstGeom>
+        </p:spPr>
+      </p:pic>
+      <p:pic>
+        <p:nvPicPr>
+          <p:cNvPr id="12" name="Immagine 11">
+            <a:extLst>
+              <a:ext uri="{FF2B5EF4-FFF2-40B4-BE49-F238E27FC236}">
+                <a16:creationId xmlns:a16="http://schemas.microsoft.com/office/drawing/2014/main" id="{815AE1AF-EA2A-4988-B254-11BAF6C7EF75}"/>
+              </a:ext>
+            </a:extLst>
+          </p:cNvPr>
+          <p:cNvPicPr>
+            <a:picLocks noChangeAspect="1"/>
+          </p:cNvPicPr>
+          <p:nvPr/>
+        </p:nvPicPr>
+        <p:blipFill rotWithShape="1">
+          <a:blip r:embed="rId5"/>
+          <a:srcRect l="5912" t="2881" r="6892"/>
+          <a:stretch/>
+        </p:blipFill>
+        <p:spPr>
+          <a:xfrm>
+            <a:off x="4774074" y="3596654"/>
+            <a:ext cx="3904075" cy="3261346"/>
+          </a:xfrm>
+          <a:prstGeom prst="rect">
+            <a:avLst/>
+          </a:prstGeom>
+        </p:spPr>
+      </p:pic>
+    </p:spTree>
+    <p:extLst>
+      <p:ext uri="{BB962C8B-B14F-4D97-AF65-F5344CB8AC3E}">
+        <p14:creationId xmlns:p14="http://schemas.microsoft.com/office/powerpoint/2010/main" val="2001616024"/>
+      </p:ext>
+    </p:extLst>
+  </p:cSld>
+  <p:clrMapOvr>
+    <a:masterClrMapping/>
+  </p:clrMapOvr>
+</p:sld>
+</file>
+
+<file path=ppt/slides/slide14.xml><?xml version="1.0" encoding="utf-8"?>
+<p:sld xmlns:a="http://schemas.openxmlformats.org/drawingml/2006/main" xmlns:r="http://schemas.openxmlformats.org/officeDocument/2006/relationships" xmlns:p="http://schemas.openxmlformats.org/presentationml/2006/main">
+  <p:cSld>
+    <p:spTree>
+      <p:nvGrpSpPr>
+        <p:cNvPr id="1" name=""/>
+        <p:cNvGrpSpPr/>
+        <p:nvPr/>
+      </p:nvGrpSpPr>
+      <p:grpSpPr>
+        <a:xfrm>
+          <a:off x="0" y="0"/>
+          <a:ext cx="0" cy="0"/>
+          <a:chOff x="0" y="0"/>
+          <a:chExt cx="0" cy="0"/>
+        </a:xfrm>
+      </p:grpSpPr>
+      <p:sp>
+        <p:nvSpPr>
+          <p:cNvPr id="7" name="CasellaDiTesto 6">
+            <a:extLst>
+              <a:ext uri="{FF2B5EF4-FFF2-40B4-BE49-F238E27FC236}">
+                <a16:creationId xmlns:a16="http://schemas.microsoft.com/office/drawing/2014/main" id="{96191A16-6B9F-4C46-A318-A090BC9CD5E9}"/>
+              </a:ext>
+            </a:extLst>
+          </p:cNvPr>
+          <p:cNvSpPr txBox="1"/>
+          <p:nvPr/>
+        </p:nvSpPr>
+        <p:spPr>
+          <a:xfrm>
+            <a:off x="121298" y="121298"/>
+            <a:ext cx="3685592" cy="584775"/>
+          </a:xfrm>
+          <a:prstGeom prst="rect">
+            <a:avLst/>
+          </a:prstGeom>
+          <a:noFill/>
+        </p:spPr>
+        <p:txBody>
+          <a:bodyPr wrap="square">
+            <a:spAutoFit/>
+          </a:bodyPr>
+          <a:lstStyle/>
+          <a:p>
+            <a:pPr marL="0" marR="0" lvl="0" indent="0" algn="l" defTabSz="457200" rtl="0" eaLnBrk="1" fontAlgn="auto" latinLnBrk="0" hangingPunct="1">
+              <a:lnSpc>
+                <a:spcPct val="100000"/>
+              </a:lnSpc>
+              <a:spcBef>
+                <a:spcPts val="0"/>
+              </a:spcBef>
+              <a:spcAft>
+                <a:spcPts val="0"/>
+              </a:spcAft>
+              <a:buClrTx/>
+              <a:buSzTx/>
+              <a:buFontTx/>
+              <a:buNone/>
+              <a:tabLst/>
+              <a:defRPr/>
+            </a:pPr>
+            <a:r>
+              <a:rPr kumimoji="0" lang="it-IT" sz="3200" b="0" i="0" u="none" strike="noStrike" kern="1200" cap="none" spc="0" normalizeH="0" baseline="0" noProof="0" dirty="0" err="1">
+                <a:ln>
+                  <a:noFill/>
+                </a:ln>
+                <a:solidFill>
+                  <a:srgbClr val="971720"/>
+                </a:solidFill>
+                <a:effectLst/>
+                <a:uLnTx/>
+                <a:uFillTx/>
+                <a:latin typeface="Century Gothic"/>
+                <a:ea typeface="+mn-ea"/>
+                <a:cs typeface="+mn-cs"/>
+              </a:rPr>
+              <a:t>Driving</a:t>
+            </a:r>
+            <a:r>
+              <a:rPr kumimoji="0" lang="it-IT" sz="3200" b="0" i="0" u="none" strike="noStrike" kern="1200" cap="none" spc="0" normalizeH="0" baseline="0" noProof="0" dirty="0">
+                <a:ln>
+                  <a:noFill/>
+                </a:ln>
+                <a:solidFill>
+                  <a:srgbClr val="971720"/>
+                </a:solidFill>
+                <a:effectLst/>
+                <a:uLnTx/>
+                <a:uFillTx/>
+                <a:latin typeface="Century Gothic"/>
+                <a:ea typeface="+mn-ea"/>
+                <a:cs typeface="+mn-cs"/>
+              </a:rPr>
+              <a:t> Scenario</a:t>
+            </a:r>
+            <a:endParaRPr kumimoji="0" lang="it-IT" sz="3200" b="0" i="0" u="none" strike="noStrike" kern="1200" cap="none" spc="0" normalizeH="0" baseline="0" noProof="0" dirty="0">
+              <a:ln>
+                <a:noFill/>
+              </a:ln>
+              <a:solidFill>
+                <a:prstClr val="black"/>
+              </a:solidFill>
+              <a:effectLst/>
+              <a:uLnTx/>
+              <a:uFillTx/>
+              <a:latin typeface="Calibri"/>
+              <a:ea typeface="+mn-ea"/>
+              <a:cs typeface="+mn-cs"/>
+            </a:endParaRPr>
+          </a:p>
+        </p:txBody>
+      </p:sp>
+    </p:spTree>
+    <p:extLst>
+      <p:ext uri="{BB962C8B-B14F-4D97-AF65-F5344CB8AC3E}">
+        <p14:creationId xmlns:p14="http://schemas.microsoft.com/office/powerpoint/2010/main" val="1836892774"/>
       </p:ext>
     </p:extLst>
   </p:cSld>
@@ -5165,8 +5580,8 @@
         </p:nvSpPr>
         <p:spPr>
           <a:xfrm>
-            <a:off x="224949" y="843396"/>
-            <a:ext cx="6475796" cy="3809954"/>
+            <a:off x="111616" y="632496"/>
+            <a:ext cx="4786955" cy="3344890"/>
           </a:xfrm>
           <a:prstGeom prst="rect">
             <a:avLst/>
@@ -5404,8 +5819,37 @@
               <a:latin typeface="Century Gothic" pitchFamily="34" charset="0"/>
             </a:endParaRPr>
           </a:p>
-          <a:p>
-            <a:pPr marL="1257300" lvl="2" indent="-342900">
+        </p:txBody>
+      </p:sp>
+      <p:sp>
+        <p:nvSpPr>
+          <p:cNvPr id="12" name="CasellaDiTesto 11">
+            <a:extLst>
+              <a:ext uri="{FF2B5EF4-FFF2-40B4-BE49-F238E27FC236}">
+                <a16:creationId xmlns:a16="http://schemas.microsoft.com/office/drawing/2014/main" id="{47F3557E-F4B6-4865-BFE7-D735CDA955DF}"/>
+              </a:ext>
+            </a:extLst>
+          </p:cNvPr>
+          <p:cNvSpPr txBox="1"/>
+          <p:nvPr/>
+        </p:nvSpPr>
+        <p:spPr>
+          <a:xfrm>
+            <a:off x="111616" y="3997098"/>
+            <a:ext cx="4618652" cy="414857"/>
+          </a:xfrm>
+          <a:prstGeom prst="rect">
+            <a:avLst/>
+          </a:prstGeom>
+          <a:noFill/>
+        </p:spPr>
+        <p:txBody>
+          <a:bodyPr wrap="square">
+            <a:spAutoFit/>
+          </a:bodyPr>
+          <a:lstStyle/>
+          <a:p>
+            <a:pPr marL="342900" lvl="0" indent="-342900">
               <a:lnSpc>
                 <a:spcPct val="150000"/>
               </a:lnSpc>
@@ -5413,18 +5857,30 @@
                 <a:spcPct val="20000"/>
               </a:spcBef>
               <a:buClr>
-                <a:srgbClr val="971720"/>
+                <a:srgbClr val="FFDC00"/>
               </a:buClr>
               <a:buSzPct val="70000"/>
               <a:buFont typeface="Wingdings" pitchFamily="2" charset="2"/>
               <a:buChar char="u"/>
             </a:pPr>
-            <a:endParaRPr lang="it-IT" dirty="0">
-              <a:solidFill>
-                <a:srgbClr val="4A7EBB"/>
-              </a:solidFill>
-              <a:latin typeface="Century Gothic" pitchFamily="34" charset="0"/>
-            </a:endParaRPr>
+            <a:r>
+              <a:rPr lang="it-IT" sz="1600" dirty="0" err="1">
+                <a:solidFill>
+                  <a:srgbClr val="162230"/>
+                </a:solidFill>
+                <a:latin typeface="Century Gothic" pitchFamily="34" charset="0"/>
+              </a:rPr>
+              <a:t>Driving</a:t>
+            </a:r>
+            <a:r>
+              <a:rPr lang="it-IT" sz="1600" dirty="0">
+                <a:solidFill>
+                  <a:srgbClr val="162230"/>
+                </a:solidFill>
+                <a:latin typeface="Century Gothic" pitchFamily="34" charset="0"/>
+              </a:rPr>
+              <a:t> Scenario</a:t>
+            </a:r>
           </a:p>
         </p:txBody>
       </p:sp>
@@ -9134,6 +9590,27 @@
 </p:tagLst>
 </file>
 
+<file path=ppt/tags/tag19.xml><?xml version="1.0" encoding="utf-8"?>
+<p:tagLst xmlns:a="http://schemas.openxmlformats.org/drawingml/2006/main" xmlns:r="http://schemas.openxmlformats.org/officeDocument/2006/relationships" xmlns:p="http://schemas.openxmlformats.org/presentationml/2006/main">
+  <p:tag name="OUTPUTDPI" val="2000"/>
+  <p:tag name="ORIGINALHEIGHT" val="248,9689"/>
+  <p:tag name="ORIGINALWIDTH" val="1350,581"/>
+  <p:tag name="OUTPUTTYPE" val="PNG"/>
+  <p:tag name="IGUANATEXVERSION" val="160"/>
+  <p:tag name="LATEXADDIN" val="\documentclass{article}&#10;\usepackage{amsmath}&#10;\pagestyle{empty}&#10;\begin{document}&#10;&#10;$x_{0L} = &#10;\begin{bmatrix}&#10;30 &amp; 20&#10;\end{bmatrix}$&#10;&#10;&#10;\end{document}"/>
+  <p:tag name="IGUANATEXSIZE" val="20"/>
+  <p:tag name="IGUANATEXCURSOR" val="81"/>
+  <p:tag name="TRANSPARENCY" val="Vero"/>
+  <p:tag name="FILENAME" val=""/>
+  <p:tag name="LATEXENGINEID" val="0"/>
+  <p:tag name="TEMPFOLDER" val=".\temp\"/>
+  <p:tag name="LATEXFORMHEIGHT" val="320"/>
+  <p:tag name="LATEXFORMWIDTH" val="385"/>
+  <p:tag name="LATEXFORMWRAP" val="Vero"/>
+  <p:tag name="BITMAPVECTOR" val="0"/>
+</p:tagLst>
+</file>
+
 <file path=ppt/tags/tag2.xml><?xml version="1.0" encoding="utf-8"?>
 <p:tagLst xmlns:a="http://schemas.openxmlformats.org/drawingml/2006/main" xmlns:r="http://schemas.openxmlformats.org/officeDocument/2006/relationships" xmlns:p="http://schemas.openxmlformats.org/presentationml/2006/main">
   <p:tag name="OUTPUTDPI" val="2000"/>
@@ -9144,6 +9621,27 @@
   <p:tag name="LATEXADDIN" val="\documentclass{article}&#10;\usepackage{amsmath}&#10;\pagestyle{empty}&#10;\begin{document}&#10;&#10;&#10;$\frac{\eta}{RM}u(t)$&#10;&#10;\end{document}"/>
   <p:tag name="IGUANATEXSIZE" val="20"/>
   <p:tag name="IGUANATEXCURSOR" val="102"/>
+  <p:tag name="TRANSPARENCY" val="Vero"/>
+  <p:tag name="FILENAME" val=""/>
+  <p:tag name="LATEXENGINEID" val="0"/>
+  <p:tag name="TEMPFOLDER" val=".\temp\"/>
+  <p:tag name="LATEXFORMHEIGHT" val="320"/>
+  <p:tag name="LATEXFORMWIDTH" val="385"/>
+  <p:tag name="LATEXFORMWRAP" val="Vero"/>
+  <p:tag name="BITMAPVECTOR" val="0"/>
+</p:tagLst>
+</file>
+
+<file path=ppt/tags/tag20.xml><?xml version="1.0" encoding="utf-8"?>
+<p:tagLst xmlns:a="http://schemas.openxmlformats.org/drawingml/2006/main" xmlns:r="http://schemas.openxmlformats.org/officeDocument/2006/relationships" xmlns:p="http://schemas.openxmlformats.org/presentationml/2006/main">
+  <p:tag name="OUTPUTDPI" val="2000"/>
+  <p:tag name="ORIGINALHEIGHT" val="248,9689"/>
+  <p:tag name="ORIGINALWIDTH" val="1158,605"/>
+  <p:tag name="OUTPUTTYPE" val="PNG"/>
+  <p:tag name="IGUANATEXVERSION" val="160"/>
+  <p:tag name="LATEXADDIN" val="\documentclass{article}&#10;\usepackage{amsmath}&#10;\pagestyle{empty}&#10;\begin{document}&#10;&#10;$x_{0E} = &#10;\begin{bmatrix}&#10;0 &amp; 0&#10;\end{bmatrix}$&#10;&#10;&#10;&#10;\end{document}"/>
+  <p:tag name="IGUANATEXSIZE" val="20"/>
+  <p:tag name="IGUANATEXCURSOR" val="112"/>
   <p:tag name="TRANSPARENCY" val="Vero"/>
   <p:tag name="FILENAME" val=""/>
   <p:tag name="LATEXENGINEID" val="0"/>

--- a/Presentation.pptx
+++ b/Presentation.pptx
@@ -5,10 +5,10 @@
     <p:sldMasterId id="2147483648" r:id="rId1"/>
   </p:sldMasterIdLst>
   <p:notesMasterIdLst>
-    <p:notesMasterId r:id="rId16"/>
+    <p:notesMasterId r:id="rId17"/>
   </p:notesMasterIdLst>
   <p:handoutMasterIdLst>
-    <p:handoutMasterId r:id="rId17"/>
+    <p:handoutMasterId r:id="rId18"/>
   </p:handoutMasterIdLst>
   <p:sldIdLst>
     <p:sldId id="256" r:id="rId2"/>
@@ -25,6 +25,7 @@
     <p:sldId id="269" r:id="rId13"/>
     <p:sldId id="270" r:id="rId14"/>
     <p:sldId id="271" r:id="rId15"/>
+    <p:sldId id="272" r:id="rId16"/>
   </p:sldIdLst>
   <p:sldSz cx="9144000" cy="6858000" type="screen4x3"/>
   <p:notesSz cx="6858000" cy="9144000"/>
@@ -146,6 +147,7 @@
             <p14:sldId id="269"/>
             <p14:sldId id="270"/>
             <p14:sldId id="271"/>
+            <p14:sldId id="272"/>
           </p14:sldIdLst>
         </p14:section>
       </p14:sectionLst>
@@ -262,7 +264,7 @@
           <a:p>
             <a:fld id="{0914F915-DDDE-4CAA-895D-614564BB8837}" type="datetimeFigureOut">
               <a:rPr lang="en-GB" smtClean="0"/>
-              <a:t>06/03/2023</a:t>
+              <a:t>11/03/2023</a:t>
             </a:fld>
             <a:endParaRPr lang="en-GB"/>
           </a:p>
@@ -427,7 +429,7 @@
           <a:p>
             <a:fld id="{A9D4C5A5-33D0-4441-96FE-163C8B7C9D3F}" type="datetimeFigureOut">
               <a:rPr lang="en-GB" smtClean="0"/>
-              <a:t>06/03/2023</a:t>
+              <a:t>11/03/2023</a:t>
             </a:fld>
             <a:endParaRPr lang="en-GB"/>
           </a:p>
@@ -1126,7 +1128,7 @@
           <a:p>
             <a:fld id="{2C790A91-0F3D-9944-94EF-F5C93CDE0643}" type="datetimeFigureOut">
               <a:rPr lang="it-IT" smtClean="0"/>
-              <a:t>06/03/2023</a:t>
+              <a:t>11/03/2023</a:t>
             </a:fld>
             <a:endParaRPr lang="it-IT"/>
           </a:p>
@@ -1294,7 +1296,7 @@
           <a:p>
             <a:fld id="{2C790A91-0F3D-9944-94EF-F5C93CDE0643}" type="datetimeFigureOut">
               <a:rPr lang="it-IT" smtClean="0"/>
-              <a:t>06/03/2023</a:t>
+              <a:t>11/03/2023</a:t>
             </a:fld>
             <a:endParaRPr lang="it-IT"/>
           </a:p>
@@ -1472,7 +1474,7 @@
           <a:p>
             <a:fld id="{2C790A91-0F3D-9944-94EF-F5C93CDE0643}" type="datetimeFigureOut">
               <a:rPr lang="it-IT" smtClean="0"/>
-              <a:t>06/03/2023</a:t>
+              <a:t>11/03/2023</a:t>
             </a:fld>
             <a:endParaRPr lang="it-IT"/>
           </a:p>
@@ -1640,7 +1642,7 @@
           <a:p>
             <a:fld id="{2C790A91-0F3D-9944-94EF-F5C93CDE0643}" type="datetimeFigureOut">
               <a:rPr lang="it-IT" smtClean="0"/>
-              <a:t>06/03/2023</a:t>
+              <a:t>11/03/2023</a:t>
             </a:fld>
             <a:endParaRPr lang="it-IT"/>
           </a:p>
@@ -1885,7 +1887,7 @@
           <a:p>
             <a:fld id="{2C790A91-0F3D-9944-94EF-F5C93CDE0643}" type="datetimeFigureOut">
               <a:rPr lang="it-IT" smtClean="0"/>
-              <a:t>06/03/2023</a:t>
+              <a:t>11/03/2023</a:t>
             </a:fld>
             <a:endParaRPr lang="it-IT"/>
           </a:p>
@@ -2170,7 +2172,7 @@
           <a:p>
             <a:fld id="{2C790A91-0F3D-9944-94EF-F5C93CDE0643}" type="datetimeFigureOut">
               <a:rPr lang="it-IT" smtClean="0"/>
-              <a:t>06/03/2023</a:t>
+              <a:t>11/03/2023</a:t>
             </a:fld>
             <a:endParaRPr lang="it-IT"/>
           </a:p>
@@ -2589,7 +2591,7 @@
           <a:p>
             <a:fld id="{2C790A91-0F3D-9944-94EF-F5C93CDE0643}" type="datetimeFigureOut">
               <a:rPr lang="it-IT" smtClean="0"/>
-              <a:t>06/03/2023</a:t>
+              <a:t>11/03/2023</a:t>
             </a:fld>
             <a:endParaRPr lang="it-IT"/>
           </a:p>
@@ -2706,7 +2708,7 @@
           <a:p>
             <a:fld id="{2C790A91-0F3D-9944-94EF-F5C93CDE0643}" type="datetimeFigureOut">
               <a:rPr lang="it-IT" smtClean="0"/>
-              <a:t>06/03/2023</a:t>
+              <a:t>11/03/2023</a:t>
             </a:fld>
             <a:endParaRPr lang="it-IT"/>
           </a:p>
@@ -2801,7 +2803,7 @@
           <a:p>
             <a:fld id="{2C790A91-0F3D-9944-94EF-F5C93CDE0643}" type="datetimeFigureOut">
               <a:rPr lang="it-IT" smtClean="0"/>
-              <a:t>06/03/2023</a:t>
+              <a:t>11/03/2023</a:t>
             </a:fld>
             <a:endParaRPr lang="it-IT"/>
           </a:p>
@@ -3076,7 +3078,7 @@
           <a:p>
             <a:fld id="{2C790A91-0F3D-9944-94EF-F5C93CDE0643}" type="datetimeFigureOut">
               <a:rPr lang="it-IT" smtClean="0"/>
-              <a:t>06/03/2023</a:t>
+              <a:t>11/03/2023</a:t>
             </a:fld>
             <a:endParaRPr lang="it-IT"/>
           </a:p>
@@ -3328,7 +3330,7 @@
           <a:p>
             <a:fld id="{2C790A91-0F3D-9944-94EF-F5C93CDE0643}" type="datetimeFigureOut">
               <a:rPr lang="it-IT" smtClean="0"/>
-              <a:t>06/03/2023</a:t>
+              <a:t>11/03/2023</a:t>
             </a:fld>
             <a:endParaRPr lang="it-IT"/>
           </a:p>
@@ -3539,7 +3541,7 @@
           <a:p>
             <a:fld id="{2C790A91-0F3D-9944-94EF-F5C93CDE0643}" type="datetimeFigureOut">
               <a:rPr lang="it-IT" smtClean="0"/>
-              <a:t>06/03/2023</a:t>
+              <a:t>11/03/2023</a:t>
             </a:fld>
             <a:endParaRPr lang="it-IT"/>
           </a:p>
@@ -5385,10 +5387,896 @@
           </a:p>
         </p:txBody>
       </p:sp>
+      <p:pic>
+        <p:nvPicPr>
+          <p:cNvPr id="3" name="Immagine 2">
+            <a:extLst>
+              <a:ext uri="{FF2B5EF4-FFF2-40B4-BE49-F238E27FC236}">
+                <a16:creationId xmlns:a16="http://schemas.microsoft.com/office/drawing/2014/main" id="{ACABA2CB-C1B5-4C9E-802B-C3965B651068}"/>
+              </a:ext>
+            </a:extLst>
+          </p:cNvPr>
+          <p:cNvPicPr>
+            <a:picLocks noChangeAspect="1"/>
+          </p:cNvPicPr>
+          <p:nvPr/>
+        </p:nvPicPr>
+        <p:blipFill>
+          <a:blip r:embed="rId2"/>
+          <a:stretch>
+            <a:fillRect/>
+          </a:stretch>
+        </p:blipFill>
+        <p:spPr>
+          <a:xfrm>
+            <a:off x="0" y="833049"/>
+            <a:ext cx="9144000" cy="4146871"/>
+          </a:xfrm>
+          <a:prstGeom prst="rect">
+            <a:avLst/>
+          </a:prstGeom>
+        </p:spPr>
+      </p:pic>
+      <p:sp>
+        <p:nvSpPr>
+          <p:cNvPr id="4" name="Rettangolo con angoli arrotondati 3">
+            <a:extLst>
+              <a:ext uri="{FF2B5EF4-FFF2-40B4-BE49-F238E27FC236}">
+                <a16:creationId xmlns:a16="http://schemas.microsoft.com/office/drawing/2014/main" id="{4C6A75ED-ACD8-42BC-8555-0229147CFD16}"/>
+              </a:ext>
+            </a:extLst>
+          </p:cNvPr>
+          <p:cNvSpPr/>
+          <p:nvPr/>
+        </p:nvSpPr>
+        <p:spPr>
+          <a:xfrm>
+            <a:off x="0" y="2211355"/>
+            <a:ext cx="2192694" cy="1791478"/>
+          </a:xfrm>
+          <a:prstGeom prst="roundRect">
+            <a:avLst/>
+          </a:prstGeom>
+          <a:noFill/>
+          <a:ln w="38100" cap="flat" cmpd="sng" algn="ctr">
+            <a:solidFill>
+              <a:schemeClr val="accent1"/>
+            </a:solidFill>
+            <a:prstDash val="solid"/>
+            <a:round/>
+            <a:headEnd type="none" w="med" len="med"/>
+            <a:tailEnd type="none" w="med" len="med"/>
+          </a:ln>
+        </p:spPr>
+        <p:style>
+          <a:lnRef idx="0">
+            <a:scrgbClr r="0" g="0" b="0"/>
+          </a:lnRef>
+          <a:fillRef idx="0">
+            <a:scrgbClr r="0" g="0" b="0"/>
+          </a:fillRef>
+          <a:effectRef idx="0">
+            <a:scrgbClr r="0" g="0" b="0"/>
+          </a:effectRef>
+          <a:fontRef idx="minor">
+            <a:schemeClr val="accent1"/>
+          </a:fontRef>
+        </p:style>
+        <p:txBody>
+          <a:bodyPr rtlCol="0" anchor="ctr"/>
+          <a:lstStyle/>
+          <a:p>
+            <a:pPr algn="ctr"/>
+            <a:endParaRPr lang="it-IT"/>
+          </a:p>
+        </p:txBody>
+      </p:sp>
+      <p:cxnSp>
+        <p:nvCxnSpPr>
+          <p:cNvPr id="6" name="Connettore 2 5">
+            <a:extLst>
+              <a:ext uri="{FF2B5EF4-FFF2-40B4-BE49-F238E27FC236}">
+                <a16:creationId xmlns:a16="http://schemas.microsoft.com/office/drawing/2014/main" id="{C257C6A8-02FA-4ACA-A39F-2F289AA40720}"/>
+              </a:ext>
+            </a:extLst>
+          </p:cNvPr>
+          <p:cNvCxnSpPr/>
+          <p:nvPr/>
+        </p:nvCxnSpPr>
+        <p:spPr>
+          <a:xfrm>
+            <a:off x="1558212" y="4002833"/>
+            <a:ext cx="0" cy="1194318"/>
+          </a:xfrm>
+          <a:prstGeom prst="straightConnector1">
+            <a:avLst/>
+          </a:prstGeom>
+          <a:ln>
+            <a:tailEnd type="triangle"/>
+          </a:ln>
+        </p:spPr>
+        <p:style>
+          <a:lnRef idx="2">
+            <a:schemeClr val="accent1"/>
+          </a:lnRef>
+          <a:fillRef idx="0">
+            <a:schemeClr val="accent1"/>
+          </a:fillRef>
+          <a:effectRef idx="1">
+            <a:schemeClr val="accent1"/>
+          </a:effectRef>
+          <a:fontRef idx="minor">
+            <a:schemeClr val="tx1"/>
+          </a:fontRef>
+        </p:style>
+      </p:cxnSp>
+      <p:sp>
+        <p:nvSpPr>
+          <p:cNvPr id="9" name="Rettangolo 8">
+            <a:extLst>
+              <a:ext uri="{FF2B5EF4-FFF2-40B4-BE49-F238E27FC236}">
+                <a16:creationId xmlns:a16="http://schemas.microsoft.com/office/drawing/2014/main" id="{5BD4E0FA-DCAF-4722-9E1A-B5DC1D302831}"/>
+              </a:ext>
+            </a:extLst>
+          </p:cNvPr>
+          <p:cNvSpPr/>
+          <p:nvPr/>
+        </p:nvSpPr>
+        <p:spPr>
+          <a:xfrm>
+            <a:off x="964021" y="5134887"/>
+            <a:ext cx="1188382" cy="769441"/>
+          </a:xfrm>
+          <a:prstGeom prst="rect">
+            <a:avLst/>
+          </a:prstGeom>
+          <a:noFill/>
+        </p:spPr>
+        <p:txBody>
+          <a:bodyPr wrap="square" lIns="91440" tIns="45720" rIns="91440" bIns="45720">
+            <a:spAutoFit/>
+          </a:bodyPr>
+          <a:lstStyle/>
+          <a:p>
+            <a:pPr algn="ctr"/>
+            <a:r>
+              <a:rPr lang="it-IT" sz="4400" b="1" cap="none" spc="0" dirty="0">
+                <a:ln w="12700">
+                  <a:solidFill>
+                    <a:schemeClr val="accent3">
+                      <a:lumMod val="50000"/>
+                    </a:schemeClr>
+                  </a:solidFill>
+                  <a:prstDash val="solid"/>
+                </a:ln>
+                <a:pattFill prst="narHorz">
+                  <a:fgClr>
+                    <a:schemeClr val="accent3"/>
+                  </a:fgClr>
+                  <a:bgClr>
+                    <a:schemeClr val="accent3">
+                      <a:lumMod val="40000"/>
+                      <a:lumOff val="60000"/>
+                    </a:schemeClr>
+                  </a:bgClr>
+                </a:pattFill>
+                <a:effectLst>
+                  <a:innerShdw blurRad="177800">
+                    <a:schemeClr val="accent3">
+                      <a:lumMod val="50000"/>
+                    </a:schemeClr>
+                  </a:innerShdw>
+                </a:effectLst>
+              </a:rPr>
+              <a:t>RSU</a:t>
+            </a:r>
+          </a:p>
+        </p:txBody>
+      </p:sp>
+      <p:sp>
+        <p:nvSpPr>
+          <p:cNvPr id="10" name="Ovale 9">
+            <a:extLst>
+              <a:ext uri="{FF2B5EF4-FFF2-40B4-BE49-F238E27FC236}">
+                <a16:creationId xmlns:a16="http://schemas.microsoft.com/office/drawing/2014/main" id="{575C3710-D9B3-495D-A34C-2CFCC83FEFD2}"/>
+              </a:ext>
+            </a:extLst>
+          </p:cNvPr>
+          <p:cNvSpPr/>
+          <p:nvPr/>
+        </p:nvSpPr>
+        <p:spPr>
+          <a:xfrm>
+            <a:off x="4208106" y="4357396"/>
+            <a:ext cx="279911" cy="317241"/>
+          </a:xfrm>
+          <a:prstGeom prst="ellipse">
+            <a:avLst/>
+          </a:prstGeom>
+          <a:noFill/>
+          <a:ln w="28575" cap="flat" cmpd="sng" algn="ctr">
+            <a:solidFill>
+              <a:schemeClr val="accent2"/>
+            </a:solidFill>
+            <a:prstDash val="solid"/>
+            <a:round/>
+            <a:headEnd type="none" w="med" len="med"/>
+            <a:tailEnd type="none" w="med" len="med"/>
+          </a:ln>
+        </p:spPr>
+        <p:style>
+          <a:lnRef idx="0">
+            <a:scrgbClr r="0" g="0" b="0"/>
+          </a:lnRef>
+          <a:fillRef idx="0">
+            <a:scrgbClr r="0" g="0" b="0"/>
+          </a:fillRef>
+          <a:effectRef idx="0">
+            <a:scrgbClr r="0" g="0" b="0"/>
+          </a:effectRef>
+          <a:fontRef idx="minor">
+            <a:schemeClr val="accent2"/>
+          </a:fontRef>
+        </p:style>
+        <p:txBody>
+          <a:bodyPr rtlCol="0" anchor="ctr"/>
+          <a:lstStyle/>
+          <a:p>
+            <a:pPr algn="ctr"/>
+            <a:endParaRPr lang="it-IT"/>
+          </a:p>
+        </p:txBody>
+      </p:sp>
+      <p:cxnSp>
+        <p:nvCxnSpPr>
+          <p:cNvPr id="12" name="Connettore 2 11">
+            <a:extLst>
+              <a:ext uri="{FF2B5EF4-FFF2-40B4-BE49-F238E27FC236}">
+                <a16:creationId xmlns:a16="http://schemas.microsoft.com/office/drawing/2014/main" id="{D959CF05-1E9D-4D89-8FCC-F5B11E77EB3C}"/>
+              </a:ext>
+            </a:extLst>
+          </p:cNvPr>
+          <p:cNvCxnSpPr/>
+          <p:nvPr/>
+        </p:nvCxnSpPr>
+        <p:spPr>
+          <a:xfrm>
+            <a:off x="4348065" y="4674637"/>
+            <a:ext cx="0" cy="634481"/>
+          </a:xfrm>
+          <a:prstGeom prst="straightConnector1">
+            <a:avLst/>
+          </a:prstGeom>
+          <a:ln>
+            <a:tailEnd type="triangle"/>
+          </a:ln>
+        </p:spPr>
+        <p:style>
+          <a:lnRef idx="2">
+            <a:schemeClr val="accent2"/>
+          </a:lnRef>
+          <a:fillRef idx="0">
+            <a:schemeClr val="accent2"/>
+          </a:fillRef>
+          <a:effectRef idx="1">
+            <a:schemeClr val="accent2"/>
+          </a:effectRef>
+          <a:fontRef idx="minor">
+            <a:schemeClr val="tx1"/>
+          </a:fontRef>
+        </p:style>
+      </p:cxnSp>
+      <p:sp>
+        <p:nvSpPr>
+          <p:cNvPr id="13" name="Rettangolo 12">
+            <a:extLst>
+              <a:ext uri="{FF2B5EF4-FFF2-40B4-BE49-F238E27FC236}">
+                <a16:creationId xmlns:a16="http://schemas.microsoft.com/office/drawing/2014/main" id="{A2EF92CC-E288-4677-BA9C-8547D1898759}"/>
+              </a:ext>
+            </a:extLst>
+          </p:cNvPr>
+          <p:cNvSpPr/>
+          <p:nvPr/>
+        </p:nvSpPr>
+        <p:spPr>
+          <a:xfrm>
+            <a:off x="3651207" y="5288031"/>
+            <a:ext cx="1393715" cy="400110"/>
+          </a:xfrm>
+          <a:prstGeom prst="rect">
+            <a:avLst/>
+          </a:prstGeom>
+          <a:noFill/>
+        </p:spPr>
+        <p:txBody>
+          <a:bodyPr wrap="none" lIns="91440" tIns="45720" rIns="91440" bIns="45720">
+            <a:spAutoFit/>
+          </a:bodyPr>
+          <a:lstStyle/>
+          <a:p>
+            <a:pPr algn="ctr"/>
+            <a:r>
+              <a:rPr lang="it-IT" sz="2000" b="1" cap="none" spc="0" dirty="0">
+                <a:ln w="22225">
+                  <a:solidFill>
+                    <a:schemeClr val="accent2"/>
+                  </a:solidFill>
+                  <a:prstDash val="solid"/>
+                </a:ln>
+                <a:solidFill>
+                  <a:schemeClr val="accent2">
+                    <a:lumMod val="40000"/>
+                    <a:lumOff val="60000"/>
+                  </a:schemeClr>
+                </a:solidFill>
+                <a:effectLst/>
+              </a:rPr>
+              <a:t>Ego </a:t>
+            </a:r>
+            <a:r>
+              <a:rPr lang="it-IT" sz="2000" b="1" cap="none" spc="0" dirty="0" err="1">
+                <a:ln w="22225">
+                  <a:solidFill>
+                    <a:schemeClr val="accent2"/>
+                  </a:solidFill>
+                  <a:prstDash val="solid"/>
+                </a:ln>
+                <a:solidFill>
+                  <a:schemeClr val="accent2">
+                    <a:lumMod val="40000"/>
+                    <a:lumOff val="60000"/>
+                  </a:schemeClr>
+                </a:solidFill>
+                <a:effectLst/>
+              </a:rPr>
+              <a:t>Vehicle</a:t>
+            </a:r>
+            <a:endParaRPr lang="it-IT" sz="2000" b="1" cap="none" spc="0" dirty="0">
+              <a:ln w="22225">
+                <a:solidFill>
+                  <a:schemeClr val="accent2"/>
+                </a:solidFill>
+                <a:prstDash val="solid"/>
+              </a:ln>
+              <a:solidFill>
+                <a:schemeClr val="accent2">
+                  <a:lumMod val="40000"/>
+                  <a:lumOff val="60000"/>
+                </a:schemeClr>
+              </a:solidFill>
+              <a:effectLst/>
+            </a:endParaRPr>
+          </a:p>
+        </p:txBody>
+      </p:sp>
+      <p:sp>
+        <p:nvSpPr>
+          <p:cNvPr id="14" name="Ovale 13">
+            <a:extLst>
+              <a:ext uri="{FF2B5EF4-FFF2-40B4-BE49-F238E27FC236}">
+                <a16:creationId xmlns:a16="http://schemas.microsoft.com/office/drawing/2014/main" id="{6FB360B1-A4F1-4992-B299-B2E60775F510}"/>
+              </a:ext>
+            </a:extLst>
+          </p:cNvPr>
+          <p:cNvSpPr/>
+          <p:nvPr/>
+        </p:nvSpPr>
+        <p:spPr>
+          <a:xfrm>
+            <a:off x="4208105" y="3324597"/>
+            <a:ext cx="279911" cy="317241"/>
+          </a:xfrm>
+          <a:prstGeom prst="ellipse">
+            <a:avLst/>
+          </a:prstGeom>
+          <a:noFill/>
+          <a:ln w="28575" cap="flat" cmpd="sng" algn="ctr">
+            <a:solidFill>
+              <a:schemeClr val="accent5"/>
+            </a:solidFill>
+            <a:prstDash val="solid"/>
+            <a:round/>
+            <a:headEnd type="none" w="med" len="med"/>
+            <a:tailEnd type="none" w="med" len="med"/>
+          </a:ln>
+        </p:spPr>
+        <p:style>
+          <a:lnRef idx="0">
+            <a:scrgbClr r="0" g="0" b="0"/>
+          </a:lnRef>
+          <a:fillRef idx="0">
+            <a:scrgbClr r="0" g="0" b="0"/>
+          </a:fillRef>
+          <a:effectRef idx="0">
+            <a:scrgbClr r="0" g="0" b="0"/>
+          </a:effectRef>
+          <a:fontRef idx="minor">
+            <a:schemeClr val="accent5"/>
+          </a:fontRef>
+        </p:style>
+        <p:txBody>
+          <a:bodyPr rtlCol="0" anchor="ctr"/>
+          <a:lstStyle/>
+          <a:p>
+            <a:pPr algn="ctr"/>
+            <a:endParaRPr lang="it-IT"/>
+          </a:p>
+        </p:txBody>
+      </p:sp>
+      <p:cxnSp>
+        <p:nvCxnSpPr>
+          <p:cNvPr id="16" name="Connettore 2 15">
+            <a:extLst>
+              <a:ext uri="{FF2B5EF4-FFF2-40B4-BE49-F238E27FC236}">
+                <a16:creationId xmlns:a16="http://schemas.microsoft.com/office/drawing/2014/main" id="{2256088A-876D-4FCE-AAFF-96D8D23083C2}"/>
+              </a:ext>
+            </a:extLst>
+          </p:cNvPr>
+          <p:cNvCxnSpPr>
+            <a:stCxn id="14" idx="6"/>
+          </p:cNvCxnSpPr>
+          <p:nvPr/>
+        </p:nvCxnSpPr>
+        <p:spPr>
+          <a:xfrm flipV="1">
+            <a:off x="4488016" y="3247053"/>
+            <a:ext cx="556906" cy="236165"/>
+          </a:xfrm>
+          <a:prstGeom prst="straightConnector1">
+            <a:avLst/>
+          </a:prstGeom>
+          <a:ln>
+            <a:tailEnd type="triangle"/>
+          </a:ln>
+        </p:spPr>
+        <p:style>
+          <a:lnRef idx="2">
+            <a:schemeClr val="accent5"/>
+          </a:lnRef>
+          <a:fillRef idx="0">
+            <a:schemeClr val="accent5"/>
+          </a:fillRef>
+          <a:effectRef idx="1">
+            <a:schemeClr val="accent5"/>
+          </a:effectRef>
+          <a:fontRef idx="minor">
+            <a:schemeClr val="tx1"/>
+          </a:fontRef>
+        </p:style>
+      </p:cxnSp>
+      <p:sp>
+        <p:nvSpPr>
+          <p:cNvPr id="17" name="Rettangolo 16">
+            <a:extLst>
+              <a:ext uri="{FF2B5EF4-FFF2-40B4-BE49-F238E27FC236}">
+                <a16:creationId xmlns:a16="http://schemas.microsoft.com/office/drawing/2014/main" id="{348A042D-F3E0-4109-9A02-D21216A8EC94}"/>
+              </a:ext>
+            </a:extLst>
+          </p:cNvPr>
+          <p:cNvSpPr/>
+          <p:nvPr/>
+        </p:nvSpPr>
+        <p:spPr>
+          <a:xfrm>
+            <a:off x="4653914" y="2927701"/>
+            <a:ext cx="1572225" cy="369332"/>
+          </a:xfrm>
+          <a:prstGeom prst="rect">
+            <a:avLst/>
+          </a:prstGeom>
+          <a:noFill/>
+        </p:spPr>
+        <p:txBody>
+          <a:bodyPr wrap="none" lIns="91440" tIns="45720" rIns="91440" bIns="45720">
+            <a:spAutoFit/>
+          </a:bodyPr>
+          <a:lstStyle/>
+          <a:p>
+            <a:pPr algn="ctr"/>
+            <a:r>
+              <a:rPr lang="it-IT" b="1" cap="none" spc="0" dirty="0">
+                <a:ln w="9525">
+                  <a:solidFill>
+                    <a:schemeClr val="bg1"/>
+                  </a:solidFill>
+                  <a:prstDash val="solid"/>
+                </a:ln>
+                <a:solidFill>
+                  <a:schemeClr val="accent5"/>
+                </a:solidFill>
+                <a:effectLst>
+                  <a:outerShdw blurRad="12700" dist="38100" dir="2700000" algn="tl" rotWithShape="0">
+                    <a:schemeClr val="accent5">
+                      <a:lumMod val="60000"/>
+                      <a:lumOff val="40000"/>
+                    </a:schemeClr>
+                  </a:outerShdw>
+                </a:effectLst>
+              </a:rPr>
+              <a:t>Leader </a:t>
+            </a:r>
+            <a:r>
+              <a:rPr lang="it-IT" b="1" cap="none" spc="0" dirty="0" err="1">
+                <a:ln w="9525">
+                  <a:solidFill>
+                    <a:schemeClr val="bg1"/>
+                  </a:solidFill>
+                  <a:prstDash val="solid"/>
+                </a:ln>
+                <a:solidFill>
+                  <a:schemeClr val="accent5"/>
+                </a:solidFill>
+                <a:effectLst>
+                  <a:outerShdw blurRad="12700" dist="38100" dir="2700000" algn="tl" rotWithShape="0">
+                    <a:schemeClr val="accent5">
+                      <a:lumMod val="60000"/>
+                      <a:lumOff val="40000"/>
+                    </a:schemeClr>
+                  </a:outerShdw>
+                </a:effectLst>
+              </a:rPr>
+              <a:t>Vehicle</a:t>
+            </a:r>
+            <a:endParaRPr lang="it-IT" b="1" cap="none" spc="0" dirty="0">
+              <a:ln w="9525">
+                <a:solidFill>
+                  <a:schemeClr val="bg1"/>
+                </a:solidFill>
+                <a:prstDash val="solid"/>
+              </a:ln>
+              <a:solidFill>
+                <a:schemeClr val="accent5"/>
+              </a:solidFill>
+              <a:effectLst>
+                <a:outerShdw blurRad="12700" dist="38100" dir="2700000" algn="tl" rotWithShape="0">
+                  <a:schemeClr val="accent5">
+                    <a:lumMod val="60000"/>
+                    <a:lumOff val="40000"/>
+                  </a:schemeClr>
+                </a:outerShdw>
+              </a:effectLst>
+            </a:endParaRPr>
+          </a:p>
+        </p:txBody>
+      </p:sp>
     </p:spTree>
     <p:extLst>
       <p:ext uri="{BB962C8B-B14F-4D97-AF65-F5344CB8AC3E}">
         <p14:creationId xmlns:p14="http://schemas.microsoft.com/office/powerpoint/2010/main" val="1836892774"/>
+      </p:ext>
+    </p:extLst>
+  </p:cSld>
+  <p:clrMapOvr>
+    <a:masterClrMapping/>
+  </p:clrMapOvr>
+</p:sld>
+</file>
+
+<file path=ppt/slides/slide15.xml><?xml version="1.0" encoding="utf-8"?>
+<p:sld xmlns:a="http://schemas.openxmlformats.org/drawingml/2006/main" xmlns:r="http://schemas.openxmlformats.org/officeDocument/2006/relationships" xmlns:p="http://schemas.openxmlformats.org/presentationml/2006/main">
+  <p:cSld>
+    <p:spTree>
+      <p:nvGrpSpPr>
+        <p:cNvPr id="1" name=""/>
+        <p:cNvGrpSpPr/>
+        <p:nvPr/>
+      </p:nvGrpSpPr>
+      <p:grpSpPr>
+        <a:xfrm>
+          <a:off x="0" y="0"/>
+          <a:ext cx="0" cy="0"/>
+          <a:chOff x="0" y="0"/>
+          <a:chExt cx="0" cy="0"/>
+        </a:xfrm>
+      </p:grpSpPr>
+      <p:sp>
+        <p:nvSpPr>
+          <p:cNvPr id="4" name="CasellaDiTesto 3">
+            <a:extLst>
+              <a:ext uri="{FF2B5EF4-FFF2-40B4-BE49-F238E27FC236}">
+                <a16:creationId xmlns:a16="http://schemas.microsoft.com/office/drawing/2014/main" id="{39B74675-0C5C-4265-8FAF-9FCDDA178753}"/>
+              </a:ext>
+            </a:extLst>
+          </p:cNvPr>
+          <p:cNvSpPr txBox="1"/>
+          <p:nvPr/>
+        </p:nvSpPr>
+        <p:spPr>
+          <a:xfrm>
+            <a:off x="242594" y="214604"/>
+            <a:ext cx="8341569" cy="584775"/>
+          </a:xfrm>
+          <a:prstGeom prst="rect">
+            <a:avLst/>
+          </a:prstGeom>
+          <a:noFill/>
+        </p:spPr>
+        <p:txBody>
+          <a:bodyPr wrap="square">
+            <a:spAutoFit/>
+          </a:bodyPr>
+          <a:lstStyle/>
+          <a:p>
+            <a:r>
+              <a:rPr lang="it-IT" sz="3200" dirty="0">
+                <a:solidFill>
+                  <a:srgbClr val="971720"/>
+                </a:solidFill>
+                <a:latin typeface="Century Gothic"/>
+              </a:rPr>
+              <a:t>ADAS </a:t>
+            </a:r>
+            <a:r>
+              <a:rPr lang="it-IT" sz="3200" dirty="0" err="1">
+                <a:solidFill>
+                  <a:srgbClr val="971720"/>
+                </a:solidFill>
+                <a:latin typeface="Century Gothic"/>
+              </a:rPr>
+              <a:t>Designing</a:t>
+            </a:r>
+            <a:r>
+              <a:rPr lang="it-IT" sz="3200" dirty="0">
+                <a:solidFill>
+                  <a:srgbClr val="971720"/>
+                </a:solidFill>
+                <a:latin typeface="Century Gothic"/>
+              </a:rPr>
+              <a:t>: Feedback Linearization </a:t>
+            </a:r>
+            <a:endParaRPr lang="it-IT" sz="3200" dirty="0"/>
+          </a:p>
+        </p:txBody>
+      </p:sp>
+      <p:pic>
+        <p:nvPicPr>
+          <p:cNvPr id="6" name="Immagine 5">
+            <a:extLst>
+              <a:ext uri="{FF2B5EF4-FFF2-40B4-BE49-F238E27FC236}">
+                <a16:creationId xmlns:a16="http://schemas.microsoft.com/office/drawing/2014/main" id="{0E661A27-7B4C-4D69-A8EF-0BC43890A97C}"/>
+              </a:ext>
+            </a:extLst>
+          </p:cNvPr>
+          <p:cNvPicPr>
+            <a:picLocks noChangeAspect="1"/>
+          </p:cNvPicPr>
+          <p:nvPr/>
+        </p:nvPicPr>
+        <p:blipFill>
+          <a:blip r:embed="rId2"/>
+          <a:stretch>
+            <a:fillRect/>
+          </a:stretch>
+        </p:blipFill>
+        <p:spPr>
+          <a:xfrm>
+            <a:off x="0" y="1004731"/>
+            <a:ext cx="9144000" cy="3355642"/>
+          </a:xfrm>
+          <a:prstGeom prst="rect">
+            <a:avLst/>
+          </a:prstGeom>
+        </p:spPr>
+      </p:pic>
+      <p:sp>
+        <p:nvSpPr>
+          <p:cNvPr id="7" name="Connettore 6">
+            <a:extLst>
+              <a:ext uri="{FF2B5EF4-FFF2-40B4-BE49-F238E27FC236}">
+                <a16:creationId xmlns:a16="http://schemas.microsoft.com/office/drawing/2014/main" id="{4E4BD9BE-7C9C-4FBB-B088-10D4B69BCEF1}"/>
+              </a:ext>
+            </a:extLst>
+          </p:cNvPr>
+          <p:cNvSpPr/>
+          <p:nvPr/>
+        </p:nvSpPr>
+        <p:spPr>
+          <a:xfrm>
+            <a:off x="0" y="1819469"/>
+            <a:ext cx="1371600" cy="1362270"/>
+          </a:xfrm>
+          <a:prstGeom prst="flowChartConnector">
+            <a:avLst/>
+          </a:prstGeom>
+          <a:noFill/>
+          <a:ln w="38100" cap="flat" cmpd="sng" algn="ctr">
+            <a:solidFill>
+              <a:schemeClr val="accent6"/>
+            </a:solidFill>
+            <a:prstDash val="solid"/>
+            <a:round/>
+            <a:headEnd type="none" w="med" len="med"/>
+            <a:tailEnd type="none" w="med" len="med"/>
+          </a:ln>
+        </p:spPr>
+        <p:style>
+          <a:lnRef idx="0">
+            <a:scrgbClr r="0" g="0" b="0"/>
+          </a:lnRef>
+          <a:fillRef idx="0">
+            <a:scrgbClr r="0" g="0" b="0"/>
+          </a:fillRef>
+          <a:effectRef idx="0">
+            <a:scrgbClr r="0" g="0" b="0"/>
+          </a:effectRef>
+          <a:fontRef idx="minor">
+            <a:schemeClr val="accent6"/>
+          </a:fontRef>
+        </p:style>
+        <p:txBody>
+          <a:bodyPr rtlCol="0" anchor="ctr"/>
+          <a:lstStyle/>
+          <a:p>
+            <a:pPr algn="ctr"/>
+            <a:endParaRPr lang="it-IT"/>
+          </a:p>
+        </p:txBody>
+      </p:sp>
+      <p:cxnSp>
+        <p:nvCxnSpPr>
+          <p:cNvPr id="9" name="Connettore diritto 8">
+            <a:extLst>
+              <a:ext uri="{FF2B5EF4-FFF2-40B4-BE49-F238E27FC236}">
+                <a16:creationId xmlns:a16="http://schemas.microsoft.com/office/drawing/2014/main" id="{F05DA4CE-D0AD-46C4-9A0B-1AAA0A954AD6}"/>
+              </a:ext>
+            </a:extLst>
+          </p:cNvPr>
+          <p:cNvCxnSpPr>
+            <a:cxnSpLocks/>
+          </p:cNvCxnSpPr>
+          <p:nvPr/>
+        </p:nvCxnSpPr>
+        <p:spPr>
+          <a:xfrm>
+            <a:off x="1184987" y="2018390"/>
+            <a:ext cx="2230017" cy="2685426"/>
+          </a:xfrm>
+          <a:prstGeom prst="line">
+            <a:avLst/>
+          </a:prstGeom>
+        </p:spPr>
+        <p:style>
+          <a:lnRef idx="2">
+            <a:schemeClr val="accent6"/>
+          </a:lnRef>
+          <a:fillRef idx="0">
+            <a:schemeClr val="accent6"/>
+          </a:fillRef>
+          <a:effectRef idx="1">
+            <a:schemeClr val="accent6"/>
+          </a:effectRef>
+          <a:fontRef idx="minor">
+            <a:schemeClr val="tx1"/>
+          </a:fontRef>
+        </p:style>
+      </p:cxnSp>
+      <p:cxnSp>
+        <p:nvCxnSpPr>
+          <p:cNvPr id="11" name="Connettore diritto 10">
+            <a:extLst>
+              <a:ext uri="{FF2B5EF4-FFF2-40B4-BE49-F238E27FC236}">
+                <a16:creationId xmlns:a16="http://schemas.microsoft.com/office/drawing/2014/main" id="{61D2AA7C-23C1-49DF-8B93-B13053863D1B}"/>
+              </a:ext>
+            </a:extLst>
+          </p:cNvPr>
+          <p:cNvCxnSpPr>
+            <a:cxnSpLocks/>
+            <a:stCxn id="7" idx="2"/>
+          </p:cNvCxnSpPr>
+          <p:nvPr/>
+        </p:nvCxnSpPr>
+        <p:spPr>
+          <a:xfrm>
+            <a:off x="0" y="2500604"/>
+            <a:ext cx="46652" cy="2203212"/>
+          </a:xfrm>
+          <a:prstGeom prst="line">
+            <a:avLst/>
+          </a:prstGeom>
+        </p:spPr>
+        <p:style>
+          <a:lnRef idx="2">
+            <a:schemeClr val="accent6"/>
+          </a:lnRef>
+          <a:fillRef idx="0">
+            <a:schemeClr val="accent6"/>
+          </a:fillRef>
+          <a:effectRef idx="1">
+            <a:schemeClr val="accent6"/>
+          </a:effectRef>
+          <a:fontRef idx="minor">
+            <a:schemeClr val="tx1"/>
+          </a:fontRef>
+        </p:style>
+      </p:cxnSp>
+      <p:pic>
+        <p:nvPicPr>
+          <p:cNvPr id="13" name="Immagine 12">
+            <a:extLst>
+              <a:ext uri="{FF2B5EF4-FFF2-40B4-BE49-F238E27FC236}">
+                <a16:creationId xmlns:a16="http://schemas.microsoft.com/office/drawing/2014/main" id="{49C0D5D8-8288-4E36-9256-C5A155FCEEA4}"/>
+              </a:ext>
+            </a:extLst>
+          </p:cNvPr>
+          <p:cNvPicPr>
+            <a:picLocks noChangeAspect="1"/>
+          </p:cNvPicPr>
+          <p:nvPr/>
+        </p:nvPicPr>
+        <p:blipFill>
+          <a:blip r:embed="rId3"/>
+          <a:stretch>
+            <a:fillRect/>
+          </a:stretch>
+        </p:blipFill>
+        <p:spPr>
+          <a:xfrm>
+            <a:off x="46652" y="4703816"/>
+            <a:ext cx="4334481" cy="1340432"/>
+          </a:xfrm>
+          <a:prstGeom prst="rect">
+            <a:avLst/>
+          </a:prstGeom>
+        </p:spPr>
+      </p:pic>
+      <p:sp>
+        <p:nvSpPr>
+          <p:cNvPr id="21" name="Rettangolo 20">
+            <a:extLst>
+              <a:ext uri="{FF2B5EF4-FFF2-40B4-BE49-F238E27FC236}">
+                <a16:creationId xmlns:a16="http://schemas.microsoft.com/office/drawing/2014/main" id="{E8324180-43C9-4CF4-B7C9-C8457B90729A}"/>
+              </a:ext>
+            </a:extLst>
+          </p:cNvPr>
+          <p:cNvSpPr/>
+          <p:nvPr/>
+        </p:nvSpPr>
+        <p:spPr>
+          <a:xfrm>
+            <a:off x="46652" y="4703816"/>
+            <a:ext cx="4334481" cy="1340432"/>
+          </a:xfrm>
+          <a:prstGeom prst="rect">
+            <a:avLst/>
+          </a:prstGeom>
+          <a:noFill/>
+          <a:ln w="28575" cap="flat" cmpd="sng" algn="ctr">
+            <a:solidFill>
+              <a:schemeClr val="accent6"/>
+            </a:solidFill>
+            <a:prstDash val="solid"/>
+            <a:round/>
+            <a:headEnd type="none" w="med" len="med"/>
+            <a:tailEnd type="none" w="med" len="med"/>
+          </a:ln>
+        </p:spPr>
+        <p:style>
+          <a:lnRef idx="0">
+            <a:scrgbClr r="0" g="0" b="0"/>
+          </a:lnRef>
+          <a:fillRef idx="0">
+            <a:scrgbClr r="0" g="0" b="0"/>
+          </a:fillRef>
+          <a:effectRef idx="0">
+            <a:scrgbClr r="0" g="0" b="0"/>
+          </a:effectRef>
+          <a:fontRef idx="minor">
+            <a:schemeClr val="accent6"/>
+          </a:fontRef>
+        </p:style>
+        <p:txBody>
+          <a:bodyPr rtlCol="0" anchor="ctr"/>
+          <a:lstStyle/>
+          <a:p>
+            <a:pPr algn="ctr"/>
+            <a:endParaRPr lang="it-IT"/>
+          </a:p>
+        </p:txBody>
+      </p:sp>
+    </p:spTree>
+    <p:extLst>
+      <p:ext uri="{BB962C8B-B14F-4D97-AF65-F5344CB8AC3E}">
+        <p14:creationId xmlns:p14="http://schemas.microsoft.com/office/powerpoint/2010/main" val="114662212"/>
       </p:ext>
     </p:extLst>
   </p:cSld>
@@ -5835,8 +6723,8 @@
         </p:nvSpPr>
         <p:spPr>
           <a:xfrm>
-            <a:off x="111616" y="3997098"/>
-            <a:ext cx="4618652" cy="414857"/>
+            <a:off x="120946" y="3997098"/>
+            <a:ext cx="5645373" cy="1670586"/>
           </a:xfrm>
           <a:prstGeom prst="rect">
             <a:avLst/>
@@ -5881,6 +6769,174 @@
               </a:rPr>
               <a:t> Scenario</a:t>
             </a:r>
+          </a:p>
+          <a:p>
+            <a:pPr marL="342900" lvl="0" indent="-342900">
+              <a:lnSpc>
+                <a:spcPct val="150000"/>
+              </a:lnSpc>
+              <a:spcBef>
+                <a:spcPct val="20000"/>
+              </a:spcBef>
+              <a:buClr>
+                <a:srgbClr val="FFDC00"/>
+              </a:buClr>
+              <a:buSzPct val="70000"/>
+              <a:buFont typeface="Wingdings" pitchFamily="2" charset="2"/>
+              <a:buChar char="u"/>
+            </a:pPr>
+            <a:r>
+              <a:rPr lang="it-IT" sz="1600" dirty="0" err="1">
+                <a:solidFill>
+                  <a:srgbClr val="162230"/>
+                </a:solidFill>
+                <a:latin typeface="Century Gothic" pitchFamily="34" charset="0"/>
+              </a:rPr>
+              <a:t>Validation</a:t>
+            </a:r>
+            <a:r>
+              <a:rPr lang="it-IT" sz="1600" dirty="0">
+                <a:solidFill>
+                  <a:srgbClr val="162230"/>
+                </a:solidFill>
+                <a:latin typeface="Century Gothic" pitchFamily="34" charset="0"/>
+              </a:rPr>
+              <a:t> with </a:t>
+            </a:r>
+            <a:r>
+              <a:rPr lang="it-IT" sz="1600" dirty="0" err="1">
+                <a:solidFill>
+                  <a:srgbClr val="162230"/>
+                </a:solidFill>
+                <a:latin typeface="Century Gothic" pitchFamily="34" charset="0"/>
+              </a:rPr>
+              <a:t>Automated</a:t>
+            </a:r>
+            <a:r>
+              <a:rPr lang="it-IT" sz="1600" dirty="0">
+                <a:solidFill>
+                  <a:srgbClr val="162230"/>
+                </a:solidFill>
+                <a:latin typeface="Century Gothic" pitchFamily="34" charset="0"/>
+              </a:rPr>
+              <a:t> </a:t>
+            </a:r>
+            <a:r>
+              <a:rPr lang="it-IT" sz="1600" dirty="0" err="1">
+                <a:solidFill>
+                  <a:srgbClr val="162230"/>
+                </a:solidFill>
+                <a:latin typeface="Century Gothic" pitchFamily="34" charset="0"/>
+              </a:rPr>
+              <a:t>Driving</a:t>
+            </a:r>
+            <a:r>
+              <a:rPr lang="it-IT" sz="1600" dirty="0">
+                <a:solidFill>
+                  <a:srgbClr val="162230"/>
+                </a:solidFill>
+                <a:latin typeface="Century Gothic" pitchFamily="34" charset="0"/>
+              </a:rPr>
+              <a:t> Toolbox</a:t>
+            </a:r>
+          </a:p>
+          <a:p>
+            <a:pPr marL="800100" lvl="1" indent="-342900">
+              <a:lnSpc>
+                <a:spcPct val="150000"/>
+              </a:lnSpc>
+              <a:spcBef>
+                <a:spcPct val="20000"/>
+              </a:spcBef>
+              <a:buClr>
+                <a:srgbClr val="971720"/>
+              </a:buClr>
+              <a:buSzPct val="70000"/>
+              <a:buFont typeface="Wingdings" pitchFamily="2" charset="2"/>
+              <a:buChar char="u"/>
+            </a:pPr>
+            <a:r>
+              <a:rPr lang="it-IT" sz="1600" dirty="0" err="1">
+                <a:solidFill>
+                  <a:srgbClr val="162230"/>
+                </a:solidFill>
+                <a:latin typeface="Century Gothic" pitchFamily="34" charset="0"/>
+              </a:rPr>
+              <a:t>Results</a:t>
+            </a:r>
+            <a:endParaRPr lang="it-IT" sz="1600" dirty="0">
+              <a:solidFill>
+                <a:srgbClr val="162230"/>
+              </a:solidFill>
+              <a:latin typeface="Century Gothic" pitchFamily="34" charset="0"/>
+            </a:endParaRPr>
+          </a:p>
+          <a:p>
+            <a:pPr marL="342900" lvl="0" indent="-342900">
+              <a:lnSpc>
+                <a:spcPct val="150000"/>
+              </a:lnSpc>
+              <a:spcBef>
+                <a:spcPct val="20000"/>
+              </a:spcBef>
+              <a:buClr>
+                <a:srgbClr val="FFDC00"/>
+              </a:buClr>
+              <a:buSzPct val="70000"/>
+              <a:buFont typeface="Wingdings" pitchFamily="2" charset="2"/>
+              <a:buChar char="u"/>
+            </a:pPr>
+            <a:r>
+              <a:rPr lang="it-IT" sz="1600" dirty="0" err="1">
+                <a:solidFill>
+                  <a:srgbClr val="162230"/>
+                </a:solidFill>
+                <a:latin typeface="Century Gothic" pitchFamily="34" charset="0"/>
+              </a:rPr>
+              <a:t>Robustness</a:t>
+            </a:r>
+            <a:r>
+              <a:rPr lang="it-IT" sz="1600" dirty="0">
+                <a:solidFill>
+                  <a:srgbClr val="162230"/>
+                </a:solidFill>
+                <a:latin typeface="Century Gothic" pitchFamily="34" charset="0"/>
+              </a:rPr>
+              <a:t> to </a:t>
+            </a:r>
+            <a:r>
+              <a:rPr lang="it-IT" sz="1600" dirty="0" err="1">
+                <a:solidFill>
+                  <a:srgbClr val="162230"/>
+                </a:solidFill>
+                <a:latin typeface="Century Gothic" pitchFamily="34" charset="0"/>
+              </a:rPr>
+              <a:t>uncertaintes</a:t>
+            </a:r>
+            <a:r>
+              <a:rPr lang="it-IT" sz="1600" dirty="0">
+                <a:solidFill>
+                  <a:srgbClr val="162230"/>
+                </a:solidFill>
+                <a:latin typeface="Century Gothic" pitchFamily="34" charset="0"/>
+              </a:rPr>
+              <a:t> </a:t>
+            </a:r>
+            <a:r>
+              <a:rPr lang="it-IT" sz="1600" dirty="0" err="1">
+                <a:solidFill>
+                  <a:srgbClr val="162230"/>
+                </a:solidFill>
+                <a:latin typeface="Century Gothic" pitchFamily="34" charset="0"/>
+              </a:rPr>
+              <a:t>parameters</a:t>
+            </a:r>
+            <a:endParaRPr lang="it-IT" sz="1600" dirty="0">
+              <a:solidFill>
+                <a:srgbClr val="162230"/>
+              </a:solidFill>
+              <a:latin typeface="Century Gothic" pitchFamily="34" charset="0"/>
+            </a:endParaRPr>
           </a:p>
         </p:txBody>
       </p:sp>

--- a/Presentation.pptx
+++ b/Presentation.pptx
@@ -5,10 +5,10 @@
     <p:sldMasterId id="2147483648" r:id="rId1"/>
   </p:sldMasterIdLst>
   <p:notesMasterIdLst>
-    <p:notesMasterId r:id="rId17"/>
+    <p:notesMasterId r:id="rId23"/>
   </p:notesMasterIdLst>
   <p:handoutMasterIdLst>
-    <p:handoutMasterId r:id="rId18"/>
+    <p:handoutMasterId r:id="rId24"/>
   </p:handoutMasterIdLst>
   <p:sldIdLst>
     <p:sldId id="256" r:id="rId2"/>
@@ -24,8 +24,14 @@
     <p:sldId id="268" r:id="rId12"/>
     <p:sldId id="269" r:id="rId13"/>
     <p:sldId id="270" r:id="rId14"/>
-    <p:sldId id="271" r:id="rId15"/>
-    <p:sldId id="272" r:id="rId16"/>
+    <p:sldId id="273" r:id="rId15"/>
+    <p:sldId id="274" r:id="rId16"/>
+    <p:sldId id="271" r:id="rId17"/>
+    <p:sldId id="272" r:id="rId18"/>
+    <p:sldId id="275" r:id="rId19"/>
+    <p:sldId id="276" r:id="rId20"/>
+    <p:sldId id="277" r:id="rId21"/>
+    <p:sldId id="278" r:id="rId22"/>
   </p:sldIdLst>
   <p:sldSz cx="9144000" cy="6858000" type="screen4x3"/>
   <p:notesSz cx="6858000" cy="9144000"/>
@@ -146,8 +152,14 @@
             <p14:sldId id="268"/>
             <p14:sldId id="269"/>
             <p14:sldId id="270"/>
+            <p14:sldId id="273"/>
+            <p14:sldId id="274"/>
             <p14:sldId id="271"/>
             <p14:sldId id="272"/>
+            <p14:sldId id="275"/>
+            <p14:sldId id="276"/>
+            <p14:sldId id="277"/>
+            <p14:sldId id="278"/>
           </p14:sldIdLst>
         </p14:section>
       </p14:sectionLst>
@@ -264,7 +276,7 @@
           <a:p>
             <a:fld id="{0914F915-DDDE-4CAA-895D-614564BB8837}" type="datetimeFigureOut">
               <a:rPr lang="en-GB" smtClean="0"/>
-              <a:t>11/03/2023</a:t>
+              <a:t>21/03/2023</a:t>
             </a:fld>
             <a:endParaRPr lang="en-GB"/>
           </a:p>
@@ -429,7 +441,7 @@
           <a:p>
             <a:fld id="{A9D4C5A5-33D0-4441-96FE-163C8B7C9D3F}" type="datetimeFigureOut">
               <a:rPr lang="en-GB" smtClean="0"/>
-              <a:t>11/03/2023</a:t>
+              <a:t>21/03/2023</a:t>
             </a:fld>
             <a:endParaRPr lang="en-GB"/>
           </a:p>
@@ -1128,7 +1140,7 @@
           <a:p>
             <a:fld id="{2C790A91-0F3D-9944-94EF-F5C93CDE0643}" type="datetimeFigureOut">
               <a:rPr lang="it-IT" smtClean="0"/>
-              <a:t>11/03/2023</a:t>
+              <a:t>21/03/2023</a:t>
             </a:fld>
             <a:endParaRPr lang="it-IT"/>
           </a:p>
@@ -1296,7 +1308,7 @@
           <a:p>
             <a:fld id="{2C790A91-0F3D-9944-94EF-F5C93CDE0643}" type="datetimeFigureOut">
               <a:rPr lang="it-IT" smtClean="0"/>
-              <a:t>11/03/2023</a:t>
+              <a:t>21/03/2023</a:t>
             </a:fld>
             <a:endParaRPr lang="it-IT"/>
           </a:p>
@@ -1474,7 +1486,7 @@
           <a:p>
             <a:fld id="{2C790A91-0F3D-9944-94EF-F5C93CDE0643}" type="datetimeFigureOut">
               <a:rPr lang="it-IT" smtClean="0"/>
-              <a:t>11/03/2023</a:t>
+              <a:t>21/03/2023</a:t>
             </a:fld>
             <a:endParaRPr lang="it-IT"/>
           </a:p>
@@ -1642,7 +1654,7 @@
           <a:p>
             <a:fld id="{2C790A91-0F3D-9944-94EF-F5C93CDE0643}" type="datetimeFigureOut">
               <a:rPr lang="it-IT" smtClean="0"/>
-              <a:t>11/03/2023</a:t>
+              <a:t>21/03/2023</a:t>
             </a:fld>
             <a:endParaRPr lang="it-IT"/>
           </a:p>
@@ -1887,7 +1899,7 @@
           <a:p>
             <a:fld id="{2C790A91-0F3D-9944-94EF-F5C93CDE0643}" type="datetimeFigureOut">
               <a:rPr lang="it-IT" smtClean="0"/>
-              <a:t>11/03/2023</a:t>
+              <a:t>21/03/2023</a:t>
             </a:fld>
             <a:endParaRPr lang="it-IT"/>
           </a:p>
@@ -2172,7 +2184,7 @@
           <a:p>
             <a:fld id="{2C790A91-0F3D-9944-94EF-F5C93CDE0643}" type="datetimeFigureOut">
               <a:rPr lang="it-IT" smtClean="0"/>
-              <a:t>11/03/2023</a:t>
+              <a:t>21/03/2023</a:t>
             </a:fld>
             <a:endParaRPr lang="it-IT"/>
           </a:p>
@@ -2591,7 +2603,7 @@
           <a:p>
             <a:fld id="{2C790A91-0F3D-9944-94EF-F5C93CDE0643}" type="datetimeFigureOut">
               <a:rPr lang="it-IT" smtClean="0"/>
-              <a:t>11/03/2023</a:t>
+              <a:t>21/03/2023</a:t>
             </a:fld>
             <a:endParaRPr lang="it-IT"/>
           </a:p>
@@ -2708,7 +2720,7 @@
           <a:p>
             <a:fld id="{2C790A91-0F3D-9944-94EF-F5C93CDE0643}" type="datetimeFigureOut">
               <a:rPr lang="it-IT" smtClean="0"/>
-              <a:t>11/03/2023</a:t>
+              <a:t>21/03/2023</a:t>
             </a:fld>
             <a:endParaRPr lang="it-IT"/>
           </a:p>
@@ -2803,7 +2815,7 @@
           <a:p>
             <a:fld id="{2C790A91-0F3D-9944-94EF-F5C93CDE0643}" type="datetimeFigureOut">
               <a:rPr lang="it-IT" smtClean="0"/>
-              <a:t>11/03/2023</a:t>
+              <a:t>21/03/2023</a:t>
             </a:fld>
             <a:endParaRPr lang="it-IT"/>
           </a:p>
@@ -3078,7 +3090,7 @@
           <a:p>
             <a:fld id="{2C790A91-0F3D-9944-94EF-F5C93CDE0643}" type="datetimeFigureOut">
               <a:rPr lang="it-IT" smtClean="0"/>
-              <a:t>11/03/2023</a:t>
+              <a:t>21/03/2023</a:t>
             </a:fld>
             <a:endParaRPr lang="it-IT"/>
           </a:p>
@@ -3330,7 +3342,7 @@
           <a:p>
             <a:fld id="{2C790A91-0F3D-9944-94EF-F5C93CDE0643}" type="datetimeFigureOut">
               <a:rPr lang="it-IT" smtClean="0"/>
-              <a:t>11/03/2023</a:t>
+              <a:t>21/03/2023</a:t>
             </a:fld>
             <a:endParaRPr lang="it-IT"/>
           </a:p>
@@ -3541,7 +3553,7 @@
           <a:p>
             <a:fld id="{2C790A91-0F3D-9944-94EF-F5C93CDE0643}" type="datetimeFigureOut">
               <a:rPr lang="it-IT" smtClean="0"/>
-              <a:t>11/03/2023</a:t>
+              <a:t>21/03/2023</a:t>
             </a:fld>
             <a:endParaRPr lang="it-IT"/>
           </a:p>
@@ -4510,25 +4522,7 @@
                 </a:solidFill>
                 <a:latin typeface="Century Gothic"/>
               </a:rPr>
-              <a:t>ADAS </a:t>
-            </a:r>
-            <a:r>
-              <a:rPr lang="it-IT" sz="3200" dirty="0" err="1">
-                <a:solidFill>
-                  <a:srgbClr val="971720"/>
-                </a:solidFill>
-                <a:latin typeface="Century Gothic"/>
-              </a:rPr>
-              <a:t>Designing</a:t>
-            </a:r>
-            <a:r>
-              <a:rPr lang="it-IT" sz="3200" dirty="0">
-                <a:solidFill>
-                  <a:srgbClr val="971720"/>
-                </a:solidFill>
-                <a:latin typeface="Century Gothic"/>
-              </a:rPr>
-              <a:t>: ACC with PID</a:t>
+              <a:t>ACC with PID</a:t>
             </a:r>
             <a:endParaRPr lang="it-IT" sz="3200" dirty="0"/>
           </a:p>
@@ -4570,36 +4564,6 @@
       </p:pic>
       <p:pic>
         <p:nvPicPr>
-          <p:cNvPr id="8" name="Immagine 7">
-            <a:extLst>
-              <a:ext uri="{FF2B5EF4-FFF2-40B4-BE49-F238E27FC236}">
-                <a16:creationId xmlns:a16="http://schemas.microsoft.com/office/drawing/2014/main" id="{06B420EE-1E8A-4771-B6C1-5EBA81CF8F7D}"/>
-              </a:ext>
-            </a:extLst>
-          </p:cNvPr>
-          <p:cNvPicPr>
-            <a:picLocks noChangeAspect="1"/>
-          </p:cNvPicPr>
-          <p:nvPr/>
-        </p:nvPicPr>
-        <p:blipFill>
-          <a:blip r:embed="rId7"/>
-          <a:stretch>
-            <a:fillRect/>
-          </a:stretch>
-        </p:blipFill>
-        <p:spPr>
-          <a:xfrm>
-            <a:off x="83975" y="749003"/>
-            <a:ext cx="8976049" cy="4039769"/>
-          </a:xfrm>
-          <a:prstGeom prst="rect">
-            <a:avLst/>
-          </a:prstGeom>
-        </p:spPr>
-      </p:pic>
-      <p:pic>
-        <p:nvPicPr>
           <p:cNvPr id="11" name="Immagine 10" descr="\documentclass{article}&#10;\usepackage{amsmath}&#10;\pagestyle{empty}&#10;\begin{document}&#10;&#10;\[&#10;\begin{cases}&#10;\tilde{p} = v_{rel}\\&#10;\dot{v}_{rel} = u(t)&#10;\end{cases}&#10;\]&#10;&#10;&#10;\end{document}" title="IguanaTex Bitmap Display">
             <a:extLst>
               <a:ext uri="{FF2B5EF4-FFF2-40B4-BE49-F238E27FC236}">
@@ -4617,7 +4581,7 @@
           </p:nvPr>
         </p:nvPicPr>
         <p:blipFill>
-          <a:blip r:embed="rId8"/>
+          <a:blip r:embed="rId7"/>
           <a:stretch>
             <a:fillRect/>
           </a:stretch>
@@ -4651,7 +4615,7 @@
           </p:nvPr>
         </p:nvPicPr>
         <p:blipFill>
-          <a:blip r:embed="rId9"/>
+          <a:blip r:embed="rId8"/>
           <a:stretch>
             <a:fillRect/>
           </a:stretch>
@@ -4685,6 +4649,36 @@
           </p:nvPr>
         </p:nvPicPr>
         <p:blipFill>
+          <a:blip r:embed="rId9"/>
+          <a:stretch>
+            <a:fillRect/>
+          </a:stretch>
+        </p:blipFill>
+        <p:spPr>
+          <a:xfrm>
+            <a:off x="7172378" y="5195811"/>
+            <a:ext cx="1409841" cy="1161206"/>
+          </a:xfrm>
+          <a:prstGeom prst="rect">
+            <a:avLst/>
+          </a:prstGeom>
+        </p:spPr>
+      </p:pic>
+      <p:pic>
+        <p:nvPicPr>
+          <p:cNvPr id="3" name="Immagine 2">
+            <a:extLst>
+              <a:ext uri="{FF2B5EF4-FFF2-40B4-BE49-F238E27FC236}">
+                <a16:creationId xmlns:a16="http://schemas.microsoft.com/office/drawing/2014/main" id="{8E0B6E5E-7B56-45E3-A5DB-C1C85D3499A0}"/>
+              </a:ext>
+            </a:extLst>
+          </p:cNvPr>
+          <p:cNvPicPr>
+            <a:picLocks noChangeAspect="1"/>
+          </p:cNvPicPr>
+          <p:nvPr/>
+        </p:nvPicPr>
+        <p:blipFill>
           <a:blip r:embed="rId10"/>
           <a:stretch>
             <a:fillRect/>
@@ -4692,8 +4686,8 @@
         </p:blipFill>
         <p:spPr>
           <a:xfrm>
-            <a:off x="7172378" y="5195811"/>
-            <a:ext cx="1409841" cy="1161206"/>
+            <a:off x="-1" y="799379"/>
+            <a:ext cx="9144000" cy="3947818"/>
           </a:xfrm>
           <a:prstGeom prst="rect">
             <a:avLst/>
@@ -5020,25 +5014,7 @@
                 </a:solidFill>
                 <a:latin typeface="Century Gothic"/>
               </a:rPr>
-              <a:t>ADAS </a:t>
-            </a:r>
-            <a:r>
-              <a:rPr lang="it-IT" sz="3200" dirty="0" err="1">
-                <a:solidFill>
-                  <a:srgbClr val="971720"/>
-                </a:solidFill>
-                <a:latin typeface="Century Gothic"/>
-              </a:rPr>
-              <a:t>Designing</a:t>
-            </a:r>
-            <a:r>
-              <a:rPr lang="it-IT" sz="3200" dirty="0">
-                <a:solidFill>
-                  <a:srgbClr val="971720"/>
-                </a:solidFill>
-                <a:latin typeface="Century Gothic"/>
-              </a:rPr>
-              <a:t>: ACC with MPC</a:t>
+              <a:t>ACC with MPC: 1º case</a:t>
             </a:r>
             <a:endParaRPr lang="it-IT" sz="3200" dirty="0"/>
           </a:p>
@@ -5046,10 +5022,10 @@
       </p:sp>
       <p:pic>
         <p:nvPicPr>
-          <p:cNvPr id="3" name="Immagine 2">
-            <a:extLst>
-              <a:ext uri="{FF2B5EF4-FFF2-40B4-BE49-F238E27FC236}">
-                <a16:creationId xmlns:a16="http://schemas.microsoft.com/office/drawing/2014/main" id="{78FEF926-D69B-4358-9A08-365E03EDC487}"/>
+          <p:cNvPr id="4" name="Immagine 3">
+            <a:extLst>
+              <a:ext uri="{FF2B5EF4-FFF2-40B4-BE49-F238E27FC236}">
+                <a16:creationId xmlns:a16="http://schemas.microsoft.com/office/drawing/2014/main" id="{E64B6ECD-0719-4D55-8E6B-F9CC52095CC7}"/>
               </a:ext>
             </a:extLst>
           </p:cNvPr>
@@ -5059,15 +5035,117 @@
           <p:nvPr/>
         </p:nvPicPr>
         <p:blipFill>
-          <a:blip r:embed="rId2"/>
+          <a:blip r:embed="rId5"/>
           <a:stretch>
             <a:fillRect/>
           </a:stretch>
         </p:blipFill>
         <p:spPr>
           <a:xfrm>
-            <a:off x="0" y="1119673"/>
-            <a:ext cx="9144000" cy="5019869"/>
+            <a:off x="0" y="799379"/>
+            <a:ext cx="9144000" cy="4752051"/>
+          </a:xfrm>
+          <a:prstGeom prst="rect">
+            <a:avLst/>
+          </a:prstGeom>
+        </p:spPr>
+      </p:pic>
+      <p:pic>
+        <p:nvPicPr>
+          <p:cNvPr id="6" name="Immagine 5" descr="\documentclass{article}&#10;\usepackage{amsmath}&#10;\pagestyle{empty}&#10;\begin{document}&#10;&#10;$T_s = 0.1$&#10;&#10;&#10;\end{document}" title="IguanaTex Bitmap Display">
+            <a:extLst>
+              <a:ext uri="{FF2B5EF4-FFF2-40B4-BE49-F238E27FC236}">
+                <a16:creationId xmlns:a16="http://schemas.microsoft.com/office/drawing/2014/main" id="{E868E912-F926-4035-921C-7C50514A5476}"/>
+              </a:ext>
+            </a:extLst>
+          </p:cNvPr>
+          <p:cNvPicPr>
+            <a:picLocks noChangeAspect="1"/>
+          </p:cNvPicPr>
+          <p:nvPr>
+            <p:custDataLst>
+              <p:tags r:id="rId1"/>
+            </p:custDataLst>
+          </p:nvPr>
+        </p:nvPicPr>
+        <p:blipFill>
+          <a:blip r:embed="rId6"/>
+          <a:stretch>
+            <a:fillRect/>
+          </a:stretch>
+        </p:blipFill>
+        <p:spPr>
+          <a:xfrm>
+            <a:off x="7671837" y="4873634"/>
+            <a:ext cx="890514" cy="211200"/>
+          </a:xfrm>
+          <a:prstGeom prst="rect">
+            <a:avLst/>
+          </a:prstGeom>
+        </p:spPr>
+      </p:pic>
+      <p:pic>
+        <p:nvPicPr>
+          <p:cNvPr id="9" name="Immagine 8" descr="\documentclass{article}&#10;\usepackage{amsmath}&#10;\pagestyle{empty}&#10;\begin{document}&#10;&#10;$T_p = 50$&#10;&#10;&#10;\end{document}" title="IguanaTex Bitmap Display">
+            <a:extLst>
+              <a:ext uri="{FF2B5EF4-FFF2-40B4-BE49-F238E27FC236}">
+                <a16:creationId xmlns:a16="http://schemas.microsoft.com/office/drawing/2014/main" id="{9AC5DE82-F2EC-40F4-8982-94E5CC691E31}"/>
+              </a:ext>
+            </a:extLst>
+          </p:cNvPr>
+          <p:cNvPicPr>
+            <a:picLocks noChangeAspect="1"/>
+          </p:cNvPicPr>
+          <p:nvPr>
+            <p:custDataLst>
+              <p:tags r:id="rId2"/>
+            </p:custDataLst>
+          </p:nvPr>
+        </p:nvPicPr>
+        <p:blipFill>
+          <a:blip r:embed="rId7"/>
+          <a:stretch>
+            <a:fillRect/>
+          </a:stretch>
+        </p:blipFill>
+        <p:spPr>
+          <a:xfrm>
+            <a:off x="7696979" y="5303978"/>
+            <a:ext cx="840229" cy="244114"/>
+          </a:xfrm>
+          <a:prstGeom prst="rect">
+            <a:avLst/>
+          </a:prstGeom>
+        </p:spPr>
+      </p:pic>
+      <p:pic>
+        <p:nvPicPr>
+          <p:cNvPr id="11" name="Immagine 10" descr="\documentclass{article}&#10;\usepackage{amsmath}&#10;\pagestyle{empty}&#10;\begin{document}&#10;&#10;&#10;$T_c = 5$&#10;&#10;\end{document}" title="IguanaTex Bitmap Display">
+            <a:extLst>
+              <a:ext uri="{FF2B5EF4-FFF2-40B4-BE49-F238E27FC236}">
+                <a16:creationId xmlns:a16="http://schemas.microsoft.com/office/drawing/2014/main" id="{A97390B4-E234-4238-AD8C-D9226B66933B}"/>
+              </a:ext>
+            </a:extLst>
+          </p:cNvPr>
+          <p:cNvPicPr>
+            <a:picLocks noChangeAspect="1"/>
+          </p:cNvPicPr>
+          <p:nvPr>
+            <p:custDataLst>
+              <p:tags r:id="rId3"/>
+            </p:custDataLst>
+          </p:nvPr>
+        </p:nvPicPr>
+        <p:blipFill>
+          <a:blip r:embed="rId8"/>
+          <a:stretch>
+            <a:fillRect/>
+          </a:stretch>
+        </p:blipFill>
+        <p:spPr>
+          <a:xfrm>
+            <a:off x="7768293" y="5730831"/>
+            <a:ext cx="697600" cy="211200"/>
           </a:xfrm>
           <a:prstGeom prst="rect">
             <a:avLst/>
@@ -5293,6 +5371,294 @@
       </p:grpSpPr>
       <p:sp>
         <p:nvSpPr>
+          <p:cNvPr id="4" name="CasellaDiTesto 3">
+            <a:extLst>
+              <a:ext uri="{FF2B5EF4-FFF2-40B4-BE49-F238E27FC236}">
+                <a16:creationId xmlns:a16="http://schemas.microsoft.com/office/drawing/2014/main" id="{91F2FB8A-20D4-46C3-98A0-C11470B2B321}"/>
+              </a:ext>
+            </a:extLst>
+          </p:cNvPr>
+          <p:cNvSpPr txBox="1"/>
+          <p:nvPr/>
+        </p:nvSpPr>
+        <p:spPr>
+          <a:xfrm>
+            <a:off x="242594" y="214604"/>
+            <a:ext cx="6774026" cy="584775"/>
+          </a:xfrm>
+          <a:prstGeom prst="rect">
+            <a:avLst/>
+          </a:prstGeom>
+          <a:noFill/>
+        </p:spPr>
+        <p:txBody>
+          <a:bodyPr wrap="square">
+            <a:spAutoFit/>
+          </a:bodyPr>
+          <a:lstStyle/>
+          <a:p>
+            <a:r>
+              <a:rPr lang="it-IT" sz="3200" dirty="0">
+                <a:solidFill>
+                  <a:srgbClr val="971720"/>
+                </a:solidFill>
+                <a:latin typeface="Century Gothic"/>
+              </a:rPr>
+              <a:t>ACC with MPC: 2º case</a:t>
+            </a:r>
+            <a:endParaRPr lang="it-IT" sz="3200" dirty="0"/>
+          </a:p>
+        </p:txBody>
+      </p:sp>
+      <p:pic>
+        <p:nvPicPr>
+          <p:cNvPr id="6" name="Immagine 5">
+            <a:extLst>
+              <a:ext uri="{FF2B5EF4-FFF2-40B4-BE49-F238E27FC236}">
+                <a16:creationId xmlns:a16="http://schemas.microsoft.com/office/drawing/2014/main" id="{2FAEC531-3062-4F84-815E-B30723523F58}"/>
+              </a:ext>
+            </a:extLst>
+          </p:cNvPr>
+          <p:cNvPicPr>
+            <a:picLocks noChangeAspect="1"/>
+          </p:cNvPicPr>
+          <p:nvPr/>
+        </p:nvPicPr>
+        <p:blipFill>
+          <a:blip r:embed="rId2"/>
+          <a:stretch>
+            <a:fillRect/>
+          </a:stretch>
+        </p:blipFill>
+        <p:spPr>
+          <a:xfrm>
+            <a:off x="0" y="1337797"/>
+            <a:ext cx="9144000" cy="4182406"/>
+          </a:xfrm>
+          <a:prstGeom prst="rect">
+            <a:avLst/>
+          </a:prstGeom>
+        </p:spPr>
+      </p:pic>
+    </p:spTree>
+    <p:extLst>
+      <p:ext uri="{BB962C8B-B14F-4D97-AF65-F5344CB8AC3E}">
+        <p14:creationId xmlns:p14="http://schemas.microsoft.com/office/powerpoint/2010/main" val="2993325024"/>
+      </p:ext>
+    </p:extLst>
+  </p:cSld>
+  <p:clrMapOvr>
+    <a:masterClrMapping/>
+  </p:clrMapOvr>
+</p:sld>
+</file>
+
+<file path=ppt/slides/slide15.xml><?xml version="1.0" encoding="utf-8"?>
+<p:sld xmlns:a="http://schemas.openxmlformats.org/drawingml/2006/main" xmlns:r="http://schemas.openxmlformats.org/officeDocument/2006/relationships" xmlns:p="http://schemas.openxmlformats.org/presentationml/2006/main">
+  <p:cSld>
+    <p:spTree>
+      <p:nvGrpSpPr>
+        <p:cNvPr id="1" name=""/>
+        <p:cNvGrpSpPr/>
+        <p:nvPr/>
+      </p:nvGrpSpPr>
+      <p:grpSpPr>
+        <a:xfrm>
+          <a:off x="0" y="0"/>
+          <a:ext cx="0" cy="0"/>
+          <a:chOff x="0" y="0"/>
+          <a:chExt cx="0" cy="0"/>
+        </a:xfrm>
+      </p:grpSpPr>
+      <p:sp>
+        <p:nvSpPr>
+          <p:cNvPr id="4" name="CasellaDiTesto 3">
+            <a:extLst>
+              <a:ext uri="{FF2B5EF4-FFF2-40B4-BE49-F238E27FC236}">
+                <a16:creationId xmlns:a16="http://schemas.microsoft.com/office/drawing/2014/main" id="{E4B09705-46D6-4727-92D8-82F0A7AF7E1D}"/>
+              </a:ext>
+            </a:extLst>
+          </p:cNvPr>
+          <p:cNvSpPr txBox="1"/>
+          <p:nvPr/>
+        </p:nvSpPr>
+        <p:spPr>
+          <a:xfrm>
+            <a:off x="242595" y="65314"/>
+            <a:ext cx="1670181" cy="584775"/>
+          </a:xfrm>
+          <a:prstGeom prst="rect">
+            <a:avLst/>
+          </a:prstGeom>
+          <a:noFill/>
+        </p:spPr>
+        <p:txBody>
+          <a:bodyPr wrap="square">
+            <a:spAutoFit/>
+          </a:bodyPr>
+          <a:lstStyle/>
+          <a:p>
+            <a:r>
+              <a:rPr lang="it-IT" sz="3200" dirty="0" err="1">
+                <a:solidFill>
+                  <a:srgbClr val="971720"/>
+                </a:solidFill>
+                <a:latin typeface="Century Gothic"/>
+              </a:rPr>
+              <a:t>Results</a:t>
+            </a:r>
+            <a:endParaRPr lang="it-IT" sz="3200" dirty="0"/>
+          </a:p>
+        </p:txBody>
+      </p:sp>
+      <p:pic>
+        <p:nvPicPr>
+          <p:cNvPr id="6" name="Immagine 5">
+            <a:extLst>
+              <a:ext uri="{FF2B5EF4-FFF2-40B4-BE49-F238E27FC236}">
+                <a16:creationId xmlns:a16="http://schemas.microsoft.com/office/drawing/2014/main" id="{09FE4E6A-79B7-4989-955C-C870F2724DE6}"/>
+              </a:ext>
+            </a:extLst>
+          </p:cNvPr>
+          <p:cNvPicPr>
+            <a:picLocks noChangeAspect="1"/>
+          </p:cNvPicPr>
+          <p:nvPr/>
+        </p:nvPicPr>
+        <p:blipFill rotWithShape="1">
+          <a:blip r:embed="rId2"/>
+          <a:srcRect l="3199" t="2761" r="4874" b="2266"/>
+          <a:stretch/>
+        </p:blipFill>
+        <p:spPr>
+          <a:xfrm>
+            <a:off x="4348065" y="3728612"/>
+            <a:ext cx="4049485" cy="3082164"/>
+          </a:xfrm>
+          <a:prstGeom prst="rect">
+            <a:avLst/>
+          </a:prstGeom>
+        </p:spPr>
+      </p:pic>
+      <p:pic>
+        <p:nvPicPr>
+          <p:cNvPr id="8" name="Immagine 7">
+            <a:extLst>
+              <a:ext uri="{FF2B5EF4-FFF2-40B4-BE49-F238E27FC236}">
+                <a16:creationId xmlns:a16="http://schemas.microsoft.com/office/drawing/2014/main" id="{75650574-DF99-4321-9156-E951D0BE1E35}"/>
+              </a:ext>
+            </a:extLst>
+          </p:cNvPr>
+          <p:cNvPicPr>
+            <a:picLocks noChangeAspect="1"/>
+          </p:cNvPicPr>
+          <p:nvPr/>
+        </p:nvPicPr>
+        <p:blipFill rotWithShape="1">
+          <a:blip r:embed="rId3"/>
+          <a:srcRect l="3715" t="3618" r="6017"/>
+          <a:stretch/>
+        </p:blipFill>
+        <p:spPr>
+          <a:xfrm>
+            <a:off x="242595" y="3767669"/>
+            <a:ext cx="3859052" cy="3090331"/>
+          </a:xfrm>
+          <a:prstGeom prst="rect">
+            <a:avLst/>
+          </a:prstGeom>
+        </p:spPr>
+      </p:pic>
+      <p:pic>
+        <p:nvPicPr>
+          <p:cNvPr id="10" name="Immagine 9">
+            <a:extLst>
+              <a:ext uri="{FF2B5EF4-FFF2-40B4-BE49-F238E27FC236}">
+                <a16:creationId xmlns:a16="http://schemas.microsoft.com/office/drawing/2014/main" id="{2E6F5FCD-69B8-4161-ABCC-0C319403B845}"/>
+              </a:ext>
+            </a:extLst>
+          </p:cNvPr>
+          <p:cNvPicPr>
+            <a:picLocks noChangeAspect="1"/>
+          </p:cNvPicPr>
+          <p:nvPr/>
+        </p:nvPicPr>
+        <p:blipFill rotWithShape="1">
+          <a:blip r:embed="rId4"/>
+          <a:srcRect l="2715" t="2669" r="6192"/>
+          <a:stretch/>
+        </p:blipFill>
+        <p:spPr>
+          <a:xfrm>
+            <a:off x="166876" y="575444"/>
+            <a:ext cx="3934771" cy="3153168"/>
+          </a:xfrm>
+          <a:prstGeom prst="rect">
+            <a:avLst/>
+          </a:prstGeom>
+        </p:spPr>
+      </p:pic>
+      <p:pic>
+        <p:nvPicPr>
+          <p:cNvPr id="12" name="Immagine 11">
+            <a:extLst>
+              <a:ext uri="{FF2B5EF4-FFF2-40B4-BE49-F238E27FC236}">
+                <a16:creationId xmlns:a16="http://schemas.microsoft.com/office/drawing/2014/main" id="{1787A421-8DFE-45D3-B0A6-2013144E342C}"/>
+              </a:ext>
+            </a:extLst>
+          </p:cNvPr>
+          <p:cNvPicPr>
+            <a:picLocks noChangeAspect="1"/>
+          </p:cNvPicPr>
+          <p:nvPr/>
+        </p:nvPicPr>
+        <p:blipFill rotWithShape="1">
+          <a:blip r:embed="rId5"/>
+          <a:srcRect l="5178" t="2464" r="6409"/>
+          <a:stretch/>
+        </p:blipFill>
+        <p:spPr>
+          <a:xfrm>
+            <a:off x="4470574" y="575444"/>
+            <a:ext cx="3810988" cy="3153168"/>
+          </a:xfrm>
+          <a:prstGeom prst="rect">
+            <a:avLst/>
+          </a:prstGeom>
+        </p:spPr>
+      </p:pic>
+    </p:spTree>
+    <p:extLst>
+      <p:ext uri="{BB962C8B-B14F-4D97-AF65-F5344CB8AC3E}">
+        <p14:creationId xmlns:p14="http://schemas.microsoft.com/office/powerpoint/2010/main" val="2692509554"/>
+      </p:ext>
+    </p:extLst>
+  </p:cSld>
+  <p:clrMapOvr>
+    <a:masterClrMapping/>
+  </p:clrMapOvr>
+</p:sld>
+</file>
+
+<file path=ppt/slides/slide16.xml><?xml version="1.0" encoding="utf-8"?>
+<p:sld xmlns:a="http://schemas.openxmlformats.org/drawingml/2006/main" xmlns:r="http://schemas.openxmlformats.org/officeDocument/2006/relationships" xmlns:p="http://schemas.openxmlformats.org/presentationml/2006/main">
+  <p:cSld>
+    <p:spTree>
+      <p:nvGrpSpPr>
+        <p:cNvPr id="1" name=""/>
+        <p:cNvGrpSpPr/>
+        <p:nvPr/>
+      </p:nvGrpSpPr>
+      <p:grpSpPr>
+        <a:xfrm>
+          <a:off x="0" y="0"/>
+          <a:ext cx="0" cy="0"/>
+          <a:chOff x="0" y="0"/>
+          <a:chExt cx="0" cy="0"/>
+        </a:xfrm>
+      </p:grpSpPr>
+      <p:sp>
+        <p:nvSpPr>
           <p:cNvPr id="7" name="CasellaDiTesto 6">
             <a:extLst>
               <a:ext uri="{FF2B5EF4-FFF2-40B4-BE49-F238E27FC236}">
@@ -5952,7 +6318,7 @@
 </p:sld>
 </file>
 
-<file path=ppt/slides/slide15.xml><?xml version="1.0" encoding="utf-8"?>
+<file path=ppt/slides/slide17.xml><?xml version="1.0" encoding="utf-8"?>
 <p:sld xmlns:a="http://schemas.openxmlformats.org/drawingml/2006/main" xmlns:r="http://schemas.openxmlformats.org/officeDocument/2006/relationships" xmlns:p="http://schemas.openxmlformats.org/presentationml/2006/main">
   <p:cSld>
     <p:spTree>
@@ -6004,7 +6370,7 @@
                 </a:solidFill>
                 <a:latin typeface="Century Gothic"/>
               </a:rPr>
-              <a:t>ADAS </a:t>
+              <a:t>Test with </a:t>
             </a:r>
             <a:r>
               <a:rPr lang="it-IT" sz="3200" dirty="0" err="1">
@@ -6013,7 +6379,7 @@
                 </a:solidFill>
                 <a:latin typeface="Century Gothic"/>
               </a:rPr>
-              <a:t>Designing</a:t>
+              <a:t>Automated</a:t>
             </a:r>
             <a:r>
               <a:rPr lang="it-IT" sz="3200" dirty="0">
@@ -6022,7 +6388,25 @@
                 </a:solidFill>
                 <a:latin typeface="Century Gothic"/>
               </a:rPr>
-              <a:t>: Feedback Linearization </a:t>
+              <a:t> </a:t>
+            </a:r>
+            <a:r>
+              <a:rPr lang="it-IT" sz="3200" dirty="0" err="1">
+                <a:solidFill>
+                  <a:srgbClr val="971720"/>
+                </a:solidFill>
+                <a:latin typeface="Century Gothic"/>
+              </a:rPr>
+              <a:t>Driving</a:t>
+            </a:r>
+            <a:r>
+              <a:rPr lang="it-IT" sz="3200" dirty="0">
+                <a:solidFill>
+                  <a:srgbClr val="971720"/>
+                </a:solidFill>
+                <a:latin typeface="Century Gothic"/>
+              </a:rPr>
+              <a:t> Toolbox</a:t>
             </a:r>
             <a:endParaRPr lang="it-IT" sz="3200" dirty="0"/>
           </a:p>
@@ -6277,6 +6661,342 @@
     <p:extLst>
       <p:ext uri="{BB962C8B-B14F-4D97-AF65-F5344CB8AC3E}">
         <p14:creationId xmlns:p14="http://schemas.microsoft.com/office/powerpoint/2010/main" val="114662212"/>
+      </p:ext>
+    </p:extLst>
+  </p:cSld>
+  <p:clrMapOvr>
+    <a:masterClrMapping/>
+  </p:clrMapOvr>
+</p:sld>
+</file>
+
+<file path=ppt/slides/slide18.xml><?xml version="1.0" encoding="utf-8"?>
+<p:sld xmlns:a="http://schemas.openxmlformats.org/drawingml/2006/main" xmlns:r="http://schemas.openxmlformats.org/officeDocument/2006/relationships" xmlns:p="http://schemas.openxmlformats.org/presentationml/2006/main">
+  <p:cSld>
+    <p:spTree>
+      <p:nvGrpSpPr>
+        <p:cNvPr id="1" name=""/>
+        <p:cNvGrpSpPr/>
+        <p:nvPr/>
+      </p:nvGrpSpPr>
+      <p:grpSpPr>
+        <a:xfrm>
+          <a:off x="0" y="0"/>
+          <a:ext cx="0" cy="0"/>
+          <a:chOff x="0" y="0"/>
+          <a:chExt cx="0" cy="0"/>
+        </a:xfrm>
+      </p:grpSpPr>
+      <p:sp>
+        <p:nvSpPr>
+          <p:cNvPr id="4" name="CasellaDiTesto 3">
+            <a:extLst>
+              <a:ext uri="{FF2B5EF4-FFF2-40B4-BE49-F238E27FC236}">
+                <a16:creationId xmlns:a16="http://schemas.microsoft.com/office/drawing/2014/main" id="{69815534-591A-44CD-B8D1-DBA3DD006F66}"/>
+              </a:ext>
+            </a:extLst>
+          </p:cNvPr>
+          <p:cNvSpPr txBox="1"/>
+          <p:nvPr/>
+        </p:nvSpPr>
+        <p:spPr>
+          <a:xfrm>
+            <a:off x="242595" y="65314"/>
+            <a:ext cx="1670181" cy="584775"/>
+          </a:xfrm>
+          <a:prstGeom prst="rect">
+            <a:avLst/>
+          </a:prstGeom>
+          <a:noFill/>
+        </p:spPr>
+        <p:txBody>
+          <a:bodyPr wrap="square">
+            <a:spAutoFit/>
+          </a:bodyPr>
+          <a:lstStyle/>
+          <a:p>
+            <a:r>
+              <a:rPr lang="it-IT" sz="3200" dirty="0" err="1">
+                <a:solidFill>
+                  <a:srgbClr val="971720"/>
+                </a:solidFill>
+                <a:latin typeface="Century Gothic"/>
+              </a:rPr>
+              <a:t>Results</a:t>
+            </a:r>
+            <a:endParaRPr lang="it-IT" sz="3200" dirty="0"/>
+          </a:p>
+        </p:txBody>
+      </p:sp>
+      <p:pic>
+        <p:nvPicPr>
+          <p:cNvPr id="6" name="Immagine 5">
+            <a:extLst>
+              <a:ext uri="{FF2B5EF4-FFF2-40B4-BE49-F238E27FC236}">
+                <a16:creationId xmlns:a16="http://schemas.microsoft.com/office/drawing/2014/main" id="{42765B27-FBB1-4CA4-B2B2-926A8FA5AA4A}"/>
+              </a:ext>
+            </a:extLst>
+          </p:cNvPr>
+          <p:cNvPicPr>
+            <a:picLocks noChangeAspect="1"/>
+          </p:cNvPicPr>
+          <p:nvPr/>
+        </p:nvPicPr>
+        <p:blipFill>
+          <a:blip r:embed="rId2"/>
+          <a:stretch>
+            <a:fillRect/>
+          </a:stretch>
+        </p:blipFill>
+        <p:spPr>
+          <a:xfrm>
+            <a:off x="4633931" y="799785"/>
+            <a:ext cx="4385387" cy="2668555"/>
+          </a:xfrm>
+          <a:prstGeom prst="rect">
+            <a:avLst/>
+          </a:prstGeom>
+        </p:spPr>
+      </p:pic>
+      <p:pic>
+        <p:nvPicPr>
+          <p:cNvPr id="8" name="Immagine 7">
+            <a:extLst>
+              <a:ext uri="{FF2B5EF4-FFF2-40B4-BE49-F238E27FC236}">
+                <a16:creationId xmlns:a16="http://schemas.microsoft.com/office/drawing/2014/main" id="{D4A2A373-8594-437E-B4DA-8896F2E721EA}"/>
+              </a:ext>
+            </a:extLst>
+          </p:cNvPr>
+          <p:cNvPicPr>
+            <a:picLocks noChangeAspect="1"/>
+          </p:cNvPicPr>
+          <p:nvPr/>
+        </p:nvPicPr>
+        <p:blipFill>
+          <a:blip r:embed="rId3"/>
+          <a:stretch>
+            <a:fillRect/>
+          </a:stretch>
+        </p:blipFill>
+        <p:spPr>
+          <a:xfrm>
+            <a:off x="124682" y="796444"/>
+            <a:ext cx="4308714" cy="2668555"/>
+          </a:xfrm>
+          <a:prstGeom prst="rect">
+            <a:avLst/>
+          </a:prstGeom>
+        </p:spPr>
+      </p:pic>
+      <p:pic>
+        <p:nvPicPr>
+          <p:cNvPr id="10" name="Immagine 9">
+            <a:extLst>
+              <a:ext uri="{FF2B5EF4-FFF2-40B4-BE49-F238E27FC236}">
+                <a16:creationId xmlns:a16="http://schemas.microsoft.com/office/drawing/2014/main" id="{1578028D-114D-439D-8C2B-1EC186E0393F}"/>
+              </a:ext>
+            </a:extLst>
+          </p:cNvPr>
+          <p:cNvPicPr>
+            <a:picLocks noChangeAspect="1"/>
+          </p:cNvPicPr>
+          <p:nvPr/>
+        </p:nvPicPr>
+        <p:blipFill>
+          <a:blip r:embed="rId4"/>
+          <a:stretch>
+            <a:fillRect/>
+          </a:stretch>
+        </p:blipFill>
+        <p:spPr>
+          <a:xfrm>
+            <a:off x="124681" y="3611353"/>
+            <a:ext cx="4249757" cy="2987147"/>
+          </a:xfrm>
+          <a:prstGeom prst="rect">
+            <a:avLst/>
+          </a:prstGeom>
+        </p:spPr>
+      </p:pic>
+      <p:pic>
+        <p:nvPicPr>
+          <p:cNvPr id="12" name="Immagine 11">
+            <a:extLst>
+              <a:ext uri="{FF2B5EF4-FFF2-40B4-BE49-F238E27FC236}">
+                <a16:creationId xmlns:a16="http://schemas.microsoft.com/office/drawing/2014/main" id="{0888DC80-65FE-4D59-BE73-E030A1796712}"/>
+              </a:ext>
+            </a:extLst>
+          </p:cNvPr>
+          <p:cNvPicPr>
+            <a:picLocks noChangeAspect="1"/>
+          </p:cNvPicPr>
+          <p:nvPr/>
+        </p:nvPicPr>
+        <p:blipFill>
+          <a:blip r:embed="rId5"/>
+          <a:stretch>
+            <a:fillRect/>
+          </a:stretch>
+        </p:blipFill>
+        <p:spPr>
+          <a:xfrm>
+            <a:off x="4694660" y="3611354"/>
+            <a:ext cx="4296067" cy="3046415"/>
+          </a:xfrm>
+          <a:prstGeom prst="rect">
+            <a:avLst/>
+          </a:prstGeom>
+        </p:spPr>
+      </p:pic>
+    </p:spTree>
+    <p:extLst>
+      <p:ext uri="{BB962C8B-B14F-4D97-AF65-F5344CB8AC3E}">
+        <p14:creationId xmlns:p14="http://schemas.microsoft.com/office/powerpoint/2010/main" val="3492941955"/>
+      </p:ext>
+    </p:extLst>
+  </p:cSld>
+  <p:clrMapOvr>
+    <a:masterClrMapping/>
+  </p:clrMapOvr>
+</p:sld>
+</file>
+
+<file path=ppt/slides/slide19.xml><?xml version="1.0" encoding="utf-8"?>
+<p:sld xmlns:a="http://schemas.openxmlformats.org/drawingml/2006/main" xmlns:r="http://schemas.openxmlformats.org/officeDocument/2006/relationships" xmlns:p="http://schemas.openxmlformats.org/presentationml/2006/main">
+  <p:cSld>
+    <p:spTree>
+      <p:nvGrpSpPr>
+        <p:cNvPr id="1" name=""/>
+        <p:cNvGrpSpPr/>
+        <p:nvPr/>
+      </p:nvGrpSpPr>
+      <p:grpSpPr>
+        <a:xfrm>
+          <a:off x="0" y="0"/>
+          <a:ext cx="0" cy="0"/>
+          <a:chOff x="0" y="0"/>
+          <a:chExt cx="0" cy="0"/>
+        </a:xfrm>
+      </p:grpSpPr>
+      <p:sp>
+        <p:nvSpPr>
+          <p:cNvPr id="4" name="CasellaDiTesto 3">
+            <a:extLst>
+              <a:ext uri="{FF2B5EF4-FFF2-40B4-BE49-F238E27FC236}">
+                <a16:creationId xmlns:a16="http://schemas.microsoft.com/office/drawing/2014/main" id="{B33AE2DD-3474-41DC-8CD1-22677969270D}"/>
+              </a:ext>
+            </a:extLst>
+          </p:cNvPr>
+          <p:cNvSpPr txBox="1"/>
+          <p:nvPr/>
+        </p:nvSpPr>
+        <p:spPr>
+          <a:xfrm>
+            <a:off x="242594" y="214604"/>
+            <a:ext cx="8341569" cy="584775"/>
+          </a:xfrm>
+          <a:prstGeom prst="rect">
+            <a:avLst/>
+          </a:prstGeom>
+          <a:noFill/>
+        </p:spPr>
+        <p:txBody>
+          <a:bodyPr wrap="square">
+            <a:spAutoFit/>
+          </a:bodyPr>
+          <a:lstStyle/>
+          <a:p>
+            <a:r>
+              <a:rPr lang="it-IT" sz="3200" dirty="0" err="1">
+                <a:solidFill>
+                  <a:srgbClr val="971720"/>
+                </a:solidFill>
+                <a:latin typeface="Century Gothic"/>
+              </a:rPr>
+              <a:t>Robustness</a:t>
+            </a:r>
+            <a:r>
+              <a:rPr lang="it-IT" sz="3200" dirty="0">
+                <a:solidFill>
+                  <a:srgbClr val="971720"/>
+                </a:solidFill>
+                <a:latin typeface="Century Gothic"/>
+              </a:rPr>
+              <a:t> to </a:t>
+            </a:r>
+            <a:r>
+              <a:rPr lang="it-IT" sz="3200" dirty="0" err="1">
+                <a:solidFill>
+                  <a:srgbClr val="971720"/>
+                </a:solidFill>
+                <a:latin typeface="Century Gothic"/>
+              </a:rPr>
+              <a:t>uncertainty</a:t>
+            </a:r>
+            <a:r>
+              <a:rPr lang="it-IT" sz="3200" dirty="0">
+                <a:solidFill>
+                  <a:srgbClr val="971720"/>
+                </a:solidFill>
+                <a:latin typeface="Century Gothic"/>
+              </a:rPr>
+              <a:t> </a:t>
+            </a:r>
+            <a:r>
+              <a:rPr lang="it-IT" sz="3200" dirty="0" err="1">
+                <a:solidFill>
+                  <a:srgbClr val="971720"/>
+                </a:solidFill>
+                <a:latin typeface="Century Gothic"/>
+              </a:rPr>
+              <a:t>parameters</a:t>
+            </a:r>
+            <a:r>
+              <a:rPr lang="it-IT" sz="3200" dirty="0">
+                <a:solidFill>
+                  <a:srgbClr val="971720"/>
+                </a:solidFill>
+                <a:latin typeface="Century Gothic"/>
+              </a:rPr>
+              <a:t> </a:t>
+            </a:r>
+            <a:endParaRPr lang="it-IT" sz="3200" dirty="0"/>
+          </a:p>
+        </p:txBody>
+      </p:sp>
+      <p:pic>
+        <p:nvPicPr>
+          <p:cNvPr id="3" name="Immagine 2">
+            <a:extLst>
+              <a:ext uri="{FF2B5EF4-FFF2-40B4-BE49-F238E27FC236}">
+                <a16:creationId xmlns:a16="http://schemas.microsoft.com/office/drawing/2014/main" id="{4B4139AE-3AFE-414F-B4F0-2BD456B4D70F}"/>
+              </a:ext>
+            </a:extLst>
+          </p:cNvPr>
+          <p:cNvPicPr>
+            <a:picLocks noChangeAspect="1"/>
+          </p:cNvPicPr>
+          <p:nvPr/>
+        </p:nvPicPr>
+        <p:blipFill rotWithShape="1">
+          <a:blip r:embed="rId2"/>
+          <a:srcRect l="8775" t="2878" r="6327" b="3977"/>
+          <a:stretch/>
+        </p:blipFill>
+        <p:spPr>
+          <a:xfrm>
+            <a:off x="0" y="1418253"/>
+            <a:ext cx="8879560" cy="4749282"/>
+          </a:xfrm>
+          <a:prstGeom prst="rect">
+            <a:avLst/>
+          </a:prstGeom>
+        </p:spPr>
+      </p:pic>
+    </p:spTree>
+    <p:extLst>
+      <p:ext uri="{BB962C8B-B14F-4D97-AF65-F5344CB8AC3E}">
+        <p14:creationId xmlns:p14="http://schemas.microsoft.com/office/powerpoint/2010/main" val="394538317"/>
       </p:ext>
     </p:extLst>
   </p:cSld>
@@ -6468,8 +7188,8 @@
         </p:nvSpPr>
         <p:spPr>
           <a:xfrm>
-            <a:off x="111616" y="632496"/>
-            <a:ext cx="4786955" cy="3344890"/>
+            <a:off x="0" y="1085048"/>
+            <a:ext cx="5029550" cy="4182042"/>
           </a:xfrm>
           <a:prstGeom prst="rect">
             <a:avLst/>
@@ -6673,7 +7393,7 @@
                 </a:solidFill>
                 <a:latin typeface="Century Gothic" pitchFamily="34" charset="0"/>
               </a:rPr>
-              <a:t>ACC with MPC</a:t>
+              <a:t>ACC with MPC: 1º case</a:t>
             </a:r>
           </a:p>
           <a:p>
@@ -6707,6 +7427,62 @@
               <a:latin typeface="Century Gothic" pitchFamily="34" charset="0"/>
             </a:endParaRPr>
           </a:p>
+          <a:p>
+            <a:pPr marL="800100" lvl="1" indent="-342900">
+              <a:lnSpc>
+                <a:spcPct val="150000"/>
+              </a:lnSpc>
+              <a:spcBef>
+                <a:spcPct val="20000"/>
+              </a:spcBef>
+              <a:buClr>
+                <a:srgbClr val="971720"/>
+              </a:buClr>
+              <a:buSzPct val="70000"/>
+              <a:buFont typeface="Wingdings" pitchFamily="2" charset="2"/>
+              <a:buChar char="u"/>
+            </a:pPr>
+            <a:r>
+              <a:rPr lang="it-IT" sz="1600" dirty="0">
+                <a:solidFill>
+                  <a:srgbClr val="162230"/>
+                </a:solidFill>
+                <a:latin typeface="Century Gothic" pitchFamily="34" charset="0"/>
+              </a:rPr>
+              <a:t>ACC with MPC: 2º case</a:t>
+            </a:r>
+          </a:p>
+          <a:p>
+            <a:pPr marL="1257300" lvl="2" indent="-342900">
+              <a:lnSpc>
+                <a:spcPct val="150000"/>
+              </a:lnSpc>
+              <a:spcBef>
+                <a:spcPct val="20000"/>
+              </a:spcBef>
+              <a:buClr>
+                <a:srgbClr val="4A7EBB"/>
+              </a:buClr>
+              <a:buSzPct val="70000"/>
+              <a:buFont typeface="Wingdings" pitchFamily="2" charset="2"/>
+              <a:buChar char="u"/>
+            </a:pPr>
+            <a:r>
+              <a:rPr lang="it-IT" sz="1600" dirty="0" err="1">
+                <a:solidFill>
+                  <a:srgbClr val="162230"/>
+                </a:solidFill>
+                <a:latin typeface="Century Gothic" pitchFamily="34" charset="0"/>
+              </a:rPr>
+              <a:t>Results</a:t>
+            </a:r>
+            <a:endParaRPr lang="it-IT" sz="1600" dirty="0">
+              <a:solidFill>
+                <a:srgbClr val="162230"/>
+              </a:solidFill>
+              <a:latin typeface="Century Gothic" pitchFamily="34" charset="0"/>
+            </a:endParaRPr>
+          </a:p>
         </p:txBody>
       </p:sp>
       <p:sp>
@@ -6723,8 +7499,8 @@
         </p:nvSpPr>
         <p:spPr>
           <a:xfrm>
-            <a:off x="120946" y="3997098"/>
-            <a:ext cx="5645373" cy="1670586"/>
+            <a:off x="4572000" y="1010579"/>
+            <a:ext cx="4469363" cy="2926314"/>
           </a:xfrm>
           <a:prstGeom prst="rect">
             <a:avLst/>
@@ -6786,22 +7562,13 @@
               <a:buChar char="u"/>
             </a:pPr>
             <a:r>
-              <a:rPr lang="it-IT" sz="1600" dirty="0" err="1">
-                <a:solidFill>
-                  <a:srgbClr val="162230"/>
-                </a:solidFill>
-                <a:latin typeface="Century Gothic" pitchFamily="34" charset="0"/>
-              </a:rPr>
-              <a:t>Validation</a:t>
-            </a:r>
-            <a:r>
               <a:rPr lang="it-IT" sz="1600" dirty="0">
                 <a:solidFill>
                   <a:srgbClr val="162230"/>
                 </a:solidFill>
                 <a:latin typeface="Century Gothic" pitchFamily="34" charset="0"/>
               </a:rPr>
-              <a:t> with </a:t>
+              <a:t>Test with </a:t>
             </a:r>
             <a:r>
               <a:rPr lang="it-IT" sz="1600" dirty="0" err="1">
@@ -6911,7 +7678,7 @@
                 </a:solidFill>
                 <a:latin typeface="Century Gothic" pitchFamily="34" charset="0"/>
               </a:rPr>
-              <a:t>uncertaintes</a:t>
+              <a:t>parameters</a:t>
             </a:r>
             <a:r>
               <a:rPr lang="it-IT" sz="1600" dirty="0">
@@ -6929,8 +7696,122 @@
                 </a:solidFill>
                 <a:latin typeface="Century Gothic" pitchFamily="34" charset="0"/>
               </a:rPr>
-              <a:t>parameters</a:t>
-            </a:r>
+              <a:t>uncertainty</a:t>
+            </a:r>
+            <a:endParaRPr lang="it-IT" sz="1600" dirty="0">
+              <a:solidFill>
+                <a:srgbClr val="162230"/>
+              </a:solidFill>
+              <a:latin typeface="Century Gothic" pitchFamily="34" charset="0"/>
+            </a:endParaRPr>
+          </a:p>
+          <a:p>
+            <a:pPr marL="342900" lvl="0" indent="-342900">
+              <a:lnSpc>
+                <a:spcPct val="150000"/>
+              </a:lnSpc>
+              <a:spcBef>
+                <a:spcPct val="20000"/>
+              </a:spcBef>
+              <a:buClr>
+                <a:srgbClr val="FFDC00"/>
+              </a:buClr>
+              <a:buSzPct val="70000"/>
+              <a:buFont typeface="Wingdings" pitchFamily="2" charset="2"/>
+              <a:buChar char="u"/>
+            </a:pPr>
+            <a:r>
+              <a:rPr lang="it-IT" sz="1600" dirty="0">
+                <a:solidFill>
+                  <a:srgbClr val="162230"/>
+                </a:solidFill>
+                <a:latin typeface="Century Gothic" pitchFamily="34" charset="0"/>
+              </a:rPr>
+              <a:t>Linear MPC on </a:t>
+            </a:r>
+            <a:r>
+              <a:rPr lang="it-IT" sz="1600" dirty="0" err="1">
+                <a:solidFill>
+                  <a:srgbClr val="162230"/>
+                </a:solidFill>
+                <a:latin typeface="Century Gothic" pitchFamily="34" charset="0"/>
+              </a:rPr>
+              <a:t>nonlinear</a:t>
+            </a:r>
+            <a:r>
+              <a:rPr lang="it-IT" sz="1600" dirty="0">
+                <a:solidFill>
+                  <a:srgbClr val="162230"/>
+                </a:solidFill>
+                <a:latin typeface="Century Gothic" pitchFamily="34" charset="0"/>
+              </a:rPr>
+              <a:t> model</a:t>
+            </a:r>
+          </a:p>
+          <a:p>
+            <a:pPr marL="342900" lvl="0" indent="-342900">
+              <a:lnSpc>
+                <a:spcPct val="150000"/>
+              </a:lnSpc>
+              <a:spcBef>
+                <a:spcPct val="20000"/>
+              </a:spcBef>
+              <a:buClr>
+                <a:srgbClr val="FFDC00"/>
+              </a:buClr>
+              <a:buSzPct val="70000"/>
+              <a:buFont typeface="Wingdings" pitchFamily="2" charset="2"/>
+              <a:buChar char="u"/>
+            </a:pPr>
+            <a:r>
+              <a:rPr lang="it-IT" sz="1600" dirty="0" err="1">
+                <a:solidFill>
+                  <a:srgbClr val="162230"/>
+                </a:solidFill>
+                <a:latin typeface="Century Gothic" pitchFamily="34" charset="0"/>
+              </a:rPr>
+              <a:t>Conclusion</a:t>
+            </a:r>
+            <a:r>
+              <a:rPr lang="it-IT" sz="1600" dirty="0">
+                <a:solidFill>
+                  <a:srgbClr val="162230"/>
+                </a:solidFill>
+                <a:latin typeface="Century Gothic" pitchFamily="34" charset="0"/>
+              </a:rPr>
+              <a:t> and future </a:t>
+            </a:r>
+            <a:r>
+              <a:rPr lang="it-IT" sz="1600" dirty="0" err="1">
+                <a:solidFill>
+                  <a:srgbClr val="162230"/>
+                </a:solidFill>
+                <a:latin typeface="Century Gothic" pitchFamily="34" charset="0"/>
+              </a:rPr>
+              <a:t>developments</a:t>
+            </a:r>
+            <a:endParaRPr lang="it-IT" sz="1600" dirty="0">
+              <a:solidFill>
+                <a:srgbClr val="162230"/>
+              </a:solidFill>
+              <a:latin typeface="Century Gothic" pitchFamily="34" charset="0"/>
+            </a:endParaRPr>
+          </a:p>
+          <a:p>
+            <a:pPr marL="342900" lvl="0" indent="-342900">
+              <a:lnSpc>
+                <a:spcPct val="150000"/>
+              </a:lnSpc>
+              <a:spcBef>
+                <a:spcPct val="20000"/>
+              </a:spcBef>
+              <a:buClr>
+                <a:srgbClr val="FFDC00"/>
+              </a:buClr>
+              <a:buSzPct val="70000"/>
+              <a:buFont typeface="Wingdings" pitchFamily="2" charset="2"/>
+              <a:buChar char="u"/>
+            </a:pPr>
             <a:endParaRPr lang="it-IT" sz="1600" dirty="0">
               <a:solidFill>
                 <a:srgbClr val="162230"/>
@@ -6962,6 +7843,477 @@
       </p:transition>
     </mc:Fallback>
   </mc:AlternateContent>
+</p:sld>
+</file>
+
+<file path=ppt/slides/slide20.xml><?xml version="1.0" encoding="utf-8"?>
+<p:sld xmlns:a="http://schemas.openxmlformats.org/drawingml/2006/main" xmlns:r="http://schemas.openxmlformats.org/officeDocument/2006/relationships" xmlns:p="http://schemas.openxmlformats.org/presentationml/2006/main">
+  <p:cSld>
+    <p:spTree>
+      <p:nvGrpSpPr>
+        <p:cNvPr id="1" name=""/>
+        <p:cNvGrpSpPr/>
+        <p:nvPr/>
+      </p:nvGrpSpPr>
+      <p:grpSpPr>
+        <a:xfrm>
+          <a:off x="0" y="0"/>
+          <a:ext cx="0" cy="0"/>
+          <a:chOff x="0" y="0"/>
+          <a:chExt cx="0" cy="0"/>
+        </a:xfrm>
+      </p:grpSpPr>
+      <p:sp>
+        <p:nvSpPr>
+          <p:cNvPr id="2" name="CasellaDiTesto 1">
+            <a:extLst>
+              <a:ext uri="{FF2B5EF4-FFF2-40B4-BE49-F238E27FC236}">
+                <a16:creationId xmlns:a16="http://schemas.microsoft.com/office/drawing/2014/main" id="{7176911B-2A02-4A6F-B042-AD0813FA3D35}"/>
+              </a:ext>
+            </a:extLst>
+          </p:cNvPr>
+          <p:cNvSpPr txBox="1"/>
+          <p:nvPr/>
+        </p:nvSpPr>
+        <p:spPr>
+          <a:xfrm>
+            <a:off x="242594" y="214604"/>
+            <a:ext cx="8341569" cy="584775"/>
+          </a:xfrm>
+          <a:prstGeom prst="rect">
+            <a:avLst/>
+          </a:prstGeom>
+          <a:noFill/>
+        </p:spPr>
+        <p:txBody>
+          <a:bodyPr wrap="square">
+            <a:spAutoFit/>
+          </a:bodyPr>
+          <a:lstStyle/>
+          <a:p>
+            <a:r>
+              <a:rPr lang="it-IT" sz="3200" dirty="0">
+                <a:solidFill>
+                  <a:srgbClr val="971720"/>
+                </a:solidFill>
+                <a:latin typeface="Century Gothic"/>
+              </a:rPr>
+              <a:t>Linear MPC on </a:t>
+            </a:r>
+            <a:r>
+              <a:rPr lang="it-IT" sz="3200" dirty="0" err="1">
+                <a:solidFill>
+                  <a:srgbClr val="971720"/>
+                </a:solidFill>
+                <a:latin typeface="Century Gothic"/>
+              </a:rPr>
+              <a:t>nonlinear</a:t>
+            </a:r>
+            <a:r>
+              <a:rPr lang="it-IT" sz="3200" dirty="0">
+                <a:solidFill>
+                  <a:srgbClr val="971720"/>
+                </a:solidFill>
+                <a:latin typeface="Century Gothic"/>
+              </a:rPr>
+              <a:t> model</a:t>
+            </a:r>
+            <a:endParaRPr lang="it-IT" sz="3200" dirty="0"/>
+          </a:p>
+        </p:txBody>
+      </p:sp>
+      <p:pic>
+        <p:nvPicPr>
+          <p:cNvPr id="12" name="Immagine 11">
+            <a:extLst>
+              <a:ext uri="{FF2B5EF4-FFF2-40B4-BE49-F238E27FC236}">
+                <a16:creationId xmlns:a16="http://schemas.microsoft.com/office/drawing/2014/main" id="{8000BD4D-5688-4070-B6CA-899A0B1CFF5C}"/>
+              </a:ext>
+            </a:extLst>
+          </p:cNvPr>
+          <p:cNvPicPr>
+            <a:picLocks noChangeAspect="1"/>
+          </p:cNvPicPr>
+          <p:nvPr/>
+        </p:nvPicPr>
+        <p:blipFill rotWithShape="1">
+          <a:blip r:embed="rId2"/>
+          <a:srcRect l="2134" t="2694" r="5773" b="1574"/>
+          <a:stretch/>
+        </p:blipFill>
+        <p:spPr>
+          <a:xfrm>
+            <a:off x="597158" y="954440"/>
+            <a:ext cx="3678490" cy="2867881"/>
+          </a:xfrm>
+          <a:prstGeom prst="rect">
+            <a:avLst/>
+          </a:prstGeom>
+        </p:spPr>
+      </p:pic>
+      <p:pic>
+        <p:nvPicPr>
+          <p:cNvPr id="14" name="Immagine 13">
+            <a:extLst>
+              <a:ext uri="{FF2B5EF4-FFF2-40B4-BE49-F238E27FC236}">
+                <a16:creationId xmlns:a16="http://schemas.microsoft.com/office/drawing/2014/main" id="{602CC65E-7F9F-45A3-BC0D-10CEF1C26CE0}"/>
+              </a:ext>
+            </a:extLst>
+          </p:cNvPr>
+          <p:cNvPicPr>
+            <a:picLocks noChangeAspect="1"/>
+          </p:cNvPicPr>
+          <p:nvPr/>
+        </p:nvPicPr>
+        <p:blipFill rotWithShape="1">
+          <a:blip r:embed="rId3"/>
+          <a:srcRect l="5353" t="2693" r="6612" b="1948"/>
+          <a:stretch/>
+        </p:blipFill>
+        <p:spPr>
+          <a:xfrm>
+            <a:off x="4571999" y="962161"/>
+            <a:ext cx="3538531" cy="2874705"/>
+          </a:xfrm>
+          <a:prstGeom prst="rect">
+            <a:avLst/>
+          </a:prstGeom>
+        </p:spPr>
+      </p:pic>
+      <p:pic>
+        <p:nvPicPr>
+          <p:cNvPr id="16" name="Immagine 15">
+            <a:extLst>
+              <a:ext uri="{FF2B5EF4-FFF2-40B4-BE49-F238E27FC236}">
+                <a16:creationId xmlns:a16="http://schemas.microsoft.com/office/drawing/2014/main" id="{5D1C0451-47D6-4EF1-BAAA-D38A330E9B39}"/>
+              </a:ext>
+            </a:extLst>
+          </p:cNvPr>
+          <p:cNvPicPr>
+            <a:picLocks noChangeAspect="1"/>
+          </p:cNvPicPr>
+          <p:nvPr/>
+        </p:nvPicPr>
+        <p:blipFill rotWithShape="1">
+          <a:blip r:embed="rId4"/>
+          <a:srcRect l="1294" t="2880" r="6472" b="664"/>
+          <a:stretch/>
+        </p:blipFill>
+        <p:spPr>
+          <a:xfrm>
+            <a:off x="596951" y="3822159"/>
+            <a:ext cx="3678697" cy="2885356"/>
+          </a:xfrm>
+          <a:prstGeom prst="rect">
+            <a:avLst/>
+          </a:prstGeom>
+        </p:spPr>
+      </p:pic>
+      <p:pic>
+        <p:nvPicPr>
+          <p:cNvPr id="18" name="Immagine 17">
+            <a:extLst>
+              <a:ext uri="{FF2B5EF4-FFF2-40B4-BE49-F238E27FC236}">
+                <a16:creationId xmlns:a16="http://schemas.microsoft.com/office/drawing/2014/main" id="{98D0BF4E-7852-40AA-B4AB-F8B798C09B33}"/>
+              </a:ext>
+            </a:extLst>
+          </p:cNvPr>
+          <p:cNvPicPr>
+            <a:picLocks noChangeAspect="1"/>
+          </p:cNvPicPr>
+          <p:nvPr/>
+        </p:nvPicPr>
+        <p:blipFill rotWithShape="1">
+          <a:blip r:embed="rId5"/>
+          <a:srcRect l="5073" t="3440" r="7032" b="2507"/>
+          <a:stretch/>
+        </p:blipFill>
+        <p:spPr>
+          <a:xfrm>
+            <a:off x="4533610" y="3836865"/>
+            <a:ext cx="3576920" cy="2870649"/>
+          </a:xfrm>
+          <a:prstGeom prst="rect">
+            <a:avLst/>
+          </a:prstGeom>
+        </p:spPr>
+      </p:pic>
+    </p:spTree>
+    <p:extLst>
+      <p:ext uri="{BB962C8B-B14F-4D97-AF65-F5344CB8AC3E}">
+        <p14:creationId xmlns:p14="http://schemas.microsoft.com/office/powerpoint/2010/main" val="2154021215"/>
+      </p:ext>
+    </p:extLst>
+  </p:cSld>
+  <p:clrMapOvr>
+    <a:masterClrMapping/>
+  </p:clrMapOvr>
+</p:sld>
+</file>
+
+<file path=ppt/slides/slide21.xml><?xml version="1.0" encoding="utf-8"?>
+<p:sld xmlns:a="http://schemas.openxmlformats.org/drawingml/2006/main" xmlns:r="http://schemas.openxmlformats.org/officeDocument/2006/relationships" xmlns:p="http://schemas.openxmlformats.org/presentationml/2006/main">
+  <p:cSld>
+    <p:spTree>
+      <p:nvGrpSpPr>
+        <p:cNvPr id="1" name=""/>
+        <p:cNvGrpSpPr/>
+        <p:nvPr/>
+      </p:nvGrpSpPr>
+      <p:grpSpPr>
+        <a:xfrm>
+          <a:off x="0" y="0"/>
+          <a:ext cx="0" cy="0"/>
+          <a:chOff x="0" y="0"/>
+          <a:chExt cx="0" cy="0"/>
+        </a:xfrm>
+      </p:grpSpPr>
+      <p:sp>
+        <p:nvSpPr>
+          <p:cNvPr id="4" name="CasellaDiTesto 3">
+            <a:extLst>
+              <a:ext uri="{FF2B5EF4-FFF2-40B4-BE49-F238E27FC236}">
+                <a16:creationId xmlns:a16="http://schemas.microsoft.com/office/drawing/2014/main" id="{F60F759A-9B5E-41F6-879D-F50C94C41CC7}"/>
+              </a:ext>
+            </a:extLst>
+          </p:cNvPr>
+          <p:cNvSpPr txBox="1"/>
+          <p:nvPr/>
+        </p:nvSpPr>
+        <p:spPr>
+          <a:xfrm>
+            <a:off x="242594" y="214604"/>
+            <a:ext cx="8341569" cy="584775"/>
+          </a:xfrm>
+          <a:prstGeom prst="rect">
+            <a:avLst/>
+          </a:prstGeom>
+          <a:noFill/>
+        </p:spPr>
+        <p:txBody>
+          <a:bodyPr wrap="square">
+            <a:spAutoFit/>
+          </a:bodyPr>
+          <a:lstStyle/>
+          <a:p>
+            <a:r>
+              <a:rPr lang="it-IT" sz="3200" dirty="0" err="1">
+                <a:solidFill>
+                  <a:srgbClr val="971720"/>
+                </a:solidFill>
+                <a:latin typeface="Century Gothic"/>
+              </a:rPr>
+              <a:t>Conclusion</a:t>
+            </a:r>
+            <a:r>
+              <a:rPr lang="it-IT" sz="3200" dirty="0">
+                <a:solidFill>
+                  <a:srgbClr val="971720"/>
+                </a:solidFill>
+                <a:latin typeface="Century Gothic"/>
+              </a:rPr>
+              <a:t> and future </a:t>
+            </a:r>
+            <a:r>
+              <a:rPr lang="it-IT" sz="3200" dirty="0" err="1">
+                <a:solidFill>
+                  <a:srgbClr val="971720"/>
+                </a:solidFill>
+                <a:latin typeface="Century Gothic"/>
+              </a:rPr>
+              <a:t>developments</a:t>
+            </a:r>
+            <a:endParaRPr lang="it-IT" sz="3200" dirty="0"/>
+          </a:p>
+        </p:txBody>
+      </p:sp>
+      <p:sp>
+        <p:nvSpPr>
+          <p:cNvPr id="7" name="Segnaposto contenuto 3">
+            <a:extLst>
+              <a:ext uri="{FF2B5EF4-FFF2-40B4-BE49-F238E27FC236}">
+                <a16:creationId xmlns:a16="http://schemas.microsoft.com/office/drawing/2014/main" id="{0EBD74C6-A920-4A32-960C-815B81AFBB49}"/>
+              </a:ext>
+            </a:extLst>
+          </p:cNvPr>
+          <p:cNvSpPr>
+            <a:spLocks noGrp="1"/>
+          </p:cNvSpPr>
+          <p:nvPr>
+            <p:ph idx="1"/>
+          </p:nvPr>
+        </p:nvSpPr>
+        <p:spPr>
+          <a:xfrm>
+            <a:off x="0" y="1046195"/>
+            <a:ext cx="8957388" cy="5681176"/>
+          </a:xfrm>
+        </p:spPr>
+        <p:txBody>
+          <a:bodyPr>
+            <a:normAutofit/>
+          </a:bodyPr>
+          <a:lstStyle/>
+          <a:p>
+            <a:r>
+              <a:rPr lang="it-IT" sz="2400" dirty="0"/>
+              <a:t>First of </a:t>
+            </a:r>
+            <a:r>
+              <a:rPr lang="it-IT" sz="2400" dirty="0" err="1"/>
+              <a:t>all</a:t>
+            </a:r>
+            <a:r>
+              <a:rPr lang="it-IT" sz="2400" dirty="0"/>
+              <a:t> </a:t>
+            </a:r>
+            <a:r>
+              <a:rPr lang="it-IT" sz="2400" dirty="0" err="1"/>
+              <a:t>we</a:t>
+            </a:r>
+            <a:r>
+              <a:rPr lang="it-IT" sz="2400" dirty="0"/>
+              <a:t> </a:t>
+            </a:r>
+            <a:r>
+              <a:rPr lang="it-IT" sz="2400" dirty="0" err="1"/>
+              <a:t>have</a:t>
+            </a:r>
+            <a:r>
+              <a:rPr lang="it-IT" sz="2400" dirty="0"/>
+              <a:t> </a:t>
+            </a:r>
+            <a:r>
+              <a:rPr lang="it-IT" sz="2400" dirty="0" err="1"/>
+              <a:t>carried</a:t>
+            </a:r>
+            <a:r>
+              <a:rPr lang="it-IT" sz="2400" dirty="0"/>
+              <a:t> on an open loop analysis of the non linear model</a:t>
+            </a:r>
+          </a:p>
+          <a:p>
+            <a:r>
+              <a:rPr lang="it-IT" sz="2400" dirty="0" err="1"/>
+              <a:t>Then</a:t>
+            </a:r>
+            <a:r>
+              <a:rPr lang="it-IT" sz="2400" dirty="0"/>
+              <a:t> </a:t>
+            </a:r>
+            <a:r>
+              <a:rPr lang="it-IT" sz="2400" dirty="0" err="1"/>
+              <a:t>we</a:t>
+            </a:r>
+            <a:r>
+              <a:rPr lang="it-IT" sz="2400" dirty="0"/>
+              <a:t> </a:t>
+            </a:r>
+            <a:r>
+              <a:rPr lang="it-IT" sz="2400" dirty="0" err="1"/>
+              <a:t>have</a:t>
+            </a:r>
+            <a:r>
+              <a:rPr lang="it-IT" sz="2400" dirty="0"/>
+              <a:t> </a:t>
+            </a:r>
+            <a:r>
+              <a:rPr lang="it-IT" sz="2400" dirty="0" err="1"/>
+              <a:t>done</a:t>
+            </a:r>
+            <a:r>
+              <a:rPr lang="it-IT" sz="2400" dirty="0"/>
+              <a:t> a </a:t>
+            </a:r>
+            <a:r>
+              <a:rPr lang="it-IT" sz="2400" dirty="0" err="1"/>
+              <a:t>closed</a:t>
+            </a:r>
+            <a:r>
+              <a:rPr lang="it-IT" sz="2400" dirty="0"/>
+              <a:t> loop analysis </a:t>
+            </a:r>
+            <a:r>
+              <a:rPr lang="it-IT" sz="2400" dirty="0" err="1"/>
+              <a:t>specifying</a:t>
+            </a:r>
+            <a:r>
+              <a:rPr lang="it-IT" sz="2400" dirty="0"/>
+              <a:t> control </a:t>
+            </a:r>
+            <a:r>
+              <a:rPr lang="it-IT" sz="2400" dirty="0" err="1"/>
+              <a:t>requirements</a:t>
+            </a:r>
+            <a:r>
+              <a:rPr lang="it-IT" sz="2400" dirty="0"/>
+              <a:t> and </a:t>
+            </a:r>
+            <a:r>
+              <a:rPr lang="it-IT" sz="2400" dirty="0" err="1"/>
+              <a:t>desgning</a:t>
+            </a:r>
+            <a:r>
+              <a:rPr lang="it-IT" sz="2400" dirty="0"/>
+              <a:t> </a:t>
+            </a:r>
+            <a:r>
+              <a:rPr lang="it-IT" sz="2400" dirty="0" err="1"/>
+              <a:t>different</a:t>
+            </a:r>
+            <a:r>
+              <a:rPr lang="it-IT" sz="2400" dirty="0"/>
+              <a:t> control strategies and </a:t>
+            </a:r>
+            <a:r>
+              <a:rPr lang="it-IT" sz="2400" dirty="0" err="1"/>
+              <a:t>considering</a:t>
+            </a:r>
+            <a:r>
+              <a:rPr lang="it-IT" sz="2400" dirty="0"/>
+              <a:t> </a:t>
+            </a:r>
+            <a:r>
+              <a:rPr lang="it-IT" sz="2400" dirty="0" err="1"/>
+              <a:t>different</a:t>
+            </a:r>
+            <a:r>
+              <a:rPr lang="it-IT" sz="2400" dirty="0"/>
+              <a:t> </a:t>
+            </a:r>
+            <a:r>
+              <a:rPr lang="it-IT" sz="2400" dirty="0" err="1"/>
+              <a:t>cases</a:t>
+            </a:r>
+            <a:endParaRPr lang="it-IT" sz="2400" dirty="0"/>
+          </a:p>
+          <a:p>
+            <a:r>
+              <a:rPr lang="it-IT" sz="2400" dirty="0"/>
+              <a:t>Controllo lineare e I/O FBL risultano poco robuste a fronte di disturbi matched e variazioni parametriche, e per la FBL a causa del PID si possono avere sforzi di controllo inziali molto elevati.</a:t>
+            </a:r>
+          </a:p>
+          <a:p>
+            <a:r>
+              <a:rPr lang="it-IT" sz="2400" dirty="0"/>
+              <a:t>Lo SMC mostra ottime prestazioni in tutti i casi considerati, ma è stato necessario agire sul parametro di robustezza, stando attenti a non eccedere per evitare fenomeno di chattering</a:t>
+            </a:r>
+          </a:p>
+          <a:p>
+            <a:endParaRPr lang="it-IT" dirty="0"/>
+          </a:p>
+        </p:txBody>
+      </p:sp>
+    </p:spTree>
+    <p:extLst>
+      <p:ext uri="{BB962C8B-B14F-4D97-AF65-F5344CB8AC3E}">
+        <p14:creationId xmlns:p14="http://schemas.microsoft.com/office/powerpoint/2010/main" val="2929288739"/>
+      </p:ext>
+    </p:extLst>
+  </p:cSld>
+  <p:clrMapOvr>
+    <a:masterClrMapping/>
+  </p:clrMapOvr>
 </p:sld>
 </file>
 
@@ -10039,25 +11391,7 @@
                 </a:solidFill>
                 <a:latin typeface="Century Gothic"/>
               </a:rPr>
-              <a:t>ADAS </a:t>
-            </a:r>
-            <a:r>
-              <a:rPr lang="it-IT" sz="3200" dirty="0" err="1">
-                <a:solidFill>
-                  <a:srgbClr val="971720"/>
-                </a:solidFill>
-                <a:latin typeface="Century Gothic"/>
-              </a:rPr>
-              <a:t>Designing</a:t>
-            </a:r>
-            <a:r>
-              <a:rPr lang="it-IT" sz="3200" dirty="0">
-                <a:solidFill>
-                  <a:srgbClr val="971720"/>
-                </a:solidFill>
-                <a:latin typeface="Century Gothic"/>
-              </a:rPr>
-              <a:t>: Feedback Linearization </a:t>
+              <a:t>Feedback Linearization </a:t>
             </a:r>
             <a:endParaRPr lang="it-IT" sz="3200" dirty="0"/>
           </a:p>
@@ -10698,6 +12032,69 @@
   <p:tag name="LATEXADDIN" val="\documentclass{article}&#10;\usepackage{amsmath}&#10;\pagestyle{empty}&#10;\begin{document}&#10;&#10;$x_{0E} = &#10;\begin{bmatrix}&#10;0 &amp; 0&#10;\end{bmatrix}$&#10;&#10;&#10;&#10;\end{document}"/>
   <p:tag name="IGUANATEXSIZE" val="20"/>
   <p:tag name="IGUANATEXCURSOR" val="112"/>
+  <p:tag name="TRANSPARENCY" val="Vero"/>
+  <p:tag name="FILENAME" val=""/>
+  <p:tag name="LATEXENGINEID" val="0"/>
+  <p:tag name="TEMPFOLDER" val=".\temp\"/>
+  <p:tag name="LATEXFORMHEIGHT" val="320"/>
+  <p:tag name="LATEXFORMWIDTH" val="385"/>
+  <p:tag name="LATEXFORMWRAP" val="Vero"/>
+  <p:tag name="BITMAPVECTOR" val="0"/>
+</p:tagLst>
+</file>
+
+<file path=ppt/tags/tag21.xml><?xml version="1.0" encoding="utf-8"?>
+<p:tagLst xmlns:a="http://schemas.openxmlformats.org/drawingml/2006/main" xmlns:r="http://schemas.openxmlformats.org/officeDocument/2006/relationships" xmlns:p="http://schemas.openxmlformats.org/presentationml/2006/main">
+  <p:tag name="OUTPUTDPI" val="2000"/>
+  <p:tag name="ORIGINALHEIGHT" val="173,2283"/>
+  <p:tag name="ORIGINALWIDTH" val="730,4087"/>
+  <p:tag name="OUTPUTTYPE" val="PNG"/>
+  <p:tag name="IGUANATEXVERSION" val="160"/>
+  <p:tag name="LATEXADDIN" val="\documentclass{article}&#10;\usepackage{amsmath}&#10;\pagestyle{empty}&#10;\begin{document}&#10;&#10;$T_s = 0.1$&#10;&#10;&#10;\end{document}"/>
+  <p:tag name="IGUANATEXSIZE" val="20"/>
+  <p:tag name="IGUANATEXCURSOR" val="91"/>
+  <p:tag name="TRANSPARENCY" val="Vero"/>
+  <p:tag name="FILENAME" val=""/>
+  <p:tag name="LATEXENGINEID" val="0"/>
+  <p:tag name="TEMPFOLDER" val=".\temp\"/>
+  <p:tag name="LATEXFORMHEIGHT" val="320"/>
+  <p:tag name="LATEXFORMWIDTH" val="385"/>
+  <p:tag name="LATEXFORMWRAP" val="Vero"/>
+  <p:tag name="BITMAPVECTOR" val="0"/>
+</p:tagLst>
+</file>
+
+<file path=ppt/tags/tag22.xml><?xml version="1.0" encoding="utf-8"?>
+<p:tagLst xmlns:a="http://schemas.openxmlformats.org/drawingml/2006/main" xmlns:r="http://schemas.openxmlformats.org/officeDocument/2006/relationships" xmlns:p="http://schemas.openxmlformats.org/presentationml/2006/main">
+  <p:tag name="OUTPUTDPI" val="2000"/>
+  <p:tag name="ORIGINALHEIGHT" val="200,225"/>
+  <p:tag name="ORIGINALWIDTH" val="689,1639"/>
+  <p:tag name="OUTPUTTYPE" val="PNG"/>
+  <p:tag name="IGUANATEXVERSION" val="160"/>
+  <p:tag name="LATEXADDIN" val="\documentclass{article}&#10;\usepackage{amsmath}&#10;\pagestyle{empty}&#10;\begin{document}&#10;&#10;$T_p = 50$&#10;&#10;&#10;\end{document}"/>
+  <p:tag name="IGUANATEXSIZE" val="20"/>
+  <p:tag name="IGUANATEXCURSOR" val="90"/>
+  <p:tag name="TRANSPARENCY" val="Vero"/>
+  <p:tag name="FILENAME" val=""/>
+  <p:tag name="LATEXENGINEID" val="0"/>
+  <p:tag name="TEMPFOLDER" val=".\temp\"/>
+  <p:tag name="LATEXFORMHEIGHT" val="320"/>
+  <p:tag name="LATEXFORMWIDTH" val="385"/>
+  <p:tag name="LATEXFORMWRAP" val="Vero"/>
+  <p:tag name="BITMAPVECTOR" val="0"/>
+</p:tagLst>
+</file>
+
+<file path=ppt/tags/tag23.xml><?xml version="1.0" encoding="utf-8"?>
+<p:tagLst xmlns:a="http://schemas.openxmlformats.org/drawingml/2006/main" xmlns:r="http://schemas.openxmlformats.org/officeDocument/2006/relationships" xmlns:p="http://schemas.openxmlformats.org/presentationml/2006/main">
+  <p:tag name="OUTPUTDPI" val="2000"/>
+  <p:tag name="ORIGINALHEIGHT" val="173,2283"/>
+  <p:tag name="ORIGINALWIDTH" val="572,1785"/>
+  <p:tag name="OUTPUTTYPE" val="PNG"/>
+  <p:tag name="IGUANATEXVERSION" val="160"/>
+  <p:tag name="LATEXADDIN" val="\documentclass{article}&#10;\usepackage{amsmath}&#10;\pagestyle{empty}&#10;\begin{document}&#10;&#10;&#10;$T_c = 5$&#10;&#10;\end{document}"/>
+  <p:tag name="IGUANATEXSIZE" val="20"/>
+  <p:tag name="IGUANATEXCURSOR" val="90"/>
   <p:tag name="TRANSPARENCY" val="Vero"/>
   <p:tag name="FILENAME" val=""/>
   <p:tag name="LATEXENGINEID" val="0"/>

--- a/Presentation.pptx
+++ b/Presentation.pptx
@@ -276,7 +276,7 @@
           <a:p>
             <a:fld id="{0914F915-DDDE-4CAA-895D-614564BB8837}" type="datetimeFigureOut">
               <a:rPr lang="en-GB" smtClean="0"/>
-              <a:t>21/03/2023</a:t>
+              <a:t>22/03/2023</a:t>
             </a:fld>
             <a:endParaRPr lang="en-GB"/>
           </a:p>
@@ -441,7 +441,7 @@
           <a:p>
             <a:fld id="{A9D4C5A5-33D0-4441-96FE-163C8B7C9D3F}" type="datetimeFigureOut">
               <a:rPr lang="en-GB" smtClean="0"/>
-              <a:t>21/03/2023</a:t>
+              <a:t>22/03/2023</a:t>
             </a:fld>
             <a:endParaRPr lang="en-GB"/>
           </a:p>
@@ -1140,7 +1140,7 @@
           <a:p>
             <a:fld id="{2C790A91-0F3D-9944-94EF-F5C93CDE0643}" type="datetimeFigureOut">
               <a:rPr lang="it-IT" smtClean="0"/>
-              <a:t>21/03/2023</a:t>
+              <a:t>22/03/2023</a:t>
             </a:fld>
             <a:endParaRPr lang="it-IT"/>
           </a:p>
@@ -1308,7 +1308,7 @@
           <a:p>
             <a:fld id="{2C790A91-0F3D-9944-94EF-F5C93CDE0643}" type="datetimeFigureOut">
               <a:rPr lang="it-IT" smtClean="0"/>
-              <a:t>21/03/2023</a:t>
+              <a:t>22/03/2023</a:t>
             </a:fld>
             <a:endParaRPr lang="it-IT"/>
           </a:p>
@@ -1486,7 +1486,7 @@
           <a:p>
             <a:fld id="{2C790A91-0F3D-9944-94EF-F5C93CDE0643}" type="datetimeFigureOut">
               <a:rPr lang="it-IT" smtClean="0"/>
-              <a:t>21/03/2023</a:t>
+              <a:t>22/03/2023</a:t>
             </a:fld>
             <a:endParaRPr lang="it-IT"/>
           </a:p>
@@ -1654,7 +1654,7 @@
           <a:p>
             <a:fld id="{2C790A91-0F3D-9944-94EF-F5C93CDE0643}" type="datetimeFigureOut">
               <a:rPr lang="it-IT" smtClean="0"/>
-              <a:t>21/03/2023</a:t>
+              <a:t>22/03/2023</a:t>
             </a:fld>
             <a:endParaRPr lang="it-IT"/>
           </a:p>
@@ -1899,7 +1899,7 @@
           <a:p>
             <a:fld id="{2C790A91-0F3D-9944-94EF-F5C93CDE0643}" type="datetimeFigureOut">
               <a:rPr lang="it-IT" smtClean="0"/>
-              <a:t>21/03/2023</a:t>
+              <a:t>22/03/2023</a:t>
             </a:fld>
             <a:endParaRPr lang="it-IT"/>
           </a:p>
@@ -2184,7 +2184,7 @@
           <a:p>
             <a:fld id="{2C790A91-0F3D-9944-94EF-F5C93CDE0643}" type="datetimeFigureOut">
               <a:rPr lang="it-IT" smtClean="0"/>
-              <a:t>21/03/2023</a:t>
+              <a:t>22/03/2023</a:t>
             </a:fld>
             <a:endParaRPr lang="it-IT"/>
           </a:p>
@@ -2603,7 +2603,7 @@
           <a:p>
             <a:fld id="{2C790A91-0F3D-9944-94EF-F5C93CDE0643}" type="datetimeFigureOut">
               <a:rPr lang="it-IT" smtClean="0"/>
-              <a:t>21/03/2023</a:t>
+              <a:t>22/03/2023</a:t>
             </a:fld>
             <a:endParaRPr lang="it-IT"/>
           </a:p>
@@ -2720,7 +2720,7 @@
           <a:p>
             <a:fld id="{2C790A91-0F3D-9944-94EF-F5C93CDE0643}" type="datetimeFigureOut">
               <a:rPr lang="it-IT" smtClean="0"/>
-              <a:t>21/03/2023</a:t>
+              <a:t>22/03/2023</a:t>
             </a:fld>
             <a:endParaRPr lang="it-IT"/>
           </a:p>
@@ -2815,7 +2815,7 @@
           <a:p>
             <a:fld id="{2C790A91-0F3D-9944-94EF-F5C93CDE0643}" type="datetimeFigureOut">
               <a:rPr lang="it-IT" smtClean="0"/>
-              <a:t>21/03/2023</a:t>
+              <a:t>22/03/2023</a:t>
             </a:fld>
             <a:endParaRPr lang="it-IT"/>
           </a:p>
@@ -3090,7 +3090,7 @@
           <a:p>
             <a:fld id="{2C790A91-0F3D-9944-94EF-F5C93CDE0643}" type="datetimeFigureOut">
               <a:rPr lang="it-IT" smtClean="0"/>
-              <a:t>21/03/2023</a:t>
+              <a:t>22/03/2023</a:t>
             </a:fld>
             <a:endParaRPr lang="it-IT"/>
           </a:p>
@@ -3342,7 +3342,7 @@
           <a:p>
             <a:fld id="{2C790A91-0F3D-9944-94EF-F5C93CDE0643}" type="datetimeFigureOut">
               <a:rPr lang="it-IT" smtClean="0"/>
-              <a:t>21/03/2023</a:t>
+              <a:t>22/03/2023</a:t>
             </a:fld>
             <a:endParaRPr lang="it-IT"/>
           </a:p>
@@ -3553,7 +3553,7 @@
           <a:p>
             <a:fld id="{2C790A91-0F3D-9944-94EF-F5C93CDE0643}" type="datetimeFigureOut">
               <a:rPr lang="it-IT" smtClean="0"/>
-              <a:t>21/03/2023</a:t>
+              <a:t>22/03/2023</a:t>
             </a:fld>
             <a:endParaRPr lang="it-IT"/>
           </a:p>
@@ -4704,6 +4704,18 @@
   <p:clrMapOvr>
     <a:masterClrMapping/>
   </p:clrMapOvr>
+  <mc:AlternateContent xmlns:mc="http://schemas.openxmlformats.org/markup-compatibility/2006" xmlns:p14="http://schemas.microsoft.com/office/powerpoint/2010/main">
+    <mc:Choice Requires="p14">
+      <p:transition spd="slow" p14:dur="1400">
+        <p14:doors dir="vert"/>
+      </p:transition>
+    </mc:Choice>
+    <mc:Fallback xmlns="">
+      <p:transition spd="slow">
+        <p:fade/>
+      </p:transition>
+    </mc:Fallback>
+  </mc:AlternateContent>
 </p:sld>
 </file>
 
@@ -4959,6 +4971,18 @@
   <p:clrMapOvr>
     <a:masterClrMapping/>
   </p:clrMapOvr>
+  <mc:AlternateContent xmlns:mc="http://schemas.openxmlformats.org/markup-compatibility/2006" xmlns:p14="http://schemas.microsoft.com/office/powerpoint/2010/main">
+    <mc:Choice Requires="p14">
+      <p:transition spd="slow" p14:dur="1600">
+        <p14:prism isInverted="1"/>
+      </p:transition>
+    </mc:Choice>
+    <mc:Fallback xmlns="">
+      <p:transition spd="slow">
+        <p:fade/>
+      </p:transition>
+    </mc:Fallback>
+  </mc:AlternateContent>
 </p:sld>
 </file>
 
@@ -5162,6 +5186,18 @@
   <p:clrMapOvr>
     <a:masterClrMapping/>
   </p:clrMapOvr>
+  <mc:AlternateContent xmlns:mc="http://schemas.openxmlformats.org/markup-compatibility/2006" xmlns:p14="http://schemas.microsoft.com/office/powerpoint/2010/main">
+    <mc:Choice Requires="p14">
+      <p:transition spd="slow" p14:dur="1400">
+        <p14:ripple/>
+      </p:transition>
+    </mc:Choice>
+    <mc:Fallback xmlns="">
+      <p:transition spd="slow">
+        <p:fade/>
+      </p:transition>
+    </mc:Fallback>
+  </mc:AlternateContent>
 </p:sld>
 </file>
 
@@ -5349,6 +5385,18 @@
   <p:clrMapOvr>
     <a:masterClrMapping/>
   </p:clrMapOvr>
+  <mc:AlternateContent xmlns:mc="http://schemas.openxmlformats.org/markup-compatibility/2006" xmlns:p15="http://schemas.microsoft.com/office/powerpoint/2012/main">
+    <mc:Choice Requires="p15">
+      <p:transition xmlns:p14="http://schemas.microsoft.com/office/powerpoint/2010/main" spd="slow" p14:dur="2000">
+        <p15:prstTrans prst="wind"/>
+      </p:transition>
+    </mc:Choice>
+    <mc:Fallback xmlns="">
+      <p:transition spd="slow">
+        <p:fade/>
+      </p:transition>
+    </mc:Fallback>
+  </mc:AlternateContent>
 </p:sld>
 </file>
 
@@ -5450,6 +5498,18 @@
   <p:clrMapOvr>
     <a:masterClrMapping/>
   </p:clrMapOvr>
+  <mc:AlternateContent xmlns:mc="http://schemas.openxmlformats.org/markup-compatibility/2006" xmlns:p14="http://schemas.microsoft.com/office/powerpoint/2010/main">
+    <mc:Choice Requires="p14">
+      <p:transition spd="slow" p14:dur="1500">
+        <p14:window dir="vert"/>
+      </p:transition>
+    </mc:Choice>
+    <mc:Fallback xmlns="">
+      <p:transition spd="slow">
+        <p:fade/>
+      </p:transition>
+    </mc:Fallback>
+  </mc:AlternateContent>
 </p:sld>
 </file>
 
@@ -5637,6 +5697,18 @@
   <p:clrMapOvr>
     <a:masterClrMapping/>
   </p:clrMapOvr>
+  <mc:AlternateContent xmlns:mc="http://schemas.openxmlformats.org/markup-compatibility/2006" xmlns:p15="http://schemas.microsoft.com/office/powerpoint/2012/main">
+    <mc:Choice Requires="p15">
+      <p:transition xmlns:p14="http://schemas.microsoft.com/office/powerpoint/2010/main" spd="slow" p14:dur="2000">
+        <p15:prstTrans prst="prestige"/>
+      </p:transition>
+    </mc:Choice>
+    <mc:Fallback xmlns="">
+      <p:transition spd="slow">
+        <p:fade/>
+      </p:transition>
+    </mc:Fallback>
+  </mc:AlternateContent>
 </p:sld>
 </file>
 
@@ -6315,6 +6387,18 @@
   <p:clrMapOvr>
     <a:masterClrMapping/>
   </p:clrMapOvr>
+  <mc:AlternateContent xmlns:mc="http://schemas.openxmlformats.org/markup-compatibility/2006" xmlns:p15="http://schemas.microsoft.com/office/powerpoint/2012/main">
+    <mc:Choice Requires="p15">
+      <p:transition xmlns:p14="http://schemas.microsoft.com/office/powerpoint/2010/main" spd="slow" p14:dur="2000">
+        <p15:prstTrans prst="fracture"/>
+      </p:transition>
+    </mc:Choice>
+    <mc:Fallback xmlns="">
+      <p:transition spd="slow">
+        <p:fade/>
+      </p:transition>
+    </mc:Fallback>
+  </mc:AlternateContent>
 </p:sld>
 </file>
 
@@ -6667,6 +6751,18 @@
   <p:clrMapOvr>
     <a:masterClrMapping/>
   </p:clrMapOvr>
+  <mc:AlternateContent xmlns:mc="http://schemas.openxmlformats.org/markup-compatibility/2006" xmlns:p14="http://schemas.microsoft.com/office/powerpoint/2010/main">
+    <mc:Choice Requires="p14">
+      <p:transition spd="slow" p14:dur="1250">
+        <p14:flip dir="r"/>
+      </p:transition>
+    </mc:Choice>
+    <mc:Fallback xmlns="">
+      <p:transition spd="slow">
+        <p:fade/>
+      </p:transition>
+    </mc:Fallback>
+  </mc:AlternateContent>
 </p:sld>
 </file>
 
@@ -6858,6 +6954,9 @@
   <p:clrMapOvr>
     <a:masterClrMapping/>
   </p:clrMapOvr>
+  <p:transition spd="slow">
+    <p:comb/>
+  </p:transition>
 </p:sld>
 </file>
 
@@ -7003,6 +7102,18 @@
   <p:clrMapOvr>
     <a:masterClrMapping/>
   </p:clrMapOvr>
+  <mc:AlternateContent xmlns:mc="http://schemas.openxmlformats.org/markup-compatibility/2006" xmlns:p15="http://schemas.microsoft.com/office/powerpoint/2012/main">
+    <mc:Choice Requires="p15">
+      <p:transition xmlns:p14="http://schemas.microsoft.com/office/powerpoint/2010/main" spd="slow" p14:dur="1250">
+        <p15:prstTrans prst="pageCurlDouble"/>
+      </p:transition>
+    </mc:Choice>
+    <mc:Fallback xmlns="">
+      <p:transition spd="slow">
+        <p:fade/>
+      </p:transition>
+    </mc:Fallback>
+  </mc:AlternateContent>
 </p:sld>
 </file>
 
@@ -8048,6 +8159,18 @@
   <p:clrMapOvr>
     <a:masterClrMapping/>
   </p:clrMapOvr>
+  <mc:AlternateContent xmlns:mc="http://schemas.openxmlformats.org/markup-compatibility/2006" xmlns:p14="http://schemas.microsoft.com/office/powerpoint/2010/main">
+    <mc:Choice Requires="p14">
+      <p:transition spd="slow" p14:dur="1600">
+        <p14:gallery dir="l"/>
+      </p:transition>
+    </mc:Choice>
+    <mc:Fallback xmlns="">
+      <p:transition spd="slow">
+        <p:fade/>
+      </p:transition>
+    </mc:Fallback>
+  </mc:AlternateContent>
 </p:sld>
 </file>
 
@@ -8189,8 +8312,21 @@
             </a:r>
             <a:r>
               <a:rPr lang="it-IT" sz="2400" dirty="0"/>
-              <a:t> on an open loop analysis of the non linear model</a:t>
-            </a:r>
+              <a:t> on an open loop analysis of the </a:t>
+            </a:r>
+            <a:r>
+              <a:rPr lang="it-IT" sz="2400" dirty="0" err="1"/>
+              <a:t>nonlinear</a:t>
+            </a:r>
+            <a:r>
+              <a:rPr lang="it-IT" sz="2400" dirty="0"/>
+              <a:t> model of the ego </a:t>
+            </a:r>
+            <a:r>
+              <a:rPr lang="it-IT" sz="2400" dirty="0" err="1"/>
+              <a:t>vehicle</a:t>
+            </a:r>
+            <a:endParaRPr lang="it-IT" sz="2400" dirty="0"/>
           </a:p>
           <a:p>
             <a:r>
@@ -8251,7 +8387,7 @@
             </a:r>
             <a:r>
               <a:rPr lang="it-IT" sz="2400" dirty="0" err="1"/>
-              <a:t>desgning</a:t>
+              <a:t>designing</a:t>
             </a:r>
             <a:r>
               <a:rPr lang="it-IT" sz="2400" dirty="0"/>
@@ -8290,13 +8426,248 @@
           <a:p>
             <a:r>
               <a:rPr lang="it-IT" sz="2400" dirty="0"/>
-              <a:t>Controllo lineare e I/O FBL risultano poco robuste a fronte di disturbi matched e variazioni parametriche, e per la FBL a causa del PID si possono avere sforzi di controllo inziali molto elevati.</a:t>
-            </a:r>
-          </a:p>
-          <a:p>
+              <a:t>After </a:t>
+            </a:r>
+            <a:r>
+              <a:rPr lang="it-IT" sz="2400" dirty="0" err="1"/>
+              <a:t>that</a:t>
+            </a:r>
             <a:r>
               <a:rPr lang="it-IT" sz="2400" dirty="0"/>
-              <a:t>Lo SMC mostra ottime prestazioni in tutti i casi considerati, ma è stato necessario agire sul parametro di robustezza, stando attenti a non eccedere per evitare fenomeno di chattering</a:t>
+              <a:t> </a:t>
+            </a:r>
+            <a:r>
+              <a:rPr lang="it-IT" sz="2400" dirty="0" err="1"/>
+              <a:t>we’ve</a:t>
+            </a:r>
+            <a:r>
+              <a:rPr lang="it-IT" sz="2400" dirty="0"/>
+              <a:t> </a:t>
+            </a:r>
+            <a:r>
+              <a:rPr lang="it-IT" sz="2400" dirty="0" err="1"/>
+              <a:t>validated</a:t>
+            </a:r>
+            <a:r>
+              <a:rPr lang="it-IT" sz="2400" dirty="0"/>
+              <a:t> </a:t>
+            </a:r>
+            <a:r>
+              <a:rPr lang="it-IT" sz="2400" dirty="0" err="1"/>
+              <a:t>such</a:t>
+            </a:r>
+            <a:r>
+              <a:rPr lang="it-IT" sz="2400" dirty="0"/>
+              <a:t> controllers </a:t>
+            </a:r>
+            <a:r>
+              <a:rPr lang="it-IT" sz="2400" dirty="0" err="1"/>
+              <a:t>exploiting</a:t>
+            </a:r>
+            <a:r>
+              <a:rPr lang="it-IT" sz="2400" dirty="0"/>
+              <a:t> </a:t>
+            </a:r>
+            <a:r>
+              <a:rPr lang="it-IT" sz="2400" dirty="0" err="1"/>
+              <a:t>Automated</a:t>
+            </a:r>
+            <a:r>
+              <a:rPr lang="it-IT" sz="2400" dirty="0"/>
+              <a:t> </a:t>
+            </a:r>
+            <a:r>
+              <a:rPr lang="it-IT" sz="2400" dirty="0" err="1"/>
+              <a:t>Driving</a:t>
+            </a:r>
+            <a:r>
+              <a:rPr lang="it-IT" sz="2400" dirty="0"/>
+              <a:t> Toolbox, so </a:t>
+            </a:r>
+            <a:r>
+              <a:rPr lang="it-IT" sz="2400" dirty="0" err="1"/>
+              <a:t>considering</a:t>
+            </a:r>
+            <a:r>
+              <a:rPr lang="it-IT" sz="2400" dirty="0"/>
+              <a:t> the leader </a:t>
+            </a:r>
+            <a:r>
+              <a:rPr lang="it-IT" sz="2400" dirty="0" err="1"/>
+              <a:t>vehicle</a:t>
+            </a:r>
+            <a:r>
+              <a:rPr lang="it-IT" sz="2400" dirty="0"/>
+              <a:t> </a:t>
+            </a:r>
+            <a:r>
+              <a:rPr lang="it-IT" sz="2400" dirty="0" err="1"/>
+              <a:t>provided</a:t>
+            </a:r>
+            <a:r>
+              <a:rPr lang="it-IT" sz="2400" dirty="0"/>
+              <a:t> from </a:t>
+            </a:r>
+            <a:r>
+              <a:rPr lang="it-IT" sz="2400" dirty="0" err="1"/>
+              <a:t>such</a:t>
+            </a:r>
+            <a:r>
+              <a:rPr lang="it-IT" sz="2400" dirty="0"/>
+              <a:t> toolbox</a:t>
+            </a:r>
+          </a:p>
+          <a:p>
+            <a:r>
+              <a:rPr lang="it-IT" sz="2400" dirty="0" err="1"/>
+              <a:t>Finally</a:t>
+            </a:r>
+            <a:r>
+              <a:rPr lang="it-IT" sz="2400" dirty="0"/>
+              <a:t> </a:t>
+            </a:r>
+            <a:r>
+              <a:rPr lang="it-IT" sz="2400" dirty="0" err="1"/>
+              <a:t>we</a:t>
+            </a:r>
+            <a:r>
+              <a:rPr lang="it-IT" sz="2400" dirty="0"/>
+              <a:t> </a:t>
+            </a:r>
+            <a:r>
+              <a:rPr lang="it-IT" sz="2400" dirty="0" err="1"/>
+              <a:t>have</a:t>
+            </a:r>
+            <a:r>
+              <a:rPr lang="it-IT" sz="2400" dirty="0"/>
+              <a:t> led an analysis </a:t>
+            </a:r>
+            <a:r>
+              <a:rPr lang="it-IT" sz="2400" dirty="0" err="1"/>
+              <a:t>about</a:t>
+            </a:r>
+            <a:r>
+              <a:rPr lang="it-IT" sz="2400" dirty="0"/>
+              <a:t> </a:t>
+            </a:r>
+            <a:r>
+              <a:rPr lang="it-IT" sz="2400" dirty="0" err="1"/>
+              <a:t>robustness</a:t>
+            </a:r>
+            <a:r>
+              <a:rPr lang="it-IT" sz="2400" dirty="0"/>
+              <a:t> to </a:t>
+            </a:r>
+            <a:r>
+              <a:rPr lang="it-IT" sz="2400" dirty="0" err="1"/>
+              <a:t>parameters</a:t>
+            </a:r>
+            <a:r>
+              <a:rPr lang="it-IT" sz="2400" dirty="0"/>
+              <a:t> </a:t>
+            </a:r>
+            <a:r>
+              <a:rPr lang="it-IT" sz="2400" dirty="0" err="1"/>
+              <a:t>uncertainty</a:t>
+            </a:r>
+            <a:r>
+              <a:rPr lang="it-IT" sz="2400" dirty="0"/>
+              <a:t> on the controller </a:t>
+            </a:r>
+            <a:r>
+              <a:rPr lang="it-IT" sz="2400" dirty="0" err="1"/>
+              <a:t>designed</a:t>
+            </a:r>
+            <a:endParaRPr lang="it-IT" sz="2400" dirty="0"/>
+          </a:p>
+          <a:p>
+            <a:r>
+              <a:rPr lang="it-IT" sz="2400" dirty="0" err="1"/>
+              <a:t>As</a:t>
+            </a:r>
+            <a:r>
+              <a:rPr lang="it-IT" sz="2400" dirty="0"/>
+              <a:t> future </a:t>
+            </a:r>
+            <a:r>
+              <a:rPr lang="it-IT" sz="2400" dirty="0" err="1"/>
+              <a:t>development</a:t>
+            </a:r>
+            <a:r>
+              <a:rPr lang="it-IT" sz="2400" dirty="0"/>
+              <a:t>, an idea </a:t>
+            </a:r>
+            <a:r>
+              <a:rPr lang="it-IT" sz="2400" dirty="0" err="1"/>
+              <a:t>could</a:t>
+            </a:r>
+            <a:r>
+              <a:rPr lang="it-IT" sz="2400" dirty="0"/>
+              <a:t> be </a:t>
+            </a:r>
+            <a:r>
+              <a:rPr lang="it-IT" sz="2400" dirty="0" err="1"/>
+              <a:t>designing</a:t>
+            </a:r>
+            <a:r>
+              <a:rPr lang="it-IT" sz="2400" dirty="0"/>
+              <a:t> an </a:t>
+            </a:r>
+            <a:r>
+              <a:rPr lang="it-IT" sz="2400" dirty="0" err="1"/>
+              <a:t>adaptive</a:t>
+            </a:r>
+            <a:r>
+              <a:rPr lang="it-IT" sz="2400" dirty="0"/>
+              <a:t> model </a:t>
+            </a:r>
+            <a:r>
+              <a:rPr lang="it-IT" sz="2400" dirty="0" err="1"/>
+              <a:t>predictive</a:t>
+            </a:r>
+            <a:r>
+              <a:rPr lang="it-IT" sz="2400" dirty="0"/>
+              <a:t> controller </a:t>
+            </a:r>
+            <a:r>
+              <a:rPr lang="it-IT" sz="2400" dirty="0" err="1"/>
+              <a:t>because</a:t>
+            </a:r>
+            <a:r>
+              <a:rPr lang="it-IT" sz="2400" dirty="0"/>
+              <a:t> of </a:t>
+            </a:r>
+            <a:r>
+              <a:rPr lang="it-IT" sz="2400" dirty="0" err="1"/>
+              <a:t>variation</a:t>
+            </a:r>
+            <a:r>
+              <a:rPr lang="it-IT" sz="2400" dirty="0"/>
+              <a:t> of some </a:t>
+            </a:r>
+            <a:r>
+              <a:rPr lang="it-IT" sz="2400" dirty="0" err="1"/>
+              <a:t>parameters</a:t>
+            </a:r>
+            <a:r>
+              <a:rPr lang="it-IT" sz="2400" dirty="0"/>
+              <a:t>, and </a:t>
+            </a:r>
+            <a:r>
+              <a:rPr lang="it-IT" sz="2400" dirty="0" err="1"/>
+              <a:t>nonlinear</a:t>
+            </a:r>
+            <a:r>
+              <a:rPr lang="it-IT" sz="2400" dirty="0"/>
+              <a:t> model </a:t>
+            </a:r>
+            <a:r>
+              <a:rPr lang="it-IT" sz="2400" dirty="0" err="1"/>
+              <a:t>predictive</a:t>
+            </a:r>
+            <a:r>
+              <a:rPr lang="it-IT" sz="2400" dirty="0"/>
+              <a:t> controller.</a:t>
             </a:r>
           </a:p>
           <a:p>
@@ -8314,6 +8685,18 @@
   <p:clrMapOvr>
     <a:masterClrMapping/>
   </p:clrMapOvr>
+  <mc:AlternateContent xmlns:mc="http://schemas.openxmlformats.org/markup-compatibility/2006" xmlns:p14="http://schemas.microsoft.com/office/powerpoint/2010/main">
+    <mc:Choice Requires="p14">
+      <p:transition spd="slow" p14:dur="800">
+        <p14:flythrough/>
+      </p:transition>
+    </mc:Choice>
+    <mc:Fallback xmlns="">
+      <p:transition spd="slow">
+        <p:fade/>
+      </p:transition>
+    </mc:Fallback>
+  </mc:AlternateContent>
 </p:sld>
 </file>
 
@@ -9675,6 +10058,18 @@
   <p:clrMapOvr>
     <a:masterClrMapping/>
   </p:clrMapOvr>
+  <mc:AlternateContent xmlns:mc="http://schemas.openxmlformats.org/markup-compatibility/2006" xmlns:p14="http://schemas.microsoft.com/office/powerpoint/2010/main">
+    <mc:Choice Requires="p14">
+      <p:transition spd="slow" p14:dur="1200">
+        <p14:prism/>
+      </p:transition>
+    </mc:Choice>
+    <mc:Fallback xmlns="">
+      <p:transition spd="slow">
+        <p:fade/>
+      </p:transition>
+    </mc:Fallback>
+  </mc:AlternateContent>
 </p:sld>
 </file>
 
@@ -9955,6 +10350,18 @@
   <p:clrMapOvr>
     <a:masterClrMapping/>
   </p:clrMapOvr>
+  <mc:AlternateContent xmlns:mc="http://schemas.openxmlformats.org/markup-compatibility/2006" xmlns:p14="http://schemas.microsoft.com/office/powerpoint/2010/main">
+    <mc:Choice Requires="p14">
+      <p:transition spd="slow" p14:dur="1200">
+        <p14:prism/>
+      </p:transition>
+    </mc:Choice>
+    <mc:Fallback xmlns="">
+      <p:transition spd="slow">
+        <p:fade/>
+      </p:transition>
+    </mc:Fallback>
+  </mc:AlternateContent>
 </p:sld>
 </file>
 
@@ -10456,6 +10863,18 @@
   <p:clrMapOvr>
     <a:masterClrMapping/>
   </p:clrMapOvr>
+  <mc:AlternateContent xmlns:mc="http://schemas.openxmlformats.org/markup-compatibility/2006" xmlns:p14="http://schemas.microsoft.com/office/powerpoint/2010/main">
+    <mc:Choice Requires="p14">
+      <p:transition spd="slow" p14:dur="1200">
+        <p14:prism/>
+      </p:transition>
+    </mc:Choice>
+    <mc:Fallback xmlns="">
+      <p:transition spd="slow">
+        <p:fade/>
+      </p:transition>
+    </mc:Fallback>
+  </mc:AlternateContent>
 </p:sld>
 </file>
 
@@ -10677,6 +11096,18 @@
   <p:clrMapOvr>
     <a:masterClrMapping/>
   </p:clrMapOvr>
+  <mc:AlternateContent xmlns:mc="http://schemas.openxmlformats.org/markup-compatibility/2006" xmlns:p14="http://schemas.microsoft.com/office/powerpoint/2010/main">
+    <mc:Choice Requires="p14">
+      <p:transition spd="slow" p14:dur="1400">
+        <p14:doors dir="vert"/>
+      </p:transition>
+    </mc:Choice>
+    <mc:Fallback xmlns="">
+      <p:transition spd="slow">
+        <p:fade/>
+      </p:transition>
+    </mc:Fallback>
+  </mc:AlternateContent>
 </p:sld>
 </file>
 
@@ -11336,6 +11767,18 @@
   <p:clrMapOvr>
     <a:masterClrMapping/>
   </p:clrMapOvr>
+  <mc:AlternateContent xmlns:mc="http://schemas.openxmlformats.org/markup-compatibility/2006" xmlns:p14="http://schemas.microsoft.com/office/powerpoint/2010/main">
+    <mc:Choice Requires="p14">
+      <p:transition spd="slow" p14:dur="1400">
+        <p14:doors dir="vert"/>
+      </p:transition>
+    </mc:Choice>
+    <mc:Fallback xmlns="">
+      <p:transition spd="slow">
+        <p:fade/>
+      </p:transition>
+    </mc:Fallback>
+  </mc:AlternateContent>
 </p:sld>
 </file>
 
@@ -11767,6 +12210,18 @@
   <p:clrMapOvr>
     <a:masterClrMapping/>
   </p:clrMapOvr>
+  <mc:AlternateContent xmlns:mc="http://schemas.openxmlformats.org/markup-compatibility/2006" xmlns:p14="http://schemas.microsoft.com/office/powerpoint/2010/main">
+    <mc:Choice Requires="p14">
+      <p:transition spd="slow" p14:dur="1400">
+        <p14:doors dir="vert"/>
+      </p:transition>
+    </mc:Choice>
+    <mc:Fallback xmlns="">
+      <p:transition spd="slow">
+        <p:fade/>
+      </p:transition>
+    </mc:Fallback>
+  </mc:AlternateContent>
 </p:sld>
 </file>
 

--- a/Presentation.pptx
+++ b/Presentation.pptx
@@ -4501,7 +4501,7 @@
         </p:nvSpPr>
         <p:spPr>
           <a:xfrm>
-            <a:off x="242594" y="214604"/>
+            <a:off x="242594" y="82584"/>
             <a:ext cx="6326157" cy="584775"/>
           </a:xfrm>
           <a:prstGeom prst="rect">
@@ -4554,7 +4554,7 @@
         </p:blipFill>
         <p:spPr>
           <a:xfrm>
-            <a:off x="312886" y="5030156"/>
+            <a:off x="312886" y="4844022"/>
             <a:ext cx="2833187" cy="1417298"/>
           </a:xfrm>
           <a:prstGeom prst="rect">
@@ -4588,7 +4588,7 @@
         </p:blipFill>
         <p:spPr>
           <a:xfrm>
-            <a:off x="3799183" y="5052812"/>
+            <a:off x="3799183" y="4844022"/>
             <a:ext cx="1545632" cy="894783"/>
           </a:xfrm>
           <a:prstGeom prst="rect">
@@ -4622,7 +4622,7 @@
         </p:blipFill>
         <p:spPr>
           <a:xfrm>
-            <a:off x="3922176" y="6211635"/>
+            <a:off x="3799183" y="5947686"/>
             <a:ext cx="2474099" cy="313634"/>
           </a:xfrm>
           <a:prstGeom prst="rect">
@@ -4656,7 +4656,7 @@
         </p:blipFill>
         <p:spPr>
           <a:xfrm>
-            <a:off x="7172378" y="5195811"/>
+            <a:off x="7172378" y="4827997"/>
             <a:ext cx="1409841" cy="1161206"/>
           </a:xfrm>
           <a:prstGeom prst="rect">
@@ -4686,12 +4686,136 @@
         </p:blipFill>
         <p:spPr>
           <a:xfrm>
-            <a:off x="-1" y="799379"/>
+            <a:off x="-1" y="657747"/>
             <a:ext cx="9144000" cy="3947818"/>
           </a:xfrm>
           <a:prstGeom prst="rect">
             <a:avLst/>
           </a:prstGeom>
+        </p:spPr>
+      </p:pic>
+      <p:sp>
+        <p:nvSpPr>
+          <p:cNvPr id="8" name="Rettangolo 10">
+            <a:extLst>
+              <a:ext uri="{FF2B5EF4-FFF2-40B4-BE49-F238E27FC236}">
+                <a16:creationId xmlns:a16="http://schemas.microsoft.com/office/drawing/2014/main" id="{A2C329F2-27FB-450D-8858-8F5C2D9F86FE}"/>
+              </a:ext>
+            </a:extLst>
+          </p:cNvPr>
+          <p:cNvSpPr/>
+          <p:nvPr/>
+        </p:nvSpPr>
+        <p:spPr>
+          <a:xfrm>
+            <a:off x="0" y="6488910"/>
+            <a:ext cx="9144000" cy="360000"/>
+          </a:xfrm>
+          <a:prstGeom prst="rect">
+            <a:avLst/>
+          </a:prstGeom>
+          <a:solidFill>
+            <a:srgbClr val="FFDC00"/>
+          </a:solidFill>
+          <a:ln w="9525" cap="flat" cmpd="sng" algn="ctr">
+            <a:solidFill>
+              <a:srgbClr val="162230"/>
+            </a:solidFill>
+            <a:prstDash val="solid"/>
+          </a:ln>
+          <a:effectLst/>
+        </p:spPr>
+        <p:txBody>
+          <a:bodyPr rtlCol="0" anchor="ctr"/>
+          <a:lstStyle/>
+          <a:p>
+            <a:pPr marL="0" marR="0" lvl="0" indent="0" algn="r" defTabSz="914400" eaLnBrk="1" fontAlgn="auto" latinLnBrk="0" hangingPunct="1">
+              <a:lnSpc>
+                <a:spcPct val="100000"/>
+              </a:lnSpc>
+              <a:spcBef>
+                <a:spcPts val="0"/>
+              </a:spcBef>
+              <a:spcAft>
+                <a:spcPts val="0"/>
+              </a:spcAft>
+              <a:buClrTx/>
+              <a:buSzTx/>
+              <a:buFontTx/>
+              <a:buNone/>
+              <a:tabLst/>
+              <a:defRPr/>
+            </a:pPr>
+            <a:r>
+              <a:rPr lang="it-IT" dirty="0">
+                <a:solidFill>
+                  <a:srgbClr val="162230"/>
+                </a:solidFill>
+                <a:latin typeface="Century Gothic"/>
+                <a:cs typeface="Century Gothic"/>
+              </a:rPr>
+              <a:t>9/20</a:t>
+            </a:r>
+            <a:endParaRPr kumimoji="0" lang="it-IT" sz="1800" b="0" i="0" u="none" strike="noStrike" kern="0" cap="none" spc="0" normalizeH="0" baseline="0" noProof="0" dirty="0">
+              <a:ln>
+                <a:noFill/>
+              </a:ln>
+              <a:solidFill>
+                <a:prstClr val="white"/>
+              </a:solidFill>
+              <a:effectLst/>
+              <a:uLnTx/>
+              <a:uFillTx/>
+              <a:latin typeface="Calibri"/>
+            </a:endParaRPr>
+          </a:p>
+        </p:txBody>
+      </p:sp>
+      <p:pic>
+        <p:nvPicPr>
+          <p:cNvPr id="9" name="Picture 2" descr="C:\Bruno\campus\unina\Stationery\Dipartimenti\DIETI\Logo_DIETI_Porte.png">
+            <a:extLst>
+              <a:ext uri="{FF2B5EF4-FFF2-40B4-BE49-F238E27FC236}">
+                <a16:creationId xmlns:a16="http://schemas.microsoft.com/office/drawing/2014/main" id="{338E445B-BE3A-4528-A584-224E837511A8}"/>
+              </a:ext>
+            </a:extLst>
+          </p:cNvPr>
+          <p:cNvPicPr>
+            <a:picLocks noChangeAspect="1" noChangeArrowheads="1"/>
+          </p:cNvPicPr>
+          <p:nvPr/>
+        </p:nvPicPr>
+        <p:blipFill>
+          <a:blip r:embed="rId11" cstate="print">
+            <a:extLst>
+              <a:ext uri="{28A0092B-C50C-407E-A947-70E740481C1C}">
+                <a14:useLocalDpi xmlns:a14="http://schemas.microsoft.com/office/drawing/2010/main" val="0"/>
+              </a:ext>
+            </a:extLst>
+          </a:blip>
+          <a:srcRect/>
+          <a:stretch>
+            <a:fillRect/>
+          </a:stretch>
+        </p:blipFill>
+        <p:spPr bwMode="auto">
+          <a:xfrm>
+            <a:off x="30673" y="6508622"/>
+            <a:ext cx="988444" cy="320576"/>
+          </a:xfrm>
+          <a:prstGeom prst="rect">
+            <a:avLst/>
+          </a:prstGeom>
+          <a:noFill/>
+          <a:extLst>
+            <a:ext uri="{909E8E84-426E-40DD-AFC4-6F175D3DCCD1}">
+              <a14:hiddenFill xmlns:a14="http://schemas.microsoft.com/office/drawing/2010/main">
+                <a:solidFill>
+                  <a:srgbClr val="FFFFFF"/>
+                </a:solidFill>
+              </a14:hiddenFill>
+            </a:ext>
+          </a:extLst>
         </p:spPr>
       </p:pic>
     </p:spTree>
@@ -4798,7 +4922,7 @@
         </p:blipFill>
         <p:spPr>
           <a:xfrm>
-            <a:off x="438538" y="1165651"/>
+            <a:off x="438538" y="819757"/>
             <a:ext cx="3862874" cy="2846174"/>
           </a:xfrm>
           <a:prstGeom prst="rect">
@@ -4827,7 +4951,7 @@
         </p:blipFill>
         <p:spPr>
           <a:xfrm>
-            <a:off x="4534678" y="1141197"/>
+            <a:off x="4478695" y="795303"/>
             <a:ext cx="4049486" cy="2870628"/>
           </a:xfrm>
           <a:prstGeom prst="rect">
@@ -4856,7 +4980,7 @@
         </p:blipFill>
         <p:spPr>
           <a:xfrm>
-            <a:off x="438538" y="4011825"/>
+            <a:off x="475859" y="3591287"/>
             <a:ext cx="3862875" cy="2846175"/>
           </a:xfrm>
           <a:prstGeom prst="rect">
@@ -4885,7 +5009,7 @@
         </p:blipFill>
         <p:spPr>
           <a:xfrm>
-            <a:off x="4572000" y="4011825"/>
+            <a:off x="4516017" y="3591287"/>
             <a:ext cx="4012164" cy="2831054"/>
           </a:xfrm>
           <a:prstGeom prst="rect">
@@ -4919,7 +5043,7 @@
         </p:blipFill>
         <p:spPr>
           <a:xfrm>
-            <a:off x="3534229" y="516214"/>
+            <a:off x="3478098" y="279609"/>
             <a:ext cx="1646629" cy="303543"/>
           </a:xfrm>
           <a:prstGeom prst="rect">
@@ -4953,12 +5077,136 @@
         </p:blipFill>
         <p:spPr>
           <a:xfrm>
-            <a:off x="5740401" y="498316"/>
+            <a:off x="5628434" y="279608"/>
             <a:ext cx="1412571" cy="303543"/>
           </a:xfrm>
           <a:prstGeom prst="rect">
             <a:avLst/>
           </a:prstGeom>
+        </p:spPr>
+      </p:pic>
+      <p:sp>
+        <p:nvSpPr>
+          <p:cNvPr id="11" name="Rettangolo 10">
+            <a:extLst>
+              <a:ext uri="{FF2B5EF4-FFF2-40B4-BE49-F238E27FC236}">
+                <a16:creationId xmlns:a16="http://schemas.microsoft.com/office/drawing/2014/main" id="{EB6A2984-D28F-41F5-994C-91FAF3EA71A9}"/>
+              </a:ext>
+            </a:extLst>
+          </p:cNvPr>
+          <p:cNvSpPr/>
+          <p:nvPr/>
+        </p:nvSpPr>
+        <p:spPr>
+          <a:xfrm>
+            <a:off x="0" y="6488910"/>
+            <a:ext cx="9144000" cy="360000"/>
+          </a:xfrm>
+          <a:prstGeom prst="rect">
+            <a:avLst/>
+          </a:prstGeom>
+          <a:solidFill>
+            <a:srgbClr val="FFDC00"/>
+          </a:solidFill>
+          <a:ln w="9525" cap="flat" cmpd="sng" algn="ctr">
+            <a:solidFill>
+              <a:srgbClr val="162230"/>
+            </a:solidFill>
+            <a:prstDash val="solid"/>
+          </a:ln>
+          <a:effectLst/>
+        </p:spPr>
+        <p:txBody>
+          <a:bodyPr rtlCol="0" anchor="ctr"/>
+          <a:lstStyle/>
+          <a:p>
+            <a:pPr marL="0" marR="0" lvl="0" indent="0" algn="r" defTabSz="914400" eaLnBrk="1" fontAlgn="auto" latinLnBrk="0" hangingPunct="1">
+              <a:lnSpc>
+                <a:spcPct val="100000"/>
+              </a:lnSpc>
+              <a:spcBef>
+                <a:spcPts val="0"/>
+              </a:spcBef>
+              <a:spcAft>
+                <a:spcPts val="0"/>
+              </a:spcAft>
+              <a:buClrTx/>
+              <a:buSzTx/>
+              <a:buFontTx/>
+              <a:buNone/>
+              <a:tabLst/>
+              <a:defRPr/>
+            </a:pPr>
+            <a:r>
+              <a:rPr lang="it-IT" dirty="0">
+                <a:solidFill>
+                  <a:srgbClr val="162230"/>
+                </a:solidFill>
+                <a:latin typeface="Century Gothic"/>
+                <a:cs typeface="Century Gothic"/>
+              </a:rPr>
+              <a:t>10/20</a:t>
+            </a:r>
+            <a:endParaRPr kumimoji="0" lang="it-IT" sz="1800" b="0" i="0" u="none" strike="noStrike" kern="0" cap="none" spc="0" normalizeH="0" baseline="0" noProof="0" dirty="0">
+              <a:ln>
+                <a:noFill/>
+              </a:ln>
+              <a:solidFill>
+                <a:prstClr val="white"/>
+              </a:solidFill>
+              <a:effectLst/>
+              <a:uLnTx/>
+              <a:uFillTx/>
+              <a:latin typeface="Calibri"/>
+            </a:endParaRPr>
+          </a:p>
+        </p:txBody>
+      </p:sp>
+      <p:pic>
+        <p:nvPicPr>
+          <p:cNvPr id="12" name="Picture 2" descr="C:\Bruno\campus\unina\Stationery\Dipartimenti\DIETI\Logo_DIETI_Porte.png">
+            <a:extLst>
+              <a:ext uri="{FF2B5EF4-FFF2-40B4-BE49-F238E27FC236}">
+                <a16:creationId xmlns:a16="http://schemas.microsoft.com/office/drawing/2014/main" id="{35A1A5DA-7138-44F9-9CF7-2D20C49799A7}"/>
+              </a:ext>
+            </a:extLst>
+          </p:cNvPr>
+          <p:cNvPicPr>
+            <a:picLocks noChangeAspect="1" noChangeArrowheads="1"/>
+          </p:cNvPicPr>
+          <p:nvPr/>
+        </p:nvPicPr>
+        <p:blipFill>
+          <a:blip r:embed="rId10" cstate="print">
+            <a:extLst>
+              <a:ext uri="{28A0092B-C50C-407E-A947-70E740481C1C}">
+                <a14:useLocalDpi xmlns:a14="http://schemas.microsoft.com/office/drawing/2010/main" val="0"/>
+              </a:ext>
+            </a:extLst>
+          </a:blip>
+          <a:srcRect/>
+          <a:stretch>
+            <a:fillRect/>
+          </a:stretch>
+        </p:blipFill>
+        <p:spPr bwMode="auto">
+          <a:xfrm>
+            <a:off x="30673" y="6508622"/>
+            <a:ext cx="988444" cy="320576"/>
+          </a:xfrm>
+          <a:prstGeom prst="rect">
+            <a:avLst/>
+          </a:prstGeom>
+          <a:noFill/>
+          <a:extLst>
+            <a:ext uri="{909E8E84-426E-40DD-AFC4-6F175D3DCCD1}">
+              <a14:hiddenFill xmlns:a14="http://schemas.microsoft.com/office/drawing/2010/main">
+                <a:solidFill>
+                  <a:srgbClr val="FFFFFF"/>
+                </a:solidFill>
+              </a14:hiddenFill>
+            </a:ext>
+          </a:extLst>
         </p:spPr>
       </p:pic>
     </p:spTree>
@@ -5176,6 +5424,130 @@
           </a:prstGeom>
         </p:spPr>
       </p:pic>
+      <p:sp>
+        <p:nvSpPr>
+          <p:cNvPr id="8" name="Rettangolo 10">
+            <a:extLst>
+              <a:ext uri="{FF2B5EF4-FFF2-40B4-BE49-F238E27FC236}">
+                <a16:creationId xmlns:a16="http://schemas.microsoft.com/office/drawing/2014/main" id="{2FB81B30-D056-4041-B6D8-CD1352A5CA52}"/>
+              </a:ext>
+            </a:extLst>
+          </p:cNvPr>
+          <p:cNvSpPr/>
+          <p:nvPr/>
+        </p:nvSpPr>
+        <p:spPr>
+          <a:xfrm>
+            <a:off x="0" y="6488910"/>
+            <a:ext cx="9144000" cy="360000"/>
+          </a:xfrm>
+          <a:prstGeom prst="rect">
+            <a:avLst/>
+          </a:prstGeom>
+          <a:solidFill>
+            <a:srgbClr val="FFDC00"/>
+          </a:solidFill>
+          <a:ln w="9525" cap="flat" cmpd="sng" algn="ctr">
+            <a:solidFill>
+              <a:srgbClr val="162230"/>
+            </a:solidFill>
+            <a:prstDash val="solid"/>
+          </a:ln>
+          <a:effectLst/>
+        </p:spPr>
+        <p:txBody>
+          <a:bodyPr rtlCol="0" anchor="ctr"/>
+          <a:lstStyle/>
+          <a:p>
+            <a:pPr marL="0" marR="0" lvl="0" indent="0" algn="r" defTabSz="914400" eaLnBrk="1" fontAlgn="auto" latinLnBrk="0" hangingPunct="1">
+              <a:lnSpc>
+                <a:spcPct val="100000"/>
+              </a:lnSpc>
+              <a:spcBef>
+                <a:spcPts val="0"/>
+              </a:spcBef>
+              <a:spcAft>
+                <a:spcPts val="0"/>
+              </a:spcAft>
+              <a:buClrTx/>
+              <a:buSzTx/>
+              <a:buFontTx/>
+              <a:buNone/>
+              <a:tabLst/>
+              <a:defRPr/>
+            </a:pPr>
+            <a:r>
+              <a:rPr lang="it-IT" dirty="0">
+                <a:solidFill>
+                  <a:srgbClr val="162230"/>
+                </a:solidFill>
+                <a:latin typeface="Century Gothic"/>
+                <a:cs typeface="Century Gothic"/>
+              </a:rPr>
+              <a:t>11/20</a:t>
+            </a:r>
+            <a:endParaRPr kumimoji="0" lang="it-IT" sz="1800" b="0" i="0" u="none" strike="noStrike" kern="0" cap="none" spc="0" normalizeH="0" baseline="0" noProof="0" dirty="0">
+              <a:ln>
+                <a:noFill/>
+              </a:ln>
+              <a:solidFill>
+                <a:prstClr val="white"/>
+              </a:solidFill>
+              <a:effectLst/>
+              <a:uLnTx/>
+              <a:uFillTx/>
+              <a:latin typeface="Calibri"/>
+            </a:endParaRPr>
+          </a:p>
+        </p:txBody>
+      </p:sp>
+      <p:pic>
+        <p:nvPicPr>
+          <p:cNvPr id="10" name="Picture 2" descr="C:\Bruno\campus\unina\Stationery\Dipartimenti\DIETI\Logo_DIETI_Porte.png">
+            <a:extLst>
+              <a:ext uri="{FF2B5EF4-FFF2-40B4-BE49-F238E27FC236}">
+                <a16:creationId xmlns:a16="http://schemas.microsoft.com/office/drawing/2014/main" id="{3E3931EC-EFCE-4B06-A123-42166D7E8766}"/>
+              </a:ext>
+            </a:extLst>
+          </p:cNvPr>
+          <p:cNvPicPr>
+            <a:picLocks noChangeAspect="1" noChangeArrowheads="1"/>
+          </p:cNvPicPr>
+          <p:nvPr/>
+        </p:nvPicPr>
+        <p:blipFill>
+          <a:blip r:embed="rId9" cstate="print">
+            <a:extLst>
+              <a:ext uri="{28A0092B-C50C-407E-A947-70E740481C1C}">
+                <a14:useLocalDpi xmlns:a14="http://schemas.microsoft.com/office/drawing/2010/main" val="0"/>
+              </a:ext>
+            </a:extLst>
+          </a:blip>
+          <a:srcRect/>
+          <a:stretch>
+            <a:fillRect/>
+          </a:stretch>
+        </p:blipFill>
+        <p:spPr bwMode="auto">
+          <a:xfrm>
+            <a:off x="30673" y="6508622"/>
+            <a:ext cx="988444" cy="320576"/>
+          </a:xfrm>
+          <a:prstGeom prst="rect">
+            <a:avLst/>
+          </a:prstGeom>
+          <a:noFill/>
+          <a:extLst>
+            <a:ext uri="{909E8E84-426E-40DD-AFC4-6F175D3DCCD1}">
+              <a14:hiddenFill xmlns:a14="http://schemas.microsoft.com/office/drawing/2010/main">
+                <a:solidFill>
+                  <a:srgbClr val="FFFFFF"/>
+                </a:solidFill>
+              </a14:hiddenFill>
+            </a:ext>
+          </a:extLst>
+        </p:spPr>
+      </p:pic>
     </p:spTree>
     <p:extLst>
       <p:ext uri="{BB962C8B-B14F-4D97-AF65-F5344CB8AC3E}">
@@ -5280,8 +5652,8 @@
         </p:blipFill>
         <p:spPr>
           <a:xfrm>
-            <a:off x="185668" y="564304"/>
-            <a:ext cx="4031769" cy="3219109"/>
+            <a:off x="235254" y="533654"/>
+            <a:ext cx="3748976" cy="2993317"/>
           </a:xfrm>
           <a:prstGeom prst="rect">
             <a:avLst/>
@@ -5309,7 +5681,7 @@
         </p:blipFill>
         <p:spPr>
           <a:xfrm>
-            <a:off x="4749282" y="564304"/>
+            <a:off x="4695967" y="221704"/>
             <a:ext cx="3953661" cy="3221674"/>
           </a:xfrm>
           <a:prstGeom prst="rect">
@@ -5338,8 +5710,8 @@
         </p:blipFill>
         <p:spPr>
           <a:xfrm>
-            <a:off x="313362" y="3636326"/>
-            <a:ext cx="3904075" cy="3199715"/>
+            <a:off x="314565" y="3526971"/>
+            <a:ext cx="3585631" cy="2938724"/>
           </a:xfrm>
           <a:prstGeom prst="rect">
             <a:avLst/>
@@ -5362,17 +5734,141 @@
         </p:nvPicPr>
         <p:blipFill rotWithShape="1">
           <a:blip r:embed="rId5"/>
-          <a:srcRect l="5912" t="2881" r="6892"/>
+          <a:srcRect l="5912" t="2880" r="6892" b="1950"/>
           <a:stretch/>
         </p:blipFill>
         <p:spPr>
           <a:xfrm>
-            <a:off x="4774074" y="3596654"/>
-            <a:ext cx="3904075" cy="3261346"/>
-          </a:xfrm>
-          <a:prstGeom prst="rect">
-            <a:avLst/>
-          </a:prstGeom>
+            <a:off x="4800069" y="3429000"/>
+            <a:ext cx="3745455" cy="3066030"/>
+          </a:xfrm>
+          <a:prstGeom prst="rect">
+            <a:avLst/>
+          </a:prstGeom>
+        </p:spPr>
+      </p:pic>
+      <p:sp>
+        <p:nvSpPr>
+          <p:cNvPr id="7" name="Rettangolo 10">
+            <a:extLst>
+              <a:ext uri="{FF2B5EF4-FFF2-40B4-BE49-F238E27FC236}">
+                <a16:creationId xmlns:a16="http://schemas.microsoft.com/office/drawing/2014/main" id="{5BB80A98-48B1-4F02-8D0D-B7EA58374CBB}"/>
+              </a:ext>
+            </a:extLst>
+          </p:cNvPr>
+          <p:cNvSpPr/>
+          <p:nvPr/>
+        </p:nvSpPr>
+        <p:spPr>
+          <a:xfrm>
+            <a:off x="0" y="6488910"/>
+            <a:ext cx="9144000" cy="360000"/>
+          </a:xfrm>
+          <a:prstGeom prst="rect">
+            <a:avLst/>
+          </a:prstGeom>
+          <a:solidFill>
+            <a:srgbClr val="FFDC00"/>
+          </a:solidFill>
+          <a:ln w="9525" cap="flat" cmpd="sng" algn="ctr">
+            <a:solidFill>
+              <a:srgbClr val="162230"/>
+            </a:solidFill>
+            <a:prstDash val="solid"/>
+          </a:ln>
+          <a:effectLst/>
+        </p:spPr>
+        <p:txBody>
+          <a:bodyPr rtlCol="0" anchor="ctr"/>
+          <a:lstStyle/>
+          <a:p>
+            <a:pPr marL="0" marR="0" lvl="0" indent="0" algn="r" defTabSz="914400" eaLnBrk="1" fontAlgn="auto" latinLnBrk="0" hangingPunct="1">
+              <a:lnSpc>
+                <a:spcPct val="100000"/>
+              </a:lnSpc>
+              <a:spcBef>
+                <a:spcPts val="0"/>
+              </a:spcBef>
+              <a:spcAft>
+                <a:spcPts val="0"/>
+              </a:spcAft>
+              <a:buClrTx/>
+              <a:buSzTx/>
+              <a:buFontTx/>
+              <a:buNone/>
+              <a:tabLst/>
+              <a:defRPr/>
+            </a:pPr>
+            <a:r>
+              <a:rPr lang="it-IT" dirty="0">
+                <a:solidFill>
+                  <a:srgbClr val="162230"/>
+                </a:solidFill>
+                <a:latin typeface="Century Gothic"/>
+                <a:cs typeface="Century Gothic"/>
+              </a:rPr>
+              <a:t>12/20</a:t>
+            </a:r>
+            <a:endParaRPr kumimoji="0" lang="it-IT" sz="1800" b="0" i="0" u="none" strike="noStrike" kern="0" cap="none" spc="0" normalizeH="0" baseline="0" noProof="0" dirty="0">
+              <a:ln>
+                <a:noFill/>
+              </a:ln>
+              <a:solidFill>
+                <a:prstClr val="white"/>
+              </a:solidFill>
+              <a:effectLst/>
+              <a:uLnTx/>
+              <a:uFillTx/>
+              <a:latin typeface="Calibri"/>
+            </a:endParaRPr>
+          </a:p>
+        </p:txBody>
+      </p:sp>
+      <p:pic>
+        <p:nvPicPr>
+          <p:cNvPr id="9" name="Picture 2" descr="C:\Bruno\campus\unina\Stationery\Dipartimenti\DIETI\Logo_DIETI_Porte.png">
+            <a:extLst>
+              <a:ext uri="{FF2B5EF4-FFF2-40B4-BE49-F238E27FC236}">
+                <a16:creationId xmlns:a16="http://schemas.microsoft.com/office/drawing/2014/main" id="{F92048B1-8670-447B-9EE1-E673086B81A1}"/>
+              </a:ext>
+            </a:extLst>
+          </p:cNvPr>
+          <p:cNvPicPr>
+            <a:picLocks noChangeAspect="1" noChangeArrowheads="1"/>
+          </p:cNvPicPr>
+          <p:nvPr/>
+        </p:nvPicPr>
+        <p:blipFill>
+          <a:blip r:embed="rId6" cstate="print">
+            <a:extLst>
+              <a:ext uri="{28A0092B-C50C-407E-A947-70E740481C1C}">
+                <a14:useLocalDpi xmlns:a14="http://schemas.microsoft.com/office/drawing/2010/main" val="0"/>
+              </a:ext>
+            </a:extLst>
+          </a:blip>
+          <a:srcRect/>
+          <a:stretch>
+            <a:fillRect/>
+          </a:stretch>
+        </p:blipFill>
+        <p:spPr bwMode="auto">
+          <a:xfrm>
+            <a:off x="30673" y="6508622"/>
+            <a:ext cx="988444" cy="320576"/>
+          </a:xfrm>
+          <a:prstGeom prst="rect">
+            <a:avLst/>
+          </a:prstGeom>
+          <a:noFill/>
+          <a:extLst>
+            <a:ext uri="{909E8E84-426E-40DD-AFC4-6F175D3DCCD1}">
+              <a14:hiddenFill xmlns:a14="http://schemas.microsoft.com/office/drawing/2010/main">
+                <a:solidFill>
+                  <a:srgbClr val="FFFFFF"/>
+                </a:solidFill>
+              </a14:hiddenFill>
+            </a:ext>
+          </a:extLst>
         </p:spPr>
       </p:pic>
     </p:spTree>
@@ -5488,6 +5984,130 @@
           </a:prstGeom>
         </p:spPr>
       </p:pic>
+      <p:sp>
+        <p:nvSpPr>
+          <p:cNvPr id="5" name="Rettangolo 10">
+            <a:extLst>
+              <a:ext uri="{FF2B5EF4-FFF2-40B4-BE49-F238E27FC236}">
+                <a16:creationId xmlns:a16="http://schemas.microsoft.com/office/drawing/2014/main" id="{94F1EC0D-8A0B-4F14-BD92-F3FDF877E870}"/>
+              </a:ext>
+            </a:extLst>
+          </p:cNvPr>
+          <p:cNvSpPr/>
+          <p:nvPr/>
+        </p:nvSpPr>
+        <p:spPr>
+          <a:xfrm>
+            <a:off x="0" y="6488910"/>
+            <a:ext cx="9144000" cy="360000"/>
+          </a:xfrm>
+          <a:prstGeom prst="rect">
+            <a:avLst/>
+          </a:prstGeom>
+          <a:solidFill>
+            <a:srgbClr val="FFDC00"/>
+          </a:solidFill>
+          <a:ln w="9525" cap="flat" cmpd="sng" algn="ctr">
+            <a:solidFill>
+              <a:srgbClr val="162230"/>
+            </a:solidFill>
+            <a:prstDash val="solid"/>
+          </a:ln>
+          <a:effectLst/>
+        </p:spPr>
+        <p:txBody>
+          <a:bodyPr rtlCol="0" anchor="ctr"/>
+          <a:lstStyle/>
+          <a:p>
+            <a:pPr marL="0" marR="0" lvl="0" indent="0" algn="r" defTabSz="914400" eaLnBrk="1" fontAlgn="auto" latinLnBrk="0" hangingPunct="1">
+              <a:lnSpc>
+                <a:spcPct val="100000"/>
+              </a:lnSpc>
+              <a:spcBef>
+                <a:spcPts val="0"/>
+              </a:spcBef>
+              <a:spcAft>
+                <a:spcPts val="0"/>
+              </a:spcAft>
+              <a:buClrTx/>
+              <a:buSzTx/>
+              <a:buFontTx/>
+              <a:buNone/>
+              <a:tabLst/>
+              <a:defRPr/>
+            </a:pPr>
+            <a:r>
+              <a:rPr lang="it-IT" dirty="0">
+                <a:solidFill>
+                  <a:srgbClr val="162230"/>
+                </a:solidFill>
+                <a:latin typeface="Century Gothic"/>
+                <a:cs typeface="Century Gothic"/>
+              </a:rPr>
+              <a:t>13/20</a:t>
+            </a:r>
+            <a:endParaRPr kumimoji="0" lang="it-IT" sz="1800" b="0" i="0" u="none" strike="noStrike" kern="0" cap="none" spc="0" normalizeH="0" baseline="0" noProof="0" dirty="0">
+              <a:ln>
+                <a:noFill/>
+              </a:ln>
+              <a:solidFill>
+                <a:prstClr val="white"/>
+              </a:solidFill>
+              <a:effectLst/>
+              <a:uLnTx/>
+              <a:uFillTx/>
+              <a:latin typeface="Calibri"/>
+            </a:endParaRPr>
+          </a:p>
+        </p:txBody>
+      </p:sp>
+      <p:pic>
+        <p:nvPicPr>
+          <p:cNvPr id="7" name="Picture 2" descr="C:\Bruno\campus\unina\Stationery\Dipartimenti\DIETI\Logo_DIETI_Porte.png">
+            <a:extLst>
+              <a:ext uri="{FF2B5EF4-FFF2-40B4-BE49-F238E27FC236}">
+                <a16:creationId xmlns:a16="http://schemas.microsoft.com/office/drawing/2014/main" id="{9128458D-05C3-4C5B-9D15-6795CE28A946}"/>
+              </a:ext>
+            </a:extLst>
+          </p:cNvPr>
+          <p:cNvPicPr>
+            <a:picLocks noChangeAspect="1" noChangeArrowheads="1"/>
+          </p:cNvPicPr>
+          <p:nvPr/>
+        </p:nvPicPr>
+        <p:blipFill>
+          <a:blip r:embed="rId3" cstate="print">
+            <a:extLst>
+              <a:ext uri="{28A0092B-C50C-407E-A947-70E740481C1C}">
+                <a14:useLocalDpi xmlns:a14="http://schemas.microsoft.com/office/drawing/2010/main" val="0"/>
+              </a:ext>
+            </a:extLst>
+          </a:blip>
+          <a:srcRect/>
+          <a:stretch>
+            <a:fillRect/>
+          </a:stretch>
+        </p:blipFill>
+        <p:spPr bwMode="auto">
+          <a:xfrm>
+            <a:off x="30673" y="6508622"/>
+            <a:ext cx="988444" cy="320576"/>
+          </a:xfrm>
+          <a:prstGeom prst="rect">
+            <a:avLst/>
+          </a:prstGeom>
+          <a:noFill/>
+          <a:extLst>
+            <a:ext uri="{909E8E84-426E-40DD-AFC4-6F175D3DCCD1}">
+              <a14:hiddenFill xmlns:a14="http://schemas.microsoft.com/office/drawing/2010/main">
+                <a:solidFill>
+                  <a:srgbClr val="FFFFFF"/>
+                </a:solidFill>
+              </a14:hiddenFill>
+            </a:ext>
+          </a:extLst>
+        </p:spPr>
+      </p:pic>
     </p:spTree>
     <p:extLst>
       <p:ext uri="{BB962C8B-B14F-4D97-AF65-F5344CB8AC3E}">
@@ -5592,7 +6212,7 @@
         </p:blipFill>
         <p:spPr>
           <a:xfrm>
-            <a:off x="4348065" y="3728612"/>
+            <a:off x="4348064" y="3351199"/>
             <a:ext cx="4049485" cy="3082164"/>
           </a:xfrm>
           <a:prstGeom prst="rect">
@@ -5621,8 +6241,8 @@
         </p:blipFill>
         <p:spPr>
           <a:xfrm>
-            <a:off x="242595" y="3767669"/>
-            <a:ext cx="3859052" cy="3090331"/>
+            <a:off x="294965" y="3589627"/>
+            <a:ext cx="3648270" cy="2921537"/>
           </a:xfrm>
           <a:prstGeom prst="rect">
             <a:avLst/>
@@ -5645,13 +6265,13 @@
         </p:nvPicPr>
         <p:blipFill rotWithShape="1">
           <a:blip r:embed="rId4"/>
-          <a:srcRect l="2715" t="2669" r="6192"/>
+          <a:srcRect l="2715" t="2669" r="6192" b="216"/>
           <a:stretch/>
         </p:blipFill>
         <p:spPr>
           <a:xfrm>
-            <a:off x="166876" y="575444"/>
-            <a:ext cx="3934771" cy="3153168"/>
+            <a:off x="190226" y="548533"/>
+            <a:ext cx="3753009" cy="3000840"/>
           </a:xfrm>
           <a:prstGeom prst="rect">
             <a:avLst/>
@@ -5679,12 +6299,136 @@
         </p:blipFill>
         <p:spPr>
           <a:xfrm>
-            <a:off x="4470574" y="575444"/>
+            <a:off x="4467313" y="204828"/>
             <a:ext cx="3810988" cy="3153168"/>
           </a:xfrm>
           <a:prstGeom prst="rect">
             <a:avLst/>
           </a:prstGeom>
+        </p:spPr>
+      </p:pic>
+      <p:sp>
+        <p:nvSpPr>
+          <p:cNvPr id="7" name="Rettangolo 10">
+            <a:extLst>
+              <a:ext uri="{FF2B5EF4-FFF2-40B4-BE49-F238E27FC236}">
+                <a16:creationId xmlns:a16="http://schemas.microsoft.com/office/drawing/2014/main" id="{B3436F4A-A14F-46ED-A687-1E99257752B0}"/>
+              </a:ext>
+            </a:extLst>
+          </p:cNvPr>
+          <p:cNvSpPr/>
+          <p:nvPr/>
+        </p:nvSpPr>
+        <p:spPr>
+          <a:xfrm>
+            <a:off x="0" y="6488910"/>
+            <a:ext cx="9144000" cy="360000"/>
+          </a:xfrm>
+          <a:prstGeom prst="rect">
+            <a:avLst/>
+          </a:prstGeom>
+          <a:solidFill>
+            <a:srgbClr val="FFDC00"/>
+          </a:solidFill>
+          <a:ln w="9525" cap="flat" cmpd="sng" algn="ctr">
+            <a:solidFill>
+              <a:srgbClr val="162230"/>
+            </a:solidFill>
+            <a:prstDash val="solid"/>
+          </a:ln>
+          <a:effectLst/>
+        </p:spPr>
+        <p:txBody>
+          <a:bodyPr rtlCol="0" anchor="ctr"/>
+          <a:lstStyle/>
+          <a:p>
+            <a:pPr marL="0" marR="0" lvl="0" indent="0" algn="r" defTabSz="914400" eaLnBrk="1" fontAlgn="auto" latinLnBrk="0" hangingPunct="1">
+              <a:lnSpc>
+                <a:spcPct val="100000"/>
+              </a:lnSpc>
+              <a:spcBef>
+                <a:spcPts val="0"/>
+              </a:spcBef>
+              <a:spcAft>
+                <a:spcPts val="0"/>
+              </a:spcAft>
+              <a:buClrTx/>
+              <a:buSzTx/>
+              <a:buFontTx/>
+              <a:buNone/>
+              <a:tabLst/>
+              <a:defRPr/>
+            </a:pPr>
+            <a:r>
+              <a:rPr lang="it-IT" dirty="0">
+                <a:solidFill>
+                  <a:srgbClr val="162230"/>
+                </a:solidFill>
+                <a:latin typeface="Century Gothic"/>
+                <a:cs typeface="Century Gothic"/>
+              </a:rPr>
+              <a:t>14/20</a:t>
+            </a:r>
+            <a:endParaRPr kumimoji="0" lang="it-IT" sz="1800" b="0" i="0" u="none" strike="noStrike" kern="0" cap="none" spc="0" normalizeH="0" baseline="0" noProof="0" dirty="0">
+              <a:ln>
+                <a:noFill/>
+              </a:ln>
+              <a:solidFill>
+                <a:prstClr val="white"/>
+              </a:solidFill>
+              <a:effectLst/>
+              <a:uLnTx/>
+              <a:uFillTx/>
+              <a:latin typeface="Calibri"/>
+            </a:endParaRPr>
+          </a:p>
+        </p:txBody>
+      </p:sp>
+      <p:pic>
+        <p:nvPicPr>
+          <p:cNvPr id="9" name="Picture 2" descr="C:\Bruno\campus\unina\Stationery\Dipartimenti\DIETI\Logo_DIETI_Porte.png">
+            <a:extLst>
+              <a:ext uri="{FF2B5EF4-FFF2-40B4-BE49-F238E27FC236}">
+                <a16:creationId xmlns:a16="http://schemas.microsoft.com/office/drawing/2014/main" id="{36CBCBFD-C1B5-4F0E-B50D-8E654AE58626}"/>
+              </a:ext>
+            </a:extLst>
+          </p:cNvPr>
+          <p:cNvPicPr>
+            <a:picLocks noChangeAspect="1" noChangeArrowheads="1"/>
+          </p:cNvPicPr>
+          <p:nvPr/>
+        </p:nvPicPr>
+        <p:blipFill>
+          <a:blip r:embed="rId6" cstate="print">
+            <a:extLst>
+              <a:ext uri="{28A0092B-C50C-407E-A947-70E740481C1C}">
+                <a14:useLocalDpi xmlns:a14="http://schemas.microsoft.com/office/drawing/2010/main" val="0"/>
+              </a:ext>
+            </a:extLst>
+          </a:blip>
+          <a:srcRect/>
+          <a:stretch>
+            <a:fillRect/>
+          </a:stretch>
+        </p:blipFill>
+        <p:spPr bwMode="auto">
+          <a:xfrm>
+            <a:off x="30673" y="6508622"/>
+            <a:ext cx="988444" cy="320576"/>
+          </a:xfrm>
+          <a:prstGeom prst="rect">
+            <a:avLst/>
+          </a:prstGeom>
+          <a:noFill/>
+          <a:extLst>
+            <a:ext uri="{909E8E84-426E-40DD-AFC4-6F175D3DCCD1}">
+              <a14:hiddenFill xmlns:a14="http://schemas.microsoft.com/office/drawing/2010/main">
+                <a:solidFill>
+                  <a:srgbClr val="FFFFFF"/>
+                </a:solidFill>
+              </a14:hiddenFill>
+            </a:ext>
+          </a:extLst>
         </p:spPr>
       </p:pic>
     </p:spTree>
@@ -6377,6 +7121,130 @@
           </a:p>
         </p:txBody>
       </p:sp>
+      <p:sp>
+        <p:nvSpPr>
+          <p:cNvPr id="15" name="Rettangolo 10">
+            <a:extLst>
+              <a:ext uri="{FF2B5EF4-FFF2-40B4-BE49-F238E27FC236}">
+                <a16:creationId xmlns:a16="http://schemas.microsoft.com/office/drawing/2014/main" id="{873CACE3-624A-4FED-96A1-3F381990EBB5}"/>
+              </a:ext>
+            </a:extLst>
+          </p:cNvPr>
+          <p:cNvSpPr/>
+          <p:nvPr/>
+        </p:nvSpPr>
+        <p:spPr>
+          <a:xfrm>
+            <a:off x="0" y="6488910"/>
+            <a:ext cx="9144000" cy="360000"/>
+          </a:xfrm>
+          <a:prstGeom prst="rect">
+            <a:avLst/>
+          </a:prstGeom>
+          <a:solidFill>
+            <a:srgbClr val="FFDC00"/>
+          </a:solidFill>
+          <a:ln w="9525" cap="flat" cmpd="sng" algn="ctr">
+            <a:solidFill>
+              <a:srgbClr val="162230"/>
+            </a:solidFill>
+            <a:prstDash val="solid"/>
+          </a:ln>
+          <a:effectLst/>
+        </p:spPr>
+        <p:txBody>
+          <a:bodyPr rtlCol="0" anchor="ctr"/>
+          <a:lstStyle/>
+          <a:p>
+            <a:pPr marL="0" marR="0" lvl="0" indent="0" algn="r" defTabSz="914400" eaLnBrk="1" fontAlgn="auto" latinLnBrk="0" hangingPunct="1">
+              <a:lnSpc>
+                <a:spcPct val="100000"/>
+              </a:lnSpc>
+              <a:spcBef>
+                <a:spcPts val="0"/>
+              </a:spcBef>
+              <a:spcAft>
+                <a:spcPts val="0"/>
+              </a:spcAft>
+              <a:buClrTx/>
+              <a:buSzTx/>
+              <a:buFontTx/>
+              <a:buNone/>
+              <a:tabLst/>
+              <a:defRPr/>
+            </a:pPr>
+            <a:r>
+              <a:rPr lang="it-IT" dirty="0">
+                <a:solidFill>
+                  <a:srgbClr val="162230"/>
+                </a:solidFill>
+                <a:latin typeface="Century Gothic"/>
+                <a:cs typeface="Century Gothic"/>
+              </a:rPr>
+              <a:t>15/20</a:t>
+            </a:r>
+            <a:endParaRPr kumimoji="0" lang="it-IT" sz="1800" b="0" i="0" u="none" strike="noStrike" kern="0" cap="none" spc="0" normalizeH="0" baseline="0" noProof="0" dirty="0">
+              <a:ln>
+                <a:noFill/>
+              </a:ln>
+              <a:solidFill>
+                <a:prstClr val="white"/>
+              </a:solidFill>
+              <a:effectLst/>
+              <a:uLnTx/>
+              <a:uFillTx/>
+              <a:latin typeface="Calibri"/>
+            </a:endParaRPr>
+          </a:p>
+        </p:txBody>
+      </p:sp>
+      <p:pic>
+        <p:nvPicPr>
+          <p:cNvPr id="18" name="Picture 2" descr="C:\Bruno\campus\unina\Stationery\Dipartimenti\DIETI\Logo_DIETI_Porte.png">
+            <a:extLst>
+              <a:ext uri="{FF2B5EF4-FFF2-40B4-BE49-F238E27FC236}">
+                <a16:creationId xmlns:a16="http://schemas.microsoft.com/office/drawing/2014/main" id="{9D9B92B8-F2D6-4BAE-B07C-30EF34C18F48}"/>
+              </a:ext>
+            </a:extLst>
+          </p:cNvPr>
+          <p:cNvPicPr>
+            <a:picLocks noChangeAspect="1" noChangeArrowheads="1"/>
+          </p:cNvPicPr>
+          <p:nvPr/>
+        </p:nvPicPr>
+        <p:blipFill>
+          <a:blip r:embed="rId3" cstate="print">
+            <a:extLst>
+              <a:ext uri="{28A0092B-C50C-407E-A947-70E740481C1C}">
+                <a14:useLocalDpi xmlns:a14="http://schemas.microsoft.com/office/drawing/2010/main" val="0"/>
+              </a:ext>
+            </a:extLst>
+          </a:blip>
+          <a:srcRect/>
+          <a:stretch>
+            <a:fillRect/>
+          </a:stretch>
+        </p:blipFill>
+        <p:spPr bwMode="auto">
+          <a:xfrm>
+            <a:off x="30673" y="6508622"/>
+            <a:ext cx="988444" cy="320576"/>
+          </a:xfrm>
+          <a:prstGeom prst="rect">
+            <a:avLst/>
+          </a:prstGeom>
+          <a:noFill/>
+          <a:extLst>
+            <a:ext uri="{909E8E84-426E-40DD-AFC4-6F175D3DCCD1}">
+              <a14:hiddenFill xmlns:a14="http://schemas.microsoft.com/office/drawing/2010/main">
+                <a:solidFill>
+                  <a:srgbClr val="FFFFFF"/>
+                </a:solidFill>
+              </a14:hiddenFill>
+            </a:ext>
+          </a:extLst>
+        </p:spPr>
+      </p:pic>
     </p:spTree>
     <p:extLst>
       <p:ext uri="{BB962C8B-B14F-4D97-AF65-F5344CB8AC3E}">
@@ -6741,6 +7609,130 @@
           </a:p>
         </p:txBody>
       </p:sp>
+      <p:sp>
+        <p:nvSpPr>
+          <p:cNvPr id="10" name="Rettangolo 10">
+            <a:extLst>
+              <a:ext uri="{FF2B5EF4-FFF2-40B4-BE49-F238E27FC236}">
+                <a16:creationId xmlns:a16="http://schemas.microsoft.com/office/drawing/2014/main" id="{C159A6C5-07B6-4232-8D8E-3CEF6BAF78D9}"/>
+              </a:ext>
+            </a:extLst>
+          </p:cNvPr>
+          <p:cNvSpPr/>
+          <p:nvPr/>
+        </p:nvSpPr>
+        <p:spPr>
+          <a:xfrm>
+            <a:off x="0" y="6488910"/>
+            <a:ext cx="9144000" cy="360000"/>
+          </a:xfrm>
+          <a:prstGeom prst="rect">
+            <a:avLst/>
+          </a:prstGeom>
+          <a:solidFill>
+            <a:srgbClr val="FFDC00"/>
+          </a:solidFill>
+          <a:ln w="9525" cap="flat" cmpd="sng" algn="ctr">
+            <a:solidFill>
+              <a:srgbClr val="162230"/>
+            </a:solidFill>
+            <a:prstDash val="solid"/>
+          </a:ln>
+          <a:effectLst/>
+        </p:spPr>
+        <p:txBody>
+          <a:bodyPr rtlCol="0" anchor="ctr"/>
+          <a:lstStyle/>
+          <a:p>
+            <a:pPr marL="0" marR="0" lvl="0" indent="0" algn="r" defTabSz="914400" eaLnBrk="1" fontAlgn="auto" latinLnBrk="0" hangingPunct="1">
+              <a:lnSpc>
+                <a:spcPct val="100000"/>
+              </a:lnSpc>
+              <a:spcBef>
+                <a:spcPts val="0"/>
+              </a:spcBef>
+              <a:spcAft>
+                <a:spcPts val="0"/>
+              </a:spcAft>
+              <a:buClrTx/>
+              <a:buSzTx/>
+              <a:buFontTx/>
+              <a:buNone/>
+              <a:tabLst/>
+              <a:defRPr/>
+            </a:pPr>
+            <a:r>
+              <a:rPr lang="it-IT" dirty="0">
+                <a:solidFill>
+                  <a:srgbClr val="162230"/>
+                </a:solidFill>
+                <a:latin typeface="Century Gothic"/>
+                <a:cs typeface="Century Gothic"/>
+              </a:rPr>
+              <a:t>16/20</a:t>
+            </a:r>
+            <a:endParaRPr kumimoji="0" lang="it-IT" sz="1800" b="0" i="0" u="none" strike="noStrike" kern="0" cap="none" spc="0" normalizeH="0" baseline="0" noProof="0" dirty="0">
+              <a:ln>
+                <a:noFill/>
+              </a:ln>
+              <a:solidFill>
+                <a:prstClr val="white"/>
+              </a:solidFill>
+              <a:effectLst/>
+              <a:uLnTx/>
+              <a:uFillTx/>
+              <a:latin typeface="Calibri"/>
+            </a:endParaRPr>
+          </a:p>
+        </p:txBody>
+      </p:sp>
+      <p:pic>
+        <p:nvPicPr>
+          <p:cNvPr id="12" name="Picture 2" descr="C:\Bruno\campus\unina\Stationery\Dipartimenti\DIETI\Logo_DIETI_Porte.png">
+            <a:extLst>
+              <a:ext uri="{FF2B5EF4-FFF2-40B4-BE49-F238E27FC236}">
+                <a16:creationId xmlns:a16="http://schemas.microsoft.com/office/drawing/2014/main" id="{923028E7-DECD-4E4D-86FD-4B70356D4F5C}"/>
+              </a:ext>
+            </a:extLst>
+          </p:cNvPr>
+          <p:cNvPicPr>
+            <a:picLocks noChangeAspect="1" noChangeArrowheads="1"/>
+          </p:cNvPicPr>
+          <p:nvPr/>
+        </p:nvPicPr>
+        <p:blipFill>
+          <a:blip r:embed="rId4" cstate="print">
+            <a:extLst>
+              <a:ext uri="{28A0092B-C50C-407E-A947-70E740481C1C}">
+                <a14:useLocalDpi xmlns:a14="http://schemas.microsoft.com/office/drawing/2010/main" val="0"/>
+              </a:ext>
+            </a:extLst>
+          </a:blip>
+          <a:srcRect/>
+          <a:stretch>
+            <a:fillRect/>
+          </a:stretch>
+        </p:blipFill>
+        <p:spPr bwMode="auto">
+          <a:xfrm>
+            <a:off x="30673" y="6508622"/>
+            <a:ext cx="988444" cy="320576"/>
+          </a:xfrm>
+          <a:prstGeom prst="rect">
+            <a:avLst/>
+          </a:prstGeom>
+          <a:noFill/>
+          <a:extLst>
+            <a:ext uri="{909E8E84-426E-40DD-AFC4-6F175D3DCCD1}">
+              <a14:hiddenFill xmlns:a14="http://schemas.microsoft.com/office/drawing/2010/main">
+                <a:solidFill>
+                  <a:srgbClr val="FFFFFF"/>
+                </a:solidFill>
+              </a14:hiddenFill>
+            </a:ext>
+          </a:extLst>
+        </p:spPr>
+      </p:pic>
     </p:spTree>
     <p:extLst>
       <p:ext uri="{BB962C8B-B14F-4D97-AF65-F5344CB8AC3E}">
@@ -6846,7 +7838,7 @@
         </p:blipFill>
         <p:spPr>
           <a:xfrm>
-            <a:off x="4633931" y="799785"/>
+            <a:off x="4527339" y="491180"/>
             <a:ext cx="4385387" cy="2668555"/>
           </a:xfrm>
           <a:prstGeom prst="rect">
@@ -6876,8 +7868,8 @@
         </p:blipFill>
         <p:spPr>
           <a:xfrm>
-            <a:off x="124682" y="796444"/>
-            <a:ext cx="4308714" cy="2668555"/>
+            <a:off x="124681" y="643812"/>
+            <a:ext cx="4062271" cy="2515923"/>
           </a:xfrm>
           <a:prstGeom prst="rect">
             <a:avLst/>
@@ -6906,8 +7898,8 @@
         </p:blipFill>
         <p:spPr>
           <a:xfrm>
-            <a:off x="124681" y="3611353"/>
-            <a:ext cx="4249757" cy="2987147"/>
+            <a:off x="153273" y="3227041"/>
+            <a:ext cx="4062271" cy="2855363"/>
           </a:xfrm>
           <a:prstGeom prst="rect">
             <a:avLst/>
@@ -6936,12 +7928,136 @@
         </p:blipFill>
         <p:spPr>
           <a:xfrm>
-            <a:off x="4694660" y="3611354"/>
+            <a:off x="4572000" y="3227041"/>
             <a:ext cx="4296067" cy="3046415"/>
           </a:xfrm>
           <a:prstGeom prst="rect">
             <a:avLst/>
           </a:prstGeom>
+        </p:spPr>
+      </p:pic>
+      <p:sp>
+        <p:nvSpPr>
+          <p:cNvPr id="7" name="Rettangolo 10">
+            <a:extLst>
+              <a:ext uri="{FF2B5EF4-FFF2-40B4-BE49-F238E27FC236}">
+                <a16:creationId xmlns:a16="http://schemas.microsoft.com/office/drawing/2014/main" id="{1512BC4E-0DE3-41D6-9F1F-71A73B1B2BC2}"/>
+              </a:ext>
+            </a:extLst>
+          </p:cNvPr>
+          <p:cNvSpPr/>
+          <p:nvPr/>
+        </p:nvSpPr>
+        <p:spPr>
+          <a:xfrm>
+            <a:off x="0" y="6488910"/>
+            <a:ext cx="9144000" cy="360000"/>
+          </a:xfrm>
+          <a:prstGeom prst="rect">
+            <a:avLst/>
+          </a:prstGeom>
+          <a:solidFill>
+            <a:srgbClr val="FFDC00"/>
+          </a:solidFill>
+          <a:ln w="9525" cap="flat" cmpd="sng" algn="ctr">
+            <a:solidFill>
+              <a:srgbClr val="162230"/>
+            </a:solidFill>
+            <a:prstDash val="solid"/>
+          </a:ln>
+          <a:effectLst/>
+        </p:spPr>
+        <p:txBody>
+          <a:bodyPr rtlCol="0" anchor="ctr"/>
+          <a:lstStyle/>
+          <a:p>
+            <a:pPr marL="0" marR="0" lvl="0" indent="0" algn="r" defTabSz="914400" eaLnBrk="1" fontAlgn="auto" latinLnBrk="0" hangingPunct="1">
+              <a:lnSpc>
+                <a:spcPct val="100000"/>
+              </a:lnSpc>
+              <a:spcBef>
+                <a:spcPts val="0"/>
+              </a:spcBef>
+              <a:spcAft>
+                <a:spcPts val="0"/>
+              </a:spcAft>
+              <a:buClrTx/>
+              <a:buSzTx/>
+              <a:buFontTx/>
+              <a:buNone/>
+              <a:tabLst/>
+              <a:defRPr/>
+            </a:pPr>
+            <a:r>
+              <a:rPr lang="it-IT" dirty="0">
+                <a:solidFill>
+                  <a:srgbClr val="162230"/>
+                </a:solidFill>
+                <a:latin typeface="Century Gothic"/>
+                <a:cs typeface="Century Gothic"/>
+              </a:rPr>
+              <a:t>17/20</a:t>
+            </a:r>
+            <a:endParaRPr kumimoji="0" lang="it-IT" sz="1800" b="0" i="0" u="none" strike="noStrike" kern="0" cap="none" spc="0" normalizeH="0" baseline="0" noProof="0" dirty="0">
+              <a:ln>
+                <a:noFill/>
+              </a:ln>
+              <a:solidFill>
+                <a:prstClr val="white"/>
+              </a:solidFill>
+              <a:effectLst/>
+              <a:uLnTx/>
+              <a:uFillTx/>
+              <a:latin typeface="Calibri"/>
+            </a:endParaRPr>
+          </a:p>
+        </p:txBody>
+      </p:sp>
+      <p:pic>
+        <p:nvPicPr>
+          <p:cNvPr id="9" name="Picture 2" descr="C:\Bruno\campus\unina\Stationery\Dipartimenti\DIETI\Logo_DIETI_Porte.png">
+            <a:extLst>
+              <a:ext uri="{FF2B5EF4-FFF2-40B4-BE49-F238E27FC236}">
+                <a16:creationId xmlns:a16="http://schemas.microsoft.com/office/drawing/2014/main" id="{3281E656-FDD8-48EB-B9C4-8995C3B753D2}"/>
+              </a:ext>
+            </a:extLst>
+          </p:cNvPr>
+          <p:cNvPicPr>
+            <a:picLocks noChangeAspect="1" noChangeArrowheads="1"/>
+          </p:cNvPicPr>
+          <p:nvPr/>
+        </p:nvPicPr>
+        <p:blipFill>
+          <a:blip r:embed="rId6" cstate="print">
+            <a:extLst>
+              <a:ext uri="{28A0092B-C50C-407E-A947-70E740481C1C}">
+                <a14:useLocalDpi xmlns:a14="http://schemas.microsoft.com/office/drawing/2010/main" val="0"/>
+              </a:ext>
+            </a:extLst>
+          </a:blip>
+          <a:srcRect/>
+          <a:stretch>
+            <a:fillRect/>
+          </a:stretch>
+        </p:blipFill>
+        <p:spPr bwMode="auto">
+          <a:xfrm>
+            <a:off x="30673" y="6508622"/>
+            <a:ext cx="988444" cy="320576"/>
+          </a:xfrm>
+          <a:prstGeom prst="rect">
+            <a:avLst/>
+          </a:prstGeom>
+          <a:noFill/>
+          <a:extLst>
+            <a:ext uri="{909E8E84-426E-40DD-AFC4-6F175D3DCCD1}">
+              <a14:hiddenFill xmlns:a14="http://schemas.microsoft.com/office/drawing/2010/main">
+                <a:solidFill>
+                  <a:srgbClr val="FFFFFF"/>
+                </a:solidFill>
+              </a14:hiddenFill>
+            </a:ext>
+          </a:extLst>
         </p:spPr>
       </p:pic>
     </p:spTree>
@@ -7090,6 +8206,130 @@
           <a:prstGeom prst="rect">
             <a:avLst/>
           </a:prstGeom>
+        </p:spPr>
+      </p:pic>
+      <p:sp>
+        <p:nvSpPr>
+          <p:cNvPr id="5" name="Rettangolo 10">
+            <a:extLst>
+              <a:ext uri="{FF2B5EF4-FFF2-40B4-BE49-F238E27FC236}">
+                <a16:creationId xmlns:a16="http://schemas.microsoft.com/office/drawing/2014/main" id="{65F3AFDB-29D4-480C-83B6-511CDD40D80A}"/>
+              </a:ext>
+            </a:extLst>
+          </p:cNvPr>
+          <p:cNvSpPr/>
+          <p:nvPr/>
+        </p:nvSpPr>
+        <p:spPr>
+          <a:xfrm>
+            <a:off x="0" y="6488910"/>
+            <a:ext cx="9144000" cy="360000"/>
+          </a:xfrm>
+          <a:prstGeom prst="rect">
+            <a:avLst/>
+          </a:prstGeom>
+          <a:solidFill>
+            <a:srgbClr val="FFDC00"/>
+          </a:solidFill>
+          <a:ln w="9525" cap="flat" cmpd="sng" algn="ctr">
+            <a:solidFill>
+              <a:srgbClr val="162230"/>
+            </a:solidFill>
+            <a:prstDash val="solid"/>
+          </a:ln>
+          <a:effectLst/>
+        </p:spPr>
+        <p:txBody>
+          <a:bodyPr rtlCol="0" anchor="ctr"/>
+          <a:lstStyle/>
+          <a:p>
+            <a:pPr marL="0" marR="0" lvl="0" indent="0" algn="r" defTabSz="914400" eaLnBrk="1" fontAlgn="auto" latinLnBrk="0" hangingPunct="1">
+              <a:lnSpc>
+                <a:spcPct val="100000"/>
+              </a:lnSpc>
+              <a:spcBef>
+                <a:spcPts val="0"/>
+              </a:spcBef>
+              <a:spcAft>
+                <a:spcPts val="0"/>
+              </a:spcAft>
+              <a:buClrTx/>
+              <a:buSzTx/>
+              <a:buFontTx/>
+              <a:buNone/>
+              <a:tabLst/>
+              <a:defRPr/>
+            </a:pPr>
+            <a:r>
+              <a:rPr lang="it-IT" dirty="0">
+                <a:solidFill>
+                  <a:srgbClr val="162230"/>
+                </a:solidFill>
+                <a:latin typeface="Century Gothic"/>
+                <a:cs typeface="Century Gothic"/>
+              </a:rPr>
+              <a:t>18/20</a:t>
+            </a:r>
+            <a:endParaRPr kumimoji="0" lang="it-IT" sz="1800" b="0" i="0" u="none" strike="noStrike" kern="0" cap="none" spc="0" normalizeH="0" baseline="0" noProof="0" dirty="0">
+              <a:ln>
+                <a:noFill/>
+              </a:ln>
+              <a:solidFill>
+                <a:prstClr val="white"/>
+              </a:solidFill>
+              <a:effectLst/>
+              <a:uLnTx/>
+              <a:uFillTx/>
+              <a:latin typeface="Calibri"/>
+            </a:endParaRPr>
+          </a:p>
+        </p:txBody>
+      </p:sp>
+      <p:pic>
+        <p:nvPicPr>
+          <p:cNvPr id="6" name="Picture 2" descr="C:\Bruno\campus\unina\Stationery\Dipartimenti\DIETI\Logo_DIETI_Porte.png">
+            <a:extLst>
+              <a:ext uri="{FF2B5EF4-FFF2-40B4-BE49-F238E27FC236}">
+                <a16:creationId xmlns:a16="http://schemas.microsoft.com/office/drawing/2014/main" id="{14BC6435-36D7-4D46-AFDB-993B109EDE8E}"/>
+              </a:ext>
+            </a:extLst>
+          </p:cNvPr>
+          <p:cNvPicPr>
+            <a:picLocks noChangeAspect="1" noChangeArrowheads="1"/>
+          </p:cNvPicPr>
+          <p:nvPr/>
+        </p:nvPicPr>
+        <p:blipFill>
+          <a:blip r:embed="rId3" cstate="print">
+            <a:extLst>
+              <a:ext uri="{28A0092B-C50C-407E-A947-70E740481C1C}">
+                <a14:useLocalDpi xmlns:a14="http://schemas.microsoft.com/office/drawing/2010/main" val="0"/>
+              </a:ext>
+            </a:extLst>
+          </a:blip>
+          <a:srcRect/>
+          <a:stretch>
+            <a:fillRect/>
+          </a:stretch>
+        </p:blipFill>
+        <p:spPr bwMode="auto">
+          <a:xfrm>
+            <a:off x="30673" y="6508622"/>
+            <a:ext cx="988444" cy="320576"/>
+          </a:xfrm>
+          <a:prstGeom prst="rect">
+            <a:avLst/>
+          </a:prstGeom>
+          <a:noFill/>
+          <a:extLst>
+            <a:ext uri="{909E8E84-426E-40DD-AFC4-6F175D3DCCD1}">
+              <a14:hiddenFill xmlns:a14="http://schemas.microsoft.com/office/drawing/2010/main">
+                <a:solidFill>
+                  <a:srgbClr val="FFFFFF"/>
+                </a:solidFill>
+              </a14:hiddenFill>
+            </a:ext>
+          </a:extLst>
         </p:spPr>
       </p:pic>
     </p:spTree>
@@ -7181,14 +8421,14 @@
               <a:defRPr/>
             </a:pPr>
             <a:r>
-              <a:rPr lang="it-IT">
+              <a:rPr lang="it-IT" dirty="0">
                 <a:solidFill>
                   <a:srgbClr val="162230"/>
                 </a:solidFill>
                 <a:latin typeface="Century Gothic"/>
                 <a:cs typeface="Century Gothic"/>
               </a:rPr>
-              <a:t>1/12</a:t>
+              <a:t>1/20</a:t>
             </a:r>
             <a:endParaRPr kumimoji="0" lang="it-IT" sz="1800" b="0" i="0" u="none" strike="noStrike" kern="0" cap="none" spc="0" normalizeH="0" baseline="0" noProof="0" dirty="0">
               <a:ln>
@@ -7988,7 +9228,7 @@
         </p:nvSpPr>
         <p:spPr>
           <a:xfrm>
-            <a:off x="242594" y="214604"/>
+            <a:off x="242594" y="55984"/>
             <a:ext cx="8341569" cy="584775"/>
           </a:xfrm>
           <a:prstGeom prst="rect">
@@ -8054,7 +9294,7 @@
         </p:blipFill>
         <p:spPr>
           <a:xfrm>
-            <a:off x="597158" y="954440"/>
+            <a:off x="596951" y="698562"/>
             <a:ext cx="3678490" cy="2867881"/>
           </a:xfrm>
           <a:prstGeom prst="rect">
@@ -8083,7 +9323,7 @@
         </p:blipFill>
         <p:spPr>
           <a:xfrm>
-            <a:off x="4571999" y="962161"/>
+            <a:off x="4571999" y="640759"/>
             <a:ext cx="3538531" cy="2874705"/>
           </a:xfrm>
           <a:prstGeom prst="rect">
@@ -8112,7 +9352,7 @@
         </p:blipFill>
         <p:spPr>
           <a:xfrm>
-            <a:off x="596951" y="3822159"/>
+            <a:off x="596951" y="3566443"/>
             <a:ext cx="3678697" cy="2885356"/>
           </a:xfrm>
           <a:prstGeom prst="rect">
@@ -8141,12 +9381,136 @@
         </p:blipFill>
         <p:spPr>
           <a:xfrm>
-            <a:off x="4533610" y="3836865"/>
+            <a:off x="4533610" y="3573796"/>
             <a:ext cx="3576920" cy="2870649"/>
           </a:xfrm>
           <a:prstGeom prst="rect">
             <a:avLst/>
           </a:prstGeom>
+        </p:spPr>
+      </p:pic>
+      <p:sp>
+        <p:nvSpPr>
+          <p:cNvPr id="7" name="Rettangolo 10">
+            <a:extLst>
+              <a:ext uri="{FF2B5EF4-FFF2-40B4-BE49-F238E27FC236}">
+                <a16:creationId xmlns:a16="http://schemas.microsoft.com/office/drawing/2014/main" id="{711C54FB-3DA5-4BD4-B2CE-AAFB16008E9B}"/>
+              </a:ext>
+            </a:extLst>
+          </p:cNvPr>
+          <p:cNvSpPr/>
+          <p:nvPr/>
+        </p:nvSpPr>
+        <p:spPr>
+          <a:xfrm>
+            <a:off x="0" y="6488910"/>
+            <a:ext cx="9144000" cy="360000"/>
+          </a:xfrm>
+          <a:prstGeom prst="rect">
+            <a:avLst/>
+          </a:prstGeom>
+          <a:solidFill>
+            <a:srgbClr val="FFDC00"/>
+          </a:solidFill>
+          <a:ln w="9525" cap="flat" cmpd="sng" algn="ctr">
+            <a:solidFill>
+              <a:srgbClr val="162230"/>
+            </a:solidFill>
+            <a:prstDash val="solid"/>
+          </a:ln>
+          <a:effectLst/>
+        </p:spPr>
+        <p:txBody>
+          <a:bodyPr rtlCol="0" anchor="ctr"/>
+          <a:lstStyle/>
+          <a:p>
+            <a:pPr marL="0" marR="0" lvl="0" indent="0" algn="r" defTabSz="914400" eaLnBrk="1" fontAlgn="auto" latinLnBrk="0" hangingPunct="1">
+              <a:lnSpc>
+                <a:spcPct val="100000"/>
+              </a:lnSpc>
+              <a:spcBef>
+                <a:spcPts val="0"/>
+              </a:spcBef>
+              <a:spcAft>
+                <a:spcPts val="0"/>
+              </a:spcAft>
+              <a:buClrTx/>
+              <a:buSzTx/>
+              <a:buFontTx/>
+              <a:buNone/>
+              <a:tabLst/>
+              <a:defRPr/>
+            </a:pPr>
+            <a:r>
+              <a:rPr lang="it-IT" dirty="0">
+                <a:solidFill>
+                  <a:srgbClr val="162230"/>
+                </a:solidFill>
+                <a:latin typeface="Century Gothic"/>
+                <a:cs typeface="Century Gothic"/>
+              </a:rPr>
+              <a:t>19/20</a:t>
+            </a:r>
+            <a:endParaRPr kumimoji="0" lang="it-IT" sz="1800" b="0" i="0" u="none" strike="noStrike" kern="0" cap="none" spc="0" normalizeH="0" baseline="0" noProof="0" dirty="0">
+              <a:ln>
+                <a:noFill/>
+              </a:ln>
+              <a:solidFill>
+                <a:prstClr val="white"/>
+              </a:solidFill>
+              <a:effectLst/>
+              <a:uLnTx/>
+              <a:uFillTx/>
+              <a:latin typeface="Calibri"/>
+            </a:endParaRPr>
+          </a:p>
+        </p:txBody>
+      </p:sp>
+      <p:pic>
+        <p:nvPicPr>
+          <p:cNvPr id="8" name="Picture 2" descr="C:\Bruno\campus\unina\Stationery\Dipartimenti\DIETI\Logo_DIETI_Porte.png">
+            <a:extLst>
+              <a:ext uri="{FF2B5EF4-FFF2-40B4-BE49-F238E27FC236}">
+                <a16:creationId xmlns:a16="http://schemas.microsoft.com/office/drawing/2014/main" id="{91F451D7-ABAB-4417-A6B8-2B5AC11CB054}"/>
+              </a:ext>
+            </a:extLst>
+          </p:cNvPr>
+          <p:cNvPicPr>
+            <a:picLocks noChangeAspect="1" noChangeArrowheads="1"/>
+          </p:cNvPicPr>
+          <p:nvPr/>
+        </p:nvPicPr>
+        <p:blipFill>
+          <a:blip r:embed="rId6" cstate="print">
+            <a:extLst>
+              <a:ext uri="{28A0092B-C50C-407E-A947-70E740481C1C}">
+                <a14:useLocalDpi xmlns:a14="http://schemas.microsoft.com/office/drawing/2010/main" val="0"/>
+              </a:ext>
+            </a:extLst>
+          </a:blip>
+          <a:srcRect/>
+          <a:stretch>
+            <a:fillRect/>
+          </a:stretch>
+        </p:blipFill>
+        <p:spPr bwMode="auto">
+          <a:xfrm>
+            <a:off x="30673" y="6508622"/>
+            <a:ext cx="988444" cy="320576"/>
+          </a:xfrm>
+          <a:prstGeom prst="rect">
+            <a:avLst/>
+          </a:prstGeom>
+          <a:noFill/>
+          <a:extLst>
+            <a:ext uri="{909E8E84-426E-40DD-AFC4-6F175D3DCCD1}">
+              <a14:hiddenFill xmlns:a14="http://schemas.microsoft.com/office/drawing/2010/main">
+                <a:solidFill>
+                  <a:srgbClr val="FFFFFF"/>
+                </a:solidFill>
+              </a14:hiddenFill>
+            </a:ext>
+          </a:extLst>
         </p:spPr>
       </p:pic>
     </p:spTree>
@@ -8675,6 +10039,130 @@
           </a:p>
         </p:txBody>
       </p:sp>
+      <p:sp>
+        <p:nvSpPr>
+          <p:cNvPr id="5" name="Rettangolo 10">
+            <a:extLst>
+              <a:ext uri="{FF2B5EF4-FFF2-40B4-BE49-F238E27FC236}">
+                <a16:creationId xmlns:a16="http://schemas.microsoft.com/office/drawing/2014/main" id="{E698437F-0E6D-4F0F-B84D-3D151647FAAB}"/>
+              </a:ext>
+            </a:extLst>
+          </p:cNvPr>
+          <p:cNvSpPr/>
+          <p:nvPr/>
+        </p:nvSpPr>
+        <p:spPr>
+          <a:xfrm>
+            <a:off x="0" y="6488910"/>
+            <a:ext cx="9144000" cy="360000"/>
+          </a:xfrm>
+          <a:prstGeom prst="rect">
+            <a:avLst/>
+          </a:prstGeom>
+          <a:solidFill>
+            <a:srgbClr val="FFDC00"/>
+          </a:solidFill>
+          <a:ln w="9525" cap="flat" cmpd="sng" algn="ctr">
+            <a:solidFill>
+              <a:srgbClr val="162230"/>
+            </a:solidFill>
+            <a:prstDash val="solid"/>
+          </a:ln>
+          <a:effectLst/>
+        </p:spPr>
+        <p:txBody>
+          <a:bodyPr rtlCol="0" anchor="ctr"/>
+          <a:lstStyle/>
+          <a:p>
+            <a:pPr marL="0" marR="0" lvl="0" indent="0" algn="r" defTabSz="914400" eaLnBrk="1" fontAlgn="auto" latinLnBrk="0" hangingPunct="1">
+              <a:lnSpc>
+                <a:spcPct val="100000"/>
+              </a:lnSpc>
+              <a:spcBef>
+                <a:spcPts val="0"/>
+              </a:spcBef>
+              <a:spcAft>
+                <a:spcPts val="0"/>
+              </a:spcAft>
+              <a:buClrTx/>
+              <a:buSzTx/>
+              <a:buFontTx/>
+              <a:buNone/>
+              <a:tabLst/>
+              <a:defRPr/>
+            </a:pPr>
+            <a:r>
+              <a:rPr lang="it-IT" dirty="0">
+                <a:solidFill>
+                  <a:srgbClr val="162230"/>
+                </a:solidFill>
+                <a:latin typeface="Century Gothic"/>
+                <a:cs typeface="Century Gothic"/>
+              </a:rPr>
+              <a:t>20/20</a:t>
+            </a:r>
+            <a:endParaRPr kumimoji="0" lang="it-IT" sz="1800" b="0" i="0" u="none" strike="noStrike" kern="0" cap="none" spc="0" normalizeH="0" baseline="0" noProof="0" dirty="0">
+              <a:ln>
+                <a:noFill/>
+              </a:ln>
+              <a:solidFill>
+                <a:prstClr val="white"/>
+              </a:solidFill>
+              <a:effectLst/>
+              <a:uLnTx/>
+              <a:uFillTx/>
+              <a:latin typeface="Calibri"/>
+            </a:endParaRPr>
+          </a:p>
+        </p:txBody>
+      </p:sp>
+      <p:pic>
+        <p:nvPicPr>
+          <p:cNvPr id="6" name="Picture 2" descr="C:\Bruno\campus\unina\Stationery\Dipartimenti\DIETI\Logo_DIETI_Porte.png">
+            <a:extLst>
+              <a:ext uri="{FF2B5EF4-FFF2-40B4-BE49-F238E27FC236}">
+                <a16:creationId xmlns:a16="http://schemas.microsoft.com/office/drawing/2014/main" id="{7B055CD3-600E-4148-926C-C1C282D317D7}"/>
+              </a:ext>
+            </a:extLst>
+          </p:cNvPr>
+          <p:cNvPicPr>
+            <a:picLocks noChangeAspect="1" noChangeArrowheads="1"/>
+          </p:cNvPicPr>
+          <p:nvPr/>
+        </p:nvPicPr>
+        <p:blipFill>
+          <a:blip r:embed="rId2" cstate="print">
+            <a:extLst>
+              <a:ext uri="{28A0092B-C50C-407E-A947-70E740481C1C}">
+                <a14:useLocalDpi xmlns:a14="http://schemas.microsoft.com/office/drawing/2010/main" val="0"/>
+              </a:ext>
+            </a:extLst>
+          </a:blip>
+          <a:srcRect/>
+          <a:stretch>
+            <a:fillRect/>
+          </a:stretch>
+        </p:blipFill>
+        <p:spPr bwMode="auto">
+          <a:xfrm>
+            <a:off x="30673" y="6508622"/>
+            <a:ext cx="988444" cy="320576"/>
+          </a:xfrm>
+          <a:prstGeom prst="rect">
+            <a:avLst/>
+          </a:prstGeom>
+          <a:noFill/>
+          <a:extLst>
+            <a:ext uri="{909E8E84-426E-40DD-AFC4-6F175D3DCCD1}">
+              <a14:hiddenFill xmlns:a14="http://schemas.microsoft.com/office/drawing/2010/main">
+                <a:solidFill>
+                  <a:srgbClr val="FFFFFF"/>
+                </a:solidFill>
+              </a14:hiddenFill>
+            </a:ext>
+          </a:extLst>
+        </p:spPr>
+      </p:pic>
     </p:spTree>
     <p:extLst>
       <p:ext uri="{BB962C8B-B14F-4D97-AF65-F5344CB8AC3E}">
@@ -8777,7 +10265,7 @@
                 <a:latin typeface="Century Gothic"/>
                 <a:cs typeface="Century Gothic"/>
               </a:rPr>
-              <a:t>2/12</a:t>
+              <a:t>2/20</a:t>
             </a:r>
             <a:endParaRPr kumimoji="0" lang="it-IT" sz="1800" b="0" i="0" u="none" strike="noStrike" kern="0" cap="none" spc="0" normalizeH="0" baseline="0" noProof="0" dirty="0">
               <a:ln>
@@ -9950,7 +11438,7 @@
         </p:blipFill>
         <p:spPr>
           <a:xfrm>
-            <a:off x="466408" y="1861289"/>
+            <a:off x="427438" y="1609363"/>
             <a:ext cx="3573867" cy="1990406"/>
           </a:xfrm>
           <a:prstGeom prst="rect">
@@ -9980,7 +11468,7 @@
         </p:blipFill>
         <p:spPr>
           <a:xfrm>
-            <a:off x="466408" y="4391931"/>
+            <a:off x="446922" y="3990714"/>
             <a:ext cx="3534897" cy="1990406"/>
           </a:xfrm>
           <a:prstGeom prst="rect">
@@ -10010,7 +11498,7 @@
         </p:blipFill>
         <p:spPr>
           <a:xfrm>
-            <a:off x="4571999" y="750007"/>
+            <a:off x="4571999" y="547849"/>
             <a:ext cx="4069227" cy="3051920"/>
           </a:xfrm>
           <a:prstGeom prst="rect">
@@ -10040,12 +11528,136 @@
         </p:blipFill>
         <p:spPr>
           <a:xfrm>
-            <a:off x="4571999" y="3801927"/>
+            <a:off x="4571999" y="3494947"/>
             <a:ext cx="3975921" cy="2981940"/>
           </a:xfrm>
           <a:prstGeom prst="rect">
             <a:avLst/>
           </a:prstGeom>
+        </p:spPr>
+      </p:pic>
+      <p:sp>
+        <p:nvSpPr>
+          <p:cNvPr id="9" name="Rettangolo 10">
+            <a:extLst>
+              <a:ext uri="{FF2B5EF4-FFF2-40B4-BE49-F238E27FC236}">
+                <a16:creationId xmlns:a16="http://schemas.microsoft.com/office/drawing/2014/main" id="{E151A2FD-1C28-40E8-ABCC-4557ABD25ED9}"/>
+              </a:ext>
+            </a:extLst>
+          </p:cNvPr>
+          <p:cNvSpPr/>
+          <p:nvPr/>
+        </p:nvSpPr>
+        <p:spPr>
+          <a:xfrm>
+            <a:off x="0" y="6488910"/>
+            <a:ext cx="9144000" cy="360000"/>
+          </a:xfrm>
+          <a:prstGeom prst="rect">
+            <a:avLst/>
+          </a:prstGeom>
+          <a:solidFill>
+            <a:srgbClr val="FFDC00"/>
+          </a:solidFill>
+          <a:ln w="9525" cap="flat" cmpd="sng" algn="ctr">
+            <a:solidFill>
+              <a:srgbClr val="162230"/>
+            </a:solidFill>
+            <a:prstDash val="solid"/>
+          </a:ln>
+          <a:effectLst/>
+        </p:spPr>
+        <p:txBody>
+          <a:bodyPr rtlCol="0" anchor="ctr"/>
+          <a:lstStyle/>
+          <a:p>
+            <a:pPr marL="0" marR="0" lvl="0" indent="0" algn="r" defTabSz="914400" eaLnBrk="1" fontAlgn="auto" latinLnBrk="0" hangingPunct="1">
+              <a:lnSpc>
+                <a:spcPct val="100000"/>
+              </a:lnSpc>
+              <a:spcBef>
+                <a:spcPts val="0"/>
+              </a:spcBef>
+              <a:spcAft>
+                <a:spcPts val="0"/>
+              </a:spcAft>
+              <a:buClrTx/>
+              <a:buSzTx/>
+              <a:buFontTx/>
+              <a:buNone/>
+              <a:tabLst/>
+              <a:defRPr/>
+            </a:pPr>
+            <a:r>
+              <a:rPr lang="it-IT" dirty="0">
+                <a:solidFill>
+                  <a:srgbClr val="162230"/>
+                </a:solidFill>
+                <a:latin typeface="Century Gothic"/>
+                <a:cs typeface="Century Gothic"/>
+              </a:rPr>
+              <a:t>3/20</a:t>
+            </a:r>
+            <a:endParaRPr kumimoji="0" lang="it-IT" sz="1800" b="0" i="0" u="none" strike="noStrike" kern="0" cap="none" spc="0" normalizeH="0" baseline="0" noProof="0" dirty="0">
+              <a:ln>
+                <a:noFill/>
+              </a:ln>
+              <a:solidFill>
+                <a:prstClr val="white"/>
+              </a:solidFill>
+              <a:effectLst/>
+              <a:uLnTx/>
+              <a:uFillTx/>
+              <a:latin typeface="Calibri"/>
+            </a:endParaRPr>
+          </a:p>
+        </p:txBody>
+      </p:sp>
+      <p:pic>
+        <p:nvPicPr>
+          <p:cNvPr id="13" name="Picture 2" descr="C:\Bruno\campus\unina\Stationery\Dipartimenti\DIETI\Logo_DIETI_Porte.png">
+            <a:extLst>
+              <a:ext uri="{FF2B5EF4-FFF2-40B4-BE49-F238E27FC236}">
+                <a16:creationId xmlns:a16="http://schemas.microsoft.com/office/drawing/2014/main" id="{6F3D004B-5175-4712-A743-34FD81D761B1}"/>
+              </a:ext>
+            </a:extLst>
+          </p:cNvPr>
+          <p:cNvPicPr>
+            <a:picLocks noChangeAspect="1" noChangeArrowheads="1"/>
+          </p:cNvPicPr>
+          <p:nvPr/>
+        </p:nvPicPr>
+        <p:blipFill>
+          <a:blip r:embed="rId6" cstate="print">
+            <a:extLst>
+              <a:ext uri="{28A0092B-C50C-407E-A947-70E740481C1C}">
+                <a14:useLocalDpi xmlns:a14="http://schemas.microsoft.com/office/drawing/2010/main" val="0"/>
+              </a:ext>
+            </a:extLst>
+          </a:blip>
+          <a:srcRect/>
+          <a:stretch>
+            <a:fillRect/>
+          </a:stretch>
+        </p:blipFill>
+        <p:spPr bwMode="auto">
+          <a:xfrm>
+            <a:off x="30673" y="6508622"/>
+            <a:ext cx="988444" cy="320576"/>
+          </a:xfrm>
+          <a:prstGeom prst="rect">
+            <a:avLst/>
+          </a:prstGeom>
+          <a:noFill/>
+          <a:extLst>
+            <a:ext uri="{909E8E84-426E-40DD-AFC4-6F175D3DCCD1}">
+              <a14:hiddenFill xmlns:a14="http://schemas.microsoft.com/office/drawing/2010/main">
+                <a:solidFill>
+                  <a:srgbClr val="FFFFFF"/>
+                </a:solidFill>
+              </a14:hiddenFill>
+            </a:ext>
+          </a:extLst>
         </p:spPr>
       </p:pic>
     </p:spTree>
@@ -10208,7 +11820,7 @@
         </p:blipFill>
         <p:spPr>
           <a:xfrm>
-            <a:off x="479080" y="1765365"/>
+            <a:off x="479080" y="1701542"/>
             <a:ext cx="3707141" cy="2072629"/>
           </a:xfrm>
           <a:prstGeom prst="rect">
@@ -10238,7 +11850,7 @@
         </p:blipFill>
         <p:spPr>
           <a:xfrm>
-            <a:off x="481632" y="4466516"/>
+            <a:off x="473976" y="4171109"/>
             <a:ext cx="3712245" cy="1970698"/>
           </a:xfrm>
           <a:prstGeom prst="rect">
@@ -10268,7 +11880,7 @@
         </p:blipFill>
         <p:spPr>
           <a:xfrm>
-            <a:off x="4665305" y="886716"/>
+            <a:off x="4665305" y="747009"/>
             <a:ext cx="3934613" cy="2950960"/>
           </a:xfrm>
           <a:prstGeom prst="rect">
@@ -10298,7 +11910,7 @@
         </p:blipFill>
         <p:spPr>
           <a:xfrm>
-            <a:off x="4634079" y="3694970"/>
+            <a:off x="4602855" y="3517689"/>
             <a:ext cx="3997063" cy="2997798"/>
           </a:xfrm>
           <a:prstGeom prst="rect">
@@ -10338,6 +11950,130 @@
           <a:prstGeom prst="rect">
             <a:avLst/>
           </a:prstGeom>
+        </p:spPr>
+      </p:pic>
+      <p:sp>
+        <p:nvSpPr>
+          <p:cNvPr id="10" name="Rettangolo 10">
+            <a:extLst>
+              <a:ext uri="{FF2B5EF4-FFF2-40B4-BE49-F238E27FC236}">
+                <a16:creationId xmlns:a16="http://schemas.microsoft.com/office/drawing/2014/main" id="{34ABD405-7A3D-4D44-919D-03D36DF0B0AA}"/>
+              </a:ext>
+            </a:extLst>
+          </p:cNvPr>
+          <p:cNvSpPr/>
+          <p:nvPr/>
+        </p:nvSpPr>
+        <p:spPr>
+          <a:xfrm>
+            <a:off x="0" y="6488910"/>
+            <a:ext cx="9144000" cy="360000"/>
+          </a:xfrm>
+          <a:prstGeom prst="rect">
+            <a:avLst/>
+          </a:prstGeom>
+          <a:solidFill>
+            <a:srgbClr val="FFDC00"/>
+          </a:solidFill>
+          <a:ln w="9525" cap="flat" cmpd="sng" algn="ctr">
+            <a:solidFill>
+              <a:srgbClr val="162230"/>
+            </a:solidFill>
+            <a:prstDash val="solid"/>
+          </a:ln>
+          <a:effectLst/>
+        </p:spPr>
+        <p:txBody>
+          <a:bodyPr rtlCol="0" anchor="ctr"/>
+          <a:lstStyle/>
+          <a:p>
+            <a:pPr marL="0" marR="0" lvl="0" indent="0" algn="r" defTabSz="914400" eaLnBrk="1" fontAlgn="auto" latinLnBrk="0" hangingPunct="1">
+              <a:lnSpc>
+                <a:spcPct val="100000"/>
+              </a:lnSpc>
+              <a:spcBef>
+                <a:spcPts val="0"/>
+              </a:spcBef>
+              <a:spcAft>
+                <a:spcPts val="0"/>
+              </a:spcAft>
+              <a:buClrTx/>
+              <a:buSzTx/>
+              <a:buFontTx/>
+              <a:buNone/>
+              <a:tabLst/>
+              <a:defRPr/>
+            </a:pPr>
+            <a:r>
+              <a:rPr lang="it-IT" dirty="0">
+                <a:solidFill>
+                  <a:srgbClr val="162230"/>
+                </a:solidFill>
+                <a:latin typeface="Century Gothic"/>
+                <a:cs typeface="Century Gothic"/>
+              </a:rPr>
+              <a:t>4/20</a:t>
+            </a:r>
+            <a:endParaRPr kumimoji="0" lang="it-IT" sz="1800" b="0" i="0" u="none" strike="noStrike" kern="0" cap="none" spc="0" normalizeH="0" baseline="0" noProof="0" dirty="0">
+              <a:ln>
+                <a:noFill/>
+              </a:ln>
+              <a:solidFill>
+                <a:prstClr val="white"/>
+              </a:solidFill>
+              <a:effectLst/>
+              <a:uLnTx/>
+              <a:uFillTx/>
+              <a:latin typeface="Calibri"/>
+            </a:endParaRPr>
+          </a:p>
+        </p:txBody>
+      </p:sp>
+      <p:pic>
+        <p:nvPicPr>
+          <p:cNvPr id="12" name="Picture 2" descr="C:\Bruno\campus\unina\Stationery\Dipartimenti\DIETI\Logo_DIETI_Porte.png">
+            <a:extLst>
+              <a:ext uri="{FF2B5EF4-FFF2-40B4-BE49-F238E27FC236}">
+                <a16:creationId xmlns:a16="http://schemas.microsoft.com/office/drawing/2014/main" id="{7BA05D77-2F39-4CDC-9C11-BD0C567BE382}"/>
+              </a:ext>
+            </a:extLst>
+          </p:cNvPr>
+          <p:cNvPicPr>
+            <a:picLocks noChangeAspect="1" noChangeArrowheads="1"/>
+          </p:cNvPicPr>
+          <p:nvPr/>
+        </p:nvPicPr>
+        <p:blipFill>
+          <a:blip r:embed="rId8" cstate="print">
+            <a:extLst>
+              <a:ext uri="{28A0092B-C50C-407E-A947-70E740481C1C}">
+                <a14:useLocalDpi xmlns:a14="http://schemas.microsoft.com/office/drawing/2010/main" val="0"/>
+              </a:ext>
+            </a:extLst>
+          </a:blip>
+          <a:srcRect/>
+          <a:stretch>
+            <a:fillRect/>
+          </a:stretch>
+        </p:blipFill>
+        <p:spPr bwMode="auto">
+          <a:xfrm>
+            <a:off x="30673" y="6508622"/>
+            <a:ext cx="988444" cy="320576"/>
+          </a:xfrm>
+          <a:prstGeom prst="rect">
+            <a:avLst/>
+          </a:prstGeom>
+          <a:noFill/>
+          <a:extLst>
+            <a:ext uri="{909E8E84-426E-40DD-AFC4-6F175D3DCCD1}">
+              <a14:hiddenFill xmlns:a14="http://schemas.microsoft.com/office/drawing/2010/main">
+                <a:solidFill>
+                  <a:srgbClr val="FFFFFF"/>
+                </a:solidFill>
+              </a14:hiddenFill>
+            </a:ext>
+          </a:extLst>
         </p:spPr>
       </p:pic>
     </p:spTree>
@@ -10853,6 +12589,130 @@
           </a:prstGeom>
         </p:spPr>
       </p:pic>
+      <p:sp>
+        <p:nvSpPr>
+          <p:cNvPr id="18" name="Rettangolo 10">
+            <a:extLst>
+              <a:ext uri="{FF2B5EF4-FFF2-40B4-BE49-F238E27FC236}">
+                <a16:creationId xmlns:a16="http://schemas.microsoft.com/office/drawing/2014/main" id="{10761DA1-1E83-4031-BD41-3FF7DC3358AB}"/>
+              </a:ext>
+            </a:extLst>
+          </p:cNvPr>
+          <p:cNvSpPr/>
+          <p:nvPr/>
+        </p:nvSpPr>
+        <p:spPr>
+          <a:xfrm>
+            <a:off x="0" y="6488910"/>
+            <a:ext cx="9144000" cy="360000"/>
+          </a:xfrm>
+          <a:prstGeom prst="rect">
+            <a:avLst/>
+          </a:prstGeom>
+          <a:solidFill>
+            <a:srgbClr val="FFDC00"/>
+          </a:solidFill>
+          <a:ln w="9525" cap="flat" cmpd="sng" algn="ctr">
+            <a:solidFill>
+              <a:srgbClr val="162230"/>
+            </a:solidFill>
+            <a:prstDash val="solid"/>
+          </a:ln>
+          <a:effectLst/>
+        </p:spPr>
+        <p:txBody>
+          <a:bodyPr rtlCol="0" anchor="ctr"/>
+          <a:lstStyle/>
+          <a:p>
+            <a:pPr marL="0" marR="0" lvl="0" indent="0" algn="r" defTabSz="914400" eaLnBrk="1" fontAlgn="auto" latinLnBrk="0" hangingPunct="1">
+              <a:lnSpc>
+                <a:spcPct val="100000"/>
+              </a:lnSpc>
+              <a:spcBef>
+                <a:spcPts val="0"/>
+              </a:spcBef>
+              <a:spcAft>
+                <a:spcPts val="0"/>
+              </a:spcAft>
+              <a:buClrTx/>
+              <a:buSzTx/>
+              <a:buFontTx/>
+              <a:buNone/>
+              <a:tabLst/>
+              <a:defRPr/>
+            </a:pPr>
+            <a:r>
+              <a:rPr lang="it-IT" dirty="0">
+                <a:solidFill>
+                  <a:srgbClr val="162230"/>
+                </a:solidFill>
+                <a:latin typeface="Century Gothic"/>
+                <a:cs typeface="Century Gothic"/>
+              </a:rPr>
+              <a:t>5/20</a:t>
+            </a:r>
+            <a:endParaRPr kumimoji="0" lang="it-IT" sz="1800" b="0" i="0" u="none" strike="noStrike" kern="0" cap="none" spc="0" normalizeH="0" baseline="0" noProof="0" dirty="0">
+              <a:ln>
+                <a:noFill/>
+              </a:ln>
+              <a:solidFill>
+                <a:prstClr val="white"/>
+              </a:solidFill>
+              <a:effectLst/>
+              <a:uLnTx/>
+              <a:uFillTx/>
+              <a:latin typeface="Calibri"/>
+            </a:endParaRPr>
+          </a:p>
+        </p:txBody>
+      </p:sp>
+      <p:pic>
+        <p:nvPicPr>
+          <p:cNvPr id="20" name="Picture 2" descr="C:\Bruno\campus\unina\Stationery\Dipartimenti\DIETI\Logo_DIETI_Porte.png">
+            <a:extLst>
+              <a:ext uri="{FF2B5EF4-FFF2-40B4-BE49-F238E27FC236}">
+                <a16:creationId xmlns:a16="http://schemas.microsoft.com/office/drawing/2014/main" id="{628C671A-476C-4F3E-B679-B4161E5AC6E4}"/>
+              </a:ext>
+            </a:extLst>
+          </p:cNvPr>
+          <p:cNvPicPr>
+            <a:picLocks noChangeAspect="1" noChangeArrowheads="1"/>
+          </p:cNvPicPr>
+          <p:nvPr/>
+        </p:nvPicPr>
+        <p:blipFill>
+          <a:blip r:embed="rId12" cstate="print">
+            <a:extLst>
+              <a:ext uri="{28A0092B-C50C-407E-A947-70E740481C1C}">
+                <a14:useLocalDpi xmlns:a14="http://schemas.microsoft.com/office/drawing/2010/main" val="0"/>
+              </a:ext>
+            </a:extLst>
+          </a:blip>
+          <a:srcRect/>
+          <a:stretch>
+            <a:fillRect/>
+          </a:stretch>
+        </p:blipFill>
+        <p:spPr bwMode="auto">
+          <a:xfrm>
+            <a:off x="30673" y="6508622"/>
+            <a:ext cx="988444" cy="320576"/>
+          </a:xfrm>
+          <a:prstGeom prst="rect">
+            <a:avLst/>
+          </a:prstGeom>
+          <a:noFill/>
+          <a:extLst>
+            <a:ext uri="{909E8E84-426E-40DD-AFC4-6F175D3DCCD1}">
+              <a14:hiddenFill xmlns:a14="http://schemas.microsoft.com/office/drawing/2010/main">
+                <a:solidFill>
+                  <a:srgbClr val="FFFFFF"/>
+                </a:solidFill>
+              </a14:hiddenFill>
+            </a:ext>
+          </a:extLst>
+        </p:spPr>
+      </p:pic>
     </p:spTree>
     <p:extLst>
       <p:ext uri="{BB962C8B-B14F-4D97-AF65-F5344CB8AC3E}">
@@ -10958,7 +12818,7 @@
         </p:blipFill>
         <p:spPr>
           <a:xfrm>
-            <a:off x="3164633" y="1024555"/>
+            <a:off x="3164633" y="847319"/>
             <a:ext cx="3153746" cy="2365310"/>
           </a:xfrm>
           <a:prstGeom prst="rect">
@@ -10988,7 +12848,7 @@
         </p:blipFill>
         <p:spPr>
           <a:xfrm>
-            <a:off x="6071117" y="1024555"/>
+            <a:off x="6071117" y="847319"/>
             <a:ext cx="3057331" cy="2292998"/>
           </a:xfrm>
           <a:prstGeom prst="rect">
@@ -11018,7 +12878,7 @@
         </p:blipFill>
         <p:spPr>
           <a:xfrm>
-            <a:off x="41240" y="3409756"/>
+            <a:off x="41240" y="3106248"/>
             <a:ext cx="4555643" cy="3416732"/>
           </a:xfrm>
           <a:prstGeom prst="rect">
@@ -11048,7 +12908,7 @@
         </p:blipFill>
         <p:spPr>
           <a:xfrm>
-            <a:off x="4355091" y="3356688"/>
+            <a:off x="4334873" y="3029270"/>
             <a:ext cx="4658280" cy="3493710"/>
           </a:xfrm>
           <a:prstGeom prst="rect">
@@ -11078,12 +12938,136 @@
         </p:blipFill>
         <p:spPr>
           <a:xfrm>
-            <a:off x="15552" y="1006105"/>
+            <a:off x="15552" y="844071"/>
             <a:ext cx="3380791" cy="2371805"/>
           </a:xfrm>
           <a:prstGeom prst="rect">
             <a:avLst/>
           </a:prstGeom>
+        </p:spPr>
+      </p:pic>
+      <p:sp>
+        <p:nvSpPr>
+          <p:cNvPr id="8" name="Rettangolo 10">
+            <a:extLst>
+              <a:ext uri="{FF2B5EF4-FFF2-40B4-BE49-F238E27FC236}">
+                <a16:creationId xmlns:a16="http://schemas.microsoft.com/office/drawing/2014/main" id="{0DB9EFA4-D90D-430E-BB06-15F721ACF701}"/>
+              </a:ext>
+            </a:extLst>
+          </p:cNvPr>
+          <p:cNvSpPr/>
+          <p:nvPr/>
+        </p:nvSpPr>
+        <p:spPr>
+          <a:xfrm>
+            <a:off x="0" y="6488910"/>
+            <a:ext cx="9144000" cy="360000"/>
+          </a:xfrm>
+          <a:prstGeom prst="rect">
+            <a:avLst/>
+          </a:prstGeom>
+          <a:solidFill>
+            <a:srgbClr val="FFDC00"/>
+          </a:solidFill>
+          <a:ln w="9525" cap="flat" cmpd="sng" algn="ctr">
+            <a:solidFill>
+              <a:srgbClr val="162230"/>
+            </a:solidFill>
+            <a:prstDash val="solid"/>
+          </a:ln>
+          <a:effectLst/>
+        </p:spPr>
+        <p:txBody>
+          <a:bodyPr rtlCol="0" anchor="ctr"/>
+          <a:lstStyle/>
+          <a:p>
+            <a:pPr marL="0" marR="0" lvl="0" indent="0" algn="r" defTabSz="914400" eaLnBrk="1" fontAlgn="auto" latinLnBrk="0" hangingPunct="1">
+              <a:lnSpc>
+                <a:spcPct val="100000"/>
+              </a:lnSpc>
+              <a:spcBef>
+                <a:spcPts val="0"/>
+              </a:spcBef>
+              <a:spcAft>
+                <a:spcPts val="0"/>
+              </a:spcAft>
+              <a:buClrTx/>
+              <a:buSzTx/>
+              <a:buFontTx/>
+              <a:buNone/>
+              <a:tabLst/>
+              <a:defRPr/>
+            </a:pPr>
+            <a:r>
+              <a:rPr lang="it-IT" dirty="0">
+                <a:solidFill>
+                  <a:srgbClr val="162230"/>
+                </a:solidFill>
+                <a:latin typeface="Century Gothic"/>
+                <a:cs typeface="Century Gothic"/>
+              </a:rPr>
+              <a:t>6/20</a:t>
+            </a:r>
+            <a:endParaRPr kumimoji="0" lang="it-IT" sz="1800" b="0" i="0" u="none" strike="noStrike" kern="0" cap="none" spc="0" normalizeH="0" baseline="0" noProof="0" dirty="0">
+              <a:ln>
+                <a:noFill/>
+              </a:ln>
+              <a:solidFill>
+                <a:prstClr val="white"/>
+              </a:solidFill>
+              <a:effectLst/>
+              <a:uLnTx/>
+              <a:uFillTx/>
+              <a:latin typeface="Calibri"/>
+            </a:endParaRPr>
+          </a:p>
+        </p:txBody>
+      </p:sp>
+      <p:pic>
+        <p:nvPicPr>
+          <p:cNvPr id="10" name="Picture 2" descr="C:\Bruno\campus\unina\Stationery\Dipartimenti\DIETI\Logo_DIETI_Porte.png">
+            <a:extLst>
+              <a:ext uri="{FF2B5EF4-FFF2-40B4-BE49-F238E27FC236}">
+                <a16:creationId xmlns:a16="http://schemas.microsoft.com/office/drawing/2014/main" id="{7E3A116E-A34C-4CD5-AC6E-C7AA6EA50782}"/>
+              </a:ext>
+            </a:extLst>
+          </p:cNvPr>
+          <p:cNvPicPr>
+            <a:picLocks noChangeAspect="1" noChangeArrowheads="1"/>
+          </p:cNvPicPr>
+          <p:nvPr/>
+        </p:nvPicPr>
+        <p:blipFill>
+          <a:blip r:embed="rId7" cstate="print">
+            <a:extLst>
+              <a:ext uri="{28A0092B-C50C-407E-A947-70E740481C1C}">
+                <a14:useLocalDpi xmlns:a14="http://schemas.microsoft.com/office/drawing/2010/main" val="0"/>
+              </a:ext>
+            </a:extLst>
+          </a:blip>
+          <a:srcRect/>
+          <a:stretch>
+            <a:fillRect/>
+          </a:stretch>
+        </p:blipFill>
+        <p:spPr bwMode="auto">
+          <a:xfrm>
+            <a:off x="30673" y="6508622"/>
+            <a:ext cx="988444" cy="320576"/>
+          </a:xfrm>
+          <a:prstGeom prst="rect">
+            <a:avLst/>
+          </a:prstGeom>
+          <a:noFill/>
+          <a:extLst>
+            <a:ext uri="{909E8E84-426E-40DD-AFC4-6F175D3DCCD1}">
+              <a14:hiddenFill xmlns:a14="http://schemas.microsoft.com/office/drawing/2010/main">
+                <a:solidFill>
+                  <a:srgbClr val="FFFFFF"/>
+                </a:solidFill>
+              </a14:hiddenFill>
+            </a:ext>
+          </a:extLst>
         </p:spPr>
       </p:pic>
     </p:spTree>
@@ -11757,6 +13741,130 @@
           </a:p>
         </p:txBody>
       </p:sp>
+      <p:sp>
+        <p:nvSpPr>
+          <p:cNvPr id="17" name="Rettangolo 10">
+            <a:extLst>
+              <a:ext uri="{FF2B5EF4-FFF2-40B4-BE49-F238E27FC236}">
+                <a16:creationId xmlns:a16="http://schemas.microsoft.com/office/drawing/2014/main" id="{ED26272F-2306-4A40-BE56-08223879186C}"/>
+              </a:ext>
+            </a:extLst>
+          </p:cNvPr>
+          <p:cNvSpPr/>
+          <p:nvPr/>
+        </p:nvSpPr>
+        <p:spPr>
+          <a:xfrm>
+            <a:off x="0" y="6488910"/>
+            <a:ext cx="9144000" cy="360000"/>
+          </a:xfrm>
+          <a:prstGeom prst="rect">
+            <a:avLst/>
+          </a:prstGeom>
+          <a:solidFill>
+            <a:srgbClr val="FFDC00"/>
+          </a:solidFill>
+          <a:ln w="9525" cap="flat" cmpd="sng" algn="ctr">
+            <a:solidFill>
+              <a:srgbClr val="162230"/>
+            </a:solidFill>
+            <a:prstDash val="solid"/>
+          </a:ln>
+          <a:effectLst/>
+        </p:spPr>
+        <p:txBody>
+          <a:bodyPr rtlCol="0" anchor="ctr"/>
+          <a:lstStyle/>
+          <a:p>
+            <a:pPr marL="0" marR="0" lvl="0" indent="0" algn="r" defTabSz="914400" eaLnBrk="1" fontAlgn="auto" latinLnBrk="0" hangingPunct="1">
+              <a:lnSpc>
+                <a:spcPct val="100000"/>
+              </a:lnSpc>
+              <a:spcBef>
+                <a:spcPts val="0"/>
+              </a:spcBef>
+              <a:spcAft>
+                <a:spcPts val="0"/>
+              </a:spcAft>
+              <a:buClrTx/>
+              <a:buSzTx/>
+              <a:buFontTx/>
+              <a:buNone/>
+              <a:tabLst/>
+              <a:defRPr/>
+            </a:pPr>
+            <a:r>
+              <a:rPr lang="it-IT" dirty="0">
+                <a:solidFill>
+                  <a:srgbClr val="162230"/>
+                </a:solidFill>
+                <a:latin typeface="Century Gothic"/>
+                <a:cs typeface="Century Gothic"/>
+              </a:rPr>
+              <a:t>7/20</a:t>
+            </a:r>
+            <a:endParaRPr kumimoji="0" lang="it-IT" sz="1800" b="0" i="0" u="none" strike="noStrike" kern="0" cap="none" spc="0" normalizeH="0" baseline="0" noProof="0" dirty="0">
+              <a:ln>
+                <a:noFill/>
+              </a:ln>
+              <a:solidFill>
+                <a:prstClr val="white"/>
+              </a:solidFill>
+              <a:effectLst/>
+              <a:uLnTx/>
+              <a:uFillTx/>
+              <a:latin typeface="Calibri"/>
+            </a:endParaRPr>
+          </a:p>
+        </p:txBody>
+      </p:sp>
+      <p:pic>
+        <p:nvPicPr>
+          <p:cNvPr id="18" name="Picture 2" descr="C:\Bruno\campus\unina\Stationery\Dipartimenti\DIETI\Logo_DIETI_Porte.png">
+            <a:extLst>
+              <a:ext uri="{FF2B5EF4-FFF2-40B4-BE49-F238E27FC236}">
+                <a16:creationId xmlns:a16="http://schemas.microsoft.com/office/drawing/2014/main" id="{FC526F95-4B9B-47D6-B488-531765933C0B}"/>
+              </a:ext>
+            </a:extLst>
+          </p:cNvPr>
+          <p:cNvPicPr>
+            <a:picLocks noChangeAspect="1" noChangeArrowheads="1"/>
+          </p:cNvPicPr>
+          <p:nvPr/>
+        </p:nvPicPr>
+        <p:blipFill>
+          <a:blip r:embed="rId11" cstate="print">
+            <a:extLst>
+              <a:ext uri="{28A0092B-C50C-407E-A947-70E740481C1C}">
+                <a14:useLocalDpi xmlns:a14="http://schemas.microsoft.com/office/drawing/2010/main" val="0"/>
+              </a:ext>
+            </a:extLst>
+          </a:blip>
+          <a:srcRect/>
+          <a:stretch>
+            <a:fillRect/>
+          </a:stretch>
+        </p:blipFill>
+        <p:spPr bwMode="auto">
+          <a:xfrm>
+            <a:off x="30673" y="6508622"/>
+            <a:ext cx="988444" cy="320576"/>
+          </a:xfrm>
+          <a:prstGeom prst="rect">
+            <a:avLst/>
+          </a:prstGeom>
+          <a:noFill/>
+          <a:extLst>
+            <a:ext uri="{909E8E84-426E-40DD-AFC4-6F175D3DCCD1}">
+              <a14:hiddenFill xmlns:a14="http://schemas.microsoft.com/office/drawing/2010/main">
+                <a:solidFill>
+                  <a:srgbClr val="FFFFFF"/>
+                </a:solidFill>
+              </a14:hiddenFill>
+            </a:ext>
+          </a:extLst>
+        </p:spPr>
+      </p:pic>
     </p:spTree>
     <p:extLst>
       <p:ext uri="{BB962C8B-B14F-4D97-AF65-F5344CB8AC3E}">
@@ -11862,7 +13970,7 @@
         </p:blipFill>
         <p:spPr>
           <a:xfrm>
-            <a:off x="1040722" y="1466879"/>
+            <a:off x="1040722" y="1358040"/>
             <a:ext cx="6745312" cy="935640"/>
           </a:xfrm>
           <a:prstGeom prst="rect">
@@ -11884,7 +13992,7 @@
         </p:nvSpPr>
         <p:spPr>
           <a:xfrm>
-            <a:off x="1861457" y="1005214"/>
+            <a:off x="1861457" y="919658"/>
             <a:ext cx="5421086" cy="461665"/>
           </a:xfrm>
           <a:prstGeom prst="rect">
@@ -11938,7 +14046,7 @@
         </p:nvSpPr>
         <p:spPr>
           <a:xfrm>
-            <a:off x="3795487" y="2585478"/>
+            <a:off x="3795487" y="2501113"/>
             <a:ext cx="335902" cy="504101"/>
           </a:xfrm>
           <a:prstGeom prst="downArrow">
@@ -11994,7 +14102,7 @@
         </p:blipFill>
         <p:spPr>
           <a:xfrm>
-            <a:off x="1022917" y="3787981"/>
+            <a:off x="1009284" y="3690723"/>
             <a:ext cx="7098166" cy="373297"/>
           </a:xfrm>
           <a:prstGeom prst="rect">
@@ -12016,7 +14124,7 @@
         </p:nvSpPr>
         <p:spPr>
           <a:xfrm>
-            <a:off x="4329404" y="4268833"/>
+            <a:off x="4329404" y="4127497"/>
             <a:ext cx="335902" cy="504101"/>
           </a:xfrm>
           <a:prstGeom prst="downArrow">
@@ -12060,7 +14168,7 @@
         </p:nvSpPr>
         <p:spPr>
           <a:xfrm>
-            <a:off x="2593910" y="3272538"/>
+            <a:off x="2593908" y="3117136"/>
             <a:ext cx="3806890" cy="461665"/>
           </a:xfrm>
           <a:prstGeom prst="rect">
@@ -12115,7 +14223,7 @@
         </p:blipFill>
         <p:spPr>
           <a:xfrm>
-            <a:off x="4572000" y="2730080"/>
+            <a:off x="4572000" y="2599578"/>
             <a:ext cx="1055086" cy="170971"/>
           </a:xfrm>
           <a:prstGeom prst="rect">
@@ -12149,7 +14257,7 @@
         </p:blipFill>
         <p:spPr>
           <a:xfrm>
-            <a:off x="3544540" y="5560652"/>
+            <a:off x="3544540" y="5372067"/>
             <a:ext cx="1905627" cy="1048981"/>
           </a:xfrm>
           <a:prstGeom prst="rect">
@@ -12171,7 +14279,7 @@
         </p:nvSpPr>
         <p:spPr>
           <a:xfrm>
-            <a:off x="2836505" y="4944045"/>
+            <a:off x="2855166" y="4844600"/>
             <a:ext cx="3321698" cy="461665"/>
           </a:xfrm>
           <a:prstGeom prst="rect">
@@ -12200,6 +14308,130 @@
           </a:p>
         </p:txBody>
       </p:sp>
+      <p:sp>
+        <p:nvSpPr>
+          <p:cNvPr id="12" name="Rettangolo 10">
+            <a:extLst>
+              <a:ext uri="{FF2B5EF4-FFF2-40B4-BE49-F238E27FC236}">
+                <a16:creationId xmlns:a16="http://schemas.microsoft.com/office/drawing/2014/main" id="{70F68CFE-5272-4BE0-A39B-0CFE3E2D73D2}"/>
+              </a:ext>
+            </a:extLst>
+          </p:cNvPr>
+          <p:cNvSpPr/>
+          <p:nvPr/>
+        </p:nvSpPr>
+        <p:spPr>
+          <a:xfrm>
+            <a:off x="0" y="6488910"/>
+            <a:ext cx="9144000" cy="360000"/>
+          </a:xfrm>
+          <a:prstGeom prst="rect">
+            <a:avLst/>
+          </a:prstGeom>
+          <a:solidFill>
+            <a:srgbClr val="FFDC00"/>
+          </a:solidFill>
+          <a:ln w="9525" cap="flat" cmpd="sng" algn="ctr">
+            <a:solidFill>
+              <a:srgbClr val="162230"/>
+            </a:solidFill>
+            <a:prstDash val="solid"/>
+          </a:ln>
+          <a:effectLst/>
+        </p:spPr>
+        <p:txBody>
+          <a:bodyPr rtlCol="0" anchor="ctr"/>
+          <a:lstStyle/>
+          <a:p>
+            <a:pPr marL="0" marR="0" lvl="0" indent="0" algn="r" defTabSz="914400" eaLnBrk="1" fontAlgn="auto" latinLnBrk="0" hangingPunct="1">
+              <a:lnSpc>
+                <a:spcPct val="100000"/>
+              </a:lnSpc>
+              <a:spcBef>
+                <a:spcPts val="0"/>
+              </a:spcBef>
+              <a:spcAft>
+                <a:spcPts val="0"/>
+              </a:spcAft>
+              <a:buClrTx/>
+              <a:buSzTx/>
+              <a:buFontTx/>
+              <a:buNone/>
+              <a:tabLst/>
+              <a:defRPr/>
+            </a:pPr>
+            <a:r>
+              <a:rPr lang="it-IT" dirty="0">
+                <a:solidFill>
+                  <a:srgbClr val="162230"/>
+                </a:solidFill>
+                <a:latin typeface="Century Gothic"/>
+                <a:cs typeface="Century Gothic"/>
+              </a:rPr>
+              <a:t>8/20</a:t>
+            </a:r>
+            <a:endParaRPr kumimoji="0" lang="it-IT" sz="1800" b="0" i="0" u="none" strike="noStrike" kern="0" cap="none" spc="0" normalizeH="0" baseline="0" noProof="0" dirty="0">
+              <a:ln>
+                <a:noFill/>
+              </a:ln>
+              <a:solidFill>
+                <a:prstClr val="white"/>
+              </a:solidFill>
+              <a:effectLst/>
+              <a:uLnTx/>
+              <a:uFillTx/>
+              <a:latin typeface="Calibri"/>
+            </a:endParaRPr>
+          </a:p>
+        </p:txBody>
+      </p:sp>
+      <p:pic>
+        <p:nvPicPr>
+          <p:cNvPr id="13" name="Picture 2" descr="C:\Bruno\campus\unina\Stationery\Dipartimenti\DIETI\Logo_DIETI_Porte.png">
+            <a:extLst>
+              <a:ext uri="{FF2B5EF4-FFF2-40B4-BE49-F238E27FC236}">
+                <a16:creationId xmlns:a16="http://schemas.microsoft.com/office/drawing/2014/main" id="{B0654408-11E1-4E9F-88CE-A8FA7EAE356D}"/>
+              </a:ext>
+            </a:extLst>
+          </p:cNvPr>
+          <p:cNvPicPr>
+            <a:picLocks noChangeAspect="1" noChangeArrowheads="1"/>
+          </p:cNvPicPr>
+          <p:nvPr/>
+        </p:nvPicPr>
+        <p:blipFill>
+          <a:blip r:embed="rId9" cstate="print">
+            <a:extLst>
+              <a:ext uri="{28A0092B-C50C-407E-A947-70E740481C1C}">
+                <a14:useLocalDpi xmlns:a14="http://schemas.microsoft.com/office/drawing/2010/main" val="0"/>
+              </a:ext>
+            </a:extLst>
+          </a:blip>
+          <a:srcRect/>
+          <a:stretch>
+            <a:fillRect/>
+          </a:stretch>
+        </p:blipFill>
+        <p:spPr bwMode="auto">
+          <a:xfrm>
+            <a:off x="30673" y="6508622"/>
+            <a:ext cx="988444" cy="320576"/>
+          </a:xfrm>
+          <a:prstGeom prst="rect">
+            <a:avLst/>
+          </a:prstGeom>
+          <a:noFill/>
+          <a:extLst>
+            <a:ext uri="{909E8E84-426E-40DD-AFC4-6F175D3DCCD1}">
+              <a14:hiddenFill xmlns:a14="http://schemas.microsoft.com/office/drawing/2010/main">
+                <a:solidFill>
+                  <a:srgbClr val="FFFFFF"/>
+                </a:solidFill>
+              </a14:hiddenFill>
+            </a:ext>
+          </a:extLst>
+        </p:spPr>
+      </p:pic>
     </p:spTree>
     <p:extLst>
       <p:ext uri="{BB962C8B-B14F-4D97-AF65-F5344CB8AC3E}">
